--- a/Description/InputEventReservation.pptx
+++ b/Description/InputEventReservation.pptx
@@ -3203,7 +3203,7 @@
             </a:r>
             <a:r>
               <a:rPr lang="de-CH" sz="1100" b="1" dirty="0" err="1"/>
-              <a:t>_div_head</a:t>
+              <a:t>_div_header</a:t>
             </a:r>
             <a:endParaRPr lang="de-CH" b="1" dirty="0"/>
           </a:p>
@@ -3591,8 +3591,8 @@
         </p:nvSpPr>
         <p:spPr>
           <a:xfrm>
-            <a:off x="5820417" y="2305215"/>
-            <a:ext cx="2554665" cy="237439"/>
+            <a:off x="5820418" y="2305215"/>
+            <a:ext cx="2098098" cy="237439"/>
           </a:xfrm>
           <a:prstGeom prst="rect">
             <a:avLst/>
@@ -3663,7 +3663,7 @@
             </a:r>
             <a:r>
               <a:rPr lang="de-CH" sz="1100" b="1" dirty="0" err="1"/>
-              <a:t>_name</a:t>
+              <a:t>_div_name</a:t>
             </a:r>
             <a:endParaRPr lang="de-CH" b="1" dirty="0"/>
           </a:p>
@@ -3683,8 +3683,8 @@
         </p:nvSpPr>
         <p:spPr>
           <a:xfrm>
-            <a:off x="8478778" y="2305214"/>
-            <a:ext cx="1461824" cy="237439"/>
+            <a:off x="8187216" y="2305214"/>
+            <a:ext cx="1753386" cy="237439"/>
           </a:xfrm>
           <a:prstGeom prst="rect">
             <a:avLst/>
@@ -3735,8 +3735,8 @@
         </p:nvSpPr>
         <p:spPr>
           <a:xfrm>
-            <a:off x="8478778" y="2284004"/>
-            <a:ext cx="1461824" cy="261610"/>
+            <a:off x="8144762" y="2295009"/>
+            <a:ext cx="1941904" cy="261610"/>
           </a:xfrm>
           <a:prstGeom prst="rect">
             <a:avLst/>
@@ -3755,7 +3755,7 @@
             </a:r>
             <a:r>
               <a:rPr lang="de-CH" sz="1100" b="1" dirty="0" err="1"/>
-              <a:t>_name_info</a:t>
+              <a:t>_div_info_name</a:t>
             </a:r>
             <a:endParaRPr lang="de-CH" b="1" dirty="0"/>
           </a:p>
@@ -3959,8 +3959,8 @@
         </p:nvSpPr>
         <p:spPr>
           <a:xfrm>
-            <a:off x="5820417" y="3377683"/>
-            <a:ext cx="2554665" cy="237439"/>
+            <a:off x="5820418" y="3377683"/>
+            <a:ext cx="2098098" cy="237439"/>
           </a:xfrm>
           <a:prstGeom prst="rect">
             <a:avLst/>
@@ -4031,7 +4031,7 @@
             </a:r>
             <a:r>
               <a:rPr lang="de-CH" sz="1100" b="1" dirty="0" err="1"/>
-              <a:t>_label</a:t>
+              <a:t>_div_email</a:t>
             </a:r>
             <a:endParaRPr lang="de-CH" b="1" dirty="0"/>
           </a:p>
@@ -4051,8 +4051,8 @@
         </p:nvSpPr>
         <p:spPr>
           <a:xfrm>
-            <a:off x="8478778" y="3377682"/>
-            <a:ext cx="1461824" cy="237439"/>
+            <a:off x="8187216" y="3377682"/>
+            <a:ext cx="1753386" cy="237439"/>
           </a:xfrm>
           <a:prstGeom prst="rect">
             <a:avLst/>
@@ -4103,8 +4103,8 @@
         </p:nvSpPr>
         <p:spPr>
           <a:xfrm>
-            <a:off x="8478778" y="3356472"/>
-            <a:ext cx="1461824" cy="261610"/>
+            <a:off x="8134099" y="3346380"/>
+            <a:ext cx="1805562" cy="261610"/>
           </a:xfrm>
           <a:prstGeom prst="rect">
             <a:avLst/>
@@ -4123,7 +4123,7 @@
             </a:r>
             <a:r>
               <a:rPr lang="de-CH" sz="1100" b="1" dirty="0" err="1"/>
-              <a:t>_label_info</a:t>
+              <a:t>_div_info_email</a:t>
             </a:r>
             <a:endParaRPr lang="de-CH" b="1" dirty="0"/>
           </a:p>
@@ -4327,8 +4327,8 @@
         </p:nvSpPr>
         <p:spPr>
           <a:xfrm>
-            <a:off x="5828891" y="4451283"/>
-            <a:ext cx="2554665" cy="237439"/>
+            <a:off x="5828892" y="4451283"/>
+            <a:ext cx="2098098" cy="237439"/>
           </a:xfrm>
           <a:prstGeom prst="rect">
             <a:avLst/>
@@ -4399,7 +4399,7 @@
             </a:r>
             <a:r>
               <a:rPr lang="de-CH" sz="1100" b="1" dirty="0" err="1"/>
-              <a:t>_remark</a:t>
+              <a:t>_div_remark</a:t>
             </a:r>
             <a:endParaRPr lang="de-CH" b="1" dirty="0"/>
           </a:p>
@@ -4419,8 +4419,8 @@
         </p:nvSpPr>
         <p:spPr>
           <a:xfrm>
-            <a:off x="8487252" y="4451282"/>
-            <a:ext cx="1461824" cy="237439"/>
+            <a:off x="8195690" y="4451282"/>
+            <a:ext cx="1753386" cy="237439"/>
           </a:xfrm>
           <a:prstGeom prst="rect">
             <a:avLst/>
@@ -4471,8 +4471,8 @@
         </p:nvSpPr>
         <p:spPr>
           <a:xfrm>
-            <a:off x="8487252" y="4430072"/>
-            <a:ext cx="1461824" cy="430887"/>
+            <a:off x="8158655" y="4420742"/>
+            <a:ext cx="1840047" cy="261610"/>
           </a:xfrm>
           <a:prstGeom prst="rect">
             <a:avLst/>
@@ -4491,7 +4491,7 @@
             </a:r>
             <a:r>
               <a:rPr lang="de-CH" sz="1100" b="1" dirty="0" err="1"/>
-              <a:t>_remark_info</a:t>
+              <a:t>_div_info_remark</a:t>
             </a:r>
             <a:endParaRPr lang="de-CH" b="1" dirty="0"/>
           </a:p>
@@ -4603,8 +4603,8 @@
         </p:nvSpPr>
         <p:spPr>
           <a:xfrm>
-            <a:off x="5819476" y="5274681"/>
-            <a:ext cx="2554665" cy="237439"/>
+            <a:off x="5819477" y="5274681"/>
+            <a:ext cx="2098098" cy="237439"/>
           </a:xfrm>
           <a:prstGeom prst="rect">
             <a:avLst/>
@@ -4695,8 +4695,8 @@
         </p:nvSpPr>
         <p:spPr>
           <a:xfrm>
-            <a:off x="8477837" y="5274680"/>
-            <a:ext cx="1461824" cy="237439"/>
+            <a:off x="8186275" y="5274680"/>
+            <a:ext cx="1753386" cy="237439"/>
           </a:xfrm>
           <a:prstGeom prst="rect">
             <a:avLst/>
@@ -4747,7 +4747,7 @@
         </p:nvSpPr>
         <p:spPr>
           <a:xfrm>
-            <a:off x="8477837" y="5253470"/>
+            <a:off x="8144762" y="5254163"/>
             <a:ext cx="1853940" cy="261610"/>
           </a:xfrm>
           <a:prstGeom prst="rect">
@@ -4763,11 +4763,19 @@
           <a:p>
             <a:r>
               <a:rPr lang="de-CH" sz="1100" b="1" i="1" dirty="0" err="1"/>
-              <a:t>id_unique</a:t>
+              <a:t>id_</a:t>
+            </a:r>
+            <a:r>
+              <a:rPr lang="de-CH" sz="1100" b="1" i="1" err="1"/>
+              <a:t>unique</a:t>
+            </a:r>
+            <a:r>
+              <a:rPr lang="de-CH" sz="1100" b="1"/>
+              <a:t>_div_info</a:t>
             </a:r>
             <a:r>
               <a:rPr lang="de-CH" sz="1100" b="1" dirty="0" err="1"/>
-              <a:t>_button_info</a:t>
+              <a:t>_button</a:t>
             </a:r>
             <a:endParaRPr lang="de-CH" b="1" dirty="0"/>
           </a:p>

--- a/Description/InputEventReservation.pptx
+++ b/Description/InputEventReservation.pptx
@@ -269,7 +269,7 @@
           <a:p>
             <a:fld id="{DDCE6D58-9B57-4731-A47B-3CD41B48F0A9}" type="datetimeFigureOut">
               <a:rPr lang="de-CH" smtClean="0"/>
-              <a:t>17.12.2024</a:t>
+              <a:t>18.12.2024</a:t>
             </a:fld>
             <a:endParaRPr lang="de-CH"/>
           </a:p>
@@ -439,7 +439,7 @@
           <a:p>
             <a:fld id="{DDCE6D58-9B57-4731-A47B-3CD41B48F0A9}" type="datetimeFigureOut">
               <a:rPr lang="de-CH" smtClean="0"/>
-              <a:t>17.12.2024</a:t>
+              <a:t>18.12.2024</a:t>
             </a:fld>
             <a:endParaRPr lang="de-CH"/>
           </a:p>
@@ -619,7 +619,7 @@
           <a:p>
             <a:fld id="{DDCE6D58-9B57-4731-A47B-3CD41B48F0A9}" type="datetimeFigureOut">
               <a:rPr lang="de-CH" smtClean="0"/>
-              <a:t>17.12.2024</a:t>
+              <a:t>18.12.2024</a:t>
             </a:fld>
             <a:endParaRPr lang="de-CH"/>
           </a:p>
@@ -789,7 +789,7 @@
           <a:p>
             <a:fld id="{DDCE6D58-9B57-4731-A47B-3CD41B48F0A9}" type="datetimeFigureOut">
               <a:rPr lang="de-CH" smtClean="0"/>
-              <a:t>17.12.2024</a:t>
+              <a:t>18.12.2024</a:t>
             </a:fld>
             <a:endParaRPr lang="de-CH"/>
           </a:p>
@@ -1035,7 +1035,7 @@
           <a:p>
             <a:fld id="{DDCE6D58-9B57-4731-A47B-3CD41B48F0A9}" type="datetimeFigureOut">
               <a:rPr lang="de-CH" smtClean="0"/>
-              <a:t>17.12.2024</a:t>
+              <a:t>18.12.2024</a:t>
             </a:fld>
             <a:endParaRPr lang="de-CH"/>
           </a:p>
@@ -1267,7 +1267,7 @@
           <a:p>
             <a:fld id="{DDCE6D58-9B57-4731-A47B-3CD41B48F0A9}" type="datetimeFigureOut">
               <a:rPr lang="de-CH" smtClean="0"/>
-              <a:t>17.12.2024</a:t>
+              <a:t>18.12.2024</a:t>
             </a:fld>
             <a:endParaRPr lang="de-CH"/>
           </a:p>
@@ -1634,7 +1634,7 @@
           <a:p>
             <a:fld id="{DDCE6D58-9B57-4731-A47B-3CD41B48F0A9}" type="datetimeFigureOut">
               <a:rPr lang="de-CH" smtClean="0"/>
-              <a:t>17.12.2024</a:t>
+              <a:t>18.12.2024</a:t>
             </a:fld>
             <a:endParaRPr lang="de-CH"/>
           </a:p>
@@ -1752,7 +1752,7 @@
           <a:p>
             <a:fld id="{DDCE6D58-9B57-4731-A47B-3CD41B48F0A9}" type="datetimeFigureOut">
               <a:rPr lang="de-CH" smtClean="0"/>
-              <a:t>17.12.2024</a:t>
+              <a:t>18.12.2024</a:t>
             </a:fld>
             <a:endParaRPr lang="de-CH"/>
           </a:p>
@@ -1847,7 +1847,7 @@
           <a:p>
             <a:fld id="{DDCE6D58-9B57-4731-A47B-3CD41B48F0A9}" type="datetimeFigureOut">
               <a:rPr lang="de-CH" smtClean="0"/>
-              <a:t>17.12.2024</a:t>
+              <a:t>18.12.2024</a:t>
             </a:fld>
             <a:endParaRPr lang="de-CH"/>
           </a:p>
@@ -2124,7 +2124,7 @@
           <a:p>
             <a:fld id="{DDCE6D58-9B57-4731-A47B-3CD41B48F0A9}" type="datetimeFigureOut">
               <a:rPr lang="de-CH" smtClean="0"/>
-              <a:t>17.12.2024</a:t>
+              <a:t>18.12.2024</a:t>
             </a:fld>
             <a:endParaRPr lang="de-CH"/>
           </a:p>
@@ -2377,7 +2377,7 @@
           <a:p>
             <a:fld id="{DDCE6D58-9B57-4731-A47B-3CD41B48F0A9}" type="datetimeFigureOut">
               <a:rPr lang="de-CH" smtClean="0"/>
-              <a:t>17.12.2024</a:t>
+              <a:t>18.12.2024</a:t>
             </a:fld>
             <a:endParaRPr lang="de-CH"/>
           </a:p>
@@ -2590,7 +2590,7 @@
           <a:p>
             <a:fld id="{DDCE6D58-9B57-4731-A47B-3CD41B48F0A9}" type="datetimeFigureOut">
               <a:rPr lang="de-CH" smtClean="0"/>
-              <a:t>17.12.2024</a:t>
+              <a:t>18.12.2024</a:t>
             </a:fld>
             <a:endParaRPr lang="de-CH"/>
           </a:p>

--- a/Description/InputEventReservation.pptx
+++ b/Description/InputEventReservation.pptx
@@ -6,9 +6,11 @@
   </p:sldMasterIdLst>
   <p:sldIdLst>
     <p:sldId id="267" r:id="rId2"/>
-    <p:sldId id="270" r:id="rId3"/>
-    <p:sldId id="283" r:id="rId4"/>
-    <p:sldId id="285" r:id="rId5"/>
+    <p:sldId id="283" r:id="rId3"/>
+    <p:sldId id="270" r:id="rId4"/>
+    <p:sldId id="286" r:id="rId5"/>
+    <p:sldId id="284" r:id="rId6"/>
+    <p:sldId id="285" r:id="rId7"/>
   </p:sldIdLst>
   <p:sldSz cx="12192000" cy="6858000"/>
   <p:notesSz cx="6661150" cy="9866313"/>
@@ -269,7 +271,7 @@
           <a:p>
             <a:fld id="{DDCE6D58-9B57-4731-A47B-3CD41B48F0A9}" type="datetimeFigureOut">
               <a:rPr lang="de-CH" smtClean="0"/>
-              <a:t>18.12.2024</a:t>
+              <a:t>20.12.2024</a:t>
             </a:fld>
             <a:endParaRPr lang="de-CH"/>
           </a:p>
@@ -439,7 +441,7 @@
           <a:p>
             <a:fld id="{DDCE6D58-9B57-4731-A47B-3CD41B48F0A9}" type="datetimeFigureOut">
               <a:rPr lang="de-CH" smtClean="0"/>
-              <a:t>18.12.2024</a:t>
+              <a:t>20.12.2024</a:t>
             </a:fld>
             <a:endParaRPr lang="de-CH"/>
           </a:p>
@@ -619,7 +621,7 @@
           <a:p>
             <a:fld id="{DDCE6D58-9B57-4731-A47B-3CD41B48F0A9}" type="datetimeFigureOut">
               <a:rPr lang="de-CH" smtClean="0"/>
-              <a:t>18.12.2024</a:t>
+              <a:t>20.12.2024</a:t>
             </a:fld>
             <a:endParaRPr lang="de-CH"/>
           </a:p>
@@ -789,7 +791,7 @@
           <a:p>
             <a:fld id="{DDCE6D58-9B57-4731-A47B-3CD41B48F0A9}" type="datetimeFigureOut">
               <a:rPr lang="de-CH" smtClean="0"/>
-              <a:t>18.12.2024</a:t>
+              <a:t>20.12.2024</a:t>
             </a:fld>
             <a:endParaRPr lang="de-CH"/>
           </a:p>
@@ -1035,7 +1037,7 @@
           <a:p>
             <a:fld id="{DDCE6D58-9B57-4731-A47B-3CD41B48F0A9}" type="datetimeFigureOut">
               <a:rPr lang="de-CH" smtClean="0"/>
-              <a:t>18.12.2024</a:t>
+              <a:t>20.12.2024</a:t>
             </a:fld>
             <a:endParaRPr lang="de-CH"/>
           </a:p>
@@ -1267,7 +1269,7 @@
           <a:p>
             <a:fld id="{DDCE6D58-9B57-4731-A47B-3CD41B48F0A9}" type="datetimeFigureOut">
               <a:rPr lang="de-CH" smtClean="0"/>
-              <a:t>18.12.2024</a:t>
+              <a:t>20.12.2024</a:t>
             </a:fld>
             <a:endParaRPr lang="de-CH"/>
           </a:p>
@@ -1634,7 +1636,7 @@
           <a:p>
             <a:fld id="{DDCE6D58-9B57-4731-A47B-3CD41B48F0A9}" type="datetimeFigureOut">
               <a:rPr lang="de-CH" smtClean="0"/>
-              <a:t>18.12.2024</a:t>
+              <a:t>20.12.2024</a:t>
             </a:fld>
             <a:endParaRPr lang="de-CH"/>
           </a:p>
@@ -1752,7 +1754,7 @@
           <a:p>
             <a:fld id="{DDCE6D58-9B57-4731-A47B-3CD41B48F0A9}" type="datetimeFigureOut">
               <a:rPr lang="de-CH" smtClean="0"/>
-              <a:t>18.12.2024</a:t>
+              <a:t>20.12.2024</a:t>
             </a:fld>
             <a:endParaRPr lang="de-CH"/>
           </a:p>
@@ -1847,7 +1849,7 @@
           <a:p>
             <a:fld id="{DDCE6D58-9B57-4731-A47B-3CD41B48F0A9}" type="datetimeFigureOut">
               <a:rPr lang="de-CH" smtClean="0"/>
-              <a:t>18.12.2024</a:t>
+              <a:t>20.12.2024</a:t>
             </a:fld>
             <a:endParaRPr lang="de-CH"/>
           </a:p>
@@ -2124,7 +2126,7 @@
           <a:p>
             <a:fld id="{DDCE6D58-9B57-4731-A47B-3CD41B48F0A9}" type="datetimeFigureOut">
               <a:rPr lang="de-CH" smtClean="0"/>
-              <a:t>18.12.2024</a:t>
+              <a:t>20.12.2024</a:t>
             </a:fld>
             <a:endParaRPr lang="de-CH"/>
           </a:p>
@@ -2377,7 +2379,7 @@
           <a:p>
             <a:fld id="{DDCE6D58-9B57-4731-A47B-3CD41B48F0A9}" type="datetimeFigureOut">
               <a:rPr lang="de-CH" smtClean="0"/>
-              <a:t>18.12.2024</a:t>
+              <a:t>20.12.2024</a:t>
             </a:fld>
             <a:endParaRPr lang="de-CH"/>
           </a:p>
@@ -2590,7 +2592,7 @@
           <a:p>
             <a:fld id="{DDCE6D58-9B57-4731-A47B-3CD41B48F0A9}" type="datetimeFigureOut">
               <a:rPr lang="de-CH" smtClean="0"/>
-              <a:t>18.12.2024</a:t>
+              <a:t>20.12.2024</a:t>
             </a:fld>
             <a:endParaRPr lang="de-CH"/>
           </a:p>
@@ -5459,10 +5461,1096 @@
           <a:chExt cx="0" cy="0"/>
         </a:xfrm>
       </p:grpSpPr>
+      <p:sp>
+        <p:nvSpPr>
+          <p:cNvPr id="2" name="Textfeld 1">
+            <a:extLst>
+              <a:ext uri="{FF2B5EF4-FFF2-40B4-BE49-F238E27FC236}">
+                <a16:creationId xmlns:a16="http://schemas.microsoft.com/office/drawing/2014/main" id="{E37C5640-4119-299C-C5A9-B3E4BF88F9C8}"/>
+              </a:ext>
+            </a:extLst>
+          </p:cNvPr>
+          <p:cNvSpPr txBox="1"/>
+          <p:nvPr/>
+        </p:nvSpPr>
+        <p:spPr>
+          <a:xfrm>
+            <a:off x="0" y="270415"/>
+            <a:ext cx="12192000" cy="369332"/>
+          </a:xfrm>
+          <a:prstGeom prst="rect">
+            <a:avLst/>
+          </a:prstGeom>
+          <a:noFill/>
+        </p:spPr>
+        <p:txBody>
+          <a:bodyPr wrap="square">
+            <a:spAutoFit/>
+          </a:bodyPr>
+          <a:lstStyle/>
+          <a:p>
+            <a:pPr algn="ctr"/>
+            <a:r>
+              <a:rPr lang="de-CH" b="1" dirty="0">
+                <a:latin typeface="Arial" panose="020B0604020202020204" pitchFamily="34" charset="0"/>
+                <a:cs typeface="Arial" panose="020B0604020202020204" pitchFamily="34" charset="0"/>
+              </a:rPr>
+              <a:t>EventReservation.htm</a:t>
+            </a:r>
+          </a:p>
+        </p:txBody>
+      </p:sp>
+      <p:sp>
+        <p:nvSpPr>
+          <p:cNvPr id="3" name="Rechteck 2">
+            <a:extLst>
+              <a:ext uri="{FF2B5EF4-FFF2-40B4-BE49-F238E27FC236}">
+                <a16:creationId xmlns:a16="http://schemas.microsoft.com/office/drawing/2014/main" id="{5589BFB1-0E5A-52EF-A6E6-82CED99E30C2}"/>
+              </a:ext>
+            </a:extLst>
+          </p:cNvPr>
+          <p:cNvSpPr/>
+          <p:nvPr/>
+        </p:nvSpPr>
+        <p:spPr>
+          <a:xfrm>
+            <a:off x="1159837" y="968249"/>
+            <a:ext cx="9763920" cy="570469"/>
+          </a:xfrm>
+          <a:prstGeom prst="rect">
+            <a:avLst/>
+          </a:prstGeom>
+          <a:noFill/>
+          <a:ln w="19050">
+            <a:solidFill>
+              <a:schemeClr val="tx1"/>
+            </a:solidFill>
+          </a:ln>
+        </p:spPr>
+        <p:style>
+          <a:lnRef idx="2">
+            <a:schemeClr val="accent1">
+              <a:shade val="50000"/>
+            </a:schemeClr>
+          </a:lnRef>
+          <a:fillRef idx="1">
+            <a:schemeClr val="accent1"/>
+          </a:fillRef>
+          <a:effectRef idx="0">
+            <a:schemeClr val="accent1"/>
+          </a:effectRef>
+          <a:fontRef idx="minor">
+            <a:schemeClr val="lt1"/>
+          </a:fontRef>
+        </p:style>
+        <p:txBody>
+          <a:bodyPr rtlCol="0" anchor="ctr"/>
+          <a:lstStyle/>
+          <a:p>
+            <a:pPr algn="ctr"/>
+            <a:r>
+              <a:rPr lang="de-CH" dirty="0" err="1">
+                <a:solidFill>
+                  <a:schemeClr val="tx1"/>
+                </a:solidFill>
+                <a:latin typeface="Arial" panose="020B0604020202020204" pitchFamily="34" charset="0"/>
+                <a:cs typeface="Arial" panose="020B0604020202020204" pitchFamily="34" charset="0"/>
+              </a:rPr>
+              <a:t>EventReservation</a:t>
+            </a:r>
+            <a:endParaRPr lang="de-CH" dirty="0">
+              <a:solidFill>
+                <a:schemeClr val="tx1"/>
+              </a:solidFill>
+              <a:latin typeface="Arial" panose="020B0604020202020204" pitchFamily="34" charset="0"/>
+              <a:cs typeface="Arial" panose="020B0604020202020204" pitchFamily="34" charset="0"/>
+            </a:endParaRPr>
+          </a:p>
+          <a:p>
+            <a:pPr algn="ctr"/>
+            <a:r>
+              <a:rPr lang="de-CH" sz="1200" dirty="0">
+                <a:solidFill>
+                  <a:schemeClr val="tx1"/>
+                </a:solidFill>
+                <a:latin typeface="Arial" panose="020B0604020202020204" pitchFamily="34" charset="0"/>
+                <a:cs typeface="Arial" panose="020B0604020202020204" pitchFamily="34" charset="0"/>
+              </a:rPr>
+              <a:t>Web </a:t>
+            </a:r>
+            <a:r>
+              <a:rPr lang="de-CH" sz="1200" dirty="0" err="1">
+                <a:solidFill>
+                  <a:schemeClr val="tx1"/>
+                </a:solidFill>
+                <a:latin typeface="Arial" panose="020B0604020202020204" pitchFamily="34" charset="0"/>
+                <a:cs typeface="Arial" panose="020B0604020202020204" pitchFamily="34" charset="0"/>
+              </a:rPr>
+              <a:t>application</a:t>
+            </a:r>
+            <a:r>
+              <a:rPr lang="de-CH" sz="1200" dirty="0">
+                <a:solidFill>
+                  <a:schemeClr val="tx1"/>
+                </a:solidFill>
+                <a:latin typeface="Arial" panose="020B0604020202020204" pitchFamily="34" charset="0"/>
+                <a:cs typeface="Arial" panose="020B0604020202020204" pitchFamily="34" charset="0"/>
+              </a:rPr>
+              <a:t>: </a:t>
+            </a:r>
+            <a:r>
+              <a:rPr lang="de-CH" sz="1200" dirty="0" err="1">
+                <a:solidFill>
+                  <a:schemeClr val="tx1"/>
+                </a:solidFill>
+                <a:latin typeface="Arial" panose="020B0604020202020204" pitchFamily="34" charset="0"/>
+                <a:cs typeface="Arial" panose="020B0604020202020204" pitchFamily="34" charset="0"/>
+              </a:rPr>
+              <a:t>Make</a:t>
+            </a:r>
+            <a:r>
+              <a:rPr lang="de-CH" sz="1200" dirty="0">
+                <a:solidFill>
+                  <a:schemeClr val="tx1"/>
+                </a:solidFill>
+                <a:latin typeface="Arial" panose="020B0604020202020204" pitchFamily="34" charset="0"/>
+                <a:cs typeface="Arial" panose="020B0604020202020204" pitchFamily="34" charset="0"/>
+              </a:rPr>
+              <a:t> a </a:t>
+            </a:r>
+            <a:r>
+              <a:rPr lang="de-CH" sz="1200" dirty="0" err="1">
+                <a:solidFill>
+                  <a:schemeClr val="tx1"/>
+                </a:solidFill>
+                <a:latin typeface="Arial" panose="020B0604020202020204" pitchFamily="34" charset="0"/>
+                <a:cs typeface="Arial" panose="020B0604020202020204" pitchFamily="34" charset="0"/>
+              </a:rPr>
+              <a:t>reservation</a:t>
+            </a:r>
+            <a:endParaRPr lang="de-CH" sz="1200" dirty="0">
+              <a:solidFill>
+                <a:schemeClr val="tx1"/>
+              </a:solidFill>
+              <a:latin typeface="Arial" panose="020B0604020202020204" pitchFamily="34" charset="0"/>
+              <a:cs typeface="Arial" panose="020B0604020202020204" pitchFamily="34" charset="0"/>
+            </a:endParaRPr>
+          </a:p>
+        </p:txBody>
+      </p:sp>
+      <p:sp>
+        <p:nvSpPr>
+          <p:cNvPr id="4" name="Rechteck 3">
+            <a:extLst>
+              <a:ext uri="{FF2B5EF4-FFF2-40B4-BE49-F238E27FC236}">
+                <a16:creationId xmlns:a16="http://schemas.microsoft.com/office/drawing/2014/main" id="{504FA9B9-1F5F-57BA-5E4E-AD0FA3306E44}"/>
+              </a:ext>
+            </a:extLst>
+          </p:cNvPr>
+          <p:cNvSpPr/>
+          <p:nvPr/>
+        </p:nvSpPr>
+        <p:spPr>
+          <a:xfrm>
+            <a:off x="1159837" y="1538718"/>
+            <a:ext cx="9763920" cy="5173167"/>
+          </a:xfrm>
+          <a:prstGeom prst="rect">
+            <a:avLst/>
+          </a:prstGeom>
+          <a:noFill/>
+          <a:ln w="19050">
+            <a:solidFill>
+              <a:schemeClr val="tx1"/>
+            </a:solidFill>
+          </a:ln>
+        </p:spPr>
+        <p:style>
+          <a:lnRef idx="2">
+            <a:schemeClr val="accent1">
+              <a:shade val="50000"/>
+            </a:schemeClr>
+          </a:lnRef>
+          <a:fillRef idx="1">
+            <a:schemeClr val="accent1"/>
+          </a:fillRef>
+          <a:effectRef idx="0">
+            <a:schemeClr val="accent1"/>
+          </a:effectRef>
+          <a:fontRef idx="minor">
+            <a:schemeClr val="lt1"/>
+          </a:fontRef>
+        </p:style>
+        <p:txBody>
+          <a:bodyPr rtlCol="0" anchor="ctr"/>
+          <a:lstStyle/>
+          <a:p>
+            <a:r>
+              <a:rPr lang="en-US" sz="1200" b="1" dirty="0">
+                <a:solidFill>
+                  <a:schemeClr val="tx1"/>
+                </a:solidFill>
+                <a:latin typeface="Arial" panose="020B0604020202020204" pitchFamily="34" charset="0"/>
+                <a:cs typeface="Arial" panose="020B0604020202020204" pitchFamily="34" charset="0"/>
+              </a:rPr>
+              <a:t>&lt;html&gt;</a:t>
+            </a:r>
+          </a:p>
+          <a:p>
+            <a:endParaRPr lang="en-US" sz="1200" dirty="0">
+              <a:solidFill>
+                <a:schemeClr val="tx1"/>
+              </a:solidFill>
+              <a:latin typeface="Arial" panose="020B0604020202020204" pitchFamily="34" charset="0"/>
+              <a:cs typeface="Arial" panose="020B0604020202020204" pitchFamily="34" charset="0"/>
+            </a:endParaRPr>
+          </a:p>
+          <a:p>
+            <a:endParaRPr lang="en-US" sz="1200" dirty="0">
+              <a:solidFill>
+                <a:schemeClr val="tx1"/>
+              </a:solidFill>
+              <a:latin typeface="Arial" panose="020B0604020202020204" pitchFamily="34" charset="0"/>
+              <a:cs typeface="Arial" panose="020B0604020202020204" pitchFamily="34" charset="0"/>
+            </a:endParaRPr>
+          </a:p>
+          <a:p>
+            <a:endParaRPr lang="en-US" sz="1200" dirty="0">
+              <a:solidFill>
+                <a:schemeClr val="tx1"/>
+              </a:solidFill>
+              <a:latin typeface="Arial" panose="020B0604020202020204" pitchFamily="34" charset="0"/>
+              <a:cs typeface="Arial" panose="020B0604020202020204" pitchFamily="34" charset="0"/>
+            </a:endParaRPr>
+          </a:p>
+          <a:p>
+            <a:endParaRPr lang="en-US" sz="1200" dirty="0">
+              <a:solidFill>
+                <a:schemeClr val="tx1"/>
+              </a:solidFill>
+              <a:latin typeface="Arial" panose="020B0604020202020204" pitchFamily="34" charset="0"/>
+              <a:cs typeface="Arial" panose="020B0604020202020204" pitchFamily="34" charset="0"/>
+            </a:endParaRPr>
+          </a:p>
+          <a:p>
+            <a:endParaRPr lang="en-US" sz="1200" dirty="0">
+              <a:solidFill>
+                <a:schemeClr val="tx1"/>
+              </a:solidFill>
+              <a:latin typeface="Arial" panose="020B0604020202020204" pitchFamily="34" charset="0"/>
+              <a:cs typeface="Arial" panose="020B0604020202020204" pitchFamily="34" charset="0"/>
+            </a:endParaRPr>
+          </a:p>
+          <a:p>
+            <a:endParaRPr lang="en-US" sz="1200" dirty="0">
+              <a:solidFill>
+                <a:schemeClr val="tx1"/>
+              </a:solidFill>
+              <a:latin typeface="Arial" panose="020B0604020202020204" pitchFamily="34" charset="0"/>
+              <a:cs typeface="Arial" panose="020B0604020202020204" pitchFamily="34" charset="0"/>
+            </a:endParaRPr>
+          </a:p>
+          <a:p>
+            <a:endParaRPr lang="en-US" sz="1200" dirty="0">
+              <a:solidFill>
+                <a:schemeClr val="tx1"/>
+              </a:solidFill>
+              <a:latin typeface="Arial" panose="020B0604020202020204" pitchFamily="34" charset="0"/>
+              <a:cs typeface="Arial" panose="020B0604020202020204" pitchFamily="34" charset="0"/>
+            </a:endParaRPr>
+          </a:p>
+          <a:p>
+            <a:endParaRPr lang="en-US" sz="1200" dirty="0">
+              <a:solidFill>
+                <a:schemeClr val="tx1"/>
+              </a:solidFill>
+              <a:latin typeface="Arial" panose="020B0604020202020204" pitchFamily="34" charset="0"/>
+              <a:cs typeface="Arial" panose="020B0604020202020204" pitchFamily="34" charset="0"/>
+            </a:endParaRPr>
+          </a:p>
+          <a:p>
+            <a:endParaRPr lang="en-US" sz="1200" dirty="0">
+              <a:solidFill>
+                <a:schemeClr val="tx1"/>
+              </a:solidFill>
+              <a:latin typeface="Arial" panose="020B0604020202020204" pitchFamily="34" charset="0"/>
+              <a:cs typeface="Arial" panose="020B0604020202020204" pitchFamily="34" charset="0"/>
+            </a:endParaRPr>
+          </a:p>
+          <a:p>
+            <a:endParaRPr lang="en-US" sz="1200" dirty="0">
+              <a:solidFill>
+                <a:schemeClr val="tx1"/>
+              </a:solidFill>
+              <a:latin typeface="Arial" panose="020B0604020202020204" pitchFamily="34" charset="0"/>
+              <a:cs typeface="Arial" panose="020B0604020202020204" pitchFamily="34" charset="0"/>
+            </a:endParaRPr>
+          </a:p>
+          <a:p>
+            <a:endParaRPr lang="en-US" sz="1200" dirty="0">
+              <a:solidFill>
+                <a:schemeClr val="tx1"/>
+              </a:solidFill>
+              <a:latin typeface="Arial" panose="020B0604020202020204" pitchFamily="34" charset="0"/>
+              <a:cs typeface="Arial" panose="020B0604020202020204" pitchFamily="34" charset="0"/>
+            </a:endParaRPr>
+          </a:p>
+          <a:p>
+            <a:endParaRPr lang="en-US" sz="1200" dirty="0">
+              <a:solidFill>
+                <a:schemeClr val="tx1"/>
+              </a:solidFill>
+              <a:latin typeface="Arial" panose="020B0604020202020204" pitchFamily="34" charset="0"/>
+              <a:cs typeface="Arial" panose="020B0604020202020204" pitchFamily="34" charset="0"/>
+            </a:endParaRPr>
+          </a:p>
+          <a:p>
+            <a:endParaRPr lang="en-US" sz="1200" dirty="0">
+              <a:solidFill>
+                <a:schemeClr val="tx1"/>
+              </a:solidFill>
+              <a:latin typeface="Arial" panose="020B0604020202020204" pitchFamily="34" charset="0"/>
+              <a:cs typeface="Arial" panose="020B0604020202020204" pitchFamily="34" charset="0"/>
+            </a:endParaRPr>
+          </a:p>
+          <a:p>
+            <a:endParaRPr lang="en-US" sz="1200" dirty="0">
+              <a:solidFill>
+                <a:schemeClr val="tx1"/>
+              </a:solidFill>
+              <a:latin typeface="Arial" panose="020B0604020202020204" pitchFamily="34" charset="0"/>
+              <a:cs typeface="Arial" panose="020B0604020202020204" pitchFamily="34" charset="0"/>
+            </a:endParaRPr>
+          </a:p>
+          <a:p>
+            <a:endParaRPr lang="en-US" sz="1200" dirty="0">
+              <a:solidFill>
+                <a:schemeClr val="tx1"/>
+              </a:solidFill>
+              <a:latin typeface="Arial" panose="020B0604020202020204" pitchFamily="34" charset="0"/>
+              <a:cs typeface="Arial" panose="020B0604020202020204" pitchFamily="34" charset="0"/>
+            </a:endParaRPr>
+          </a:p>
+          <a:p>
+            <a:endParaRPr lang="en-US" sz="1200" dirty="0">
+              <a:solidFill>
+                <a:schemeClr val="tx1"/>
+              </a:solidFill>
+              <a:latin typeface="Arial" panose="020B0604020202020204" pitchFamily="34" charset="0"/>
+              <a:cs typeface="Arial" panose="020B0604020202020204" pitchFamily="34" charset="0"/>
+            </a:endParaRPr>
+          </a:p>
+          <a:p>
+            <a:endParaRPr lang="en-US" sz="1200" dirty="0">
+              <a:solidFill>
+                <a:schemeClr val="tx1"/>
+              </a:solidFill>
+              <a:latin typeface="Arial" panose="020B0604020202020204" pitchFamily="34" charset="0"/>
+              <a:cs typeface="Arial" panose="020B0604020202020204" pitchFamily="34" charset="0"/>
+            </a:endParaRPr>
+          </a:p>
+          <a:p>
+            <a:endParaRPr lang="en-US" sz="1200" dirty="0">
+              <a:solidFill>
+                <a:schemeClr val="tx1"/>
+              </a:solidFill>
+              <a:latin typeface="Arial" panose="020B0604020202020204" pitchFamily="34" charset="0"/>
+              <a:cs typeface="Arial" panose="020B0604020202020204" pitchFamily="34" charset="0"/>
+            </a:endParaRPr>
+          </a:p>
+          <a:p>
+            <a:endParaRPr lang="en-US" sz="1200" dirty="0">
+              <a:solidFill>
+                <a:schemeClr val="tx1"/>
+              </a:solidFill>
+              <a:latin typeface="Arial" panose="020B0604020202020204" pitchFamily="34" charset="0"/>
+              <a:cs typeface="Arial" panose="020B0604020202020204" pitchFamily="34" charset="0"/>
+            </a:endParaRPr>
+          </a:p>
+          <a:p>
+            <a:endParaRPr lang="en-US" sz="1200" dirty="0">
+              <a:solidFill>
+                <a:schemeClr val="tx1"/>
+              </a:solidFill>
+              <a:latin typeface="Arial" panose="020B0604020202020204" pitchFamily="34" charset="0"/>
+              <a:cs typeface="Arial" panose="020B0604020202020204" pitchFamily="34" charset="0"/>
+            </a:endParaRPr>
+          </a:p>
+          <a:p>
+            <a:endParaRPr lang="en-US" sz="1200" dirty="0">
+              <a:solidFill>
+                <a:schemeClr val="tx1"/>
+              </a:solidFill>
+              <a:latin typeface="Arial" panose="020B0604020202020204" pitchFamily="34" charset="0"/>
+              <a:cs typeface="Arial" panose="020B0604020202020204" pitchFamily="34" charset="0"/>
+            </a:endParaRPr>
+          </a:p>
+          <a:p>
+            <a:endParaRPr lang="en-US" sz="1200" dirty="0">
+              <a:solidFill>
+                <a:schemeClr val="tx1"/>
+              </a:solidFill>
+              <a:latin typeface="Arial" panose="020B0604020202020204" pitchFamily="34" charset="0"/>
+              <a:cs typeface="Arial" panose="020B0604020202020204" pitchFamily="34" charset="0"/>
+            </a:endParaRPr>
+          </a:p>
+          <a:p>
+            <a:endParaRPr lang="en-US" sz="1200" dirty="0">
+              <a:solidFill>
+                <a:schemeClr val="tx1"/>
+              </a:solidFill>
+              <a:latin typeface="Arial" panose="020B0604020202020204" pitchFamily="34" charset="0"/>
+              <a:cs typeface="Arial" panose="020B0604020202020204" pitchFamily="34" charset="0"/>
+            </a:endParaRPr>
+          </a:p>
+          <a:p>
+            <a:endParaRPr lang="en-US" sz="1200" dirty="0">
+              <a:solidFill>
+                <a:schemeClr val="tx1"/>
+              </a:solidFill>
+              <a:latin typeface="Arial" panose="020B0604020202020204" pitchFamily="34" charset="0"/>
+              <a:cs typeface="Arial" panose="020B0604020202020204" pitchFamily="34" charset="0"/>
+            </a:endParaRPr>
+          </a:p>
+          <a:p>
+            <a:endParaRPr lang="en-US" sz="1200" dirty="0">
+              <a:solidFill>
+                <a:schemeClr val="tx1"/>
+              </a:solidFill>
+              <a:latin typeface="Arial" panose="020B0604020202020204" pitchFamily="34" charset="0"/>
+              <a:cs typeface="Arial" panose="020B0604020202020204" pitchFamily="34" charset="0"/>
+            </a:endParaRPr>
+          </a:p>
+          <a:p>
+            <a:endParaRPr lang="en-US" sz="1000" b="1" dirty="0">
+              <a:solidFill>
+                <a:schemeClr val="tx1"/>
+              </a:solidFill>
+              <a:latin typeface="Arial" panose="020B0604020202020204" pitchFamily="34" charset="0"/>
+              <a:cs typeface="Arial" panose="020B0604020202020204" pitchFamily="34" charset="0"/>
+            </a:endParaRPr>
+          </a:p>
+        </p:txBody>
+      </p:sp>
+      <p:sp>
+        <p:nvSpPr>
+          <p:cNvPr id="5" name="Rechteck 4">
+            <a:extLst>
+              <a:ext uri="{FF2B5EF4-FFF2-40B4-BE49-F238E27FC236}">
+                <a16:creationId xmlns:a16="http://schemas.microsoft.com/office/drawing/2014/main" id="{538D4641-1529-4778-F19B-788A21D229DE}"/>
+              </a:ext>
+            </a:extLst>
+          </p:cNvPr>
+          <p:cNvSpPr/>
+          <p:nvPr/>
+        </p:nvSpPr>
+        <p:spPr>
+          <a:xfrm>
+            <a:off x="1268244" y="1919785"/>
+            <a:ext cx="9440606" cy="3775062"/>
+          </a:xfrm>
+          <a:prstGeom prst="rect">
+            <a:avLst/>
+          </a:prstGeom>
+          <a:noFill/>
+          <a:ln w="19050">
+            <a:solidFill>
+              <a:schemeClr val="tx1"/>
+            </a:solidFill>
+          </a:ln>
+        </p:spPr>
+        <p:style>
+          <a:lnRef idx="2">
+            <a:schemeClr val="accent1">
+              <a:shade val="50000"/>
+            </a:schemeClr>
+          </a:lnRef>
+          <a:fillRef idx="1">
+            <a:schemeClr val="accent1"/>
+          </a:fillRef>
+          <a:effectRef idx="0">
+            <a:schemeClr val="accent1"/>
+          </a:effectRef>
+          <a:fontRef idx="minor">
+            <a:schemeClr val="lt1"/>
+          </a:fontRef>
+        </p:style>
+        <p:txBody>
+          <a:bodyPr rtlCol="0" anchor="ctr"/>
+          <a:lstStyle/>
+          <a:p>
+            <a:r>
+              <a:rPr lang="en-US" sz="1200" b="1" dirty="0">
+                <a:solidFill>
+                  <a:schemeClr val="tx1"/>
+                </a:solidFill>
+                <a:latin typeface="Arial" panose="020B0604020202020204" pitchFamily="34" charset="0"/>
+                <a:cs typeface="Arial" panose="020B0604020202020204" pitchFamily="34" charset="0"/>
+              </a:rPr>
+              <a:t>&lt;header&gt;</a:t>
+            </a:r>
+          </a:p>
+          <a:p>
+            <a:r>
+              <a:rPr lang="en-US" sz="1200" b="1" dirty="0">
+                <a:solidFill>
+                  <a:schemeClr val="tx1"/>
+                </a:solidFill>
+                <a:latin typeface="Arial" panose="020B0604020202020204" pitchFamily="34" charset="0"/>
+                <a:cs typeface="Arial" panose="020B0604020202020204" pitchFamily="34" charset="0"/>
+              </a:rPr>
+              <a:t>Included external </a:t>
+            </a:r>
+            <a:r>
+              <a:rPr lang="en-US" sz="1200" b="1" dirty="0" err="1">
+                <a:solidFill>
+                  <a:schemeClr val="tx1"/>
+                </a:solidFill>
+                <a:latin typeface="Arial" panose="020B0604020202020204" pitchFamily="34" charset="0"/>
+                <a:cs typeface="Arial" panose="020B0604020202020204" pitchFamily="34" charset="0"/>
+              </a:rPr>
+              <a:t>Javascripts</a:t>
+            </a:r>
+            <a:r>
+              <a:rPr lang="en-US" sz="1200" b="1" dirty="0">
+                <a:solidFill>
+                  <a:schemeClr val="tx1"/>
+                </a:solidFill>
+                <a:latin typeface="Arial" panose="020B0604020202020204" pitchFamily="34" charset="0"/>
+                <a:cs typeface="Arial" panose="020B0604020202020204" pitchFamily="34" charset="0"/>
+              </a:rPr>
+              <a:t>:</a:t>
+            </a:r>
+          </a:p>
+          <a:p>
+            <a:r>
+              <a:rPr lang="en-US" sz="1200" b="1" i="1" dirty="0">
+                <a:solidFill>
+                  <a:schemeClr val="tx1"/>
+                </a:solidFill>
+                <a:latin typeface="Arial" panose="020B0604020202020204" pitchFamily="34" charset="0"/>
+                <a:cs typeface="Arial" panose="020B0604020202020204" pitchFamily="34" charset="0"/>
+              </a:rPr>
+              <a:t>    InputEventReservation.js, InputEventReservationIdElement.js, InputEventReservationStyle.js, InputEventReservationText.js, </a:t>
+            </a:r>
+          </a:p>
+          <a:p>
+            <a:r>
+              <a:rPr lang="en-US" sz="1200" b="1" i="1" dirty="0">
+                <a:solidFill>
+                  <a:schemeClr val="tx1"/>
+                </a:solidFill>
+                <a:latin typeface="Arial" panose="020B0604020202020204" pitchFamily="34" charset="0"/>
+                <a:cs typeface="Arial" panose="020B0604020202020204" pitchFamily="34" charset="0"/>
+              </a:rPr>
+              <a:t>    EventProgramDropdown.js, EventProgramXml.js, Utils_20241111.js</a:t>
+            </a:r>
+          </a:p>
+          <a:p>
+            <a:endParaRPr lang="en-US" sz="1200" b="1" dirty="0">
+              <a:solidFill>
+                <a:schemeClr val="tx1"/>
+              </a:solidFill>
+              <a:latin typeface="Arial" panose="020B0604020202020204" pitchFamily="34" charset="0"/>
+              <a:cs typeface="Arial" panose="020B0604020202020204" pitchFamily="34" charset="0"/>
+            </a:endParaRPr>
+          </a:p>
+          <a:p>
+            <a:r>
+              <a:rPr lang="en-US" sz="1200" b="1" dirty="0">
+                <a:solidFill>
+                  <a:schemeClr val="tx1"/>
+                </a:solidFill>
+                <a:latin typeface="Arial" panose="020B0604020202020204" pitchFamily="34" charset="0"/>
+                <a:cs typeface="Arial" panose="020B0604020202020204" pitchFamily="34" charset="0"/>
+              </a:rPr>
+              <a:t>&lt;script&gt;</a:t>
+            </a:r>
+          </a:p>
+          <a:p>
+            <a:r>
+              <a:rPr lang="en-US" sz="1200" b="1" dirty="0">
+                <a:solidFill>
+                  <a:schemeClr val="tx1"/>
+                </a:solidFill>
+                <a:latin typeface="Arial" panose="020B0604020202020204" pitchFamily="34" charset="0"/>
+                <a:cs typeface="Arial" panose="020B0604020202020204" pitchFamily="34" charset="0"/>
+              </a:rPr>
+              <a:t>    Global variables: </a:t>
+            </a:r>
+          </a:p>
+          <a:p>
+            <a:r>
+              <a:rPr lang="en-US" sz="1200" b="1" dirty="0">
+                <a:solidFill>
+                  <a:schemeClr val="tx1"/>
+                </a:solidFill>
+                <a:latin typeface="Arial" panose="020B0604020202020204" pitchFamily="34" charset="0"/>
+                <a:cs typeface="Arial" panose="020B0604020202020204" pitchFamily="34" charset="0"/>
+              </a:rPr>
+              <a:t>        </a:t>
+            </a:r>
+            <a:r>
+              <a:rPr lang="en-US" sz="1200" b="1" i="1" dirty="0" err="1">
+                <a:solidFill>
+                  <a:schemeClr val="tx1"/>
+                </a:solidFill>
+                <a:latin typeface="Arial" panose="020B0604020202020204" pitchFamily="34" charset="0"/>
+                <a:cs typeface="Arial" panose="020B0604020202020204" pitchFamily="34" charset="0"/>
+              </a:rPr>
+              <a:t>g_event_program_xml</a:t>
+            </a:r>
+            <a:r>
+              <a:rPr lang="en-US" sz="1200" b="1" i="1" dirty="0">
+                <a:solidFill>
+                  <a:schemeClr val="tx1"/>
+                </a:solidFill>
+                <a:latin typeface="Arial" panose="020B0604020202020204" pitchFamily="34" charset="0"/>
+                <a:cs typeface="Arial" panose="020B0604020202020204" pitchFamily="34" charset="0"/>
+              </a:rPr>
+              <a:t> (</a:t>
+            </a:r>
+            <a:r>
+              <a:rPr lang="en-US" sz="1200" b="1" i="1" dirty="0" err="1">
+                <a:solidFill>
+                  <a:schemeClr val="tx1"/>
+                </a:solidFill>
+                <a:latin typeface="Arial" panose="020B0604020202020204" pitchFamily="34" charset="0"/>
+                <a:cs typeface="Arial" panose="020B0604020202020204" pitchFamily="34" charset="0"/>
+              </a:rPr>
+              <a:t>EventProgramXml</a:t>
+            </a:r>
+            <a:r>
+              <a:rPr lang="en-US" sz="1200" b="1" i="1" dirty="0">
+                <a:solidFill>
+                  <a:schemeClr val="tx1"/>
+                </a:solidFill>
+                <a:latin typeface="Arial" panose="020B0604020202020204" pitchFamily="34" charset="0"/>
+                <a:cs typeface="Arial" panose="020B0604020202020204" pitchFamily="34" charset="0"/>
+              </a:rPr>
+              <a:t>) </a:t>
+            </a:r>
+          </a:p>
+          <a:p>
+            <a:r>
+              <a:rPr lang="en-US" sz="1200" b="1" i="1" dirty="0">
+                <a:solidFill>
+                  <a:schemeClr val="tx1"/>
+                </a:solidFill>
+                <a:latin typeface="Arial" panose="020B0604020202020204" pitchFamily="34" charset="0"/>
+                <a:cs typeface="Arial" panose="020B0604020202020204" pitchFamily="34" charset="0"/>
+              </a:rPr>
+              <a:t>        </a:t>
+            </a:r>
+            <a:r>
+              <a:rPr lang="en-US" sz="1200" b="1" i="1" dirty="0" err="1">
+                <a:solidFill>
+                  <a:schemeClr val="tx1"/>
+                </a:solidFill>
+                <a:latin typeface="Arial" panose="020B0604020202020204" pitchFamily="34" charset="0"/>
+                <a:cs typeface="Arial" panose="020B0604020202020204" pitchFamily="34" charset="0"/>
+              </a:rPr>
+              <a:t>g_input_event_reservation</a:t>
+            </a:r>
+            <a:r>
+              <a:rPr lang="en-US" sz="1200" b="1" i="1" dirty="0">
+                <a:solidFill>
+                  <a:schemeClr val="tx1"/>
+                </a:solidFill>
+                <a:latin typeface="Arial" panose="020B0604020202020204" pitchFamily="34" charset="0"/>
+                <a:cs typeface="Arial" panose="020B0604020202020204" pitchFamily="34" charset="0"/>
+              </a:rPr>
+              <a:t> (</a:t>
+            </a:r>
+            <a:r>
+              <a:rPr lang="en-US" sz="1200" b="1" i="1" dirty="0" err="1">
+                <a:solidFill>
+                  <a:schemeClr val="tx1"/>
+                </a:solidFill>
+                <a:latin typeface="Arial" panose="020B0604020202020204" pitchFamily="34" charset="0"/>
+                <a:cs typeface="Arial" panose="020B0604020202020204" pitchFamily="34" charset="0"/>
+              </a:rPr>
+              <a:t>InputEventReservation</a:t>
+            </a:r>
+            <a:r>
+              <a:rPr lang="en-US" sz="1200" b="1" i="1" dirty="0">
+                <a:solidFill>
+                  <a:schemeClr val="tx1"/>
+                </a:solidFill>
+                <a:latin typeface="Arial" panose="020B0604020202020204" pitchFamily="34" charset="0"/>
+                <a:cs typeface="Arial" panose="020B0604020202020204" pitchFamily="34" charset="0"/>
+              </a:rPr>
+              <a:t>)</a:t>
+            </a:r>
+          </a:p>
+          <a:p>
+            <a:endParaRPr lang="en-US" sz="1200" b="1" dirty="0">
+              <a:solidFill>
+                <a:schemeClr val="tx1"/>
+              </a:solidFill>
+              <a:latin typeface="Arial" panose="020B0604020202020204" pitchFamily="34" charset="0"/>
+              <a:cs typeface="Arial" panose="020B0604020202020204" pitchFamily="34" charset="0"/>
+            </a:endParaRPr>
+          </a:p>
+          <a:p>
+            <a:r>
+              <a:rPr lang="en-US" sz="1200" b="1" dirty="0">
+                <a:solidFill>
+                  <a:schemeClr val="tx1"/>
+                </a:solidFill>
+                <a:latin typeface="Arial" panose="020B0604020202020204" pitchFamily="34" charset="0"/>
+                <a:cs typeface="Arial" panose="020B0604020202020204" pitchFamily="34" charset="0"/>
+              </a:rPr>
+              <a:t>    Functions:</a:t>
+            </a:r>
+          </a:p>
+          <a:p>
+            <a:r>
+              <a:rPr lang="en-US" sz="1200" b="1" dirty="0">
+                <a:solidFill>
+                  <a:schemeClr val="tx1"/>
+                </a:solidFill>
+                <a:latin typeface="Arial" panose="020B0604020202020204" pitchFamily="34" charset="0"/>
+                <a:cs typeface="Arial" panose="020B0604020202020204" pitchFamily="34" charset="0"/>
+              </a:rPr>
+              <a:t>    </a:t>
+            </a:r>
+            <a:r>
+              <a:rPr lang="en-US" sz="1200" b="1" dirty="0" err="1">
+                <a:solidFill>
+                  <a:schemeClr val="tx1"/>
+                </a:solidFill>
+                <a:latin typeface="Arial" panose="020B0604020202020204" pitchFamily="34" charset="0"/>
+                <a:cs typeface="Arial" panose="020B0604020202020204" pitchFamily="34" charset="0"/>
+              </a:rPr>
+              <a:t>mainEventReservation</a:t>
+            </a:r>
+            <a:r>
+              <a:rPr lang="en-US" sz="1200" b="1" dirty="0">
+                <a:solidFill>
+                  <a:schemeClr val="tx1"/>
+                </a:solidFill>
+                <a:latin typeface="Arial" panose="020B0604020202020204" pitchFamily="34" charset="0"/>
+                <a:cs typeface="Arial" panose="020B0604020202020204" pitchFamily="34" charset="0"/>
+              </a:rPr>
+              <a:t>: </a:t>
+            </a:r>
+          </a:p>
+          <a:p>
+            <a:r>
+              <a:rPr lang="en-US" sz="1200" b="1" dirty="0">
+                <a:solidFill>
+                  <a:schemeClr val="tx1"/>
+                </a:solidFill>
+                <a:latin typeface="Arial" panose="020B0604020202020204" pitchFamily="34" charset="0"/>
+                <a:cs typeface="Arial" panose="020B0604020202020204" pitchFamily="34" charset="0"/>
+              </a:rPr>
+              <a:t>       </a:t>
+            </a:r>
+            <a:r>
+              <a:rPr lang="en-US" sz="1200" b="1" i="1" dirty="0">
+                <a:solidFill>
+                  <a:schemeClr val="tx1"/>
+                </a:solidFill>
+                <a:latin typeface="Arial" panose="020B0604020202020204" pitchFamily="34" charset="0"/>
+                <a:cs typeface="Arial" panose="020B0604020202020204" pitchFamily="34" charset="0"/>
+              </a:rPr>
+              <a:t>Sets path and name for the XML file with data about the events</a:t>
+            </a:r>
+          </a:p>
+          <a:p>
+            <a:r>
+              <a:rPr lang="en-US" sz="1200" b="1" i="1" dirty="0">
+                <a:solidFill>
+                  <a:schemeClr val="tx1"/>
+                </a:solidFill>
+                <a:latin typeface="Arial" panose="020B0604020202020204" pitchFamily="34" charset="0"/>
+                <a:cs typeface="Arial" panose="020B0604020202020204" pitchFamily="34" charset="0"/>
+              </a:rPr>
+              <a:t>       Instantiates </a:t>
+            </a:r>
+            <a:r>
+              <a:rPr lang="en-US" sz="1200" b="1" i="1" dirty="0" err="1">
+                <a:solidFill>
+                  <a:schemeClr val="tx1"/>
+                </a:solidFill>
+                <a:latin typeface="Arial" panose="020B0604020202020204" pitchFamily="34" charset="0"/>
+                <a:cs typeface="Arial" panose="020B0604020202020204" pitchFamily="34" charset="0"/>
+              </a:rPr>
+              <a:t>EventProgramXml</a:t>
+            </a:r>
+            <a:r>
+              <a:rPr lang="en-US" sz="1200" b="1" i="1" dirty="0">
+                <a:solidFill>
+                  <a:schemeClr val="tx1"/>
+                </a:solidFill>
+                <a:latin typeface="Arial" panose="020B0604020202020204" pitchFamily="34" charset="0"/>
+                <a:cs typeface="Arial" panose="020B0604020202020204" pitchFamily="34" charset="0"/>
+              </a:rPr>
+              <a:t> (with callback function </a:t>
+            </a:r>
+            <a:r>
+              <a:rPr lang="en-US" sz="1200" b="1" i="1" dirty="0" err="1">
+                <a:solidFill>
+                  <a:schemeClr val="tx1"/>
+                </a:solidFill>
+                <a:latin typeface="Arial" panose="020B0604020202020204" pitchFamily="34" charset="0"/>
+                <a:cs typeface="Arial" panose="020B0604020202020204" pitchFamily="34" charset="0"/>
+              </a:rPr>
+              <a:t>callbackAfterLoadingEventProgram</a:t>
+            </a:r>
+            <a:r>
+              <a:rPr lang="en-US" sz="1200" b="1" i="1" dirty="0">
+                <a:solidFill>
+                  <a:schemeClr val="tx1"/>
+                </a:solidFill>
+                <a:latin typeface="Arial" panose="020B0604020202020204" pitchFamily="34" charset="0"/>
+                <a:cs typeface="Arial" panose="020B0604020202020204" pitchFamily="34" charset="0"/>
+              </a:rPr>
+              <a:t>)</a:t>
+            </a:r>
+          </a:p>
+          <a:p>
+            <a:endParaRPr lang="en-US" sz="1200" b="1" dirty="0">
+              <a:solidFill>
+                <a:schemeClr val="tx1"/>
+              </a:solidFill>
+              <a:latin typeface="Arial" panose="020B0604020202020204" pitchFamily="34" charset="0"/>
+              <a:cs typeface="Arial" panose="020B0604020202020204" pitchFamily="34" charset="0"/>
+            </a:endParaRPr>
+          </a:p>
+          <a:p>
+            <a:r>
+              <a:rPr lang="en-US" sz="1200" b="1" dirty="0">
+                <a:solidFill>
+                  <a:schemeClr val="tx1"/>
+                </a:solidFill>
+                <a:latin typeface="Arial" panose="020B0604020202020204" pitchFamily="34" charset="0"/>
+                <a:cs typeface="Arial" panose="020B0604020202020204" pitchFamily="34" charset="0"/>
+              </a:rPr>
+              <a:t>    </a:t>
+            </a:r>
+            <a:r>
+              <a:rPr lang="en-US" sz="1200" b="1" dirty="0" err="1">
+                <a:solidFill>
+                  <a:schemeClr val="tx1"/>
+                </a:solidFill>
+                <a:latin typeface="Arial" panose="020B0604020202020204" pitchFamily="34" charset="0"/>
+                <a:cs typeface="Arial" panose="020B0604020202020204" pitchFamily="34" charset="0"/>
+              </a:rPr>
+              <a:t>callbackAfterLoadingEventProgram</a:t>
+            </a:r>
+            <a:r>
+              <a:rPr lang="en-US" sz="1200" b="1" dirty="0">
+                <a:solidFill>
+                  <a:schemeClr val="tx1"/>
+                </a:solidFill>
+                <a:latin typeface="Arial" panose="020B0604020202020204" pitchFamily="34" charset="0"/>
+                <a:cs typeface="Arial" panose="020B0604020202020204" pitchFamily="34" charset="0"/>
+              </a:rPr>
+              <a:t>:</a:t>
+            </a:r>
+          </a:p>
+          <a:p>
+            <a:r>
+              <a:rPr lang="en-US" sz="1200" b="1" i="1" dirty="0">
+                <a:solidFill>
+                  <a:schemeClr val="tx1"/>
+                </a:solidFill>
+                <a:latin typeface="Arial" panose="020B0604020202020204" pitchFamily="34" charset="0"/>
+                <a:cs typeface="Arial" panose="020B0604020202020204" pitchFamily="34" charset="0"/>
+              </a:rPr>
+              <a:t>        Instantiates </a:t>
+            </a:r>
+            <a:r>
+              <a:rPr lang="en-US" sz="1200" b="1" i="1" dirty="0" err="1">
+                <a:solidFill>
+                  <a:schemeClr val="tx1"/>
+                </a:solidFill>
+                <a:latin typeface="Arial" panose="020B0604020202020204" pitchFamily="34" charset="0"/>
+                <a:cs typeface="Arial" panose="020B0604020202020204" pitchFamily="34" charset="0"/>
+              </a:rPr>
+              <a:t>InputEventReservation</a:t>
+            </a:r>
+            <a:endParaRPr lang="en-US" sz="1200" b="1" i="1" dirty="0">
+              <a:solidFill>
+                <a:schemeClr val="tx1"/>
+              </a:solidFill>
+              <a:latin typeface="Arial" panose="020B0604020202020204" pitchFamily="34" charset="0"/>
+              <a:cs typeface="Arial" panose="020B0604020202020204" pitchFamily="34" charset="0"/>
+            </a:endParaRPr>
+          </a:p>
+          <a:p>
+            <a:r>
+              <a:rPr lang="en-US" sz="1200" b="1" i="1" dirty="0">
+                <a:solidFill>
+                  <a:schemeClr val="tx1"/>
+                </a:solidFill>
+                <a:latin typeface="Arial" panose="020B0604020202020204" pitchFamily="34" charset="0"/>
+                <a:cs typeface="Arial" panose="020B0604020202020204" pitchFamily="34" charset="0"/>
+              </a:rPr>
+              <a:t>        Sets </a:t>
+            </a:r>
+            <a:r>
+              <a:rPr lang="en-US" sz="1200" b="1" i="1" dirty="0" err="1">
+                <a:solidFill>
+                  <a:schemeClr val="tx1"/>
+                </a:solidFill>
+                <a:latin typeface="Arial" panose="020B0604020202020204" pitchFamily="34" charset="0"/>
+                <a:cs typeface="Arial" panose="020B0604020202020204" pitchFamily="34" charset="0"/>
+              </a:rPr>
+              <a:t>InputEventReservation</a:t>
+            </a:r>
+            <a:r>
+              <a:rPr lang="en-US" sz="1200" b="1" i="1" dirty="0">
+                <a:solidFill>
+                  <a:schemeClr val="tx1"/>
+                </a:solidFill>
+                <a:latin typeface="Arial" panose="020B0604020202020204" pitchFamily="34" charset="0"/>
+                <a:cs typeface="Arial" panose="020B0604020202020204" pitchFamily="34" charset="0"/>
+              </a:rPr>
+              <a:t> parameters</a:t>
+            </a:r>
+          </a:p>
+          <a:p>
+            <a:r>
+              <a:rPr lang="en-US" sz="1200" b="1" i="1" dirty="0">
+                <a:solidFill>
+                  <a:schemeClr val="tx1"/>
+                </a:solidFill>
+                <a:latin typeface="Arial" panose="020B0604020202020204" pitchFamily="34" charset="0"/>
+                <a:cs typeface="Arial" panose="020B0604020202020204" pitchFamily="34" charset="0"/>
+              </a:rPr>
+              <a:t>        Creates (displays) the reservation input form</a:t>
+            </a:r>
+          </a:p>
+        </p:txBody>
+      </p:sp>
+      <p:sp>
+        <p:nvSpPr>
+          <p:cNvPr id="6" name="Rechteck 5">
+            <a:extLst>
+              <a:ext uri="{FF2B5EF4-FFF2-40B4-BE49-F238E27FC236}">
+                <a16:creationId xmlns:a16="http://schemas.microsoft.com/office/drawing/2014/main" id="{485299A7-903D-691C-A721-D27847BFD0F4}"/>
+              </a:ext>
+            </a:extLst>
+          </p:cNvPr>
+          <p:cNvSpPr/>
+          <p:nvPr/>
+        </p:nvSpPr>
+        <p:spPr>
+          <a:xfrm>
+            <a:off x="1268244" y="5797476"/>
+            <a:ext cx="9440606" cy="811780"/>
+          </a:xfrm>
+          <a:prstGeom prst="rect">
+            <a:avLst/>
+          </a:prstGeom>
+          <a:noFill/>
+          <a:ln w="19050">
+            <a:solidFill>
+              <a:schemeClr val="tx1"/>
+            </a:solidFill>
+          </a:ln>
+        </p:spPr>
+        <p:style>
+          <a:lnRef idx="2">
+            <a:schemeClr val="accent1">
+              <a:shade val="50000"/>
+            </a:schemeClr>
+          </a:lnRef>
+          <a:fillRef idx="1">
+            <a:schemeClr val="accent1"/>
+          </a:fillRef>
+          <a:effectRef idx="0">
+            <a:schemeClr val="accent1"/>
+          </a:effectRef>
+          <a:fontRef idx="minor">
+            <a:schemeClr val="lt1"/>
+          </a:fontRef>
+        </p:style>
+        <p:txBody>
+          <a:bodyPr rtlCol="0" anchor="ctr"/>
+          <a:lstStyle/>
+          <a:p>
+            <a:r>
+              <a:rPr lang="en-US" sz="1200" b="1" dirty="0">
+                <a:solidFill>
+                  <a:schemeClr val="tx1"/>
+                </a:solidFill>
+                <a:latin typeface="Arial" panose="020B0604020202020204" pitchFamily="34" charset="0"/>
+                <a:cs typeface="Arial" panose="020B0604020202020204" pitchFamily="34" charset="0"/>
+              </a:rPr>
+              <a:t>&lt;body&gt;</a:t>
+            </a:r>
+          </a:p>
+          <a:p>
+            <a:r>
+              <a:rPr lang="en-US" sz="1200" b="1" dirty="0">
+                <a:solidFill>
+                  <a:schemeClr val="tx1"/>
+                </a:solidFill>
+                <a:latin typeface="Arial" panose="020B0604020202020204" pitchFamily="34" charset="0"/>
+                <a:cs typeface="Arial" panose="020B0604020202020204" pitchFamily="34" charset="0"/>
+              </a:rPr>
+              <a:t>Onload function: </a:t>
+            </a:r>
+            <a:r>
+              <a:rPr lang="en-US" sz="1200" b="1" dirty="0" err="1">
+                <a:solidFill>
+                  <a:schemeClr val="tx1"/>
+                </a:solidFill>
+                <a:latin typeface="Arial" panose="020B0604020202020204" pitchFamily="34" charset="0"/>
+                <a:cs typeface="Arial" panose="020B0604020202020204" pitchFamily="34" charset="0"/>
+              </a:rPr>
+              <a:t>mainEventReservation</a:t>
+            </a:r>
+            <a:endParaRPr lang="en-US" sz="1200" b="1" dirty="0">
+              <a:solidFill>
+                <a:schemeClr val="tx1"/>
+              </a:solidFill>
+              <a:latin typeface="Arial" panose="020B0604020202020204" pitchFamily="34" charset="0"/>
+              <a:cs typeface="Arial" panose="020B0604020202020204" pitchFamily="34" charset="0"/>
+            </a:endParaRPr>
+          </a:p>
+          <a:p>
+            <a:r>
+              <a:rPr lang="en-US" sz="1200" b="1" dirty="0">
+                <a:solidFill>
+                  <a:schemeClr val="tx1"/>
+                </a:solidFill>
+                <a:latin typeface="Arial" panose="020B0604020202020204" pitchFamily="34" charset="0"/>
+                <a:cs typeface="Arial" panose="020B0604020202020204" pitchFamily="34" charset="0"/>
+              </a:rPr>
+              <a:t>Container &lt;div&gt; with id= </a:t>
+            </a:r>
+            <a:r>
+              <a:rPr lang="en-US" sz="1200" b="1" dirty="0" err="1">
+                <a:solidFill>
+                  <a:schemeClr val="tx1"/>
+                </a:solidFill>
+                <a:latin typeface="Arial" panose="020B0604020202020204" pitchFamily="34" charset="0"/>
+                <a:cs typeface="Arial" panose="020B0604020202020204" pitchFamily="34" charset="0"/>
+              </a:rPr>
+              <a:t>id_div_container_input_event_reservation</a:t>
+            </a:r>
+            <a:r>
+              <a:rPr lang="en-US" sz="1200" b="1" dirty="0">
+                <a:solidFill>
+                  <a:schemeClr val="tx1"/>
+                </a:solidFill>
+                <a:latin typeface="Arial" panose="020B0604020202020204" pitchFamily="34" charset="0"/>
+                <a:cs typeface="Arial" panose="020B0604020202020204" pitchFamily="34" charset="0"/>
+              </a:rPr>
+              <a:t>  </a:t>
+            </a:r>
+          </a:p>
+        </p:txBody>
+      </p:sp>
     </p:spTree>
     <p:extLst>
       <p:ext uri="{BB962C8B-B14F-4D97-AF65-F5344CB8AC3E}">
-        <p14:creationId xmlns:p14="http://schemas.microsoft.com/office/powerpoint/2010/main" val="2343944158"/>
+        <p14:creationId xmlns:p14="http://schemas.microsoft.com/office/powerpoint/2010/main" val="2729260431"/>
       </p:ext>
     </p:extLst>
   </p:cSld>
@@ -5489,10 +6577,1516 @@
           <a:chExt cx="0" cy="0"/>
         </a:xfrm>
       </p:grpSpPr>
+      <p:sp>
+        <p:nvSpPr>
+          <p:cNvPr id="2" name="Textfeld 1">
+            <a:extLst>
+              <a:ext uri="{FF2B5EF4-FFF2-40B4-BE49-F238E27FC236}">
+                <a16:creationId xmlns:a16="http://schemas.microsoft.com/office/drawing/2014/main" id="{858FD1BF-177A-A5E3-89FB-53C20E9DC340}"/>
+              </a:ext>
+            </a:extLst>
+          </p:cNvPr>
+          <p:cNvSpPr txBox="1"/>
+          <p:nvPr/>
+        </p:nvSpPr>
+        <p:spPr>
+          <a:xfrm>
+            <a:off x="0" y="270415"/>
+            <a:ext cx="12192000" cy="369332"/>
+          </a:xfrm>
+          <a:prstGeom prst="rect">
+            <a:avLst/>
+          </a:prstGeom>
+          <a:noFill/>
+        </p:spPr>
+        <p:txBody>
+          <a:bodyPr wrap="square">
+            <a:spAutoFit/>
+          </a:bodyPr>
+          <a:lstStyle/>
+          <a:p>
+            <a:pPr algn="ctr"/>
+            <a:r>
+              <a:rPr lang="de-CH" b="1" dirty="0">
+                <a:latin typeface="Arial" panose="020B0604020202020204" pitchFamily="34" charset="0"/>
+                <a:cs typeface="Arial" panose="020B0604020202020204" pitchFamily="34" charset="0"/>
+              </a:rPr>
+              <a:t>InputEventReservation.js, EventProgramDropdown.js</a:t>
+            </a:r>
+          </a:p>
+        </p:txBody>
+      </p:sp>
+      <p:sp>
+        <p:nvSpPr>
+          <p:cNvPr id="3" name="Rechteck 2">
+            <a:extLst>
+              <a:ext uri="{FF2B5EF4-FFF2-40B4-BE49-F238E27FC236}">
+                <a16:creationId xmlns:a16="http://schemas.microsoft.com/office/drawing/2014/main" id="{55648CDA-BBFD-AC56-07EC-A07DF21D98D3}"/>
+              </a:ext>
+            </a:extLst>
+          </p:cNvPr>
+          <p:cNvSpPr/>
+          <p:nvPr/>
+        </p:nvSpPr>
+        <p:spPr>
+          <a:xfrm>
+            <a:off x="1845190" y="798565"/>
+            <a:ext cx="3584646" cy="570469"/>
+          </a:xfrm>
+          <a:prstGeom prst="rect">
+            <a:avLst/>
+          </a:prstGeom>
+          <a:noFill/>
+          <a:ln w="19050">
+            <a:solidFill>
+              <a:schemeClr val="tx1"/>
+            </a:solidFill>
+          </a:ln>
+        </p:spPr>
+        <p:style>
+          <a:lnRef idx="2">
+            <a:schemeClr val="accent1">
+              <a:shade val="50000"/>
+            </a:schemeClr>
+          </a:lnRef>
+          <a:fillRef idx="1">
+            <a:schemeClr val="accent1"/>
+          </a:fillRef>
+          <a:effectRef idx="0">
+            <a:schemeClr val="accent1"/>
+          </a:effectRef>
+          <a:fontRef idx="minor">
+            <a:schemeClr val="lt1"/>
+          </a:fontRef>
+        </p:style>
+        <p:txBody>
+          <a:bodyPr rtlCol="0" anchor="ctr"/>
+          <a:lstStyle/>
+          <a:p>
+            <a:pPr algn="ctr"/>
+            <a:r>
+              <a:rPr lang="de-CH" dirty="0" err="1">
+                <a:solidFill>
+                  <a:schemeClr val="tx1"/>
+                </a:solidFill>
+                <a:latin typeface="Arial" panose="020B0604020202020204" pitchFamily="34" charset="0"/>
+                <a:cs typeface="Arial" panose="020B0604020202020204" pitchFamily="34" charset="0"/>
+              </a:rPr>
+              <a:t>InputEventReservation</a:t>
+            </a:r>
+            <a:endParaRPr lang="de-CH" dirty="0">
+              <a:solidFill>
+                <a:schemeClr val="tx1"/>
+              </a:solidFill>
+              <a:latin typeface="Arial" panose="020B0604020202020204" pitchFamily="34" charset="0"/>
+              <a:cs typeface="Arial" panose="020B0604020202020204" pitchFamily="34" charset="0"/>
+            </a:endParaRPr>
+          </a:p>
+          <a:p>
+            <a:pPr algn="ctr"/>
+            <a:r>
+              <a:rPr lang="de-CH" sz="1200" dirty="0">
+                <a:solidFill>
+                  <a:schemeClr val="tx1"/>
+                </a:solidFill>
+                <a:latin typeface="Arial" panose="020B0604020202020204" pitchFamily="34" charset="0"/>
+                <a:cs typeface="Arial" panose="020B0604020202020204" pitchFamily="34" charset="0"/>
+              </a:rPr>
+              <a:t>Form Input </a:t>
+            </a:r>
+            <a:r>
+              <a:rPr lang="de-CH" sz="1200" dirty="0" err="1">
+                <a:solidFill>
+                  <a:schemeClr val="tx1"/>
+                </a:solidFill>
+                <a:latin typeface="Arial" panose="020B0604020202020204" pitchFamily="34" charset="0"/>
+                <a:cs typeface="Arial" panose="020B0604020202020204" pitchFamily="34" charset="0"/>
+              </a:rPr>
+              <a:t>data</a:t>
+            </a:r>
+            <a:r>
+              <a:rPr lang="de-CH" sz="1200" dirty="0">
+                <a:solidFill>
+                  <a:schemeClr val="tx1"/>
+                </a:solidFill>
+                <a:latin typeface="Arial" panose="020B0604020202020204" pitchFamily="34" charset="0"/>
+                <a:cs typeface="Arial" panose="020B0604020202020204" pitchFamily="34" charset="0"/>
+              </a:rPr>
+              <a:t> </a:t>
+            </a:r>
+            <a:r>
+              <a:rPr lang="de-CH" sz="1200" dirty="0" err="1">
+                <a:solidFill>
+                  <a:schemeClr val="tx1"/>
+                </a:solidFill>
+                <a:latin typeface="Arial" panose="020B0604020202020204" pitchFamily="34" charset="0"/>
+                <a:cs typeface="Arial" panose="020B0604020202020204" pitchFamily="34" charset="0"/>
+              </a:rPr>
+              <a:t>for</a:t>
+            </a:r>
+            <a:r>
+              <a:rPr lang="de-CH" sz="1200" dirty="0">
+                <a:solidFill>
+                  <a:schemeClr val="tx1"/>
+                </a:solidFill>
+                <a:latin typeface="Arial" panose="020B0604020202020204" pitchFamily="34" charset="0"/>
+                <a:cs typeface="Arial" panose="020B0604020202020204" pitchFamily="34" charset="0"/>
+              </a:rPr>
+              <a:t> a </a:t>
+            </a:r>
+            <a:r>
+              <a:rPr lang="de-CH" sz="1200" dirty="0" err="1">
+                <a:solidFill>
+                  <a:schemeClr val="tx1"/>
+                </a:solidFill>
+                <a:latin typeface="Arial" panose="020B0604020202020204" pitchFamily="34" charset="0"/>
+                <a:cs typeface="Arial" panose="020B0604020202020204" pitchFamily="34" charset="0"/>
+              </a:rPr>
+              <a:t>reservation</a:t>
+            </a:r>
+            <a:endParaRPr lang="de-CH" sz="1200" dirty="0">
+              <a:solidFill>
+                <a:schemeClr val="tx1"/>
+              </a:solidFill>
+              <a:latin typeface="Arial" panose="020B0604020202020204" pitchFamily="34" charset="0"/>
+              <a:cs typeface="Arial" panose="020B0604020202020204" pitchFamily="34" charset="0"/>
+            </a:endParaRPr>
+          </a:p>
+        </p:txBody>
+      </p:sp>
+      <p:sp>
+        <p:nvSpPr>
+          <p:cNvPr id="4" name="Rechteck 3">
+            <a:extLst>
+              <a:ext uri="{FF2B5EF4-FFF2-40B4-BE49-F238E27FC236}">
+                <a16:creationId xmlns:a16="http://schemas.microsoft.com/office/drawing/2014/main" id="{3EEBE55E-96DF-FC31-52E0-B7181BB354DB}"/>
+              </a:ext>
+            </a:extLst>
+          </p:cNvPr>
+          <p:cNvSpPr/>
+          <p:nvPr/>
+        </p:nvSpPr>
+        <p:spPr>
+          <a:xfrm>
+            <a:off x="1845189" y="1369033"/>
+            <a:ext cx="3584648" cy="5192023"/>
+          </a:xfrm>
+          <a:prstGeom prst="rect">
+            <a:avLst/>
+          </a:prstGeom>
+          <a:noFill/>
+          <a:ln w="19050">
+            <a:solidFill>
+              <a:schemeClr val="tx1"/>
+            </a:solidFill>
+          </a:ln>
+        </p:spPr>
+        <p:style>
+          <a:lnRef idx="2">
+            <a:schemeClr val="accent1">
+              <a:shade val="50000"/>
+            </a:schemeClr>
+          </a:lnRef>
+          <a:fillRef idx="1">
+            <a:schemeClr val="accent1"/>
+          </a:fillRef>
+          <a:effectRef idx="0">
+            <a:schemeClr val="accent1"/>
+          </a:effectRef>
+          <a:fontRef idx="minor">
+            <a:schemeClr val="lt1"/>
+          </a:fontRef>
+        </p:style>
+        <p:txBody>
+          <a:bodyPr rtlCol="0" anchor="ctr"/>
+          <a:lstStyle/>
+          <a:p>
+            <a:r>
+              <a:rPr lang="en-US" sz="1200" dirty="0">
+                <a:solidFill>
+                  <a:schemeClr val="tx1"/>
+                </a:solidFill>
+                <a:latin typeface="Arial" panose="020B0604020202020204" pitchFamily="34" charset="0"/>
+                <a:cs typeface="Arial" panose="020B0604020202020204" pitchFamily="34" charset="0"/>
+              </a:rPr>
+              <a:t>Member variables</a:t>
+            </a:r>
+          </a:p>
+          <a:p>
+            <a:r>
+              <a:rPr lang="en-US" sz="1000" b="1" dirty="0" err="1">
+                <a:solidFill>
+                  <a:schemeClr val="tx1"/>
+                </a:solidFill>
+                <a:latin typeface="Arial" panose="020B0604020202020204" pitchFamily="34" charset="0"/>
+                <a:cs typeface="Arial" panose="020B0604020202020204" pitchFamily="34" charset="0"/>
+              </a:rPr>
+              <a:t>m_id_div_container</a:t>
+            </a:r>
+            <a:endParaRPr lang="en-US" sz="1000" b="1" dirty="0">
+              <a:solidFill>
+                <a:schemeClr val="tx1"/>
+              </a:solidFill>
+              <a:latin typeface="Arial" panose="020B0604020202020204" pitchFamily="34" charset="0"/>
+              <a:cs typeface="Arial" panose="020B0604020202020204" pitchFamily="34" charset="0"/>
+            </a:endParaRPr>
+          </a:p>
+          <a:p>
+            <a:r>
+              <a:rPr lang="en-US" sz="1000" b="1" dirty="0" err="1">
+                <a:solidFill>
+                  <a:schemeClr val="tx1"/>
+                </a:solidFill>
+                <a:latin typeface="Arial" panose="020B0604020202020204" pitchFamily="34" charset="0"/>
+                <a:cs typeface="Arial" panose="020B0604020202020204" pitchFamily="34" charset="0"/>
+              </a:rPr>
+              <a:t>m_event_program_xml</a:t>
+            </a:r>
+            <a:endParaRPr lang="en-US" sz="1000" b="1" dirty="0">
+              <a:solidFill>
+                <a:schemeClr val="tx1"/>
+              </a:solidFill>
+              <a:latin typeface="Arial" panose="020B0604020202020204" pitchFamily="34" charset="0"/>
+              <a:cs typeface="Arial" panose="020B0604020202020204" pitchFamily="34" charset="0"/>
+            </a:endParaRPr>
+          </a:p>
+          <a:p>
+            <a:r>
+              <a:rPr lang="en-US" sz="1000" b="1" dirty="0" err="1">
+                <a:solidFill>
+                  <a:schemeClr val="tx1"/>
+                </a:solidFill>
+                <a:latin typeface="Arial" panose="020B0604020202020204" pitchFamily="34" charset="0"/>
+                <a:cs typeface="Arial" panose="020B0604020202020204" pitchFamily="34" charset="0"/>
+              </a:rPr>
+              <a:t>m_active_event_number</a:t>
+            </a:r>
+            <a:endParaRPr lang="en-US" sz="1000" b="1" dirty="0">
+              <a:solidFill>
+                <a:schemeClr val="tx1"/>
+              </a:solidFill>
+              <a:latin typeface="Arial" panose="020B0604020202020204" pitchFamily="34" charset="0"/>
+              <a:cs typeface="Arial" panose="020B0604020202020204" pitchFamily="34" charset="0"/>
+            </a:endParaRPr>
+          </a:p>
+          <a:p>
+            <a:r>
+              <a:rPr lang="en-US" sz="1000" b="1" dirty="0" err="1">
+                <a:solidFill>
+                  <a:schemeClr val="tx1"/>
+                </a:solidFill>
+                <a:latin typeface="Arial" panose="020B0604020202020204" pitchFamily="34" charset="0"/>
+                <a:cs typeface="Arial" panose="020B0604020202020204" pitchFamily="34" charset="0"/>
+              </a:rPr>
+              <a:t>m_id_el</a:t>
+            </a:r>
+            <a:r>
+              <a:rPr lang="en-US" sz="1000" b="1" dirty="0">
+                <a:solidFill>
+                  <a:schemeClr val="tx1"/>
+                </a:solidFill>
+                <a:latin typeface="Arial" panose="020B0604020202020204" pitchFamily="34" charset="0"/>
+                <a:cs typeface="Arial" panose="020B0604020202020204" pitchFamily="34" charset="0"/>
+              </a:rPr>
+              <a:t> = new </a:t>
+            </a:r>
+            <a:r>
+              <a:rPr lang="en-US" sz="1000" b="1" dirty="0" err="1">
+                <a:solidFill>
+                  <a:schemeClr val="tx1"/>
+                </a:solidFill>
+                <a:latin typeface="Arial" panose="020B0604020202020204" pitchFamily="34" charset="0"/>
+                <a:cs typeface="Arial" panose="020B0604020202020204" pitchFamily="34" charset="0"/>
+              </a:rPr>
+              <a:t>InputEventReservationIdElement</a:t>
+            </a:r>
+            <a:endParaRPr lang="en-US" sz="1000" b="1" dirty="0">
+              <a:solidFill>
+                <a:schemeClr val="tx1"/>
+              </a:solidFill>
+              <a:latin typeface="Arial" panose="020B0604020202020204" pitchFamily="34" charset="0"/>
+              <a:cs typeface="Arial" panose="020B0604020202020204" pitchFamily="34" charset="0"/>
+            </a:endParaRPr>
+          </a:p>
+          <a:p>
+            <a:r>
+              <a:rPr lang="en-US" sz="1000" b="1" dirty="0" err="1">
+                <a:solidFill>
+                  <a:schemeClr val="tx1"/>
+                </a:solidFill>
+                <a:latin typeface="Arial" panose="020B0604020202020204" pitchFamily="34" charset="0"/>
+                <a:cs typeface="Arial" panose="020B0604020202020204" pitchFamily="34" charset="0"/>
+              </a:rPr>
+              <a:t>m_texts</a:t>
+            </a:r>
+            <a:r>
+              <a:rPr lang="en-US" sz="1000" b="1" dirty="0">
+                <a:solidFill>
+                  <a:schemeClr val="tx1"/>
+                </a:solidFill>
+                <a:latin typeface="Arial" panose="020B0604020202020204" pitchFamily="34" charset="0"/>
+                <a:cs typeface="Arial" panose="020B0604020202020204" pitchFamily="34" charset="0"/>
+              </a:rPr>
+              <a:t> = new </a:t>
+            </a:r>
+            <a:r>
+              <a:rPr lang="en-US" sz="1000" b="1" dirty="0" err="1">
+                <a:solidFill>
+                  <a:schemeClr val="tx1"/>
+                </a:solidFill>
+                <a:latin typeface="Arial" panose="020B0604020202020204" pitchFamily="34" charset="0"/>
+                <a:cs typeface="Arial" panose="020B0604020202020204" pitchFamily="34" charset="0"/>
+              </a:rPr>
+              <a:t>InputEventReservationText</a:t>
+            </a:r>
+            <a:endParaRPr lang="en-US" sz="1000" b="1" dirty="0">
+              <a:solidFill>
+                <a:schemeClr val="tx1"/>
+              </a:solidFill>
+              <a:latin typeface="Arial" panose="020B0604020202020204" pitchFamily="34" charset="0"/>
+              <a:cs typeface="Arial" panose="020B0604020202020204" pitchFamily="34" charset="0"/>
+            </a:endParaRPr>
+          </a:p>
+          <a:p>
+            <a:r>
+              <a:rPr lang="en-US" sz="1000" b="1" dirty="0" err="1">
+                <a:solidFill>
+                  <a:schemeClr val="tx1"/>
+                </a:solidFill>
+                <a:latin typeface="Arial" panose="020B0604020202020204" pitchFamily="34" charset="0"/>
+                <a:cs typeface="Arial" panose="020B0604020202020204" pitchFamily="34" charset="0"/>
+              </a:rPr>
+              <a:t>m_styles</a:t>
+            </a:r>
+            <a:r>
+              <a:rPr lang="en-US" sz="1000" b="1" dirty="0">
+                <a:solidFill>
+                  <a:schemeClr val="tx1"/>
+                </a:solidFill>
+                <a:latin typeface="Arial" panose="020B0604020202020204" pitchFamily="34" charset="0"/>
+                <a:cs typeface="Arial" panose="020B0604020202020204" pitchFamily="34" charset="0"/>
+              </a:rPr>
+              <a:t> = new </a:t>
+            </a:r>
+            <a:r>
+              <a:rPr lang="en-US" sz="1000" b="1" dirty="0" err="1">
+                <a:solidFill>
+                  <a:schemeClr val="tx1"/>
+                </a:solidFill>
+                <a:latin typeface="Arial" panose="020B0604020202020204" pitchFamily="34" charset="0"/>
+                <a:cs typeface="Arial" panose="020B0604020202020204" pitchFamily="34" charset="0"/>
+              </a:rPr>
+              <a:t>InputEventReservationStyle</a:t>
+            </a:r>
+            <a:endParaRPr lang="en-US" sz="1000" b="1" dirty="0">
+              <a:solidFill>
+                <a:schemeClr val="tx1"/>
+              </a:solidFill>
+              <a:latin typeface="Arial" panose="020B0604020202020204" pitchFamily="34" charset="0"/>
+              <a:cs typeface="Arial" panose="020B0604020202020204" pitchFamily="34" charset="0"/>
+            </a:endParaRPr>
+          </a:p>
+          <a:p>
+            <a:r>
+              <a:rPr lang="en-US" sz="1000" b="1" dirty="0" err="1">
+                <a:solidFill>
+                  <a:schemeClr val="tx1"/>
+                </a:solidFill>
+                <a:latin typeface="Arial" panose="020B0604020202020204" pitchFamily="34" charset="0"/>
+                <a:cs typeface="Arial" panose="020B0604020202020204" pitchFamily="34" charset="0"/>
+              </a:rPr>
+              <a:t>m_id_unique_str</a:t>
+            </a:r>
+            <a:endParaRPr lang="en-US" sz="1000" b="1" dirty="0">
+              <a:solidFill>
+                <a:schemeClr val="tx1"/>
+              </a:solidFill>
+              <a:latin typeface="Arial" panose="020B0604020202020204" pitchFamily="34" charset="0"/>
+              <a:cs typeface="Arial" panose="020B0604020202020204" pitchFamily="34" charset="0"/>
+            </a:endParaRPr>
+          </a:p>
+          <a:p>
+            <a:endParaRPr lang="en-US" sz="1000" b="1" dirty="0">
+              <a:solidFill>
+                <a:schemeClr val="tx1"/>
+              </a:solidFill>
+              <a:latin typeface="Arial" panose="020B0604020202020204" pitchFamily="34" charset="0"/>
+              <a:cs typeface="Arial" panose="020B0604020202020204" pitchFamily="34" charset="0"/>
+            </a:endParaRPr>
+          </a:p>
+          <a:p>
+            <a:r>
+              <a:rPr lang="en-US" sz="1200" dirty="0">
+                <a:solidFill>
+                  <a:schemeClr val="tx1"/>
+                </a:solidFill>
+                <a:latin typeface="Arial" panose="020B0604020202020204" pitchFamily="34" charset="0"/>
+                <a:cs typeface="Arial" panose="020B0604020202020204" pitchFamily="34" charset="0"/>
+              </a:rPr>
+              <a:t>Member functions</a:t>
+            </a:r>
+          </a:p>
+          <a:p>
+            <a:r>
+              <a:rPr lang="de-CH" sz="1000" b="1" dirty="0" err="1">
+                <a:solidFill>
+                  <a:schemeClr val="tx1"/>
+                </a:solidFill>
+                <a:latin typeface="Arial" panose="020B0604020202020204" pitchFamily="34" charset="0"/>
+                <a:cs typeface="Arial" panose="020B0604020202020204" pitchFamily="34" charset="0"/>
+              </a:rPr>
+              <a:t>create</a:t>
+            </a:r>
+            <a:endParaRPr lang="de-CH" sz="1000" b="1" dirty="0">
+              <a:solidFill>
+                <a:schemeClr val="tx1"/>
+              </a:solidFill>
+              <a:latin typeface="Arial" panose="020B0604020202020204" pitchFamily="34" charset="0"/>
+              <a:cs typeface="Arial" panose="020B0604020202020204" pitchFamily="34" charset="0"/>
+            </a:endParaRPr>
+          </a:p>
+          <a:p>
+            <a:r>
+              <a:rPr lang="en-US" sz="1000" b="1" dirty="0" err="1">
+                <a:solidFill>
+                  <a:schemeClr val="tx1"/>
+                </a:solidFill>
+                <a:latin typeface="Arial" panose="020B0604020202020204" pitchFamily="34" charset="0"/>
+                <a:cs typeface="Arial" panose="020B0604020202020204" pitchFamily="34" charset="0"/>
+              </a:rPr>
+              <a:t>getDivsHtml</a:t>
+            </a:r>
+            <a:endParaRPr lang="en-US" sz="1000" b="1" dirty="0">
+              <a:solidFill>
+                <a:schemeClr val="tx1"/>
+              </a:solidFill>
+              <a:latin typeface="Arial" panose="020B0604020202020204" pitchFamily="34" charset="0"/>
+              <a:cs typeface="Arial" panose="020B0604020202020204" pitchFamily="34" charset="0"/>
+            </a:endParaRPr>
+          </a:p>
+          <a:p>
+            <a:endParaRPr lang="de-CH" sz="1000" b="1" dirty="0">
+              <a:solidFill>
+                <a:schemeClr val="tx1"/>
+              </a:solidFill>
+              <a:latin typeface="Arial" panose="020B0604020202020204" pitchFamily="34" charset="0"/>
+              <a:cs typeface="Arial" panose="020B0604020202020204" pitchFamily="34" charset="0"/>
+            </a:endParaRPr>
+          </a:p>
+          <a:p>
+            <a:r>
+              <a:rPr lang="de-CH" sz="1000" b="1" dirty="0" err="1">
+                <a:solidFill>
+                  <a:schemeClr val="tx1"/>
+                </a:solidFill>
+                <a:latin typeface="Arial" panose="020B0604020202020204" pitchFamily="34" charset="0"/>
+                <a:cs typeface="Arial" panose="020B0604020202020204" pitchFamily="34" charset="0"/>
+              </a:rPr>
+              <a:t>contentHeader</a:t>
+            </a:r>
+            <a:endParaRPr lang="de-CH" sz="1000" b="1" dirty="0">
+              <a:solidFill>
+                <a:schemeClr val="tx1"/>
+              </a:solidFill>
+              <a:latin typeface="Arial" panose="020B0604020202020204" pitchFamily="34" charset="0"/>
+              <a:cs typeface="Arial" panose="020B0604020202020204" pitchFamily="34" charset="0"/>
+            </a:endParaRPr>
+          </a:p>
+          <a:p>
+            <a:r>
+              <a:rPr lang="de-CH" sz="1000" b="1" dirty="0" err="1">
+                <a:solidFill>
+                  <a:schemeClr val="tx1"/>
+                </a:solidFill>
+                <a:latin typeface="Arial" panose="020B0604020202020204" pitchFamily="34" charset="0"/>
+                <a:cs typeface="Arial" panose="020B0604020202020204" pitchFamily="34" charset="0"/>
+              </a:rPr>
+              <a:t>contentLabelName</a:t>
+            </a:r>
+            <a:endParaRPr lang="en-US" sz="1000" b="1" dirty="0">
+              <a:solidFill>
+                <a:schemeClr val="tx1"/>
+              </a:solidFill>
+              <a:latin typeface="Arial" panose="020B0604020202020204" pitchFamily="34" charset="0"/>
+              <a:cs typeface="Arial" panose="020B0604020202020204" pitchFamily="34" charset="0"/>
+            </a:endParaRPr>
+          </a:p>
+          <a:p>
+            <a:r>
+              <a:rPr lang="en-US" sz="1000" b="1" dirty="0" err="1">
+                <a:solidFill>
+                  <a:schemeClr val="tx1"/>
+                </a:solidFill>
+                <a:latin typeface="Arial" panose="020B0604020202020204" pitchFamily="34" charset="0"/>
+                <a:cs typeface="Arial" panose="020B0604020202020204" pitchFamily="34" charset="0"/>
+              </a:rPr>
+              <a:t>contentLabelEmail</a:t>
+            </a:r>
+            <a:endParaRPr lang="en-US" sz="1000" b="1" dirty="0">
+              <a:solidFill>
+                <a:schemeClr val="tx1"/>
+              </a:solidFill>
+              <a:latin typeface="Arial" panose="020B0604020202020204" pitchFamily="34" charset="0"/>
+              <a:cs typeface="Arial" panose="020B0604020202020204" pitchFamily="34" charset="0"/>
+            </a:endParaRPr>
+          </a:p>
+          <a:p>
+            <a:r>
+              <a:rPr lang="en-US" sz="1000" b="1" dirty="0" err="1">
+                <a:solidFill>
+                  <a:schemeClr val="tx1"/>
+                </a:solidFill>
+                <a:latin typeface="Arial" panose="020B0604020202020204" pitchFamily="34" charset="0"/>
+                <a:cs typeface="Arial" panose="020B0604020202020204" pitchFamily="34" charset="0"/>
+              </a:rPr>
+              <a:t>contentLabelRemark</a:t>
+            </a:r>
+            <a:endParaRPr lang="en-US" sz="1000" b="1" dirty="0">
+              <a:solidFill>
+                <a:schemeClr val="tx1"/>
+              </a:solidFill>
+              <a:latin typeface="Arial" panose="020B0604020202020204" pitchFamily="34" charset="0"/>
+              <a:cs typeface="Arial" panose="020B0604020202020204" pitchFamily="34" charset="0"/>
+            </a:endParaRPr>
+          </a:p>
+          <a:p>
+            <a:r>
+              <a:rPr lang="en-US" sz="1000" b="1" dirty="0" err="1">
+                <a:solidFill>
+                  <a:schemeClr val="tx1"/>
+                </a:solidFill>
+                <a:latin typeface="Arial" panose="020B0604020202020204" pitchFamily="34" charset="0"/>
+                <a:cs typeface="Arial" panose="020B0604020202020204" pitchFamily="34" charset="0"/>
+              </a:rPr>
+              <a:t>contentDropdown</a:t>
+            </a:r>
+            <a:endParaRPr lang="en-US" sz="1000" b="1" dirty="0">
+              <a:solidFill>
+                <a:schemeClr val="tx1"/>
+              </a:solidFill>
+              <a:latin typeface="Arial" panose="020B0604020202020204" pitchFamily="34" charset="0"/>
+              <a:cs typeface="Arial" panose="020B0604020202020204" pitchFamily="34" charset="0"/>
+            </a:endParaRPr>
+          </a:p>
+          <a:p>
+            <a:r>
+              <a:rPr lang="en-US" sz="1000" b="1" dirty="0" err="1">
+                <a:solidFill>
+                  <a:schemeClr val="tx1"/>
+                </a:solidFill>
+                <a:latin typeface="Arial" panose="020B0604020202020204" pitchFamily="34" charset="0"/>
+                <a:cs typeface="Arial" panose="020B0604020202020204" pitchFamily="34" charset="0"/>
+              </a:rPr>
+              <a:t>contentNameInfo</a:t>
+            </a:r>
+            <a:endParaRPr lang="en-US" sz="1000" b="1" dirty="0">
+              <a:solidFill>
+                <a:schemeClr val="tx1"/>
+              </a:solidFill>
+              <a:latin typeface="Arial" panose="020B0604020202020204" pitchFamily="34" charset="0"/>
+              <a:cs typeface="Arial" panose="020B0604020202020204" pitchFamily="34" charset="0"/>
+            </a:endParaRPr>
+          </a:p>
+          <a:p>
+            <a:r>
+              <a:rPr lang="en-US" sz="1000" b="1" dirty="0" err="1">
+                <a:solidFill>
+                  <a:schemeClr val="tx1"/>
+                </a:solidFill>
+                <a:latin typeface="Arial" panose="020B0604020202020204" pitchFamily="34" charset="0"/>
+                <a:cs typeface="Arial" panose="020B0604020202020204" pitchFamily="34" charset="0"/>
+              </a:rPr>
+              <a:t>contentName</a:t>
+            </a:r>
+            <a:endParaRPr lang="en-US" sz="1000" b="1" dirty="0">
+              <a:solidFill>
+                <a:schemeClr val="tx1"/>
+              </a:solidFill>
+              <a:latin typeface="Arial" panose="020B0604020202020204" pitchFamily="34" charset="0"/>
+              <a:cs typeface="Arial" panose="020B0604020202020204" pitchFamily="34" charset="0"/>
+            </a:endParaRPr>
+          </a:p>
+          <a:p>
+            <a:r>
+              <a:rPr lang="en-US" sz="1000" b="1" dirty="0" err="1">
+                <a:solidFill>
+                  <a:schemeClr val="tx1"/>
+                </a:solidFill>
+                <a:latin typeface="Arial" panose="020B0604020202020204" pitchFamily="34" charset="0"/>
+                <a:cs typeface="Arial" panose="020B0604020202020204" pitchFamily="34" charset="0"/>
+              </a:rPr>
+              <a:t>contentInfoName</a:t>
+            </a:r>
+            <a:endParaRPr lang="en-US" sz="1000" b="1" dirty="0">
+              <a:solidFill>
+                <a:schemeClr val="tx1"/>
+              </a:solidFill>
+              <a:latin typeface="Arial" panose="020B0604020202020204" pitchFamily="34" charset="0"/>
+              <a:cs typeface="Arial" panose="020B0604020202020204" pitchFamily="34" charset="0"/>
+            </a:endParaRPr>
+          </a:p>
+          <a:p>
+            <a:r>
+              <a:rPr lang="en-US" sz="1000" b="1" dirty="0" err="1">
+                <a:solidFill>
+                  <a:schemeClr val="tx1"/>
+                </a:solidFill>
+                <a:latin typeface="Arial" panose="020B0604020202020204" pitchFamily="34" charset="0"/>
+                <a:cs typeface="Arial" panose="020B0604020202020204" pitchFamily="34" charset="0"/>
+              </a:rPr>
+              <a:t>contentEmailInfo</a:t>
+            </a:r>
+            <a:endParaRPr lang="en-US" sz="1000" b="1" dirty="0">
+              <a:solidFill>
+                <a:schemeClr val="tx1"/>
+              </a:solidFill>
+              <a:latin typeface="Arial" panose="020B0604020202020204" pitchFamily="34" charset="0"/>
+              <a:cs typeface="Arial" panose="020B0604020202020204" pitchFamily="34" charset="0"/>
+            </a:endParaRPr>
+          </a:p>
+          <a:p>
+            <a:r>
+              <a:rPr lang="en-US" sz="1000" b="1" dirty="0" err="1">
+                <a:solidFill>
+                  <a:schemeClr val="tx1"/>
+                </a:solidFill>
+                <a:latin typeface="Arial" panose="020B0604020202020204" pitchFamily="34" charset="0"/>
+                <a:cs typeface="Arial" panose="020B0604020202020204" pitchFamily="34" charset="0"/>
+              </a:rPr>
+              <a:t>contentInfoEmail</a:t>
+            </a:r>
+            <a:endParaRPr lang="en-US" sz="1000" b="1" dirty="0">
+              <a:solidFill>
+                <a:schemeClr val="tx1"/>
+              </a:solidFill>
+              <a:latin typeface="Arial" panose="020B0604020202020204" pitchFamily="34" charset="0"/>
+              <a:cs typeface="Arial" panose="020B0604020202020204" pitchFamily="34" charset="0"/>
+            </a:endParaRPr>
+          </a:p>
+          <a:p>
+            <a:r>
+              <a:rPr lang="en-US" sz="1000" b="1" dirty="0" err="1">
+                <a:solidFill>
+                  <a:schemeClr val="tx1"/>
+                </a:solidFill>
+                <a:latin typeface="Arial" panose="020B0604020202020204" pitchFamily="34" charset="0"/>
+                <a:cs typeface="Arial" panose="020B0604020202020204" pitchFamily="34" charset="0"/>
+              </a:rPr>
+              <a:t>contentRemarkInfo</a:t>
+            </a:r>
+            <a:endParaRPr lang="en-US" sz="1000" b="1" dirty="0">
+              <a:solidFill>
+                <a:schemeClr val="tx1"/>
+              </a:solidFill>
+              <a:latin typeface="Arial" panose="020B0604020202020204" pitchFamily="34" charset="0"/>
+              <a:cs typeface="Arial" panose="020B0604020202020204" pitchFamily="34" charset="0"/>
+            </a:endParaRPr>
+          </a:p>
+          <a:p>
+            <a:r>
+              <a:rPr lang="en-US" sz="1000" b="1" dirty="0" err="1">
+                <a:solidFill>
+                  <a:schemeClr val="tx1"/>
+                </a:solidFill>
+                <a:latin typeface="Arial" panose="020B0604020202020204" pitchFamily="34" charset="0"/>
+                <a:cs typeface="Arial" panose="020B0604020202020204" pitchFamily="34" charset="0"/>
+              </a:rPr>
+              <a:t>contentRemark</a:t>
+            </a:r>
+            <a:endParaRPr lang="en-US" sz="1000" b="1" dirty="0">
+              <a:solidFill>
+                <a:schemeClr val="tx1"/>
+              </a:solidFill>
+              <a:latin typeface="Arial" panose="020B0604020202020204" pitchFamily="34" charset="0"/>
+              <a:cs typeface="Arial" panose="020B0604020202020204" pitchFamily="34" charset="0"/>
+            </a:endParaRPr>
+          </a:p>
+          <a:p>
+            <a:r>
+              <a:rPr lang="en-US" sz="1000" b="1" dirty="0" err="1">
+                <a:solidFill>
+                  <a:schemeClr val="tx1"/>
+                </a:solidFill>
+                <a:latin typeface="Arial" panose="020B0604020202020204" pitchFamily="34" charset="0"/>
+                <a:cs typeface="Arial" panose="020B0604020202020204" pitchFamily="34" charset="0"/>
+              </a:rPr>
+              <a:t>contentInfoRemark</a:t>
+            </a:r>
+            <a:endParaRPr lang="en-US" sz="1000" b="1" dirty="0">
+              <a:solidFill>
+                <a:schemeClr val="tx1"/>
+              </a:solidFill>
+              <a:latin typeface="Arial" panose="020B0604020202020204" pitchFamily="34" charset="0"/>
+              <a:cs typeface="Arial" panose="020B0604020202020204" pitchFamily="34" charset="0"/>
+            </a:endParaRPr>
+          </a:p>
+          <a:p>
+            <a:r>
+              <a:rPr lang="en-US" sz="1000" b="1" dirty="0" err="1">
+                <a:solidFill>
+                  <a:schemeClr val="tx1"/>
+                </a:solidFill>
+                <a:latin typeface="Arial" panose="020B0604020202020204" pitchFamily="34" charset="0"/>
+                <a:cs typeface="Arial" panose="020B0604020202020204" pitchFamily="34" charset="0"/>
+              </a:rPr>
+              <a:t>contentPrices</a:t>
+            </a:r>
+            <a:endParaRPr lang="en-US" sz="1000" b="1" dirty="0">
+              <a:solidFill>
+                <a:schemeClr val="tx1"/>
+              </a:solidFill>
+              <a:latin typeface="Arial" panose="020B0604020202020204" pitchFamily="34" charset="0"/>
+              <a:cs typeface="Arial" panose="020B0604020202020204" pitchFamily="34" charset="0"/>
+            </a:endParaRPr>
+          </a:p>
+          <a:p>
+            <a:r>
+              <a:rPr lang="en-US" sz="1000" b="1" dirty="0" err="1">
+                <a:solidFill>
+                  <a:schemeClr val="tx1"/>
+                </a:solidFill>
+                <a:latin typeface="Arial" panose="020B0604020202020204" pitchFamily="34" charset="0"/>
+                <a:cs typeface="Arial" panose="020B0604020202020204" pitchFamily="34" charset="0"/>
+              </a:rPr>
+              <a:t>contentInstructions</a:t>
+            </a:r>
+            <a:endParaRPr lang="en-US" sz="1000" b="1" dirty="0">
+              <a:solidFill>
+                <a:schemeClr val="tx1"/>
+              </a:solidFill>
+              <a:latin typeface="Arial" panose="020B0604020202020204" pitchFamily="34" charset="0"/>
+              <a:cs typeface="Arial" panose="020B0604020202020204" pitchFamily="34" charset="0"/>
+            </a:endParaRPr>
+          </a:p>
+          <a:p>
+            <a:endParaRPr lang="en-US" sz="1000" b="1" dirty="0">
+              <a:solidFill>
+                <a:schemeClr val="tx1"/>
+              </a:solidFill>
+              <a:latin typeface="Arial" panose="020B0604020202020204" pitchFamily="34" charset="0"/>
+              <a:cs typeface="Arial" panose="020B0604020202020204" pitchFamily="34" charset="0"/>
+            </a:endParaRPr>
+          </a:p>
+          <a:p>
+            <a:r>
+              <a:rPr lang="en-US" sz="1000" b="1" dirty="0" err="1">
+                <a:solidFill>
+                  <a:schemeClr val="tx1"/>
+                </a:solidFill>
+                <a:latin typeface="Arial" panose="020B0604020202020204" pitchFamily="34" charset="0"/>
+                <a:cs typeface="Arial" panose="020B0604020202020204" pitchFamily="34" charset="0"/>
+              </a:rPr>
+              <a:t>displayDropdown</a:t>
+            </a:r>
+            <a:endParaRPr lang="en-US" sz="1000" b="1" dirty="0">
+              <a:solidFill>
+                <a:schemeClr val="tx1"/>
+              </a:solidFill>
+              <a:latin typeface="Arial" panose="020B0604020202020204" pitchFamily="34" charset="0"/>
+              <a:cs typeface="Arial" panose="020B0604020202020204" pitchFamily="34" charset="0"/>
+            </a:endParaRPr>
+          </a:p>
+          <a:p>
+            <a:r>
+              <a:rPr lang="en-US" sz="1000" b="1" dirty="0" err="1">
+                <a:solidFill>
+                  <a:schemeClr val="tx1"/>
+                </a:solidFill>
+                <a:latin typeface="Arial" panose="020B0604020202020204" pitchFamily="34" charset="0"/>
+                <a:cs typeface="Arial" panose="020B0604020202020204" pitchFamily="34" charset="0"/>
+              </a:rPr>
+              <a:t>hideDropdown</a:t>
+            </a:r>
+            <a:endParaRPr lang="en-US" sz="1000" b="1" dirty="0">
+              <a:solidFill>
+                <a:schemeClr val="tx1"/>
+              </a:solidFill>
+              <a:latin typeface="Arial" panose="020B0604020202020204" pitchFamily="34" charset="0"/>
+              <a:cs typeface="Arial" panose="020B0604020202020204" pitchFamily="34" charset="0"/>
+            </a:endParaRPr>
+          </a:p>
+          <a:p>
+            <a:endParaRPr lang="en-US" sz="1000" b="1" dirty="0">
+              <a:solidFill>
+                <a:schemeClr val="tx1"/>
+              </a:solidFill>
+              <a:latin typeface="Arial" panose="020B0604020202020204" pitchFamily="34" charset="0"/>
+              <a:cs typeface="Arial" panose="020B0604020202020204" pitchFamily="34" charset="0"/>
+            </a:endParaRPr>
+          </a:p>
+        </p:txBody>
+      </p:sp>
+      <p:sp>
+        <p:nvSpPr>
+          <p:cNvPr id="39" name="Rechteck 38">
+            <a:extLst>
+              <a:ext uri="{FF2B5EF4-FFF2-40B4-BE49-F238E27FC236}">
+                <a16:creationId xmlns:a16="http://schemas.microsoft.com/office/drawing/2014/main" id="{22F3501F-208E-A347-36F9-F1CE2EC55EA7}"/>
+              </a:ext>
+            </a:extLst>
+          </p:cNvPr>
+          <p:cNvSpPr/>
+          <p:nvPr/>
+        </p:nvSpPr>
+        <p:spPr>
+          <a:xfrm>
+            <a:off x="6011837" y="798565"/>
+            <a:ext cx="3584646" cy="570469"/>
+          </a:xfrm>
+          <a:prstGeom prst="rect">
+            <a:avLst/>
+          </a:prstGeom>
+          <a:noFill/>
+          <a:ln w="19050">
+            <a:solidFill>
+              <a:schemeClr val="tx1"/>
+            </a:solidFill>
+          </a:ln>
+        </p:spPr>
+        <p:style>
+          <a:lnRef idx="2">
+            <a:schemeClr val="accent1">
+              <a:shade val="50000"/>
+            </a:schemeClr>
+          </a:lnRef>
+          <a:fillRef idx="1">
+            <a:schemeClr val="accent1"/>
+          </a:fillRef>
+          <a:effectRef idx="0">
+            <a:schemeClr val="accent1"/>
+          </a:effectRef>
+          <a:fontRef idx="minor">
+            <a:schemeClr val="lt1"/>
+          </a:fontRef>
+        </p:style>
+        <p:txBody>
+          <a:bodyPr rtlCol="0" anchor="ctr"/>
+          <a:lstStyle/>
+          <a:p>
+            <a:pPr algn="ctr"/>
+            <a:r>
+              <a:rPr lang="de-CH" dirty="0" err="1">
+                <a:solidFill>
+                  <a:schemeClr val="tx1"/>
+                </a:solidFill>
+                <a:latin typeface="Arial" panose="020B0604020202020204" pitchFamily="34" charset="0"/>
+                <a:cs typeface="Arial" panose="020B0604020202020204" pitchFamily="34" charset="0"/>
+              </a:rPr>
+              <a:t>EventProgramDropdown</a:t>
+            </a:r>
+            <a:endParaRPr lang="de-CH" dirty="0">
+              <a:solidFill>
+                <a:schemeClr val="tx1"/>
+              </a:solidFill>
+              <a:latin typeface="Arial" panose="020B0604020202020204" pitchFamily="34" charset="0"/>
+              <a:cs typeface="Arial" panose="020B0604020202020204" pitchFamily="34" charset="0"/>
+            </a:endParaRPr>
+          </a:p>
+          <a:p>
+            <a:pPr algn="ctr"/>
+            <a:r>
+              <a:rPr lang="de-CH" sz="1200" dirty="0">
+                <a:solidFill>
+                  <a:schemeClr val="tx1"/>
+                </a:solidFill>
+                <a:latin typeface="Arial" panose="020B0604020202020204" pitchFamily="34" charset="0"/>
+                <a:cs typeface="Arial" panose="020B0604020202020204" pitchFamily="34" charset="0"/>
+              </a:rPr>
+              <a:t>Event </a:t>
+            </a:r>
+            <a:r>
+              <a:rPr lang="de-CH" sz="1200" dirty="0" err="1">
+                <a:solidFill>
+                  <a:schemeClr val="tx1"/>
+                </a:solidFill>
+                <a:latin typeface="Arial" panose="020B0604020202020204" pitchFamily="34" charset="0"/>
+                <a:cs typeface="Arial" panose="020B0604020202020204" pitchFamily="34" charset="0"/>
+              </a:rPr>
+              <a:t>program</a:t>
+            </a:r>
+            <a:r>
+              <a:rPr lang="de-CH" sz="1200" dirty="0">
+                <a:solidFill>
+                  <a:schemeClr val="tx1"/>
+                </a:solidFill>
+                <a:latin typeface="Arial" panose="020B0604020202020204" pitchFamily="34" charset="0"/>
+                <a:cs typeface="Arial" panose="020B0604020202020204" pitchFamily="34" charset="0"/>
+              </a:rPr>
+              <a:t> </a:t>
+            </a:r>
+            <a:r>
+              <a:rPr lang="de-CH" sz="1200" dirty="0" err="1">
+                <a:solidFill>
+                  <a:schemeClr val="tx1"/>
+                </a:solidFill>
+                <a:latin typeface="Arial" panose="020B0604020202020204" pitchFamily="34" charset="0"/>
+                <a:cs typeface="Arial" panose="020B0604020202020204" pitchFamily="34" charset="0"/>
+              </a:rPr>
+              <a:t>dropdown</a:t>
+            </a:r>
+            <a:endParaRPr lang="de-CH" sz="1200" dirty="0">
+              <a:solidFill>
+                <a:schemeClr val="tx1"/>
+              </a:solidFill>
+              <a:latin typeface="Arial" panose="020B0604020202020204" pitchFamily="34" charset="0"/>
+              <a:cs typeface="Arial" panose="020B0604020202020204" pitchFamily="34" charset="0"/>
+            </a:endParaRPr>
+          </a:p>
+        </p:txBody>
+      </p:sp>
+      <p:sp>
+        <p:nvSpPr>
+          <p:cNvPr id="40" name="Rechteck 39">
+            <a:extLst>
+              <a:ext uri="{FF2B5EF4-FFF2-40B4-BE49-F238E27FC236}">
+                <a16:creationId xmlns:a16="http://schemas.microsoft.com/office/drawing/2014/main" id="{A73A8EAC-4FB0-74E7-F90E-A4EE5874370A}"/>
+              </a:ext>
+            </a:extLst>
+          </p:cNvPr>
+          <p:cNvSpPr/>
+          <p:nvPr/>
+        </p:nvSpPr>
+        <p:spPr>
+          <a:xfrm>
+            <a:off x="6011836" y="1369034"/>
+            <a:ext cx="3584648" cy="4324757"/>
+          </a:xfrm>
+          <a:prstGeom prst="rect">
+            <a:avLst/>
+          </a:prstGeom>
+          <a:noFill/>
+          <a:ln w="19050">
+            <a:solidFill>
+              <a:schemeClr val="tx1"/>
+            </a:solidFill>
+          </a:ln>
+        </p:spPr>
+        <p:style>
+          <a:lnRef idx="2">
+            <a:schemeClr val="accent1">
+              <a:shade val="50000"/>
+            </a:schemeClr>
+          </a:lnRef>
+          <a:fillRef idx="1">
+            <a:schemeClr val="accent1"/>
+          </a:fillRef>
+          <a:effectRef idx="0">
+            <a:schemeClr val="accent1"/>
+          </a:effectRef>
+          <a:fontRef idx="minor">
+            <a:schemeClr val="lt1"/>
+          </a:fontRef>
+        </p:style>
+        <p:txBody>
+          <a:bodyPr rtlCol="0" anchor="ctr"/>
+          <a:lstStyle/>
+          <a:p>
+            <a:r>
+              <a:rPr lang="en-US" sz="1200" dirty="0">
+                <a:solidFill>
+                  <a:schemeClr val="tx1"/>
+                </a:solidFill>
+                <a:latin typeface="Arial" panose="020B0604020202020204" pitchFamily="34" charset="0"/>
+                <a:cs typeface="Arial" panose="020B0604020202020204" pitchFamily="34" charset="0"/>
+              </a:rPr>
+              <a:t>Member variables</a:t>
+            </a:r>
+          </a:p>
+          <a:p>
+            <a:r>
+              <a:rPr lang="en-US" sz="1000" b="1" dirty="0" err="1">
+                <a:solidFill>
+                  <a:schemeClr val="tx1"/>
+                </a:solidFill>
+                <a:latin typeface="Arial" panose="020B0604020202020204" pitchFamily="34" charset="0"/>
+                <a:cs typeface="Arial" panose="020B0604020202020204" pitchFamily="34" charset="0"/>
+              </a:rPr>
+              <a:t>m_id_drop_down</a:t>
+            </a:r>
+            <a:endParaRPr lang="en-US" sz="1000" b="1" dirty="0">
+              <a:solidFill>
+                <a:schemeClr val="tx1"/>
+              </a:solidFill>
+              <a:latin typeface="Arial" panose="020B0604020202020204" pitchFamily="34" charset="0"/>
+              <a:cs typeface="Arial" panose="020B0604020202020204" pitchFamily="34" charset="0"/>
+            </a:endParaRPr>
+          </a:p>
+          <a:p>
+            <a:r>
+              <a:rPr lang="en-US" sz="1000" b="1" dirty="0" err="1">
+                <a:solidFill>
+                  <a:schemeClr val="tx1"/>
+                </a:solidFill>
+                <a:latin typeface="Arial" panose="020B0604020202020204" pitchFamily="34" charset="0"/>
+                <a:cs typeface="Arial" panose="020B0604020202020204" pitchFamily="34" charset="0"/>
+              </a:rPr>
+              <a:t>m_id_div_container</a:t>
+            </a:r>
+            <a:endParaRPr lang="en-US" sz="1000" b="1" dirty="0">
+              <a:solidFill>
+                <a:schemeClr val="tx1"/>
+              </a:solidFill>
+              <a:latin typeface="Arial" panose="020B0604020202020204" pitchFamily="34" charset="0"/>
+              <a:cs typeface="Arial" panose="020B0604020202020204" pitchFamily="34" charset="0"/>
+            </a:endParaRPr>
+          </a:p>
+          <a:p>
+            <a:r>
+              <a:rPr lang="en-US" sz="1000" b="1" dirty="0" err="1">
+                <a:solidFill>
+                  <a:schemeClr val="tx1"/>
+                </a:solidFill>
+                <a:latin typeface="Arial" panose="020B0604020202020204" pitchFamily="34" charset="0"/>
+                <a:cs typeface="Arial" panose="020B0604020202020204" pitchFamily="34" charset="0"/>
+              </a:rPr>
+              <a:t>m_event_program_xml</a:t>
+            </a:r>
+            <a:endParaRPr lang="en-US" sz="1000" b="1" dirty="0">
+              <a:solidFill>
+                <a:schemeClr val="tx1"/>
+              </a:solidFill>
+              <a:latin typeface="Arial" panose="020B0604020202020204" pitchFamily="34" charset="0"/>
+              <a:cs typeface="Arial" panose="020B0604020202020204" pitchFamily="34" charset="0"/>
+            </a:endParaRPr>
+          </a:p>
+          <a:p>
+            <a:r>
+              <a:rPr lang="en-US" sz="1000" b="1" dirty="0" err="1">
+                <a:solidFill>
+                  <a:schemeClr val="tx1"/>
+                </a:solidFill>
+                <a:latin typeface="Arial" panose="020B0604020202020204" pitchFamily="34" charset="0"/>
+                <a:cs typeface="Arial" panose="020B0604020202020204" pitchFamily="34" charset="0"/>
+              </a:rPr>
+              <a:t>m_drop_down_name_array</a:t>
+            </a:r>
+            <a:endParaRPr lang="en-US" sz="1000" b="1" dirty="0">
+              <a:solidFill>
+                <a:schemeClr val="tx1"/>
+              </a:solidFill>
+              <a:latin typeface="Arial" panose="020B0604020202020204" pitchFamily="34" charset="0"/>
+              <a:cs typeface="Arial" panose="020B0604020202020204" pitchFamily="34" charset="0"/>
+            </a:endParaRPr>
+          </a:p>
+          <a:p>
+            <a:r>
+              <a:rPr lang="en-US" sz="1000" b="1" dirty="0" err="1">
+                <a:solidFill>
+                  <a:schemeClr val="tx1"/>
+                </a:solidFill>
+                <a:latin typeface="Arial" panose="020B0604020202020204" pitchFamily="34" charset="0"/>
+                <a:cs typeface="Arial" panose="020B0604020202020204" pitchFamily="34" charset="0"/>
+              </a:rPr>
+              <a:t>m_drop_down_number_array</a:t>
+            </a:r>
+            <a:endParaRPr lang="en-US" sz="1000" b="1" dirty="0">
+              <a:solidFill>
+                <a:schemeClr val="tx1"/>
+              </a:solidFill>
+              <a:latin typeface="Arial" panose="020B0604020202020204" pitchFamily="34" charset="0"/>
+              <a:cs typeface="Arial" panose="020B0604020202020204" pitchFamily="34" charset="0"/>
+            </a:endParaRPr>
+          </a:p>
+          <a:p>
+            <a:r>
+              <a:rPr lang="en-US" sz="1000" b="1" dirty="0" err="1">
+                <a:solidFill>
+                  <a:schemeClr val="tx1"/>
+                </a:solidFill>
+                <a:latin typeface="Arial" panose="020B0604020202020204" pitchFamily="34" charset="0"/>
+                <a:cs typeface="Arial" panose="020B0604020202020204" pitchFamily="34" charset="0"/>
+              </a:rPr>
+              <a:t>m_append_str</a:t>
+            </a:r>
+            <a:endParaRPr lang="en-US" sz="1000" b="1" dirty="0">
+              <a:solidFill>
+                <a:schemeClr val="tx1"/>
+              </a:solidFill>
+              <a:latin typeface="Arial" panose="020B0604020202020204" pitchFamily="34" charset="0"/>
+              <a:cs typeface="Arial" panose="020B0604020202020204" pitchFamily="34" charset="0"/>
+            </a:endParaRPr>
+          </a:p>
+          <a:p>
+            <a:r>
+              <a:rPr lang="en-US" sz="1000" b="1" dirty="0" err="1">
+                <a:solidFill>
+                  <a:schemeClr val="tx1"/>
+                </a:solidFill>
+                <a:latin typeface="Arial" panose="020B0604020202020204" pitchFamily="34" charset="0"/>
+                <a:cs typeface="Arial" panose="020B0604020202020204" pitchFamily="34" charset="0"/>
+              </a:rPr>
+              <a:t>m_onchange_function</a:t>
+            </a:r>
+            <a:endParaRPr lang="en-US" sz="1000" b="1" dirty="0">
+              <a:solidFill>
+                <a:schemeClr val="tx1"/>
+              </a:solidFill>
+              <a:latin typeface="Arial" panose="020B0604020202020204" pitchFamily="34" charset="0"/>
+              <a:cs typeface="Arial" panose="020B0604020202020204" pitchFamily="34" charset="0"/>
+            </a:endParaRPr>
+          </a:p>
+          <a:p>
+            <a:r>
+              <a:rPr lang="en-US" sz="1000" b="1" dirty="0" err="1">
+                <a:solidFill>
+                  <a:schemeClr val="tx1"/>
+                </a:solidFill>
+                <a:latin typeface="Arial" panose="020B0604020202020204" pitchFamily="34" charset="0"/>
+                <a:cs typeface="Arial" panose="020B0604020202020204" pitchFamily="34" charset="0"/>
+              </a:rPr>
+              <a:t>m_title</a:t>
+            </a:r>
+            <a:endParaRPr lang="en-US" sz="1000" b="1" dirty="0">
+              <a:solidFill>
+                <a:schemeClr val="tx1"/>
+              </a:solidFill>
+              <a:latin typeface="Arial" panose="020B0604020202020204" pitchFamily="34" charset="0"/>
+              <a:cs typeface="Arial" panose="020B0604020202020204" pitchFamily="34" charset="0"/>
+            </a:endParaRPr>
+          </a:p>
+          <a:p>
+            <a:r>
+              <a:rPr lang="en-US" sz="1000" b="1" dirty="0" err="1">
+                <a:solidFill>
+                  <a:schemeClr val="tx1"/>
+                </a:solidFill>
+                <a:latin typeface="Arial" panose="020B0604020202020204" pitchFamily="34" charset="0"/>
+                <a:cs typeface="Arial" panose="020B0604020202020204" pitchFamily="34" charset="0"/>
+              </a:rPr>
+              <a:t>m_date_format</a:t>
+            </a:r>
+            <a:endParaRPr lang="en-US" sz="1000" b="1" dirty="0">
+              <a:solidFill>
+                <a:schemeClr val="tx1"/>
+              </a:solidFill>
+              <a:latin typeface="Arial" panose="020B0604020202020204" pitchFamily="34" charset="0"/>
+              <a:cs typeface="Arial" panose="020B0604020202020204" pitchFamily="34" charset="0"/>
+            </a:endParaRPr>
+          </a:p>
+          <a:p>
+            <a:r>
+              <a:rPr lang="en-US" sz="1000" b="1" dirty="0" err="1">
+                <a:solidFill>
+                  <a:schemeClr val="tx1"/>
+                </a:solidFill>
+                <a:latin typeface="Arial" panose="020B0604020202020204" pitchFamily="34" charset="0"/>
+                <a:cs typeface="Arial" panose="020B0604020202020204" pitchFamily="34" charset="0"/>
+              </a:rPr>
+              <a:t>m_b_date_name_dropdown</a:t>
+            </a:r>
+            <a:endParaRPr lang="en-US" sz="1000" b="1" dirty="0">
+              <a:solidFill>
+                <a:schemeClr val="tx1"/>
+              </a:solidFill>
+              <a:latin typeface="Arial" panose="020B0604020202020204" pitchFamily="34" charset="0"/>
+              <a:cs typeface="Arial" panose="020B0604020202020204" pitchFamily="34" charset="0"/>
+            </a:endParaRPr>
+          </a:p>
+          <a:p>
+            <a:r>
+              <a:rPr lang="en-US" sz="1000" b="1" dirty="0" err="1">
+                <a:solidFill>
+                  <a:schemeClr val="tx1"/>
+                </a:solidFill>
+                <a:latin typeface="Arial" panose="020B0604020202020204" pitchFamily="34" charset="0"/>
+                <a:cs typeface="Arial" panose="020B0604020202020204" pitchFamily="34" charset="0"/>
+              </a:rPr>
+              <a:t>m_active_event_number</a:t>
+            </a:r>
+            <a:endParaRPr lang="en-US" sz="1000" b="1" dirty="0">
+              <a:solidFill>
+                <a:schemeClr val="tx1"/>
+              </a:solidFill>
+              <a:latin typeface="Arial" panose="020B0604020202020204" pitchFamily="34" charset="0"/>
+              <a:cs typeface="Arial" panose="020B0604020202020204" pitchFamily="34" charset="0"/>
+            </a:endParaRPr>
+          </a:p>
+          <a:p>
+            <a:r>
+              <a:rPr lang="en-US" sz="1000" b="1" dirty="0" err="1">
+                <a:solidFill>
+                  <a:schemeClr val="tx1"/>
+                </a:solidFill>
+                <a:latin typeface="Arial" panose="020B0604020202020204" pitchFamily="34" charset="0"/>
+                <a:cs typeface="Arial" panose="020B0604020202020204" pitchFamily="34" charset="0"/>
+              </a:rPr>
+              <a:t>m_b_display_dropdown</a:t>
+            </a:r>
+            <a:endParaRPr lang="en-US" sz="1000" b="1" dirty="0">
+              <a:solidFill>
+                <a:schemeClr val="tx1"/>
+              </a:solidFill>
+              <a:latin typeface="Arial" panose="020B0604020202020204" pitchFamily="34" charset="0"/>
+              <a:cs typeface="Arial" panose="020B0604020202020204" pitchFamily="34" charset="0"/>
+            </a:endParaRPr>
+          </a:p>
+          <a:p>
+            <a:endParaRPr lang="en-US" sz="1000" b="1" dirty="0">
+              <a:solidFill>
+                <a:schemeClr val="tx1"/>
+              </a:solidFill>
+              <a:latin typeface="Arial" panose="020B0604020202020204" pitchFamily="34" charset="0"/>
+              <a:cs typeface="Arial" panose="020B0604020202020204" pitchFamily="34" charset="0"/>
+            </a:endParaRPr>
+          </a:p>
+          <a:p>
+            <a:r>
+              <a:rPr lang="en-US" sz="1200" dirty="0">
+                <a:solidFill>
+                  <a:schemeClr val="tx1"/>
+                </a:solidFill>
+                <a:latin typeface="Arial" panose="020B0604020202020204" pitchFamily="34" charset="0"/>
+                <a:cs typeface="Arial" panose="020B0604020202020204" pitchFamily="34" charset="0"/>
+              </a:rPr>
+              <a:t>Member functions</a:t>
+            </a:r>
+          </a:p>
+          <a:p>
+            <a:r>
+              <a:rPr lang="de-CH" sz="1000" b="1" dirty="0" err="1">
+                <a:solidFill>
+                  <a:schemeClr val="tx1"/>
+                </a:solidFill>
+                <a:latin typeface="Arial" panose="020B0604020202020204" pitchFamily="34" charset="0"/>
+                <a:cs typeface="Arial" panose="020B0604020202020204" pitchFamily="34" charset="0"/>
+              </a:rPr>
+              <a:t>create</a:t>
+            </a:r>
+            <a:endParaRPr lang="de-CH" sz="1000" b="1" dirty="0">
+              <a:solidFill>
+                <a:schemeClr val="tx1"/>
+              </a:solidFill>
+              <a:latin typeface="Arial" panose="020B0604020202020204" pitchFamily="34" charset="0"/>
+              <a:cs typeface="Arial" panose="020B0604020202020204" pitchFamily="34" charset="0"/>
+            </a:endParaRPr>
+          </a:p>
+          <a:p>
+            <a:r>
+              <a:rPr lang="de-CH" sz="1000" b="1" dirty="0" err="1">
+                <a:solidFill>
+                  <a:schemeClr val="tx1"/>
+                </a:solidFill>
+                <a:latin typeface="Arial" panose="020B0604020202020204" pitchFamily="34" charset="0"/>
+                <a:cs typeface="Arial" panose="020B0604020202020204" pitchFamily="34" charset="0"/>
+              </a:rPr>
+              <a:t>getEventNumber</a:t>
+            </a:r>
+            <a:endParaRPr lang="de-CH" sz="1000" b="1" dirty="0">
+              <a:solidFill>
+                <a:schemeClr val="tx1"/>
+              </a:solidFill>
+              <a:latin typeface="Arial" panose="020B0604020202020204" pitchFamily="34" charset="0"/>
+              <a:cs typeface="Arial" panose="020B0604020202020204" pitchFamily="34" charset="0"/>
+            </a:endParaRPr>
+          </a:p>
+          <a:p>
+            <a:r>
+              <a:rPr lang="de-CH" sz="1000" b="1" dirty="0" err="1">
+                <a:solidFill>
+                  <a:schemeClr val="tx1"/>
+                </a:solidFill>
+                <a:latin typeface="Arial" panose="020B0604020202020204" pitchFamily="34" charset="0"/>
+                <a:cs typeface="Arial" panose="020B0604020202020204" pitchFamily="34" charset="0"/>
+              </a:rPr>
+              <a:t>setEventNumber</a:t>
+            </a:r>
+            <a:endParaRPr lang="de-CH" sz="1000" b="1" dirty="0">
+              <a:solidFill>
+                <a:schemeClr val="tx1"/>
+              </a:solidFill>
+              <a:latin typeface="Arial" panose="020B0604020202020204" pitchFamily="34" charset="0"/>
+              <a:cs typeface="Arial" panose="020B0604020202020204" pitchFamily="34" charset="0"/>
+            </a:endParaRPr>
+          </a:p>
+          <a:p>
+            <a:r>
+              <a:rPr lang="de-CH" sz="1000" b="1" dirty="0" err="1">
+                <a:solidFill>
+                  <a:schemeClr val="tx1"/>
+                </a:solidFill>
+                <a:latin typeface="Arial" panose="020B0604020202020204" pitchFamily="34" charset="0"/>
+                <a:cs typeface="Arial" panose="020B0604020202020204" pitchFamily="34" charset="0"/>
+              </a:rPr>
+              <a:t>eventNumberIsSet</a:t>
+            </a:r>
+            <a:endParaRPr lang="de-CH" sz="1000" b="1" dirty="0">
+              <a:solidFill>
+                <a:schemeClr val="tx1"/>
+              </a:solidFill>
+              <a:latin typeface="Arial" panose="020B0604020202020204" pitchFamily="34" charset="0"/>
+              <a:cs typeface="Arial" panose="020B0604020202020204" pitchFamily="34" charset="0"/>
+            </a:endParaRPr>
+          </a:p>
+          <a:p>
+            <a:r>
+              <a:rPr lang="de-CH" sz="1000" b="1" dirty="0" err="1">
+                <a:solidFill>
+                  <a:schemeClr val="tx1"/>
+                </a:solidFill>
+                <a:latin typeface="Arial" panose="020B0604020202020204" pitchFamily="34" charset="0"/>
+                <a:cs typeface="Arial" panose="020B0604020202020204" pitchFamily="34" charset="0"/>
+              </a:rPr>
+              <a:t>setTitle</a:t>
+            </a:r>
+            <a:endParaRPr lang="de-CH" sz="1000" b="1" dirty="0">
+              <a:solidFill>
+                <a:schemeClr val="tx1"/>
+              </a:solidFill>
+              <a:latin typeface="Arial" panose="020B0604020202020204" pitchFamily="34" charset="0"/>
+              <a:cs typeface="Arial" panose="020B0604020202020204" pitchFamily="34" charset="0"/>
+            </a:endParaRPr>
+          </a:p>
+          <a:p>
+            <a:r>
+              <a:rPr lang="de-CH" sz="1000" b="1" dirty="0" err="1">
+                <a:solidFill>
+                  <a:schemeClr val="tx1"/>
+                </a:solidFill>
+                <a:latin typeface="Arial" panose="020B0604020202020204" pitchFamily="34" charset="0"/>
+                <a:cs typeface="Arial" panose="020B0604020202020204" pitchFamily="34" charset="0"/>
+              </a:rPr>
+              <a:t>setDateFormatToIso</a:t>
+            </a:r>
+            <a:r>
+              <a:rPr lang="de-CH" sz="1000" b="1" dirty="0">
+                <a:solidFill>
+                  <a:schemeClr val="tx1"/>
+                </a:solidFill>
+                <a:latin typeface="Arial" panose="020B0604020202020204" pitchFamily="34" charset="0"/>
+                <a:cs typeface="Arial" panose="020B0604020202020204" pitchFamily="34" charset="0"/>
+              </a:rPr>
+              <a:t>, </a:t>
+            </a:r>
+            <a:r>
+              <a:rPr lang="de-CH" sz="1000" b="1" dirty="0" err="1">
+                <a:solidFill>
+                  <a:schemeClr val="tx1"/>
+                </a:solidFill>
+                <a:latin typeface="Arial" panose="020B0604020202020204" pitchFamily="34" charset="0"/>
+                <a:cs typeface="Arial" panose="020B0604020202020204" pitchFamily="34" charset="0"/>
+              </a:rPr>
+              <a:t>setDateFormatToIsoReverse</a:t>
+            </a:r>
+            <a:r>
+              <a:rPr lang="de-CH" sz="1000" b="1" dirty="0">
+                <a:solidFill>
+                  <a:schemeClr val="tx1"/>
+                </a:solidFill>
+                <a:latin typeface="Arial" panose="020B0604020202020204" pitchFamily="34" charset="0"/>
+                <a:cs typeface="Arial" panose="020B0604020202020204" pitchFamily="34" charset="0"/>
+              </a:rPr>
+              <a:t>, </a:t>
+            </a:r>
+            <a:r>
+              <a:rPr lang="de-CH" sz="1000" b="1" dirty="0" err="1">
+                <a:solidFill>
+                  <a:schemeClr val="tx1"/>
+                </a:solidFill>
+                <a:latin typeface="Arial" panose="020B0604020202020204" pitchFamily="34" charset="0"/>
+                <a:cs typeface="Arial" panose="020B0604020202020204" pitchFamily="34" charset="0"/>
+              </a:rPr>
+              <a:t>setDateFormatToSwiss</a:t>
+            </a:r>
+            <a:endParaRPr lang="de-CH" sz="1000" b="1" dirty="0">
+              <a:solidFill>
+                <a:schemeClr val="tx1"/>
+              </a:solidFill>
+              <a:latin typeface="Arial" panose="020B0604020202020204" pitchFamily="34" charset="0"/>
+              <a:cs typeface="Arial" panose="020B0604020202020204" pitchFamily="34" charset="0"/>
+            </a:endParaRPr>
+          </a:p>
+          <a:p>
+            <a:r>
+              <a:rPr lang="de-CH" sz="1000" b="1" dirty="0" err="1">
+                <a:solidFill>
+                  <a:schemeClr val="tx1"/>
+                </a:solidFill>
+                <a:latin typeface="Arial" panose="020B0604020202020204" pitchFamily="34" charset="0"/>
+                <a:cs typeface="Arial" panose="020B0604020202020204" pitchFamily="34" charset="0"/>
+              </a:rPr>
+              <a:t>displayDateAndNameInDropdown</a:t>
+            </a:r>
+            <a:endParaRPr lang="de-CH" sz="1000" b="1" dirty="0">
+              <a:solidFill>
+                <a:schemeClr val="tx1"/>
+              </a:solidFill>
+              <a:latin typeface="Arial" panose="020B0604020202020204" pitchFamily="34" charset="0"/>
+              <a:cs typeface="Arial" panose="020B0604020202020204" pitchFamily="34" charset="0"/>
+            </a:endParaRPr>
+          </a:p>
+          <a:p>
+            <a:r>
+              <a:rPr lang="de-CH" sz="1000" b="1" dirty="0" err="1">
+                <a:solidFill>
+                  <a:schemeClr val="tx1"/>
+                </a:solidFill>
+                <a:latin typeface="Arial" panose="020B0604020202020204" pitchFamily="34" charset="0"/>
+                <a:cs typeface="Arial" panose="020B0604020202020204" pitchFamily="34" charset="0"/>
+              </a:rPr>
+              <a:t>displayOnlyNameInDropdown</a:t>
+            </a:r>
+            <a:endParaRPr lang="de-CH" sz="1000" b="1" dirty="0">
+              <a:solidFill>
+                <a:schemeClr val="tx1"/>
+              </a:solidFill>
+              <a:latin typeface="Arial" panose="020B0604020202020204" pitchFamily="34" charset="0"/>
+              <a:cs typeface="Arial" panose="020B0604020202020204" pitchFamily="34" charset="0"/>
+            </a:endParaRPr>
+          </a:p>
+          <a:p>
+            <a:r>
+              <a:rPr lang="de-CH" sz="1000" b="1" dirty="0" err="1">
+                <a:solidFill>
+                  <a:schemeClr val="tx1"/>
+                </a:solidFill>
+                <a:latin typeface="Arial" panose="020B0604020202020204" pitchFamily="34" charset="0"/>
+                <a:cs typeface="Arial" panose="020B0604020202020204" pitchFamily="34" charset="0"/>
+              </a:rPr>
+              <a:t>displayDropdown</a:t>
+            </a:r>
+            <a:r>
+              <a:rPr lang="de-CH" sz="1000" b="1" dirty="0">
+                <a:solidFill>
+                  <a:schemeClr val="tx1"/>
+                </a:solidFill>
+                <a:latin typeface="Arial" panose="020B0604020202020204" pitchFamily="34" charset="0"/>
+                <a:cs typeface="Arial" panose="020B0604020202020204" pitchFamily="34" charset="0"/>
+              </a:rPr>
+              <a:t>, </a:t>
+            </a:r>
+            <a:r>
+              <a:rPr lang="de-CH" sz="1000" b="1" dirty="0" err="1">
+                <a:solidFill>
+                  <a:schemeClr val="tx1"/>
+                </a:solidFill>
+                <a:latin typeface="Arial" panose="020B0604020202020204" pitchFamily="34" charset="0"/>
+                <a:cs typeface="Arial" panose="020B0604020202020204" pitchFamily="34" charset="0"/>
+              </a:rPr>
+              <a:t>hideDropdown</a:t>
+            </a:r>
+            <a:endParaRPr lang="de-CH" sz="1000" b="1" dirty="0">
+              <a:solidFill>
+                <a:schemeClr val="tx1"/>
+              </a:solidFill>
+              <a:latin typeface="Arial" panose="020B0604020202020204" pitchFamily="34" charset="0"/>
+              <a:cs typeface="Arial" panose="020B0604020202020204" pitchFamily="34" charset="0"/>
+            </a:endParaRPr>
+          </a:p>
+          <a:p>
+            <a:endParaRPr lang="en-US" sz="1000" b="1" dirty="0">
+              <a:solidFill>
+                <a:schemeClr val="tx1"/>
+              </a:solidFill>
+              <a:latin typeface="Arial" panose="020B0604020202020204" pitchFamily="34" charset="0"/>
+              <a:cs typeface="Arial" panose="020B0604020202020204" pitchFamily="34" charset="0"/>
+            </a:endParaRPr>
+          </a:p>
+        </p:txBody>
+      </p:sp>
     </p:spTree>
     <p:extLst>
       <p:ext uri="{BB962C8B-B14F-4D97-AF65-F5344CB8AC3E}">
-        <p14:creationId xmlns:p14="http://schemas.microsoft.com/office/powerpoint/2010/main" val="2729260431"/>
+        <p14:creationId xmlns:p14="http://schemas.microsoft.com/office/powerpoint/2010/main" val="2343944158"/>
       </p:ext>
     </p:extLst>
   </p:cSld>
@@ -5503,6 +8097,4018 @@
 </file>
 
 <file path=ppt/slides/slide4.xml><?xml version="1.0" encoding="utf-8"?>
+<p:sld xmlns:a="http://schemas.openxmlformats.org/drawingml/2006/main" xmlns:r="http://schemas.openxmlformats.org/officeDocument/2006/relationships" xmlns:p="http://schemas.openxmlformats.org/presentationml/2006/main">
+  <p:cSld>
+    <p:spTree>
+      <p:nvGrpSpPr>
+        <p:cNvPr id="1" name=""/>
+        <p:cNvGrpSpPr/>
+        <p:nvPr/>
+      </p:nvGrpSpPr>
+      <p:grpSpPr>
+        <a:xfrm>
+          <a:off x="0" y="0"/>
+          <a:ext cx="0" cy="0"/>
+          <a:chOff x="0" y="0"/>
+          <a:chExt cx="0" cy="0"/>
+        </a:xfrm>
+      </p:grpSpPr>
+      <p:sp>
+        <p:nvSpPr>
+          <p:cNvPr id="2" name="Textfeld 1">
+            <a:extLst>
+              <a:ext uri="{FF2B5EF4-FFF2-40B4-BE49-F238E27FC236}">
+                <a16:creationId xmlns:a16="http://schemas.microsoft.com/office/drawing/2014/main" id="{858FD1BF-177A-A5E3-89FB-53C20E9DC340}"/>
+              </a:ext>
+            </a:extLst>
+          </p:cNvPr>
+          <p:cNvSpPr txBox="1"/>
+          <p:nvPr/>
+        </p:nvSpPr>
+        <p:spPr>
+          <a:xfrm>
+            <a:off x="0" y="270415"/>
+            <a:ext cx="12192000" cy="369332"/>
+          </a:xfrm>
+          <a:prstGeom prst="rect">
+            <a:avLst/>
+          </a:prstGeom>
+          <a:noFill/>
+        </p:spPr>
+        <p:txBody>
+          <a:bodyPr wrap="square">
+            <a:spAutoFit/>
+          </a:bodyPr>
+          <a:lstStyle/>
+          <a:p>
+            <a:pPr algn="ctr"/>
+            <a:r>
+              <a:rPr lang="de-CH" b="1" dirty="0">
+                <a:latin typeface="Arial" panose="020B0604020202020204" pitchFamily="34" charset="0"/>
+                <a:cs typeface="Arial" panose="020B0604020202020204" pitchFamily="34" charset="0"/>
+              </a:rPr>
+              <a:t>InputEventReservationIdElement.js, InputEventReservationStyle.js, InputEventReservationText.js</a:t>
+            </a:r>
+          </a:p>
+        </p:txBody>
+      </p:sp>
+      <p:sp>
+        <p:nvSpPr>
+          <p:cNvPr id="31" name="Rechteck 30">
+            <a:extLst>
+              <a:ext uri="{FF2B5EF4-FFF2-40B4-BE49-F238E27FC236}">
+                <a16:creationId xmlns:a16="http://schemas.microsoft.com/office/drawing/2014/main" id="{9ECE6CF3-37BB-FF92-F3EB-222C6774ACD0}"/>
+              </a:ext>
+            </a:extLst>
+          </p:cNvPr>
+          <p:cNvSpPr/>
+          <p:nvPr/>
+        </p:nvSpPr>
+        <p:spPr>
+          <a:xfrm>
+            <a:off x="384036" y="1109648"/>
+            <a:ext cx="3584646" cy="570469"/>
+          </a:xfrm>
+          <a:prstGeom prst="rect">
+            <a:avLst/>
+          </a:prstGeom>
+          <a:noFill/>
+          <a:ln w="19050">
+            <a:solidFill>
+              <a:schemeClr val="tx1"/>
+            </a:solidFill>
+          </a:ln>
+        </p:spPr>
+        <p:style>
+          <a:lnRef idx="2">
+            <a:schemeClr val="accent1">
+              <a:shade val="50000"/>
+            </a:schemeClr>
+          </a:lnRef>
+          <a:fillRef idx="1">
+            <a:schemeClr val="accent1"/>
+          </a:fillRef>
+          <a:effectRef idx="0">
+            <a:schemeClr val="accent1"/>
+          </a:effectRef>
+          <a:fontRef idx="minor">
+            <a:schemeClr val="lt1"/>
+          </a:fontRef>
+        </p:style>
+        <p:txBody>
+          <a:bodyPr rtlCol="0" anchor="ctr"/>
+          <a:lstStyle/>
+          <a:p>
+            <a:pPr algn="ctr"/>
+            <a:r>
+              <a:rPr lang="de-CH" dirty="0" err="1">
+                <a:solidFill>
+                  <a:schemeClr val="tx1"/>
+                </a:solidFill>
+                <a:latin typeface="Arial" panose="020B0604020202020204" pitchFamily="34" charset="0"/>
+                <a:cs typeface="Arial" panose="020B0604020202020204" pitchFamily="34" charset="0"/>
+              </a:rPr>
+              <a:t>InputEventReservationIdElement</a:t>
+            </a:r>
+            <a:endParaRPr lang="de-CH" dirty="0">
+              <a:solidFill>
+                <a:schemeClr val="tx1"/>
+              </a:solidFill>
+              <a:latin typeface="Arial" panose="020B0604020202020204" pitchFamily="34" charset="0"/>
+              <a:cs typeface="Arial" panose="020B0604020202020204" pitchFamily="34" charset="0"/>
+            </a:endParaRPr>
+          </a:p>
+          <a:p>
+            <a:pPr algn="ctr"/>
+            <a:r>
+              <a:rPr lang="de-CH" sz="1200" dirty="0">
+                <a:solidFill>
+                  <a:schemeClr val="tx1"/>
+                </a:solidFill>
+                <a:latin typeface="Arial" panose="020B0604020202020204" pitchFamily="34" charset="0"/>
+                <a:cs typeface="Arial" panose="020B0604020202020204" pitchFamily="34" charset="0"/>
+              </a:rPr>
+              <a:t>Identities and </a:t>
+            </a:r>
+            <a:r>
+              <a:rPr lang="de-CH" sz="1200" dirty="0" err="1">
+                <a:solidFill>
+                  <a:schemeClr val="tx1"/>
+                </a:solidFill>
+                <a:latin typeface="Arial" panose="020B0604020202020204" pitchFamily="34" charset="0"/>
+                <a:cs typeface="Arial" panose="020B0604020202020204" pitchFamily="34" charset="0"/>
+              </a:rPr>
+              <a:t>objects</a:t>
+            </a:r>
+            <a:r>
+              <a:rPr lang="de-CH" sz="1200" dirty="0">
+                <a:solidFill>
+                  <a:schemeClr val="tx1"/>
+                </a:solidFill>
+                <a:latin typeface="Arial" panose="020B0604020202020204" pitchFamily="34" charset="0"/>
+                <a:cs typeface="Arial" panose="020B0604020202020204" pitchFamily="34" charset="0"/>
+              </a:rPr>
+              <a:t> </a:t>
+            </a:r>
+            <a:r>
+              <a:rPr lang="de-CH" sz="1200" dirty="0" err="1">
+                <a:solidFill>
+                  <a:schemeClr val="tx1"/>
+                </a:solidFill>
+                <a:latin typeface="Arial" panose="020B0604020202020204" pitchFamily="34" charset="0"/>
+                <a:cs typeface="Arial" panose="020B0604020202020204" pitchFamily="34" charset="0"/>
+              </a:rPr>
+              <a:t>of</a:t>
+            </a:r>
+            <a:r>
+              <a:rPr lang="de-CH" sz="1200" dirty="0">
+                <a:solidFill>
+                  <a:schemeClr val="tx1"/>
+                </a:solidFill>
+                <a:latin typeface="Arial" panose="020B0604020202020204" pitchFamily="34" charset="0"/>
+                <a:cs typeface="Arial" panose="020B0604020202020204" pitchFamily="34" charset="0"/>
+              </a:rPr>
+              <a:t> </a:t>
+            </a:r>
+            <a:r>
+              <a:rPr lang="de-CH" sz="1200" dirty="0" err="1">
+                <a:solidFill>
+                  <a:schemeClr val="tx1"/>
+                </a:solidFill>
+                <a:latin typeface="Arial" panose="020B0604020202020204" pitchFamily="34" charset="0"/>
+                <a:cs typeface="Arial" panose="020B0604020202020204" pitchFamily="34" charset="0"/>
+              </a:rPr>
+              <a:t>the</a:t>
+            </a:r>
+            <a:r>
+              <a:rPr lang="de-CH" sz="1200" dirty="0">
+                <a:solidFill>
+                  <a:schemeClr val="tx1"/>
+                </a:solidFill>
+                <a:latin typeface="Arial" panose="020B0604020202020204" pitchFamily="34" charset="0"/>
+                <a:cs typeface="Arial" panose="020B0604020202020204" pitchFamily="34" charset="0"/>
+              </a:rPr>
+              <a:t> form</a:t>
+            </a:r>
+          </a:p>
+        </p:txBody>
+      </p:sp>
+      <p:sp>
+        <p:nvSpPr>
+          <p:cNvPr id="32" name="Rechteck 31">
+            <a:extLst>
+              <a:ext uri="{FF2B5EF4-FFF2-40B4-BE49-F238E27FC236}">
+                <a16:creationId xmlns:a16="http://schemas.microsoft.com/office/drawing/2014/main" id="{B4C4929A-588F-1AD2-CE3F-06F4B325698E}"/>
+              </a:ext>
+            </a:extLst>
+          </p:cNvPr>
+          <p:cNvSpPr/>
+          <p:nvPr/>
+        </p:nvSpPr>
+        <p:spPr>
+          <a:xfrm>
+            <a:off x="384035" y="1680117"/>
+            <a:ext cx="3584648" cy="4353038"/>
+          </a:xfrm>
+          <a:prstGeom prst="rect">
+            <a:avLst/>
+          </a:prstGeom>
+          <a:noFill/>
+          <a:ln w="19050">
+            <a:solidFill>
+              <a:schemeClr val="tx1"/>
+            </a:solidFill>
+          </a:ln>
+        </p:spPr>
+        <p:style>
+          <a:lnRef idx="2">
+            <a:schemeClr val="accent1">
+              <a:shade val="50000"/>
+            </a:schemeClr>
+          </a:lnRef>
+          <a:fillRef idx="1">
+            <a:schemeClr val="accent1"/>
+          </a:fillRef>
+          <a:effectRef idx="0">
+            <a:schemeClr val="accent1"/>
+          </a:effectRef>
+          <a:fontRef idx="minor">
+            <a:schemeClr val="lt1"/>
+          </a:fontRef>
+        </p:style>
+        <p:txBody>
+          <a:bodyPr rtlCol="0" anchor="ctr"/>
+          <a:lstStyle/>
+          <a:p>
+            <a:r>
+              <a:rPr lang="en-US" sz="1200" dirty="0">
+                <a:solidFill>
+                  <a:schemeClr val="tx1"/>
+                </a:solidFill>
+                <a:latin typeface="Arial" panose="020B0604020202020204" pitchFamily="34" charset="0"/>
+                <a:cs typeface="Arial" panose="020B0604020202020204" pitchFamily="34" charset="0"/>
+              </a:rPr>
+              <a:t>Member variables</a:t>
+            </a:r>
+          </a:p>
+          <a:p>
+            <a:r>
+              <a:rPr lang="en-US" sz="1000" b="1" dirty="0" err="1">
+                <a:solidFill>
+                  <a:schemeClr val="tx1"/>
+                </a:solidFill>
+                <a:latin typeface="Arial" panose="020B0604020202020204" pitchFamily="34" charset="0"/>
+                <a:cs typeface="Arial" panose="020B0604020202020204" pitchFamily="34" charset="0"/>
+              </a:rPr>
+              <a:t>m_form_created</a:t>
+            </a:r>
+            <a:endParaRPr lang="en-US" sz="1000" b="1" dirty="0">
+              <a:solidFill>
+                <a:schemeClr val="tx1"/>
+              </a:solidFill>
+              <a:latin typeface="Arial" panose="020B0604020202020204" pitchFamily="34" charset="0"/>
+              <a:cs typeface="Arial" panose="020B0604020202020204" pitchFamily="34" charset="0"/>
+            </a:endParaRPr>
+          </a:p>
+          <a:p>
+            <a:endParaRPr lang="en-US" sz="1000" b="1" dirty="0">
+              <a:solidFill>
+                <a:schemeClr val="tx1"/>
+              </a:solidFill>
+              <a:latin typeface="Arial" panose="020B0604020202020204" pitchFamily="34" charset="0"/>
+              <a:cs typeface="Arial" panose="020B0604020202020204" pitchFamily="34" charset="0"/>
+            </a:endParaRPr>
+          </a:p>
+          <a:p>
+            <a:r>
+              <a:rPr lang="en-US" sz="1200" dirty="0">
+                <a:solidFill>
+                  <a:schemeClr val="tx1"/>
+                </a:solidFill>
+                <a:latin typeface="Arial" panose="020B0604020202020204" pitchFamily="34" charset="0"/>
+                <a:cs typeface="Arial" panose="020B0604020202020204" pitchFamily="34" charset="0"/>
+              </a:rPr>
+              <a:t>Member functions</a:t>
+            </a:r>
+          </a:p>
+          <a:p>
+            <a:r>
+              <a:rPr lang="de-CH" sz="1000" b="1" dirty="0" err="1">
+                <a:solidFill>
+                  <a:schemeClr val="tx1"/>
+                </a:solidFill>
+                <a:latin typeface="Arial" panose="020B0604020202020204" pitchFamily="34" charset="0"/>
+                <a:cs typeface="Arial" panose="020B0604020202020204" pitchFamily="34" charset="0"/>
+              </a:rPr>
+              <a:t>getIdInputForm</a:t>
+            </a:r>
+            <a:r>
+              <a:rPr lang="de-CH" sz="1000" b="1" dirty="0">
+                <a:solidFill>
+                  <a:schemeClr val="tx1"/>
+                </a:solidFill>
+                <a:latin typeface="Arial" panose="020B0604020202020204" pitchFamily="34" charset="0"/>
+                <a:cs typeface="Arial" panose="020B0604020202020204" pitchFamily="34" charset="0"/>
+              </a:rPr>
+              <a:t>, </a:t>
+            </a:r>
+            <a:r>
+              <a:rPr lang="de-CH" sz="1000" b="1" dirty="0" err="1">
+                <a:solidFill>
+                  <a:schemeClr val="tx1"/>
+                </a:solidFill>
+                <a:latin typeface="Arial" panose="020B0604020202020204" pitchFamily="34" charset="0"/>
+                <a:cs typeface="Arial" panose="020B0604020202020204" pitchFamily="34" charset="0"/>
+              </a:rPr>
+              <a:t>getElementInputForm</a:t>
+            </a:r>
+            <a:endParaRPr lang="de-CH" sz="1000" b="1" dirty="0">
+              <a:solidFill>
+                <a:schemeClr val="tx1"/>
+              </a:solidFill>
+              <a:latin typeface="Arial" panose="020B0604020202020204" pitchFamily="34" charset="0"/>
+              <a:cs typeface="Arial" panose="020B0604020202020204" pitchFamily="34" charset="0"/>
+            </a:endParaRPr>
+          </a:p>
+          <a:p>
+            <a:r>
+              <a:rPr lang="de-CH" sz="1000" b="1" dirty="0" err="1">
+                <a:solidFill>
+                  <a:schemeClr val="tx1"/>
+                </a:solidFill>
+                <a:latin typeface="Arial" panose="020B0604020202020204" pitchFamily="34" charset="0"/>
+                <a:cs typeface="Arial" panose="020B0604020202020204" pitchFamily="34" charset="0"/>
+              </a:rPr>
+              <a:t>getIdDivHeader</a:t>
+            </a:r>
+            <a:r>
+              <a:rPr lang="de-CH" sz="1000" b="1" dirty="0">
+                <a:solidFill>
+                  <a:schemeClr val="tx1"/>
+                </a:solidFill>
+                <a:latin typeface="Arial" panose="020B0604020202020204" pitchFamily="34" charset="0"/>
+                <a:cs typeface="Arial" panose="020B0604020202020204" pitchFamily="34" charset="0"/>
+              </a:rPr>
+              <a:t>, </a:t>
+            </a:r>
+            <a:r>
+              <a:rPr lang="de-CH" sz="1000" b="1" dirty="0" err="1">
+                <a:solidFill>
+                  <a:schemeClr val="tx1"/>
+                </a:solidFill>
+                <a:latin typeface="Arial" panose="020B0604020202020204" pitchFamily="34" charset="0"/>
+                <a:cs typeface="Arial" panose="020B0604020202020204" pitchFamily="34" charset="0"/>
+              </a:rPr>
+              <a:t>getElementDivHeader</a:t>
+            </a:r>
+            <a:endParaRPr lang="de-CH" sz="1000" b="1" dirty="0">
+              <a:solidFill>
+                <a:schemeClr val="tx1"/>
+              </a:solidFill>
+              <a:latin typeface="Arial" panose="020B0604020202020204" pitchFamily="34" charset="0"/>
+              <a:cs typeface="Arial" panose="020B0604020202020204" pitchFamily="34" charset="0"/>
+            </a:endParaRPr>
+          </a:p>
+          <a:p>
+            <a:r>
+              <a:rPr lang="de-CH" sz="1000" b="1" dirty="0" err="1">
+                <a:solidFill>
+                  <a:schemeClr val="tx1"/>
+                </a:solidFill>
+                <a:latin typeface="Arial" panose="020B0604020202020204" pitchFamily="34" charset="0"/>
+                <a:cs typeface="Arial" panose="020B0604020202020204" pitchFamily="34" charset="0"/>
+              </a:rPr>
+              <a:t>getIdDropdown</a:t>
+            </a:r>
+            <a:r>
+              <a:rPr lang="de-CH" sz="1000" b="1" dirty="0">
+                <a:solidFill>
+                  <a:schemeClr val="tx1"/>
+                </a:solidFill>
+                <a:latin typeface="Arial" panose="020B0604020202020204" pitchFamily="34" charset="0"/>
+                <a:cs typeface="Arial" panose="020B0604020202020204" pitchFamily="34" charset="0"/>
+              </a:rPr>
+              <a:t>, </a:t>
+            </a:r>
+            <a:r>
+              <a:rPr lang="de-CH" sz="1000" b="1" dirty="0" err="1">
+                <a:solidFill>
+                  <a:schemeClr val="tx1"/>
+                </a:solidFill>
+                <a:latin typeface="Arial" panose="020B0604020202020204" pitchFamily="34" charset="0"/>
+                <a:cs typeface="Arial" panose="020B0604020202020204" pitchFamily="34" charset="0"/>
+              </a:rPr>
+              <a:t>getElementDivDropdown</a:t>
+            </a:r>
+            <a:endParaRPr lang="de-CH" sz="1000" b="1" dirty="0">
+              <a:solidFill>
+                <a:schemeClr val="tx1"/>
+              </a:solidFill>
+              <a:latin typeface="Arial" panose="020B0604020202020204" pitchFamily="34" charset="0"/>
+              <a:cs typeface="Arial" panose="020B0604020202020204" pitchFamily="34" charset="0"/>
+            </a:endParaRPr>
+          </a:p>
+          <a:p>
+            <a:r>
+              <a:rPr lang="en-US" sz="1000" b="1" dirty="0" err="1">
+                <a:solidFill>
+                  <a:schemeClr val="tx1"/>
+                </a:solidFill>
+                <a:latin typeface="Arial" panose="020B0604020202020204" pitchFamily="34" charset="0"/>
+                <a:cs typeface="Arial" panose="020B0604020202020204" pitchFamily="34" charset="0"/>
+              </a:rPr>
+              <a:t>getIdDivEventName</a:t>
+            </a:r>
+            <a:r>
+              <a:rPr lang="en-US" sz="1000" b="1" dirty="0">
+                <a:solidFill>
+                  <a:schemeClr val="tx1"/>
+                </a:solidFill>
+                <a:latin typeface="Arial" panose="020B0604020202020204" pitchFamily="34" charset="0"/>
+                <a:cs typeface="Arial" panose="020B0604020202020204" pitchFamily="34" charset="0"/>
+              </a:rPr>
+              <a:t>, </a:t>
+            </a:r>
+            <a:r>
+              <a:rPr lang="en-US" sz="1000" b="1" dirty="0" err="1">
+                <a:solidFill>
+                  <a:schemeClr val="tx1"/>
+                </a:solidFill>
+                <a:latin typeface="Arial" panose="020B0604020202020204" pitchFamily="34" charset="0"/>
+                <a:cs typeface="Arial" panose="020B0604020202020204" pitchFamily="34" charset="0"/>
+              </a:rPr>
+              <a:t>getElementDivEventName</a:t>
+            </a:r>
+            <a:endParaRPr lang="en-US" sz="1000" b="1" dirty="0">
+              <a:solidFill>
+                <a:schemeClr val="tx1"/>
+              </a:solidFill>
+              <a:latin typeface="Arial" panose="020B0604020202020204" pitchFamily="34" charset="0"/>
+              <a:cs typeface="Arial" panose="020B0604020202020204" pitchFamily="34" charset="0"/>
+            </a:endParaRPr>
+          </a:p>
+          <a:p>
+            <a:r>
+              <a:rPr lang="en-US" sz="1000" b="1" dirty="0" err="1">
+                <a:solidFill>
+                  <a:schemeClr val="tx1"/>
+                </a:solidFill>
+                <a:latin typeface="Arial" panose="020B0604020202020204" pitchFamily="34" charset="0"/>
+                <a:cs typeface="Arial" panose="020B0604020202020204" pitchFamily="34" charset="0"/>
+              </a:rPr>
+              <a:t>getIdDivLabelName</a:t>
+            </a:r>
+            <a:r>
+              <a:rPr lang="en-US" sz="1000" b="1" dirty="0">
+                <a:solidFill>
+                  <a:schemeClr val="tx1"/>
+                </a:solidFill>
+                <a:latin typeface="Arial" panose="020B0604020202020204" pitchFamily="34" charset="0"/>
+                <a:cs typeface="Arial" panose="020B0604020202020204" pitchFamily="34" charset="0"/>
+              </a:rPr>
+              <a:t>, </a:t>
+            </a:r>
+            <a:r>
+              <a:rPr lang="en-US" sz="1000" b="1" dirty="0" err="1">
+                <a:solidFill>
+                  <a:schemeClr val="tx1"/>
+                </a:solidFill>
+                <a:latin typeface="Arial" panose="020B0604020202020204" pitchFamily="34" charset="0"/>
+                <a:cs typeface="Arial" panose="020B0604020202020204" pitchFamily="34" charset="0"/>
+              </a:rPr>
+              <a:t>getElementDivNameInfo</a:t>
+            </a:r>
+            <a:endParaRPr lang="en-US" sz="1000" b="1" dirty="0">
+              <a:solidFill>
+                <a:schemeClr val="tx1"/>
+              </a:solidFill>
+              <a:latin typeface="Arial" panose="020B0604020202020204" pitchFamily="34" charset="0"/>
+              <a:cs typeface="Arial" panose="020B0604020202020204" pitchFamily="34" charset="0"/>
+            </a:endParaRPr>
+          </a:p>
+          <a:p>
+            <a:r>
+              <a:rPr lang="en-US" sz="1000" b="1" dirty="0" err="1">
+                <a:solidFill>
+                  <a:schemeClr val="tx1"/>
+                </a:solidFill>
+                <a:latin typeface="Arial" panose="020B0604020202020204" pitchFamily="34" charset="0"/>
+                <a:cs typeface="Arial" panose="020B0604020202020204" pitchFamily="34" charset="0"/>
+              </a:rPr>
+              <a:t>getIdDivLabelEmail</a:t>
+            </a:r>
+            <a:r>
+              <a:rPr lang="en-US" sz="1000" b="1" dirty="0">
+                <a:solidFill>
+                  <a:schemeClr val="tx1"/>
+                </a:solidFill>
+                <a:latin typeface="Arial" panose="020B0604020202020204" pitchFamily="34" charset="0"/>
+                <a:cs typeface="Arial" panose="020B0604020202020204" pitchFamily="34" charset="0"/>
+              </a:rPr>
+              <a:t>, </a:t>
+            </a:r>
+            <a:r>
+              <a:rPr lang="en-US" sz="1000" b="1" dirty="0" err="1">
+                <a:solidFill>
+                  <a:schemeClr val="tx1"/>
+                </a:solidFill>
+                <a:latin typeface="Arial" panose="020B0604020202020204" pitchFamily="34" charset="0"/>
+                <a:cs typeface="Arial" panose="020B0604020202020204" pitchFamily="34" charset="0"/>
+              </a:rPr>
+              <a:t>getElementDivLabelEmail</a:t>
+            </a:r>
+            <a:endParaRPr lang="en-US" sz="1000" b="1" dirty="0">
+              <a:solidFill>
+                <a:schemeClr val="tx1"/>
+              </a:solidFill>
+              <a:latin typeface="Arial" panose="020B0604020202020204" pitchFamily="34" charset="0"/>
+              <a:cs typeface="Arial" panose="020B0604020202020204" pitchFamily="34" charset="0"/>
+            </a:endParaRPr>
+          </a:p>
+          <a:p>
+            <a:r>
+              <a:rPr lang="en-US" sz="1000" b="1" dirty="0" err="1">
+                <a:solidFill>
+                  <a:schemeClr val="tx1"/>
+                </a:solidFill>
+                <a:latin typeface="Arial" panose="020B0604020202020204" pitchFamily="34" charset="0"/>
+                <a:cs typeface="Arial" panose="020B0604020202020204" pitchFamily="34" charset="0"/>
+              </a:rPr>
+              <a:t>getIdDivEmailInfo</a:t>
+            </a:r>
+            <a:r>
+              <a:rPr lang="en-US" sz="1000" b="1" dirty="0">
+                <a:solidFill>
+                  <a:schemeClr val="tx1"/>
+                </a:solidFill>
+                <a:latin typeface="Arial" panose="020B0604020202020204" pitchFamily="34" charset="0"/>
+                <a:cs typeface="Arial" panose="020B0604020202020204" pitchFamily="34" charset="0"/>
+              </a:rPr>
+              <a:t>, </a:t>
+            </a:r>
+            <a:r>
+              <a:rPr lang="en-US" sz="1000" b="1" dirty="0" err="1">
+                <a:solidFill>
+                  <a:schemeClr val="tx1"/>
+                </a:solidFill>
+                <a:latin typeface="Arial" panose="020B0604020202020204" pitchFamily="34" charset="0"/>
+                <a:cs typeface="Arial" panose="020B0604020202020204" pitchFamily="34" charset="0"/>
+              </a:rPr>
+              <a:t>getElementDivEmailInfo</a:t>
+            </a:r>
+            <a:endParaRPr lang="en-US" sz="1000" b="1" dirty="0">
+              <a:solidFill>
+                <a:schemeClr val="tx1"/>
+              </a:solidFill>
+              <a:latin typeface="Arial" panose="020B0604020202020204" pitchFamily="34" charset="0"/>
+              <a:cs typeface="Arial" panose="020B0604020202020204" pitchFamily="34" charset="0"/>
+            </a:endParaRPr>
+          </a:p>
+          <a:p>
+            <a:r>
+              <a:rPr lang="en-US" sz="1000" b="1" dirty="0" err="1">
+                <a:solidFill>
+                  <a:schemeClr val="tx1"/>
+                </a:solidFill>
+                <a:latin typeface="Arial" panose="020B0604020202020204" pitchFamily="34" charset="0"/>
+                <a:cs typeface="Arial" panose="020B0604020202020204" pitchFamily="34" charset="0"/>
+              </a:rPr>
+              <a:t>getIdDivLabelRemark</a:t>
+            </a:r>
+            <a:r>
+              <a:rPr lang="en-US" sz="1000" b="1" dirty="0">
+                <a:solidFill>
+                  <a:schemeClr val="tx1"/>
+                </a:solidFill>
+                <a:latin typeface="Arial" panose="020B0604020202020204" pitchFamily="34" charset="0"/>
+                <a:cs typeface="Arial" panose="020B0604020202020204" pitchFamily="34" charset="0"/>
+              </a:rPr>
+              <a:t>, </a:t>
+            </a:r>
+            <a:r>
+              <a:rPr lang="en-US" sz="1000" b="1" dirty="0" err="1">
+                <a:solidFill>
+                  <a:schemeClr val="tx1"/>
+                </a:solidFill>
+                <a:latin typeface="Arial" panose="020B0604020202020204" pitchFamily="34" charset="0"/>
+                <a:cs typeface="Arial" panose="020B0604020202020204" pitchFamily="34" charset="0"/>
+              </a:rPr>
+              <a:t>getElementDivLabelRemark</a:t>
+            </a:r>
+            <a:endParaRPr lang="en-US" sz="1000" b="1" dirty="0">
+              <a:solidFill>
+                <a:schemeClr val="tx1"/>
+              </a:solidFill>
+              <a:latin typeface="Arial" panose="020B0604020202020204" pitchFamily="34" charset="0"/>
+              <a:cs typeface="Arial" panose="020B0604020202020204" pitchFamily="34" charset="0"/>
+            </a:endParaRPr>
+          </a:p>
+          <a:p>
+            <a:r>
+              <a:rPr lang="en-US" sz="1000" b="1" dirty="0" err="1">
+                <a:solidFill>
+                  <a:schemeClr val="tx1"/>
+                </a:solidFill>
+                <a:latin typeface="Arial" panose="020B0604020202020204" pitchFamily="34" charset="0"/>
+                <a:cs typeface="Arial" panose="020B0604020202020204" pitchFamily="34" charset="0"/>
+              </a:rPr>
+              <a:t>getIdDivRemarkInfo</a:t>
+            </a:r>
+            <a:r>
+              <a:rPr lang="en-US" sz="1000" b="1" dirty="0">
+                <a:solidFill>
+                  <a:schemeClr val="tx1"/>
+                </a:solidFill>
+                <a:latin typeface="Arial" panose="020B0604020202020204" pitchFamily="34" charset="0"/>
+                <a:cs typeface="Arial" panose="020B0604020202020204" pitchFamily="34" charset="0"/>
+              </a:rPr>
+              <a:t>, </a:t>
+            </a:r>
+            <a:r>
+              <a:rPr lang="en-US" sz="1000" b="1" dirty="0" err="1">
+                <a:solidFill>
+                  <a:schemeClr val="tx1"/>
+                </a:solidFill>
+                <a:latin typeface="Arial" panose="020B0604020202020204" pitchFamily="34" charset="0"/>
+                <a:cs typeface="Arial" panose="020B0604020202020204" pitchFamily="34" charset="0"/>
+              </a:rPr>
+              <a:t>getElementDivRemarkInfo</a:t>
+            </a:r>
+            <a:endParaRPr lang="en-US" sz="1000" b="1" dirty="0">
+              <a:solidFill>
+                <a:schemeClr val="tx1"/>
+              </a:solidFill>
+              <a:latin typeface="Arial" panose="020B0604020202020204" pitchFamily="34" charset="0"/>
+              <a:cs typeface="Arial" panose="020B0604020202020204" pitchFamily="34" charset="0"/>
+            </a:endParaRPr>
+          </a:p>
+          <a:p>
+            <a:r>
+              <a:rPr lang="en-US" sz="1000" b="1" dirty="0" err="1">
+                <a:solidFill>
+                  <a:schemeClr val="tx1"/>
+                </a:solidFill>
+                <a:latin typeface="Arial" panose="020B0604020202020204" pitchFamily="34" charset="0"/>
+                <a:cs typeface="Arial" panose="020B0604020202020204" pitchFamily="34" charset="0"/>
+              </a:rPr>
+              <a:t>getIdDivButtonInfo</a:t>
+            </a:r>
+            <a:r>
+              <a:rPr lang="en-US" sz="1000" b="1" dirty="0">
+                <a:solidFill>
+                  <a:schemeClr val="tx1"/>
+                </a:solidFill>
+                <a:latin typeface="Arial" panose="020B0604020202020204" pitchFamily="34" charset="0"/>
+                <a:cs typeface="Arial" panose="020B0604020202020204" pitchFamily="34" charset="0"/>
+              </a:rPr>
+              <a:t>, </a:t>
+            </a:r>
+            <a:r>
+              <a:rPr lang="en-US" sz="1000" b="1" dirty="0" err="1">
+                <a:solidFill>
+                  <a:schemeClr val="tx1"/>
+                </a:solidFill>
+                <a:latin typeface="Arial" panose="020B0604020202020204" pitchFamily="34" charset="0"/>
+                <a:cs typeface="Arial" panose="020B0604020202020204" pitchFamily="34" charset="0"/>
+              </a:rPr>
+              <a:t>getElementDivButtonInfo</a:t>
+            </a:r>
+            <a:endParaRPr lang="en-US" sz="1000" b="1" dirty="0">
+              <a:solidFill>
+                <a:schemeClr val="tx1"/>
+              </a:solidFill>
+              <a:latin typeface="Arial" panose="020B0604020202020204" pitchFamily="34" charset="0"/>
+              <a:cs typeface="Arial" panose="020B0604020202020204" pitchFamily="34" charset="0"/>
+            </a:endParaRPr>
+          </a:p>
+          <a:p>
+            <a:r>
+              <a:rPr lang="en-US" sz="1000" b="1" dirty="0" err="1">
+                <a:solidFill>
+                  <a:schemeClr val="tx1"/>
+                </a:solidFill>
+                <a:latin typeface="Arial" panose="020B0604020202020204" pitchFamily="34" charset="0"/>
+                <a:cs typeface="Arial" panose="020B0604020202020204" pitchFamily="34" charset="0"/>
+              </a:rPr>
+              <a:t>getIdDivPrices</a:t>
+            </a:r>
+            <a:r>
+              <a:rPr lang="en-US" sz="1000" b="1" dirty="0">
+                <a:solidFill>
+                  <a:schemeClr val="tx1"/>
+                </a:solidFill>
+                <a:latin typeface="Arial" panose="020B0604020202020204" pitchFamily="34" charset="0"/>
+                <a:cs typeface="Arial" panose="020B0604020202020204" pitchFamily="34" charset="0"/>
+              </a:rPr>
+              <a:t>, </a:t>
+            </a:r>
+            <a:r>
+              <a:rPr lang="en-US" sz="1000" b="1" dirty="0" err="1">
+                <a:solidFill>
+                  <a:schemeClr val="tx1"/>
+                </a:solidFill>
+                <a:latin typeface="Arial" panose="020B0604020202020204" pitchFamily="34" charset="0"/>
+                <a:cs typeface="Arial" panose="020B0604020202020204" pitchFamily="34" charset="0"/>
+              </a:rPr>
+              <a:t>getElementDivPrices</a:t>
+            </a:r>
+            <a:endParaRPr lang="en-US" sz="1000" b="1" dirty="0">
+              <a:solidFill>
+                <a:schemeClr val="tx1"/>
+              </a:solidFill>
+              <a:latin typeface="Arial" panose="020B0604020202020204" pitchFamily="34" charset="0"/>
+              <a:cs typeface="Arial" panose="020B0604020202020204" pitchFamily="34" charset="0"/>
+            </a:endParaRPr>
+          </a:p>
+          <a:p>
+            <a:r>
+              <a:rPr lang="en-US" sz="1000" b="1" dirty="0" err="1">
+                <a:solidFill>
+                  <a:schemeClr val="tx1"/>
+                </a:solidFill>
+                <a:latin typeface="Arial" panose="020B0604020202020204" pitchFamily="34" charset="0"/>
+                <a:cs typeface="Arial" panose="020B0604020202020204" pitchFamily="34" charset="0"/>
+              </a:rPr>
+              <a:t>getIdDivInstructions</a:t>
+            </a:r>
+            <a:r>
+              <a:rPr lang="en-US" sz="1000" b="1" dirty="0">
+                <a:solidFill>
+                  <a:schemeClr val="tx1"/>
+                </a:solidFill>
+                <a:latin typeface="Arial" panose="020B0604020202020204" pitchFamily="34" charset="0"/>
+                <a:cs typeface="Arial" panose="020B0604020202020204" pitchFamily="34" charset="0"/>
+              </a:rPr>
+              <a:t>, </a:t>
+            </a:r>
+            <a:r>
+              <a:rPr lang="en-US" sz="1000" b="1" dirty="0" err="1">
+                <a:solidFill>
+                  <a:schemeClr val="tx1"/>
+                </a:solidFill>
+                <a:latin typeface="Arial" panose="020B0604020202020204" pitchFamily="34" charset="0"/>
+                <a:cs typeface="Arial" panose="020B0604020202020204" pitchFamily="34" charset="0"/>
+              </a:rPr>
+              <a:t>getElementDivInstructions</a:t>
+            </a:r>
+            <a:endParaRPr lang="en-US" sz="1000" b="1" dirty="0">
+              <a:solidFill>
+                <a:schemeClr val="tx1"/>
+              </a:solidFill>
+              <a:latin typeface="Arial" panose="020B0604020202020204" pitchFamily="34" charset="0"/>
+              <a:cs typeface="Arial" panose="020B0604020202020204" pitchFamily="34" charset="0"/>
+            </a:endParaRPr>
+          </a:p>
+          <a:p>
+            <a:r>
+              <a:rPr lang="en-US" sz="1000" b="1" dirty="0" err="1">
+                <a:solidFill>
+                  <a:schemeClr val="tx1"/>
+                </a:solidFill>
+                <a:latin typeface="Arial" panose="020B0604020202020204" pitchFamily="34" charset="0"/>
+                <a:cs typeface="Arial" panose="020B0604020202020204" pitchFamily="34" charset="0"/>
+              </a:rPr>
+              <a:t>getIdDivName</a:t>
+            </a:r>
+            <a:r>
+              <a:rPr lang="en-US" sz="1000" b="1" dirty="0">
+                <a:solidFill>
+                  <a:schemeClr val="tx1"/>
+                </a:solidFill>
+                <a:latin typeface="Arial" panose="020B0604020202020204" pitchFamily="34" charset="0"/>
+                <a:cs typeface="Arial" panose="020B0604020202020204" pitchFamily="34" charset="0"/>
+              </a:rPr>
+              <a:t>, </a:t>
+            </a:r>
+            <a:r>
+              <a:rPr lang="en-US" sz="1000" b="1" dirty="0" err="1">
+                <a:solidFill>
+                  <a:schemeClr val="tx1"/>
+                </a:solidFill>
+                <a:latin typeface="Arial" panose="020B0604020202020204" pitchFamily="34" charset="0"/>
+                <a:cs typeface="Arial" panose="020B0604020202020204" pitchFamily="34" charset="0"/>
+              </a:rPr>
+              <a:t>getElementDivName</a:t>
+            </a:r>
+            <a:endParaRPr lang="en-US" sz="1000" b="1" dirty="0">
+              <a:solidFill>
+                <a:schemeClr val="tx1"/>
+              </a:solidFill>
+              <a:latin typeface="Arial" panose="020B0604020202020204" pitchFamily="34" charset="0"/>
+              <a:cs typeface="Arial" panose="020B0604020202020204" pitchFamily="34" charset="0"/>
+            </a:endParaRPr>
+          </a:p>
+          <a:p>
+            <a:r>
+              <a:rPr lang="en-US" sz="1000" b="1" dirty="0" err="1">
+                <a:solidFill>
+                  <a:schemeClr val="tx1"/>
+                </a:solidFill>
+                <a:latin typeface="Arial" panose="020B0604020202020204" pitchFamily="34" charset="0"/>
+                <a:cs typeface="Arial" panose="020B0604020202020204" pitchFamily="34" charset="0"/>
+              </a:rPr>
+              <a:t>getIdDivInfoName</a:t>
+            </a:r>
+            <a:r>
+              <a:rPr lang="en-US" sz="1000" b="1" dirty="0">
+                <a:solidFill>
+                  <a:schemeClr val="tx1"/>
+                </a:solidFill>
+                <a:latin typeface="Arial" panose="020B0604020202020204" pitchFamily="34" charset="0"/>
+                <a:cs typeface="Arial" panose="020B0604020202020204" pitchFamily="34" charset="0"/>
+              </a:rPr>
+              <a:t>, </a:t>
+            </a:r>
+            <a:r>
+              <a:rPr lang="en-US" sz="1000" b="1" dirty="0" err="1">
+                <a:solidFill>
+                  <a:schemeClr val="tx1"/>
+                </a:solidFill>
+                <a:latin typeface="Arial" panose="020B0604020202020204" pitchFamily="34" charset="0"/>
+                <a:cs typeface="Arial" panose="020B0604020202020204" pitchFamily="34" charset="0"/>
+              </a:rPr>
+              <a:t>getElementDivInfoName</a:t>
+            </a:r>
+            <a:endParaRPr lang="en-US" sz="1000" b="1" dirty="0">
+              <a:solidFill>
+                <a:schemeClr val="tx1"/>
+              </a:solidFill>
+              <a:latin typeface="Arial" panose="020B0604020202020204" pitchFamily="34" charset="0"/>
+              <a:cs typeface="Arial" panose="020B0604020202020204" pitchFamily="34" charset="0"/>
+            </a:endParaRPr>
+          </a:p>
+          <a:p>
+            <a:r>
+              <a:rPr lang="en-US" sz="1000" b="1" dirty="0" err="1">
+                <a:solidFill>
+                  <a:schemeClr val="tx1"/>
+                </a:solidFill>
+                <a:latin typeface="Arial" panose="020B0604020202020204" pitchFamily="34" charset="0"/>
+                <a:cs typeface="Arial" panose="020B0604020202020204" pitchFamily="34" charset="0"/>
+              </a:rPr>
+              <a:t>getIdDivRemark</a:t>
+            </a:r>
+            <a:r>
+              <a:rPr lang="en-US" sz="1000" b="1" dirty="0">
+                <a:solidFill>
+                  <a:schemeClr val="tx1"/>
+                </a:solidFill>
+                <a:latin typeface="Arial" panose="020B0604020202020204" pitchFamily="34" charset="0"/>
+                <a:cs typeface="Arial" panose="020B0604020202020204" pitchFamily="34" charset="0"/>
+              </a:rPr>
+              <a:t>, </a:t>
+            </a:r>
+            <a:r>
+              <a:rPr lang="en-US" sz="1000" b="1" dirty="0" err="1">
+                <a:solidFill>
+                  <a:schemeClr val="tx1"/>
+                </a:solidFill>
+                <a:latin typeface="Arial" panose="020B0604020202020204" pitchFamily="34" charset="0"/>
+                <a:cs typeface="Arial" panose="020B0604020202020204" pitchFamily="34" charset="0"/>
+              </a:rPr>
+              <a:t>getElementDivRemark</a:t>
+            </a:r>
+            <a:endParaRPr lang="en-US" sz="1000" b="1" dirty="0">
+              <a:solidFill>
+                <a:schemeClr val="tx1"/>
+              </a:solidFill>
+              <a:latin typeface="Arial" panose="020B0604020202020204" pitchFamily="34" charset="0"/>
+              <a:cs typeface="Arial" panose="020B0604020202020204" pitchFamily="34" charset="0"/>
+            </a:endParaRPr>
+          </a:p>
+          <a:p>
+            <a:r>
+              <a:rPr lang="en-US" sz="1000" b="1" dirty="0" err="1">
+                <a:solidFill>
+                  <a:schemeClr val="tx1"/>
+                </a:solidFill>
+                <a:latin typeface="Arial" panose="020B0604020202020204" pitchFamily="34" charset="0"/>
+                <a:cs typeface="Arial" panose="020B0604020202020204" pitchFamily="34" charset="0"/>
+              </a:rPr>
+              <a:t>getIdDivInfoRemark</a:t>
+            </a:r>
+            <a:r>
+              <a:rPr lang="en-US" sz="1000" b="1" dirty="0">
+                <a:solidFill>
+                  <a:schemeClr val="tx1"/>
+                </a:solidFill>
+                <a:latin typeface="Arial" panose="020B0604020202020204" pitchFamily="34" charset="0"/>
+                <a:cs typeface="Arial" panose="020B0604020202020204" pitchFamily="34" charset="0"/>
+              </a:rPr>
+              <a:t>, </a:t>
+            </a:r>
+            <a:r>
+              <a:rPr lang="en-US" sz="1000" b="1" dirty="0" err="1">
+                <a:solidFill>
+                  <a:schemeClr val="tx1"/>
+                </a:solidFill>
+                <a:latin typeface="Arial" panose="020B0604020202020204" pitchFamily="34" charset="0"/>
+                <a:cs typeface="Arial" panose="020B0604020202020204" pitchFamily="34" charset="0"/>
+              </a:rPr>
+              <a:t>getElementDivInfoRemark</a:t>
+            </a:r>
+            <a:endParaRPr lang="en-US" sz="1000" b="1" dirty="0">
+              <a:solidFill>
+                <a:schemeClr val="tx1"/>
+              </a:solidFill>
+              <a:latin typeface="Arial" panose="020B0604020202020204" pitchFamily="34" charset="0"/>
+              <a:cs typeface="Arial" panose="020B0604020202020204" pitchFamily="34" charset="0"/>
+            </a:endParaRPr>
+          </a:p>
+          <a:p>
+            <a:r>
+              <a:rPr lang="en-US" sz="1000" b="1" dirty="0" err="1">
+                <a:solidFill>
+                  <a:schemeClr val="tx1"/>
+                </a:solidFill>
+                <a:latin typeface="Arial" panose="020B0604020202020204" pitchFamily="34" charset="0"/>
+                <a:cs typeface="Arial" panose="020B0604020202020204" pitchFamily="34" charset="0"/>
+              </a:rPr>
+              <a:t>getIdDivEmail</a:t>
+            </a:r>
+            <a:r>
+              <a:rPr lang="en-US" sz="1000" b="1" dirty="0">
+                <a:solidFill>
+                  <a:schemeClr val="tx1"/>
+                </a:solidFill>
+                <a:latin typeface="Arial" panose="020B0604020202020204" pitchFamily="34" charset="0"/>
+                <a:cs typeface="Arial" panose="020B0604020202020204" pitchFamily="34" charset="0"/>
+              </a:rPr>
+              <a:t>, </a:t>
+            </a:r>
+            <a:r>
+              <a:rPr lang="en-US" sz="1000" b="1" dirty="0" err="1">
+                <a:solidFill>
+                  <a:schemeClr val="tx1"/>
+                </a:solidFill>
+                <a:latin typeface="Arial" panose="020B0604020202020204" pitchFamily="34" charset="0"/>
+                <a:cs typeface="Arial" panose="020B0604020202020204" pitchFamily="34" charset="0"/>
+              </a:rPr>
+              <a:t>getElementDivEmail</a:t>
+            </a:r>
+            <a:endParaRPr lang="en-US" sz="1000" b="1" dirty="0">
+              <a:solidFill>
+                <a:schemeClr val="tx1"/>
+              </a:solidFill>
+              <a:latin typeface="Arial" panose="020B0604020202020204" pitchFamily="34" charset="0"/>
+              <a:cs typeface="Arial" panose="020B0604020202020204" pitchFamily="34" charset="0"/>
+            </a:endParaRPr>
+          </a:p>
+          <a:p>
+            <a:r>
+              <a:rPr lang="en-US" sz="1000" b="1" dirty="0" err="1">
+                <a:solidFill>
+                  <a:schemeClr val="tx1"/>
+                </a:solidFill>
+                <a:latin typeface="Arial" panose="020B0604020202020204" pitchFamily="34" charset="0"/>
+                <a:cs typeface="Arial" panose="020B0604020202020204" pitchFamily="34" charset="0"/>
+              </a:rPr>
+              <a:t>getIdDivInfoEmail</a:t>
+            </a:r>
+            <a:r>
+              <a:rPr lang="en-US" sz="1000" b="1" dirty="0">
+                <a:solidFill>
+                  <a:schemeClr val="tx1"/>
+                </a:solidFill>
+                <a:latin typeface="Arial" panose="020B0604020202020204" pitchFamily="34" charset="0"/>
+                <a:cs typeface="Arial" panose="020B0604020202020204" pitchFamily="34" charset="0"/>
+              </a:rPr>
+              <a:t>, </a:t>
+            </a:r>
+            <a:r>
+              <a:rPr lang="en-US" sz="1000" b="1" dirty="0" err="1">
+                <a:solidFill>
+                  <a:schemeClr val="tx1"/>
+                </a:solidFill>
+                <a:latin typeface="Arial" panose="020B0604020202020204" pitchFamily="34" charset="0"/>
+                <a:cs typeface="Arial" panose="020B0604020202020204" pitchFamily="34" charset="0"/>
+              </a:rPr>
+              <a:t>getElementDivInfoEmail</a:t>
+            </a:r>
+            <a:endParaRPr lang="en-US" sz="1000" b="1" dirty="0">
+              <a:solidFill>
+                <a:schemeClr val="tx1"/>
+              </a:solidFill>
+              <a:latin typeface="Arial" panose="020B0604020202020204" pitchFamily="34" charset="0"/>
+              <a:cs typeface="Arial" panose="020B0604020202020204" pitchFamily="34" charset="0"/>
+            </a:endParaRPr>
+          </a:p>
+          <a:p>
+            <a:r>
+              <a:rPr lang="en-US" sz="1000" b="1" dirty="0" err="1">
+                <a:solidFill>
+                  <a:schemeClr val="tx1"/>
+                </a:solidFill>
+                <a:latin typeface="Arial" panose="020B0604020202020204" pitchFamily="34" charset="0"/>
+                <a:cs typeface="Arial" panose="020B0604020202020204" pitchFamily="34" charset="0"/>
+              </a:rPr>
+              <a:t>getIdDivButton</a:t>
+            </a:r>
+            <a:r>
+              <a:rPr lang="en-US" sz="1000" b="1" dirty="0">
+                <a:solidFill>
+                  <a:schemeClr val="tx1"/>
+                </a:solidFill>
+                <a:latin typeface="Arial" panose="020B0604020202020204" pitchFamily="34" charset="0"/>
+                <a:cs typeface="Arial" panose="020B0604020202020204" pitchFamily="34" charset="0"/>
+              </a:rPr>
+              <a:t>, </a:t>
+            </a:r>
+            <a:r>
+              <a:rPr lang="en-US" sz="1000" b="1" dirty="0" err="1">
+                <a:solidFill>
+                  <a:schemeClr val="tx1"/>
+                </a:solidFill>
+                <a:latin typeface="Arial" panose="020B0604020202020204" pitchFamily="34" charset="0"/>
+                <a:cs typeface="Arial" panose="020B0604020202020204" pitchFamily="34" charset="0"/>
+              </a:rPr>
+              <a:t>getElementDivButton</a:t>
+            </a:r>
+            <a:endParaRPr lang="en-US" sz="1000" b="1" dirty="0">
+              <a:solidFill>
+                <a:schemeClr val="tx1"/>
+              </a:solidFill>
+              <a:latin typeface="Arial" panose="020B0604020202020204" pitchFamily="34" charset="0"/>
+              <a:cs typeface="Arial" panose="020B0604020202020204" pitchFamily="34" charset="0"/>
+            </a:endParaRPr>
+          </a:p>
+          <a:p>
+            <a:r>
+              <a:rPr lang="en-US" sz="1000" b="1" dirty="0" err="1">
+                <a:solidFill>
+                  <a:schemeClr val="tx1"/>
+                </a:solidFill>
+                <a:latin typeface="Arial" panose="020B0604020202020204" pitchFamily="34" charset="0"/>
+                <a:cs typeface="Arial" panose="020B0604020202020204" pitchFamily="34" charset="0"/>
+              </a:rPr>
+              <a:t>getIdDivInfoButton</a:t>
+            </a:r>
+            <a:r>
+              <a:rPr lang="en-US" sz="1000" b="1" dirty="0">
+                <a:solidFill>
+                  <a:schemeClr val="tx1"/>
+                </a:solidFill>
+                <a:latin typeface="Arial" panose="020B0604020202020204" pitchFamily="34" charset="0"/>
+                <a:cs typeface="Arial" panose="020B0604020202020204" pitchFamily="34" charset="0"/>
+              </a:rPr>
+              <a:t>, </a:t>
+            </a:r>
+            <a:r>
+              <a:rPr lang="en-US" sz="1000" b="1" dirty="0" err="1">
+                <a:solidFill>
+                  <a:schemeClr val="tx1"/>
+                </a:solidFill>
+                <a:latin typeface="Arial" panose="020B0604020202020204" pitchFamily="34" charset="0"/>
+                <a:cs typeface="Arial" panose="020B0604020202020204" pitchFamily="34" charset="0"/>
+              </a:rPr>
+              <a:t>getElementDivInfoButton</a:t>
+            </a:r>
+            <a:endParaRPr lang="en-US" sz="1000" b="1" dirty="0">
+              <a:solidFill>
+                <a:schemeClr val="tx1"/>
+              </a:solidFill>
+              <a:latin typeface="Arial" panose="020B0604020202020204" pitchFamily="34" charset="0"/>
+              <a:cs typeface="Arial" panose="020B0604020202020204" pitchFamily="34" charset="0"/>
+            </a:endParaRPr>
+          </a:p>
+          <a:p>
+            <a:endParaRPr lang="en-US" sz="1000" b="1" dirty="0">
+              <a:solidFill>
+                <a:schemeClr val="tx1"/>
+              </a:solidFill>
+              <a:latin typeface="Arial" panose="020B0604020202020204" pitchFamily="34" charset="0"/>
+              <a:cs typeface="Arial" panose="020B0604020202020204" pitchFamily="34" charset="0"/>
+            </a:endParaRPr>
+          </a:p>
+          <a:p>
+            <a:endParaRPr lang="en-US" sz="1000" b="1" dirty="0">
+              <a:solidFill>
+                <a:schemeClr val="tx1"/>
+              </a:solidFill>
+              <a:latin typeface="Arial" panose="020B0604020202020204" pitchFamily="34" charset="0"/>
+              <a:cs typeface="Arial" panose="020B0604020202020204" pitchFamily="34" charset="0"/>
+            </a:endParaRPr>
+          </a:p>
+        </p:txBody>
+      </p:sp>
+      <p:sp>
+        <p:nvSpPr>
+          <p:cNvPr id="33" name="Rechteck 32">
+            <a:extLst>
+              <a:ext uri="{FF2B5EF4-FFF2-40B4-BE49-F238E27FC236}">
+                <a16:creationId xmlns:a16="http://schemas.microsoft.com/office/drawing/2014/main" id="{82FCCDE0-98F9-BBE9-B37B-1D3D23DE8AEE}"/>
+              </a:ext>
+            </a:extLst>
+          </p:cNvPr>
+          <p:cNvSpPr/>
+          <p:nvPr/>
+        </p:nvSpPr>
+        <p:spPr>
+          <a:xfrm>
+            <a:off x="4220745" y="1109648"/>
+            <a:ext cx="3584646" cy="570469"/>
+          </a:xfrm>
+          <a:prstGeom prst="rect">
+            <a:avLst/>
+          </a:prstGeom>
+          <a:noFill/>
+          <a:ln w="19050">
+            <a:solidFill>
+              <a:schemeClr val="tx1"/>
+            </a:solidFill>
+          </a:ln>
+        </p:spPr>
+        <p:style>
+          <a:lnRef idx="2">
+            <a:schemeClr val="accent1">
+              <a:shade val="50000"/>
+            </a:schemeClr>
+          </a:lnRef>
+          <a:fillRef idx="1">
+            <a:schemeClr val="accent1"/>
+          </a:fillRef>
+          <a:effectRef idx="0">
+            <a:schemeClr val="accent1"/>
+          </a:effectRef>
+          <a:fontRef idx="minor">
+            <a:schemeClr val="lt1"/>
+          </a:fontRef>
+        </p:style>
+        <p:txBody>
+          <a:bodyPr rtlCol="0" anchor="ctr"/>
+          <a:lstStyle/>
+          <a:p>
+            <a:pPr algn="ctr"/>
+            <a:r>
+              <a:rPr lang="de-CH" dirty="0" err="1">
+                <a:solidFill>
+                  <a:schemeClr val="tx1"/>
+                </a:solidFill>
+                <a:latin typeface="Arial" panose="020B0604020202020204" pitchFamily="34" charset="0"/>
+                <a:cs typeface="Arial" panose="020B0604020202020204" pitchFamily="34" charset="0"/>
+              </a:rPr>
+              <a:t>InputEventReservationStyle</a:t>
+            </a:r>
+            <a:endParaRPr lang="de-CH" dirty="0">
+              <a:solidFill>
+                <a:schemeClr val="tx1"/>
+              </a:solidFill>
+              <a:latin typeface="Arial" panose="020B0604020202020204" pitchFamily="34" charset="0"/>
+              <a:cs typeface="Arial" panose="020B0604020202020204" pitchFamily="34" charset="0"/>
+            </a:endParaRPr>
+          </a:p>
+          <a:p>
+            <a:pPr algn="ctr"/>
+            <a:r>
+              <a:rPr lang="de-CH" sz="1200" dirty="0">
+                <a:solidFill>
+                  <a:schemeClr val="tx1"/>
+                </a:solidFill>
+                <a:latin typeface="Arial" panose="020B0604020202020204" pitchFamily="34" charset="0"/>
+                <a:cs typeface="Arial" panose="020B0604020202020204" pitchFamily="34" charset="0"/>
+              </a:rPr>
+              <a:t>Style </a:t>
+            </a:r>
+            <a:r>
+              <a:rPr lang="de-CH" sz="1200" dirty="0" err="1">
+                <a:solidFill>
+                  <a:schemeClr val="tx1"/>
+                </a:solidFill>
+                <a:latin typeface="Arial" panose="020B0604020202020204" pitchFamily="34" charset="0"/>
+                <a:cs typeface="Arial" panose="020B0604020202020204" pitchFamily="34" charset="0"/>
+              </a:rPr>
+              <a:t>strings</a:t>
+            </a:r>
+            <a:r>
+              <a:rPr lang="de-CH" sz="1200" dirty="0">
+                <a:solidFill>
+                  <a:schemeClr val="tx1"/>
+                </a:solidFill>
+                <a:latin typeface="Arial" panose="020B0604020202020204" pitchFamily="34" charset="0"/>
+                <a:cs typeface="Arial" panose="020B0604020202020204" pitchFamily="34" charset="0"/>
+              </a:rPr>
+              <a:t> </a:t>
+            </a:r>
+            <a:r>
+              <a:rPr lang="de-CH" sz="1200" dirty="0" err="1">
+                <a:solidFill>
+                  <a:schemeClr val="tx1"/>
+                </a:solidFill>
+                <a:latin typeface="Arial" panose="020B0604020202020204" pitchFamily="34" charset="0"/>
+                <a:cs typeface="Arial" panose="020B0604020202020204" pitchFamily="34" charset="0"/>
+              </a:rPr>
+              <a:t>for</a:t>
+            </a:r>
+            <a:r>
+              <a:rPr lang="de-CH" sz="1200" dirty="0">
+                <a:solidFill>
+                  <a:schemeClr val="tx1"/>
+                </a:solidFill>
+                <a:latin typeface="Arial" panose="020B0604020202020204" pitchFamily="34" charset="0"/>
+                <a:cs typeface="Arial" panose="020B0604020202020204" pitchFamily="34" charset="0"/>
+              </a:rPr>
+              <a:t> </a:t>
+            </a:r>
+            <a:r>
+              <a:rPr lang="de-CH" sz="1200" dirty="0" err="1">
+                <a:solidFill>
+                  <a:schemeClr val="tx1"/>
+                </a:solidFill>
+                <a:latin typeface="Arial" panose="020B0604020202020204" pitchFamily="34" charset="0"/>
+                <a:cs typeface="Arial" panose="020B0604020202020204" pitchFamily="34" charset="0"/>
+              </a:rPr>
+              <a:t>the</a:t>
+            </a:r>
+            <a:r>
+              <a:rPr lang="de-CH" sz="1200" dirty="0">
+                <a:solidFill>
+                  <a:schemeClr val="tx1"/>
+                </a:solidFill>
+                <a:latin typeface="Arial" panose="020B0604020202020204" pitchFamily="34" charset="0"/>
+                <a:cs typeface="Arial" panose="020B0604020202020204" pitchFamily="34" charset="0"/>
+              </a:rPr>
+              <a:t> form</a:t>
+            </a:r>
+          </a:p>
+        </p:txBody>
+      </p:sp>
+      <p:sp>
+        <p:nvSpPr>
+          <p:cNvPr id="34" name="Rechteck 33">
+            <a:extLst>
+              <a:ext uri="{FF2B5EF4-FFF2-40B4-BE49-F238E27FC236}">
+                <a16:creationId xmlns:a16="http://schemas.microsoft.com/office/drawing/2014/main" id="{36026FB0-B31F-0ABB-556E-B1307AD5298F}"/>
+              </a:ext>
+            </a:extLst>
+          </p:cNvPr>
+          <p:cNvSpPr/>
+          <p:nvPr/>
+        </p:nvSpPr>
+        <p:spPr>
+          <a:xfrm>
+            <a:off x="4220744" y="1680117"/>
+            <a:ext cx="3584648" cy="4353038"/>
+          </a:xfrm>
+          <a:prstGeom prst="rect">
+            <a:avLst/>
+          </a:prstGeom>
+          <a:noFill/>
+          <a:ln w="19050">
+            <a:solidFill>
+              <a:schemeClr val="tx1"/>
+            </a:solidFill>
+          </a:ln>
+        </p:spPr>
+        <p:style>
+          <a:lnRef idx="2">
+            <a:schemeClr val="accent1">
+              <a:shade val="50000"/>
+            </a:schemeClr>
+          </a:lnRef>
+          <a:fillRef idx="1">
+            <a:schemeClr val="accent1"/>
+          </a:fillRef>
+          <a:effectRef idx="0">
+            <a:schemeClr val="accent1"/>
+          </a:effectRef>
+          <a:fontRef idx="minor">
+            <a:schemeClr val="lt1"/>
+          </a:fontRef>
+        </p:style>
+        <p:txBody>
+          <a:bodyPr rtlCol="0" anchor="ctr"/>
+          <a:lstStyle/>
+          <a:p>
+            <a:r>
+              <a:rPr lang="en-US" sz="1200" dirty="0">
+                <a:solidFill>
+                  <a:schemeClr val="tx1"/>
+                </a:solidFill>
+                <a:latin typeface="Arial" panose="020B0604020202020204" pitchFamily="34" charset="0"/>
+                <a:cs typeface="Arial" panose="020B0604020202020204" pitchFamily="34" charset="0"/>
+              </a:rPr>
+              <a:t>Member variables</a:t>
+            </a:r>
+          </a:p>
+          <a:p>
+            <a:r>
+              <a:rPr lang="en-US" sz="1000" b="1" dirty="0" err="1">
+                <a:solidFill>
+                  <a:schemeClr val="tx1"/>
+                </a:solidFill>
+                <a:latin typeface="Arial" panose="020B0604020202020204" pitchFamily="34" charset="0"/>
+                <a:cs typeface="Arial" panose="020B0604020202020204" pitchFamily="34" charset="0"/>
+              </a:rPr>
+              <a:t>m_form_style</a:t>
+            </a:r>
+            <a:endParaRPr lang="en-US" sz="1000" b="1" dirty="0">
+              <a:solidFill>
+                <a:schemeClr val="tx1"/>
+              </a:solidFill>
+              <a:latin typeface="Arial" panose="020B0604020202020204" pitchFamily="34" charset="0"/>
+              <a:cs typeface="Arial" panose="020B0604020202020204" pitchFamily="34" charset="0"/>
+            </a:endParaRPr>
+          </a:p>
+          <a:p>
+            <a:r>
+              <a:rPr lang="en-US" sz="1000" b="1" dirty="0" err="1">
+                <a:solidFill>
+                  <a:schemeClr val="tx1"/>
+                </a:solidFill>
+                <a:latin typeface="Arial" panose="020B0604020202020204" pitchFamily="34" charset="0"/>
+                <a:cs typeface="Arial" panose="020B0604020202020204" pitchFamily="34" charset="0"/>
+              </a:rPr>
+              <a:t>m_row_style</a:t>
+            </a:r>
+            <a:endParaRPr lang="en-US" sz="1000" b="1" dirty="0">
+              <a:solidFill>
+                <a:schemeClr val="tx1"/>
+              </a:solidFill>
+              <a:latin typeface="Arial" panose="020B0604020202020204" pitchFamily="34" charset="0"/>
+              <a:cs typeface="Arial" panose="020B0604020202020204" pitchFamily="34" charset="0"/>
+            </a:endParaRPr>
+          </a:p>
+          <a:p>
+            <a:r>
+              <a:rPr lang="en-US" sz="1000" b="1" dirty="0" err="1">
+                <a:solidFill>
+                  <a:schemeClr val="tx1"/>
+                </a:solidFill>
+                <a:latin typeface="Arial" panose="020B0604020202020204" pitchFamily="34" charset="0"/>
+                <a:cs typeface="Arial" panose="020B0604020202020204" pitchFamily="34" charset="0"/>
+              </a:rPr>
+              <a:t>m_element_left_style</a:t>
+            </a:r>
+            <a:endParaRPr lang="en-US" sz="1000" b="1" dirty="0">
+              <a:solidFill>
+                <a:schemeClr val="tx1"/>
+              </a:solidFill>
+              <a:latin typeface="Arial" panose="020B0604020202020204" pitchFamily="34" charset="0"/>
+              <a:cs typeface="Arial" panose="020B0604020202020204" pitchFamily="34" charset="0"/>
+            </a:endParaRPr>
+          </a:p>
+          <a:p>
+            <a:r>
+              <a:rPr lang="en-US" sz="1000" b="1" dirty="0" err="1">
+                <a:solidFill>
+                  <a:schemeClr val="tx1"/>
+                </a:solidFill>
+                <a:latin typeface="Arial" panose="020B0604020202020204" pitchFamily="34" charset="0"/>
+                <a:cs typeface="Arial" panose="020B0604020202020204" pitchFamily="34" charset="0"/>
+              </a:rPr>
+              <a:t>m_element_right_style</a:t>
+            </a:r>
+            <a:endParaRPr lang="en-US" sz="1000" b="1" dirty="0">
+              <a:solidFill>
+                <a:schemeClr val="tx1"/>
+              </a:solidFill>
+              <a:latin typeface="Arial" panose="020B0604020202020204" pitchFamily="34" charset="0"/>
+              <a:cs typeface="Arial" panose="020B0604020202020204" pitchFamily="34" charset="0"/>
+            </a:endParaRPr>
+          </a:p>
+          <a:p>
+            <a:r>
+              <a:rPr lang="en-US" sz="1000" b="1" dirty="0" err="1">
+                <a:solidFill>
+                  <a:schemeClr val="tx1"/>
+                </a:solidFill>
+                <a:latin typeface="Arial" panose="020B0604020202020204" pitchFamily="34" charset="0"/>
+                <a:cs typeface="Arial" panose="020B0604020202020204" pitchFamily="34" charset="0"/>
+              </a:rPr>
+              <a:t>m_header_style</a:t>
+            </a:r>
+            <a:endParaRPr lang="en-US" sz="1000" b="1" dirty="0">
+              <a:solidFill>
+                <a:schemeClr val="tx1"/>
+              </a:solidFill>
+              <a:latin typeface="Arial" panose="020B0604020202020204" pitchFamily="34" charset="0"/>
+              <a:cs typeface="Arial" panose="020B0604020202020204" pitchFamily="34" charset="0"/>
+            </a:endParaRPr>
+          </a:p>
+          <a:p>
+            <a:r>
+              <a:rPr lang="en-US" sz="1000" b="1" dirty="0" err="1">
+                <a:solidFill>
+                  <a:schemeClr val="tx1"/>
+                </a:solidFill>
+                <a:latin typeface="Arial" panose="020B0604020202020204" pitchFamily="34" charset="0"/>
+                <a:cs typeface="Arial" panose="020B0604020202020204" pitchFamily="34" charset="0"/>
+              </a:rPr>
+              <a:t>m_label_name_style</a:t>
+            </a:r>
+            <a:endParaRPr lang="en-US" sz="1000" b="1" dirty="0">
+              <a:solidFill>
+                <a:schemeClr val="tx1"/>
+              </a:solidFill>
+              <a:latin typeface="Arial" panose="020B0604020202020204" pitchFamily="34" charset="0"/>
+              <a:cs typeface="Arial" panose="020B0604020202020204" pitchFamily="34" charset="0"/>
+            </a:endParaRPr>
+          </a:p>
+          <a:p>
+            <a:r>
+              <a:rPr lang="en-US" sz="1000" b="1" dirty="0" err="1">
+                <a:solidFill>
+                  <a:schemeClr val="tx1"/>
+                </a:solidFill>
+                <a:latin typeface="Arial" panose="020B0604020202020204" pitchFamily="34" charset="0"/>
+                <a:cs typeface="Arial" panose="020B0604020202020204" pitchFamily="34" charset="0"/>
+              </a:rPr>
+              <a:t>m_label_email_style</a:t>
+            </a:r>
+            <a:endParaRPr lang="en-US" sz="1000" b="1" dirty="0">
+              <a:solidFill>
+                <a:schemeClr val="tx1"/>
+              </a:solidFill>
+              <a:latin typeface="Arial" panose="020B0604020202020204" pitchFamily="34" charset="0"/>
+              <a:cs typeface="Arial" panose="020B0604020202020204" pitchFamily="34" charset="0"/>
+            </a:endParaRPr>
+          </a:p>
+          <a:p>
+            <a:r>
+              <a:rPr lang="en-US" sz="1000" b="1" dirty="0" err="1">
+                <a:solidFill>
+                  <a:schemeClr val="tx1"/>
+                </a:solidFill>
+                <a:latin typeface="Arial" panose="020B0604020202020204" pitchFamily="34" charset="0"/>
+                <a:cs typeface="Arial" panose="020B0604020202020204" pitchFamily="34" charset="0"/>
+              </a:rPr>
+              <a:t>m_label_remark_style</a:t>
+            </a:r>
+            <a:endParaRPr lang="en-US" sz="1000" b="1" dirty="0">
+              <a:solidFill>
+                <a:schemeClr val="tx1"/>
+              </a:solidFill>
+              <a:latin typeface="Arial" panose="020B0604020202020204" pitchFamily="34" charset="0"/>
+              <a:cs typeface="Arial" panose="020B0604020202020204" pitchFamily="34" charset="0"/>
+            </a:endParaRPr>
+          </a:p>
+          <a:p>
+            <a:r>
+              <a:rPr lang="en-US" sz="1000" b="1" dirty="0" err="1">
+                <a:solidFill>
+                  <a:schemeClr val="tx1"/>
+                </a:solidFill>
+                <a:latin typeface="Arial" panose="020B0604020202020204" pitchFamily="34" charset="0"/>
+                <a:cs typeface="Arial" panose="020B0604020202020204" pitchFamily="34" charset="0"/>
+              </a:rPr>
+              <a:t>m_event_dropdown_style</a:t>
+            </a:r>
+            <a:endParaRPr lang="en-US" sz="1000" b="1" dirty="0">
+              <a:solidFill>
+                <a:schemeClr val="tx1"/>
+              </a:solidFill>
+              <a:latin typeface="Arial" panose="020B0604020202020204" pitchFamily="34" charset="0"/>
+              <a:cs typeface="Arial" panose="020B0604020202020204" pitchFamily="34" charset="0"/>
+            </a:endParaRPr>
+          </a:p>
+          <a:p>
+            <a:endParaRPr lang="en-US" sz="1000" b="1" dirty="0">
+              <a:solidFill>
+                <a:schemeClr val="tx1"/>
+              </a:solidFill>
+              <a:latin typeface="Arial" panose="020B0604020202020204" pitchFamily="34" charset="0"/>
+              <a:cs typeface="Arial" panose="020B0604020202020204" pitchFamily="34" charset="0"/>
+            </a:endParaRPr>
+          </a:p>
+          <a:p>
+            <a:r>
+              <a:rPr lang="en-US" sz="1200" dirty="0">
+                <a:solidFill>
+                  <a:schemeClr val="tx1"/>
+                </a:solidFill>
+                <a:latin typeface="Arial" panose="020B0604020202020204" pitchFamily="34" charset="0"/>
+                <a:cs typeface="Arial" panose="020B0604020202020204" pitchFamily="34" charset="0"/>
+              </a:rPr>
+              <a:t>Member functions</a:t>
+            </a:r>
+          </a:p>
+          <a:p>
+            <a:r>
+              <a:rPr lang="de-CH" sz="1000" b="1" dirty="0" err="1">
+                <a:solidFill>
+                  <a:schemeClr val="tx1"/>
+                </a:solidFill>
+                <a:latin typeface="Arial" panose="020B0604020202020204" pitchFamily="34" charset="0"/>
+                <a:cs typeface="Arial" panose="020B0604020202020204" pitchFamily="34" charset="0"/>
+              </a:rPr>
+              <a:t>default</a:t>
+            </a:r>
+            <a:r>
+              <a:rPr lang="de-CH" sz="1000" b="1" dirty="0">
+                <a:solidFill>
+                  <a:schemeClr val="tx1"/>
+                </a:solidFill>
+                <a:latin typeface="Arial" panose="020B0604020202020204" pitchFamily="34" charset="0"/>
+                <a:cs typeface="Arial" panose="020B0604020202020204" pitchFamily="34" charset="0"/>
+              </a:rPr>
+              <a:t>, </a:t>
+            </a:r>
+            <a:r>
+              <a:rPr lang="de-CH" sz="1000" b="1" dirty="0" err="1">
+                <a:solidFill>
+                  <a:schemeClr val="tx1"/>
+                </a:solidFill>
+                <a:latin typeface="Arial" panose="020B0604020202020204" pitchFamily="34" charset="0"/>
+                <a:cs typeface="Arial" panose="020B0604020202020204" pitchFamily="34" charset="0"/>
+              </a:rPr>
+              <a:t>defaultForm</a:t>
+            </a:r>
+            <a:r>
+              <a:rPr lang="de-CH" sz="1000" b="1" dirty="0">
+                <a:solidFill>
+                  <a:schemeClr val="tx1"/>
+                </a:solidFill>
+                <a:latin typeface="Arial" panose="020B0604020202020204" pitchFamily="34" charset="0"/>
+                <a:cs typeface="Arial" panose="020B0604020202020204" pitchFamily="34" charset="0"/>
+              </a:rPr>
+              <a:t>, </a:t>
+            </a:r>
+            <a:r>
+              <a:rPr lang="de-CH" sz="1000" b="1" dirty="0" err="1">
+                <a:solidFill>
+                  <a:schemeClr val="tx1"/>
+                </a:solidFill>
+                <a:latin typeface="Arial" panose="020B0604020202020204" pitchFamily="34" charset="0"/>
+                <a:cs typeface="Arial" panose="020B0604020202020204" pitchFamily="34" charset="0"/>
+              </a:rPr>
+              <a:t>defaultRow</a:t>
+            </a:r>
+            <a:r>
+              <a:rPr lang="de-CH" sz="1000" b="1" dirty="0">
+                <a:solidFill>
+                  <a:schemeClr val="tx1"/>
+                </a:solidFill>
+                <a:latin typeface="Arial" panose="020B0604020202020204" pitchFamily="34" charset="0"/>
+                <a:cs typeface="Arial" panose="020B0604020202020204" pitchFamily="34" charset="0"/>
+              </a:rPr>
+              <a:t>, </a:t>
+            </a:r>
+            <a:r>
+              <a:rPr lang="de-CH" sz="1000" b="1" dirty="0" err="1">
+                <a:solidFill>
+                  <a:schemeClr val="tx1"/>
+                </a:solidFill>
+                <a:latin typeface="Arial" panose="020B0604020202020204" pitchFamily="34" charset="0"/>
+                <a:cs typeface="Arial" panose="020B0604020202020204" pitchFamily="34" charset="0"/>
+              </a:rPr>
+              <a:t>defaultLeftElement</a:t>
+            </a:r>
+            <a:r>
+              <a:rPr lang="de-CH" sz="1000" b="1" dirty="0">
+                <a:solidFill>
+                  <a:schemeClr val="tx1"/>
+                </a:solidFill>
+                <a:latin typeface="Arial" panose="020B0604020202020204" pitchFamily="34" charset="0"/>
+                <a:cs typeface="Arial" panose="020B0604020202020204" pitchFamily="34" charset="0"/>
+              </a:rPr>
+              <a:t>, </a:t>
+            </a:r>
+            <a:r>
+              <a:rPr lang="de-CH" sz="1000" b="1" dirty="0" err="1">
+                <a:solidFill>
+                  <a:schemeClr val="tx1"/>
+                </a:solidFill>
+                <a:latin typeface="Arial" panose="020B0604020202020204" pitchFamily="34" charset="0"/>
+                <a:cs typeface="Arial" panose="020B0604020202020204" pitchFamily="34" charset="0"/>
+              </a:rPr>
+              <a:t>defaultRightElement</a:t>
+            </a:r>
+            <a:r>
+              <a:rPr lang="de-CH" sz="1000" b="1" dirty="0">
+                <a:solidFill>
+                  <a:schemeClr val="tx1"/>
+                </a:solidFill>
+                <a:latin typeface="Arial" panose="020B0604020202020204" pitchFamily="34" charset="0"/>
+                <a:cs typeface="Arial" panose="020B0604020202020204" pitchFamily="34" charset="0"/>
+              </a:rPr>
+              <a:t>, </a:t>
+            </a:r>
+            <a:r>
+              <a:rPr lang="de-CH" sz="1000" b="1" dirty="0" err="1">
+                <a:solidFill>
+                  <a:schemeClr val="tx1"/>
+                </a:solidFill>
+                <a:latin typeface="Arial" panose="020B0604020202020204" pitchFamily="34" charset="0"/>
+                <a:cs typeface="Arial" panose="020B0604020202020204" pitchFamily="34" charset="0"/>
+              </a:rPr>
+              <a:t>defaultHeaderStyle</a:t>
+            </a:r>
+            <a:r>
+              <a:rPr lang="de-CH" sz="1000" b="1" dirty="0">
+                <a:solidFill>
+                  <a:schemeClr val="tx1"/>
+                </a:solidFill>
+                <a:latin typeface="Arial" panose="020B0604020202020204" pitchFamily="34" charset="0"/>
+                <a:cs typeface="Arial" panose="020B0604020202020204" pitchFamily="34" charset="0"/>
+              </a:rPr>
+              <a:t>, </a:t>
+            </a:r>
+            <a:r>
+              <a:rPr lang="de-CH" sz="1000" b="1" dirty="0" err="1">
+                <a:solidFill>
+                  <a:schemeClr val="tx1"/>
+                </a:solidFill>
+                <a:latin typeface="Arial" panose="020B0604020202020204" pitchFamily="34" charset="0"/>
+                <a:cs typeface="Arial" panose="020B0604020202020204" pitchFamily="34" charset="0"/>
+              </a:rPr>
+              <a:t>defaultLabelDivStyle</a:t>
+            </a:r>
+            <a:r>
+              <a:rPr lang="de-CH" sz="1000" b="1" dirty="0">
+                <a:solidFill>
+                  <a:schemeClr val="tx1"/>
+                </a:solidFill>
+                <a:latin typeface="Arial" panose="020B0604020202020204" pitchFamily="34" charset="0"/>
+                <a:cs typeface="Arial" panose="020B0604020202020204" pitchFamily="34" charset="0"/>
+              </a:rPr>
+              <a:t>, </a:t>
+            </a:r>
+            <a:r>
+              <a:rPr lang="de-CH" sz="1000" b="1" dirty="0" err="1">
+                <a:solidFill>
+                  <a:schemeClr val="tx1"/>
+                </a:solidFill>
+                <a:latin typeface="Arial" panose="020B0604020202020204" pitchFamily="34" charset="0"/>
+                <a:cs typeface="Arial" panose="020B0604020202020204" pitchFamily="34" charset="0"/>
+              </a:rPr>
+              <a:t>defaultLabelNameStyle</a:t>
+            </a:r>
+            <a:r>
+              <a:rPr lang="de-CH" sz="1000" b="1" dirty="0">
+                <a:solidFill>
+                  <a:schemeClr val="tx1"/>
+                </a:solidFill>
+                <a:latin typeface="Arial" panose="020B0604020202020204" pitchFamily="34" charset="0"/>
+                <a:cs typeface="Arial" panose="020B0604020202020204" pitchFamily="34" charset="0"/>
+              </a:rPr>
+              <a:t>, </a:t>
+            </a:r>
+            <a:r>
+              <a:rPr lang="de-CH" sz="1000" b="1" dirty="0" err="1">
+                <a:solidFill>
+                  <a:schemeClr val="tx1"/>
+                </a:solidFill>
+                <a:latin typeface="Arial" panose="020B0604020202020204" pitchFamily="34" charset="0"/>
+                <a:cs typeface="Arial" panose="020B0604020202020204" pitchFamily="34" charset="0"/>
+              </a:rPr>
+              <a:t>defaultLabelEmailStyle</a:t>
+            </a:r>
+            <a:r>
+              <a:rPr lang="de-CH" sz="1000" b="1" dirty="0">
+                <a:solidFill>
+                  <a:schemeClr val="tx1"/>
+                </a:solidFill>
+                <a:latin typeface="Arial" panose="020B0604020202020204" pitchFamily="34" charset="0"/>
+                <a:cs typeface="Arial" panose="020B0604020202020204" pitchFamily="34" charset="0"/>
+              </a:rPr>
+              <a:t>, </a:t>
+            </a:r>
+            <a:r>
+              <a:rPr lang="de-CH" sz="1000" b="1" dirty="0" err="1">
+                <a:solidFill>
+                  <a:schemeClr val="tx1"/>
+                </a:solidFill>
+                <a:latin typeface="Arial" panose="020B0604020202020204" pitchFamily="34" charset="0"/>
+                <a:cs typeface="Arial" panose="020B0604020202020204" pitchFamily="34" charset="0"/>
+              </a:rPr>
+              <a:t>defaultLabelRemarkStyle</a:t>
+            </a:r>
+            <a:r>
+              <a:rPr lang="de-CH" sz="1000" b="1" dirty="0">
+                <a:solidFill>
+                  <a:schemeClr val="tx1"/>
+                </a:solidFill>
+                <a:latin typeface="Arial" panose="020B0604020202020204" pitchFamily="34" charset="0"/>
+                <a:cs typeface="Arial" panose="020B0604020202020204" pitchFamily="34" charset="0"/>
+              </a:rPr>
+              <a:t>, </a:t>
+            </a:r>
+            <a:r>
+              <a:rPr lang="de-CH" sz="1000" b="1" dirty="0" err="1">
+                <a:solidFill>
+                  <a:schemeClr val="tx1"/>
+                </a:solidFill>
+                <a:latin typeface="Arial" panose="020B0604020202020204" pitchFamily="34" charset="0"/>
+                <a:cs typeface="Arial" panose="020B0604020202020204" pitchFamily="34" charset="0"/>
+              </a:rPr>
+              <a:t>defaultEventDropdownStyle</a:t>
+            </a:r>
+            <a:endParaRPr lang="de-CH" sz="1000" b="1" dirty="0">
+              <a:solidFill>
+                <a:schemeClr val="tx1"/>
+              </a:solidFill>
+              <a:latin typeface="Arial" panose="020B0604020202020204" pitchFamily="34" charset="0"/>
+              <a:cs typeface="Arial" panose="020B0604020202020204" pitchFamily="34" charset="0"/>
+            </a:endParaRPr>
+          </a:p>
+          <a:p>
+            <a:endParaRPr lang="de-CH" sz="1000" b="1" dirty="0">
+              <a:solidFill>
+                <a:schemeClr val="tx1"/>
+              </a:solidFill>
+              <a:latin typeface="Arial" panose="020B0604020202020204" pitchFamily="34" charset="0"/>
+              <a:cs typeface="Arial" panose="020B0604020202020204" pitchFamily="34" charset="0"/>
+            </a:endParaRPr>
+          </a:p>
+          <a:p>
+            <a:r>
+              <a:rPr lang="de-CH" sz="1000" b="1" dirty="0" err="1">
+                <a:solidFill>
+                  <a:schemeClr val="tx1"/>
+                </a:solidFill>
+                <a:latin typeface="Arial" panose="020B0604020202020204" pitchFamily="34" charset="0"/>
+                <a:cs typeface="Arial" panose="020B0604020202020204" pitchFamily="34" charset="0"/>
+              </a:rPr>
+              <a:t>getForm</a:t>
+            </a:r>
+            <a:r>
+              <a:rPr lang="de-CH" sz="1000" b="1" dirty="0">
+                <a:solidFill>
+                  <a:schemeClr val="tx1"/>
+                </a:solidFill>
+                <a:latin typeface="Arial" panose="020B0604020202020204" pitchFamily="34" charset="0"/>
+                <a:cs typeface="Arial" panose="020B0604020202020204" pitchFamily="34" charset="0"/>
+              </a:rPr>
+              <a:t>, </a:t>
+            </a:r>
+            <a:r>
+              <a:rPr lang="de-CH" sz="1000" b="1" dirty="0" err="1">
+                <a:solidFill>
+                  <a:schemeClr val="tx1"/>
+                </a:solidFill>
+                <a:latin typeface="Arial" panose="020B0604020202020204" pitchFamily="34" charset="0"/>
+                <a:cs typeface="Arial" panose="020B0604020202020204" pitchFamily="34" charset="0"/>
+              </a:rPr>
+              <a:t>setForm</a:t>
+            </a:r>
+            <a:r>
+              <a:rPr lang="de-CH" sz="1000" b="1" dirty="0">
+                <a:solidFill>
+                  <a:schemeClr val="tx1"/>
+                </a:solidFill>
+                <a:latin typeface="Arial" panose="020B0604020202020204" pitchFamily="34" charset="0"/>
+                <a:cs typeface="Arial" panose="020B0604020202020204" pitchFamily="34" charset="0"/>
+              </a:rPr>
+              <a:t>, </a:t>
+            </a:r>
+            <a:r>
+              <a:rPr lang="de-CH" sz="1000" b="1" dirty="0" err="1">
+                <a:solidFill>
+                  <a:schemeClr val="tx1"/>
+                </a:solidFill>
+                <a:latin typeface="Arial" panose="020B0604020202020204" pitchFamily="34" charset="0"/>
+                <a:cs typeface="Arial" panose="020B0604020202020204" pitchFamily="34" charset="0"/>
+              </a:rPr>
+              <a:t>getLeftElement</a:t>
+            </a:r>
+            <a:r>
+              <a:rPr lang="de-CH" sz="1000" b="1" dirty="0">
+                <a:solidFill>
+                  <a:schemeClr val="tx1"/>
+                </a:solidFill>
+                <a:latin typeface="Arial" panose="020B0604020202020204" pitchFamily="34" charset="0"/>
+                <a:cs typeface="Arial" panose="020B0604020202020204" pitchFamily="34" charset="0"/>
+              </a:rPr>
+              <a:t>, </a:t>
+            </a:r>
+            <a:r>
+              <a:rPr lang="de-CH" sz="1000" b="1" dirty="0" err="1">
+                <a:solidFill>
+                  <a:schemeClr val="tx1"/>
+                </a:solidFill>
+                <a:latin typeface="Arial" panose="020B0604020202020204" pitchFamily="34" charset="0"/>
+                <a:cs typeface="Arial" panose="020B0604020202020204" pitchFamily="34" charset="0"/>
+              </a:rPr>
+              <a:t>setLeftElement</a:t>
+            </a:r>
+            <a:r>
+              <a:rPr lang="de-CH" sz="1000" b="1" dirty="0">
+                <a:solidFill>
+                  <a:schemeClr val="tx1"/>
+                </a:solidFill>
+                <a:latin typeface="Arial" panose="020B0604020202020204" pitchFamily="34" charset="0"/>
+                <a:cs typeface="Arial" panose="020B0604020202020204" pitchFamily="34" charset="0"/>
+              </a:rPr>
+              <a:t>, </a:t>
+            </a:r>
+            <a:r>
+              <a:rPr lang="de-CH" sz="1000" b="1" dirty="0" err="1">
+                <a:solidFill>
+                  <a:schemeClr val="tx1"/>
+                </a:solidFill>
+                <a:latin typeface="Arial" panose="020B0604020202020204" pitchFamily="34" charset="0"/>
+                <a:cs typeface="Arial" panose="020B0604020202020204" pitchFamily="34" charset="0"/>
+              </a:rPr>
+              <a:t>getRightElement</a:t>
+            </a:r>
+            <a:r>
+              <a:rPr lang="de-CH" sz="1000" b="1" dirty="0">
+                <a:solidFill>
+                  <a:schemeClr val="tx1"/>
+                </a:solidFill>
+                <a:latin typeface="Arial" panose="020B0604020202020204" pitchFamily="34" charset="0"/>
+                <a:cs typeface="Arial" panose="020B0604020202020204" pitchFamily="34" charset="0"/>
+              </a:rPr>
+              <a:t>, </a:t>
+            </a:r>
+            <a:r>
+              <a:rPr lang="de-CH" sz="1000" b="1" dirty="0" err="1">
+                <a:solidFill>
+                  <a:schemeClr val="tx1"/>
+                </a:solidFill>
+                <a:latin typeface="Arial" panose="020B0604020202020204" pitchFamily="34" charset="0"/>
+                <a:cs typeface="Arial" panose="020B0604020202020204" pitchFamily="34" charset="0"/>
+              </a:rPr>
+              <a:t>setRightElement</a:t>
+            </a:r>
+            <a:r>
+              <a:rPr lang="de-CH" sz="1000" b="1" dirty="0">
+                <a:solidFill>
+                  <a:schemeClr val="tx1"/>
+                </a:solidFill>
+                <a:latin typeface="Arial" panose="020B0604020202020204" pitchFamily="34" charset="0"/>
+                <a:cs typeface="Arial" panose="020B0604020202020204" pitchFamily="34" charset="0"/>
+              </a:rPr>
+              <a:t>, </a:t>
+            </a:r>
+            <a:r>
+              <a:rPr lang="de-CH" sz="1000" b="1" dirty="0" err="1">
+                <a:solidFill>
+                  <a:schemeClr val="tx1"/>
+                </a:solidFill>
+                <a:latin typeface="Arial" panose="020B0604020202020204" pitchFamily="34" charset="0"/>
+                <a:cs typeface="Arial" panose="020B0604020202020204" pitchFamily="34" charset="0"/>
+              </a:rPr>
+              <a:t>getRow</a:t>
+            </a:r>
+            <a:r>
+              <a:rPr lang="de-CH" sz="1000" b="1" dirty="0">
+                <a:solidFill>
+                  <a:schemeClr val="tx1"/>
+                </a:solidFill>
+                <a:latin typeface="Arial" panose="020B0604020202020204" pitchFamily="34" charset="0"/>
+                <a:cs typeface="Arial" panose="020B0604020202020204" pitchFamily="34" charset="0"/>
+              </a:rPr>
+              <a:t>, </a:t>
+            </a:r>
+            <a:r>
+              <a:rPr lang="de-CH" sz="1000" b="1" dirty="0" err="1">
+                <a:solidFill>
+                  <a:schemeClr val="tx1"/>
+                </a:solidFill>
+                <a:latin typeface="Arial" panose="020B0604020202020204" pitchFamily="34" charset="0"/>
+                <a:cs typeface="Arial" panose="020B0604020202020204" pitchFamily="34" charset="0"/>
+              </a:rPr>
+              <a:t>setRow</a:t>
+            </a:r>
+            <a:r>
+              <a:rPr lang="de-CH" sz="1000" b="1" dirty="0">
+                <a:solidFill>
+                  <a:schemeClr val="tx1"/>
+                </a:solidFill>
+                <a:latin typeface="Arial" panose="020B0604020202020204" pitchFamily="34" charset="0"/>
+                <a:cs typeface="Arial" panose="020B0604020202020204" pitchFamily="34" charset="0"/>
+              </a:rPr>
+              <a:t>, </a:t>
+            </a:r>
+            <a:r>
+              <a:rPr lang="de-CH" sz="1000" b="1" dirty="0" err="1">
+                <a:solidFill>
+                  <a:schemeClr val="tx1"/>
+                </a:solidFill>
+                <a:latin typeface="Arial" panose="020B0604020202020204" pitchFamily="34" charset="0"/>
+                <a:cs typeface="Arial" panose="020B0604020202020204" pitchFamily="34" charset="0"/>
+              </a:rPr>
+              <a:t>getHeader</a:t>
+            </a:r>
+            <a:r>
+              <a:rPr lang="de-CH" sz="1000" b="1" dirty="0">
+                <a:solidFill>
+                  <a:schemeClr val="tx1"/>
+                </a:solidFill>
+                <a:latin typeface="Arial" panose="020B0604020202020204" pitchFamily="34" charset="0"/>
+                <a:cs typeface="Arial" panose="020B0604020202020204" pitchFamily="34" charset="0"/>
+              </a:rPr>
+              <a:t>, </a:t>
+            </a:r>
+            <a:r>
+              <a:rPr lang="de-CH" sz="1000" b="1" dirty="0" err="1">
+                <a:solidFill>
+                  <a:schemeClr val="tx1"/>
+                </a:solidFill>
+                <a:latin typeface="Arial" panose="020B0604020202020204" pitchFamily="34" charset="0"/>
+                <a:cs typeface="Arial" panose="020B0604020202020204" pitchFamily="34" charset="0"/>
+              </a:rPr>
+              <a:t>setHeader</a:t>
+            </a:r>
+            <a:r>
+              <a:rPr lang="de-CH" sz="1000" b="1" dirty="0">
+                <a:solidFill>
+                  <a:schemeClr val="tx1"/>
+                </a:solidFill>
+                <a:latin typeface="Arial" panose="020B0604020202020204" pitchFamily="34" charset="0"/>
+                <a:cs typeface="Arial" panose="020B0604020202020204" pitchFamily="34" charset="0"/>
+              </a:rPr>
+              <a:t>, </a:t>
+            </a:r>
+            <a:r>
+              <a:rPr lang="de-CH" sz="1000" b="1" dirty="0" err="1">
+                <a:solidFill>
+                  <a:schemeClr val="tx1"/>
+                </a:solidFill>
+                <a:latin typeface="Arial" panose="020B0604020202020204" pitchFamily="34" charset="0"/>
+                <a:cs typeface="Arial" panose="020B0604020202020204" pitchFamily="34" charset="0"/>
+              </a:rPr>
+              <a:t>getLabelName</a:t>
+            </a:r>
+            <a:r>
+              <a:rPr lang="de-CH" sz="1000" b="1" dirty="0">
+                <a:solidFill>
+                  <a:schemeClr val="tx1"/>
+                </a:solidFill>
+                <a:latin typeface="Arial" panose="020B0604020202020204" pitchFamily="34" charset="0"/>
+                <a:cs typeface="Arial" panose="020B0604020202020204" pitchFamily="34" charset="0"/>
+              </a:rPr>
+              <a:t>, </a:t>
+            </a:r>
+            <a:r>
+              <a:rPr lang="de-CH" sz="1000" b="1" dirty="0" err="1">
+                <a:solidFill>
+                  <a:schemeClr val="tx1"/>
+                </a:solidFill>
+                <a:latin typeface="Arial" panose="020B0604020202020204" pitchFamily="34" charset="0"/>
+                <a:cs typeface="Arial" panose="020B0604020202020204" pitchFamily="34" charset="0"/>
+              </a:rPr>
+              <a:t>setLabelName</a:t>
+            </a:r>
+            <a:r>
+              <a:rPr lang="de-CH" sz="1000" b="1" dirty="0">
+                <a:solidFill>
+                  <a:schemeClr val="tx1"/>
+                </a:solidFill>
+                <a:latin typeface="Arial" panose="020B0604020202020204" pitchFamily="34" charset="0"/>
+                <a:cs typeface="Arial" panose="020B0604020202020204" pitchFamily="34" charset="0"/>
+              </a:rPr>
+              <a:t>, </a:t>
+            </a:r>
+            <a:r>
+              <a:rPr lang="de-CH" sz="1000" b="1" dirty="0" err="1">
+                <a:solidFill>
+                  <a:schemeClr val="tx1"/>
+                </a:solidFill>
+                <a:latin typeface="Arial" panose="020B0604020202020204" pitchFamily="34" charset="0"/>
+                <a:cs typeface="Arial" panose="020B0604020202020204" pitchFamily="34" charset="0"/>
+              </a:rPr>
+              <a:t>getLabelEmail</a:t>
+            </a:r>
+            <a:r>
+              <a:rPr lang="de-CH" sz="1000" b="1" dirty="0">
+                <a:solidFill>
+                  <a:schemeClr val="tx1"/>
+                </a:solidFill>
+                <a:latin typeface="Arial" panose="020B0604020202020204" pitchFamily="34" charset="0"/>
+                <a:cs typeface="Arial" panose="020B0604020202020204" pitchFamily="34" charset="0"/>
+              </a:rPr>
+              <a:t>, </a:t>
+            </a:r>
+            <a:r>
+              <a:rPr lang="de-CH" sz="1000" b="1" dirty="0" err="1">
+                <a:solidFill>
+                  <a:schemeClr val="tx1"/>
+                </a:solidFill>
+                <a:latin typeface="Arial" panose="020B0604020202020204" pitchFamily="34" charset="0"/>
+                <a:cs typeface="Arial" panose="020B0604020202020204" pitchFamily="34" charset="0"/>
+              </a:rPr>
+              <a:t>setLabelEmail</a:t>
+            </a:r>
+            <a:r>
+              <a:rPr lang="de-CH" sz="1000" b="1" dirty="0">
+                <a:solidFill>
+                  <a:schemeClr val="tx1"/>
+                </a:solidFill>
+                <a:latin typeface="Arial" panose="020B0604020202020204" pitchFamily="34" charset="0"/>
+                <a:cs typeface="Arial" panose="020B0604020202020204" pitchFamily="34" charset="0"/>
+              </a:rPr>
+              <a:t>, </a:t>
+            </a:r>
+            <a:r>
+              <a:rPr lang="de-CH" sz="1000" b="1" dirty="0" err="1">
+                <a:solidFill>
+                  <a:schemeClr val="tx1"/>
+                </a:solidFill>
+                <a:latin typeface="Arial" panose="020B0604020202020204" pitchFamily="34" charset="0"/>
+                <a:cs typeface="Arial" panose="020B0604020202020204" pitchFamily="34" charset="0"/>
+              </a:rPr>
+              <a:t>getLabelRemark</a:t>
+            </a:r>
+            <a:r>
+              <a:rPr lang="de-CH" sz="1000" b="1" dirty="0">
+                <a:solidFill>
+                  <a:schemeClr val="tx1"/>
+                </a:solidFill>
+                <a:latin typeface="Arial" panose="020B0604020202020204" pitchFamily="34" charset="0"/>
+                <a:cs typeface="Arial" panose="020B0604020202020204" pitchFamily="34" charset="0"/>
+              </a:rPr>
+              <a:t>, </a:t>
+            </a:r>
+            <a:r>
+              <a:rPr lang="de-CH" sz="1000" b="1" dirty="0" err="1">
+                <a:solidFill>
+                  <a:schemeClr val="tx1"/>
+                </a:solidFill>
+                <a:latin typeface="Arial" panose="020B0604020202020204" pitchFamily="34" charset="0"/>
+                <a:cs typeface="Arial" panose="020B0604020202020204" pitchFamily="34" charset="0"/>
+              </a:rPr>
+              <a:t>setLabelRemark</a:t>
+            </a:r>
+            <a:r>
+              <a:rPr lang="de-CH" sz="1000" b="1" dirty="0">
+                <a:solidFill>
+                  <a:schemeClr val="tx1"/>
+                </a:solidFill>
+                <a:latin typeface="Arial" panose="020B0604020202020204" pitchFamily="34" charset="0"/>
+                <a:cs typeface="Arial" panose="020B0604020202020204" pitchFamily="34" charset="0"/>
+              </a:rPr>
+              <a:t>, </a:t>
+            </a:r>
+            <a:r>
+              <a:rPr lang="de-CH" sz="1000" b="1" dirty="0" err="1">
+                <a:solidFill>
+                  <a:schemeClr val="tx1"/>
+                </a:solidFill>
+                <a:latin typeface="Arial" panose="020B0604020202020204" pitchFamily="34" charset="0"/>
+                <a:cs typeface="Arial" panose="020B0604020202020204" pitchFamily="34" charset="0"/>
+              </a:rPr>
+              <a:t>getEventDropdown</a:t>
+            </a:r>
+            <a:r>
+              <a:rPr lang="de-CH" sz="1000" b="1" dirty="0">
+                <a:solidFill>
+                  <a:schemeClr val="tx1"/>
+                </a:solidFill>
+                <a:latin typeface="Arial" panose="020B0604020202020204" pitchFamily="34" charset="0"/>
+                <a:cs typeface="Arial" panose="020B0604020202020204" pitchFamily="34" charset="0"/>
+              </a:rPr>
+              <a:t>, </a:t>
+            </a:r>
+            <a:r>
+              <a:rPr lang="de-CH" sz="1000" b="1" dirty="0" err="1">
+                <a:solidFill>
+                  <a:schemeClr val="tx1"/>
+                </a:solidFill>
+                <a:latin typeface="Arial" panose="020B0604020202020204" pitchFamily="34" charset="0"/>
+                <a:cs typeface="Arial" panose="020B0604020202020204" pitchFamily="34" charset="0"/>
+              </a:rPr>
+              <a:t>setEventDropdown</a:t>
+            </a:r>
+            <a:endParaRPr lang="de-CH" sz="1000" b="1" dirty="0">
+              <a:solidFill>
+                <a:schemeClr val="tx1"/>
+              </a:solidFill>
+              <a:latin typeface="Arial" panose="020B0604020202020204" pitchFamily="34" charset="0"/>
+              <a:cs typeface="Arial" panose="020B0604020202020204" pitchFamily="34" charset="0"/>
+            </a:endParaRPr>
+          </a:p>
+          <a:p>
+            <a:endParaRPr lang="de-CH" sz="1000" b="1" dirty="0">
+              <a:solidFill>
+                <a:schemeClr val="tx1"/>
+              </a:solidFill>
+              <a:latin typeface="Arial" panose="020B0604020202020204" pitchFamily="34" charset="0"/>
+              <a:cs typeface="Arial" panose="020B0604020202020204" pitchFamily="34" charset="0"/>
+            </a:endParaRPr>
+          </a:p>
+          <a:p>
+            <a:endParaRPr lang="en-US" sz="1000" b="1" dirty="0">
+              <a:solidFill>
+                <a:schemeClr val="tx1"/>
+              </a:solidFill>
+              <a:latin typeface="Arial" panose="020B0604020202020204" pitchFamily="34" charset="0"/>
+              <a:cs typeface="Arial" panose="020B0604020202020204" pitchFamily="34" charset="0"/>
+            </a:endParaRPr>
+          </a:p>
+          <a:p>
+            <a:endParaRPr lang="en-US" sz="1000" b="1" dirty="0">
+              <a:solidFill>
+                <a:schemeClr val="tx1"/>
+              </a:solidFill>
+              <a:latin typeface="Arial" panose="020B0604020202020204" pitchFamily="34" charset="0"/>
+              <a:cs typeface="Arial" panose="020B0604020202020204" pitchFamily="34" charset="0"/>
+            </a:endParaRPr>
+          </a:p>
+        </p:txBody>
+      </p:sp>
+      <p:sp>
+        <p:nvSpPr>
+          <p:cNvPr id="5" name="Rechteck 4">
+            <a:extLst>
+              <a:ext uri="{FF2B5EF4-FFF2-40B4-BE49-F238E27FC236}">
+                <a16:creationId xmlns:a16="http://schemas.microsoft.com/office/drawing/2014/main" id="{7E4F22A9-8720-67ED-9B5B-28958127659B}"/>
+              </a:ext>
+            </a:extLst>
+          </p:cNvPr>
+          <p:cNvSpPr/>
+          <p:nvPr/>
+        </p:nvSpPr>
+        <p:spPr>
+          <a:xfrm>
+            <a:off x="7963186" y="1109648"/>
+            <a:ext cx="3584646" cy="570469"/>
+          </a:xfrm>
+          <a:prstGeom prst="rect">
+            <a:avLst/>
+          </a:prstGeom>
+          <a:noFill/>
+          <a:ln w="19050">
+            <a:solidFill>
+              <a:schemeClr val="tx1"/>
+            </a:solidFill>
+          </a:ln>
+        </p:spPr>
+        <p:style>
+          <a:lnRef idx="2">
+            <a:schemeClr val="accent1">
+              <a:shade val="50000"/>
+            </a:schemeClr>
+          </a:lnRef>
+          <a:fillRef idx="1">
+            <a:schemeClr val="accent1"/>
+          </a:fillRef>
+          <a:effectRef idx="0">
+            <a:schemeClr val="accent1"/>
+          </a:effectRef>
+          <a:fontRef idx="minor">
+            <a:schemeClr val="lt1"/>
+          </a:fontRef>
+        </p:style>
+        <p:txBody>
+          <a:bodyPr rtlCol="0" anchor="ctr"/>
+          <a:lstStyle/>
+          <a:p>
+            <a:pPr algn="ctr"/>
+            <a:r>
+              <a:rPr lang="de-CH" dirty="0" err="1">
+                <a:solidFill>
+                  <a:schemeClr val="tx1"/>
+                </a:solidFill>
+                <a:latin typeface="Arial" panose="020B0604020202020204" pitchFamily="34" charset="0"/>
+                <a:cs typeface="Arial" panose="020B0604020202020204" pitchFamily="34" charset="0"/>
+              </a:rPr>
+              <a:t>InputEventReservationText</a:t>
+            </a:r>
+            <a:endParaRPr lang="de-CH" dirty="0">
+              <a:solidFill>
+                <a:schemeClr val="tx1"/>
+              </a:solidFill>
+              <a:latin typeface="Arial" panose="020B0604020202020204" pitchFamily="34" charset="0"/>
+              <a:cs typeface="Arial" panose="020B0604020202020204" pitchFamily="34" charset="0"/>
+            </a:endParaRPr>
+          </a:p>
+          <a:p>
+            <a:pPr algn="ctr"/>
+            <a:r>
+              <a:rPr lang="de-CH" sz="1200" dirty="0">
+                <a:solidFill>
+                  <a:schemeClr val="tx1"/>
+                </a:solidFill>
+                <a:latin typeface="Arial" panose="020B0604020202020204" pitchFamily="34" charset="0"/>
+                <a:cs typeface="Arial" panose="020B0604020202020204" pitchFamily="34" charset="0"/>
+              </a:rPr>
+              <a:t>Text </a:t>
+            </a:r>
+            <a:r>
+              <a:rPr lang="de-CH" sz="1200" dirty="0" err="1">
+                <a:solidFill>
+                  <a:schemeClr val="tx1"/>
+                </a:solidFill>
+                <a:latin typeface="Arial" panose="020B0604020202020204" pitchFamily="34" charset="0"/>
+                <a:cs typeface="Arial" panose="020B0604020202020204" pitchFamily="34" charset="0"/>
+              </a:rPr>
+              <a:t>strings</a:t>
+            </a:r>
+            <a:r>
+              <a:rPr lang="de-CH" sz="1200" dirty="0">
+                <a:solidFill>
+                  <a:schemeClr val="tx1"/>
+                </a:solidFill>
+                <a:latin typeface="Arial" panose="020B0604020202020204" pitchFamily="34" charset="0"/>
+                <a:cs typeface="Arial" panose="020B0604020202020204" pitchFamily="34" charset="0"/>
+              </a:rPr>
+              <a:t> </a:t>
+            </a:r>
+            <a:r>
+              <a:rPr lang="de-CH" sz="1200" dirty="0" err="1">
+                <a:solidFill>
+                  <a:schemeClr val="tx1"/>
+                </a:solidFill>
+                <a:latin typeface="Arial" panose="020B0604020202020204" pitchFamily="34" charset="0"/>
+                <a:cs typeface="Arial" panose="020B0604020202020204" pitchFamily="34" charset="0"/>
+              </a:rPr>
+              <a:t>for</a:t>
+            </a:r>
+            <a:r>
+              <a:rPr lang="de-CH" sz="1200" dirty="0">
+                <a:solidFill>
+                  <a:schemeClr val="tx1"/>
+                </a:solidFill>
+                <a:latin typeface="Arial" panose="020B0604020202020204" pitchFamily="34" charset="0"/>
+                <a:cs typeface="Arial" panose="020B0604020202020204" pitchFamily="34" charset="0"/>
+              </a:rPr>
+              <a:t> </a:t>
+            </a:r>
+            <a:r>
+              <a:rPr lang="de-CH" sz="1200" dirty="0" err="1">
+                <a:solidFill>
+                  <a:schemeClr val="tx1"/>
+                </a:solidFill>
+                <a:latin typeface="Arial" panose="020B0604020202020204" pitchFamily="34" charset="0"/>
+                <a:cs typeface="Arial" panose="020B0604020202020204" pitchFamily="34" charset="0"/>
+              </a:rPr>
+              <a:t>the</a:t>
+            </a:r>
+            <a:r>
+              <a:rPr lang="de-CH" sz="1200" dirty="0">
+                <a:solidFill>
+                  <a:schemeClr val="tx1"/>
+                </a:solidFill>
+                <a:latin typeface="Arial" panose="020B0604020202020204" pitchFamily="34" charset="0"/>
+                <a:cs typeface="Arial" panose="020B0604020202020204" pitchFamily="34" charset="0"/>
+              </a:rPr>
+              <a:t> form</a:t>
+            </a:r>
+          </a:p>
+        </p:txBody>
+      </p:sp>
+      <p:sp>
+        <p:nvSpPr>
+          <p:cNvPr id="6" name="Rechteck 5">
+            <a:extLst>
+              <a:ext uri="{FF2B5EF4-FFF2-40B4-BE49-F238E27FC236}">
+                <a16:creationId xmlns:a16="http://schemas.microsoft.com/office/drawing/2014/main" id="{FF921827-AD72-4361-22CB-A5941CEFBE36}"/>
+              </a:ext>
+            </a:extLst>
+          </p:cNvPr>
+          <p:cNvSpPr/>
+          <p:nvPr/>
+        </p:nvSpPr>
+        <p:spPr>
+          <a:xfrm>
+            <a:off x="7963185" y="1680117"/>
+            <a:ext cx="3584648" cy="2382836"/>
+          </a:xfrm>
+          <a:prstGeom prst="rect">
+            <a:avLst/>
+          </a:prstGeom>
+          <a:noFill/>
+          <a:ln w="19050">
+            <a:solidFill>
+              <a:schemeClr val="tx1"/>
+            </a:solidFill>
+          </a:ln>
+        </p:spPr>
+        <p:style>
+          <a:lnRef idx="2">
+            <a:schemeClr val="accent1">
+              <a:shade val="50000"/>
+            </a:schemeClr>
+          </a:lnRef>
+          <a:fillRef idx="1">
+            <a:schemeClr val="accent1"/>
+          </a:fillRef>
+          <a:effectRef idx="0">
+            <a:schemeClr val="accent1"/>
+          </a:effectRef>
+          <a:fontRef idx="minor">
+            <a:schemeClr val="lt1"/>
+          </a:fontRef>
+        </p:style>
+        <p:txBody>
+          <a:bodyPr rtlCol="0" anchor="ctr"/>
+          <a:lstStyle/>
+          <a:p>
+            <a:r>
+              <a:rPr lang="en-US" sz="1200" dirty="0">
+                <a:solidFill>
+                  <a:schemeClr val="tx1"/>
+                </a:solidFill>
+                <a:latin typeface="Arial" panose="020B0604020202020204" pitchFamily="34" charset="0"/>
+                <a:cs typeface="Arial" panose="020B0604020202020204" pitchFamily="34" charset="0"/>
+              </a:rPr>
+              <a:t>Member variables</a:t>
+            </a:r>
+          </a:p>
+          <a:p>
+            <a:r>
+              <a:rPr lang="en-US" sz="1000" b="1" dirty="0" err="1">
+                <a:solidFill>
+                  <a:schemeClr val="tx1"/>
+                </a:solidFill>
+                <a:latin typeface="Arial" panose="020B0604020202020204" pitchFamily="34" charset="0"/>
+                <a:cs typeface="Arial" panose="020B0604020202020204" pitchFamily="34" charset="0"/>
+              </a:rPr>
+              <a:t>m_header_text</a:t>
+            </a:r>
+            <a:endParaRPr lang="en-US" sz="1000" b="1" dirty="0">
+              <a:solidFill>
+                <a:schemeClr val="tx1"/>
+              </a:solidFill>
+              <a:latin typeface="Arial" panose="020B0604020202020204" pitchFamily="34" charset="0"/>
+              <a:cs typeface="Arial" panose="020B0604020202020204" pitchFamily="34" charset="0"/>
+            </a:endParaRPr>
+          </a:p>
+          <a:p>
+            <a:r>
+              <a:rPr lang="en-US" sz="1000" b="1" dirty="0" err="1">
+                <a:solidFill>
+                  <a:schemeClr val="tx1"/>
+                </a:solidFill>
+                <a:latin typeface="Arial" panose="020B0604020202020204" pitchFamily="34" charset="0"/>
+                <a:cs typeface="Arial" panose="020B0604020202020204" pitchFamily="34" charset="0"/>
+              </a:rPr>
+              <a:t>m_label_name</a:t>
+            </a:r>
+            <a:endParaRPr lang="en-US" sz="1000" b="1" dirty="0">
+              <a:solidFill>
+                <a:schemeClr val="tx1"/>
+              </a:solidFill>
+              <a:latin typeface="Arial" panose="020B0604020202020204" pitchFamily="34" charset="0"/>
+              <a:cs typeface="Arial" panose="020B0604020202020204" pitchFamily="34" charset="0"/>
+            </a:endParaRPr>
+          </a:p>
+          <a:p>
+            <a:r>
+              <a:rPr lang="en-US" sz="1000" b="1" dirty="0" err="1">
+                <a:solidFill>
+                  <a:schemeClr val="tx1"/>
+                </a:solidFill>
+                <a:latin typeface="Arial" panose="020B0604020202020204" pitchFamily="34" charset="0"/>
+                <a:cs typeface="Arial" panose="020B0604020202020204" pitchFamily="34" charset="0"/>
+              </a:rPr>
+              <a:t>m_label_email</a:t>
+            </a:r>
+            <a:endParaRPr lang="en-US" sz="1000" b="1" dirty="0">
+              <a:solidFill>
+                <a:schemeClr val="tx1"/>
+              </a:solidFill>
+              <a:latin typeface="Arial" panose="020B0604020202020204" pitchFamily="34" charset="0"/>
+              <a:cs typeface="Arial" panose="020B0604020202020204" pitchFamily="34" charset="0"/>
+            </a:endParaRPr>
+          </a:p>
+          <a:p>
+            <a:r>
+              <a:rPr lang="en-US" sz="1000" b="1" dirty="0" err="1">
+                <a:solidFill>
+                  <a:schemeClr val="tx1"/>
+                </a:solidFill>
+                <a:latin typeface="Arial" panose="020B0604020202020204" pitchFamily="34" charset="0"/>
+                <a:cs typeface="Arial" panose="020B0604020202020204" pitchFamily="34" charset="0"/>
+              </a:rPr>
+              <a:t>m_label_remark</a:t>
+            </a:r>
+            <a:endParaRPr lang="en-US" sz="1000" b="1" dirty="0">
+              <a:solidFill>
+                <a:schemeClr val="tx1"/>
+              </a:solidFill>
+              <a:latin typeface="Arial" panose="020B0604020202020204" pitchFamily="34" charset="0"/>
+              <a:cs typeface="Arial" panose="020B0604020202020204" pitchFamily="34" charset="0"/>
+            </a:endParaRPr>
+          </a:p>
+          <a:p>
+            <a:endParaRPr lang="en-US" sz="1000" b="1" dirty="0">
+              <a:solidFill>
+                <a:schemeClr val="tx1"/>
+              </a:solidFill>
+              <a:latin typeface="Arial" panose="020B0604020202020204" pitchFamily="34" charset="0"/>
+              <a:cs typeface="Arial" panose="020B0604020202020204" pitchFamily="34" charset="0"/>
+            </a:endParaRPr>
+          </a:p>
+          <a:p>
+            <a:r>
+              <a:rPr lang="en-US" sz="1200" dirty="0">
+                <a:solidFill>
+                  <a:schemeClr val="tx1"/>
+                </a:solidFill>
+                <a:latin typeface="Arial" panose="020B0604020202020204" pitchFamily="34" charset="0"/>
+                <a:cs typeface="Arial" panose="020B0604020202020204" pitchFamily="34" charset="0"/>
+              </a:rPr>
+              <a:t>Member functions</a:t>
+            </a:r>
+          </a:p>
+          <a:p>
+            <a:r>
+              <a:rPr lang="de-CH" sz="1000" b="1" dirty="0" err="1">
+                <a:solidFill>
+                  <a:schemeClr val="tx1"/>
+                </a:solidFill>
+                <a:latin typeface="Arial" panose="020B0604020202020204" pitchFamily="34" charset="0"/>
+                <a:cs typeface="Arial" panose="020B0604020202020204" pitchFamily="34" charset="0"/>
+              </a:rPr>
+              <a:t>default</a:t>
+            </a:r>
+            <a:r>
+              <a:rPr lang="de-CH" sz="1000" b="1" dirty="0">
+                <a:solidFill>
+                  <a:schemeClr val="tx1"/>
+                </a:solidFill>
+                <a:latin typeface="Arial" panose="020B0604020202020204" pitchFamily="34" charset="0"/>
+                <a:cs typeface="Arial" panose="020B0604020202020204" pitchFamily="34" charset="0"/>
+              </a:rPr>
+              <a:t>, </a:t>
+            </a:r>
+            <a:r>
+              <a:rPr lang="de-CH" sz="1000" b="1" dirty="0" err="1">
+                <a:solidFill>
+                  <a:schemeClr val="tx1"/>
+                </a:solidFill>
+                <a:latin typeface="Arial" panose="020B0604020202020204" pitchFamily="34" charset="0"/>
+                <a:cs typeface="Arial" panose="020B0604020202020204" pitchFamily="34" charset="0"/>
+              </a:rPr>
+              <a:t>defaultHeaderText</a:t>
+            </a:r>
+            <a:r>
+              <a:rPr lang="de-CH" sz="1000" b="1" dirty="0">
+                <a:solidFill>
+                  <a:schemeClr val="tx1"/>
+                </a:solidFill>
+                <a:latin typeface="Arial" panose="020B0604020202020204" pitchFamily="34" charset="0"/>
+                <a:cs typeface="Arial" panose="020B0604020202020204" pitchFamily="34" charset="0"/>
+              </a:rPr>
+              <a:t>, </a:t>
+            </a:r>
+            <a:r>
+              <a:rPr lang="de-CH" sz="1000" b="1" dirty="0" err="1">
+                <a:solidFill>
+                  <a:schemeClr val="tx1"/>
+                </a:solidFill>
+                <a:latin typeface="Arial" panose="020B0604020202020204" pitchFamily="34" charset="0"/>
+                <a:cs typeface="Arial" panose="020B0604020202020204" pitchFamily="34" charset="0"/>
+              </a:rPr>
+              <a:t>defaultLabelName</a:t>
+            </a:r>
+            <a:r>
+              <a:rPr lang="de-CH" sz="1000" b="1" dirty="0">
+                <a:solidFill>
+                  <a:schemeClr val="tx1"/>
+                </a:solidFill>
+                <a:latin typeface="Arial" panose="020B0604020202020204" pitchFamily="34" charset="0"/>
+                <a:cs typeface="Arial" panose="020B0604020202020204" pitchFamily="34" charset="0"/>
+              </a:rPr>
+              <a:t>, </a:t>
+            </a:r>
+            <a:r>
+              <a:rPr lang="de-CH" sz="1000" b="1" dirty="0" err="1">
+                <a:solidFill>
+                  <a:schemeClr val="tx1"/>
+                </a:solidFill>
+                <a:latin typeface="Arial" panose="020B0604020202020204" pitchFamily="34" charset="0"/>
+                <a:cs typeface="Arial" panose="020B0604020202020204" pitchFamily="34" charset="0"/>
+              </a:rPr>
+              <a:t>defaultLabelEmail</a:t>
+            </a:r>
+            <a:r>
+              <a:rPr lang="de-CH" sz="1000" b="1" dirty="0">
+                <a:solidFill>
+                  <a:schemeClr val="tx1"/>
+                </a:solidFill>
+                <a:latin typeface="Arial" panose="020B0604020202020204" pitchFamily="34" charset="0"/>
+                <a:cs typeface="Arial" panose="020B0604020202020204" pitchFamily="34" charset="0"/>
+              </a:rPr>
+              <a:t>, </a:t>
+            </a:r>
+            <a:r>
+              <a:rPr lang="de-CH" sz="1000" b="1" dirty="0" err="1">
+                <a:solidFill>
+                  <a:schemeClr val="tx1"/>
+                </a:solidFill>
+                <a:latin typeface="Arial" panose="020B0604020202020204" pitchFamily="34" charset="0"/>
+                <a:cs typeface="Arial" panose="020B0604020202020204" pitchFamily="34" charset="0"/>
+              </a:rPr>
+              <a:t>defaultLabelRemark</a:t>
+            </a:r>
+            <a:endParaRPr lang="de-CH" sz="1000" b="1" dirty="0">
+              <a:solidFill>
+                <a:schemeClr val="tx1"/>
+              </a:solidFill>
+              <a:latin typeface="Arial" panose="020B0604020202020204" pitchFamily="34" charset="0"/>
+              <a:cs typeface="Arial" panose="020B0604020202020204" pitchFamily="34" charset="0"/>
+            </a:endParaRPr>
+          </a:p>
+          <a:p>
+            <a:endParaRPr lang="de-CH" sz="1000" b="1" dirty="0">
+              <a:solidFill>
+                <a:schemeClr val="tx1"/>
+              </a:solidFill>
+              <a:latin typeface="Arial" panose="020B0604020202020204" pitchFamily="34" charset="0"/>
+              <a:cs typeface="Arial" panose="020B0604020202020204" pitchFamily="34" charset="0"/>
+            </a:endParaRPr>
+          </a:p>
+          <a:p>
+            <a:r>
+              <a:rPr lang="de-CH" sz="1000" b="1" dirty="0" err="1">
+                <a:solidFill>
+                  <a:schemeClr val="tx1"/>
+                </a:solidFill>
+                <a:latin typeface="Arial" panose="020B0604020202020204" pitchFamily="34" charset="0"/>
+                <a:cs typeface="Arial" panose="020B0604020202020204" pitchFamily="34" charset="0"/>
+              </a:rPr>
+              <a:t>getHeaderText</a:t>
+            </a:r>
+            <a:r>
+              <a:rPr lang="de-CH" sz="1000" b="1" dirty="0">
+                <a:solidFill>
+                  <a:schemeClr val="tx1"/>
+                </a:solidFill>
+                <a:latin typeface="Arial" panose="020B0604020202020204" pitchFamily="34" charset="0"/>
+                <a:cs typeface="Arial" panose="020B0604020202020204" pitchFamily="34" charset="0"/>
+              </a:rPr>
+              <a:t>, </a:t>
+            </a:r>
+            <a:r>
+              <a:rPr lang="de-CH" sz="1000" b="1" dirty="0" err="1">
+                <a:solidFill>
+                  <a:schemeClr val="tx1"/>
+                </a:solidFill>
+                <a:latin typeface="Arial" panose="020B0604020202020204" pitchFamily="34" charset="0"/>
+                <a:cs typeface="Arial" panose="020B0604020202020204" pitchFamily="34" charset="0"/>
+              </a:rPr>
+              <a:t>setHeaderText</a:t>
+            </a:r>
+            <a:r>
+              <a:rPr lang="de-CH" sz="1000" b="1" dirty="0">
+                <a:solidFill>
+                  <a:schemeClr val="tx1"/>
+                </a:solidFill>
+                <a:latin typeface="Arial" panose="020B0604020202020204" pitchFamily="34" charset="0"/>
+                <a:cs typeface="Arial" panose="020B0604020202020204" pitchFamily="34" charset="0"/>
+              </a:rPr>
+              <a:t>, </a:t>
+            </a:r>
+            <a:r>
+              <a:rPr lang="de-CH" sz="1000" b="1" dirty="0" err="1">
+                <a:solidFill>
+                  <a:schemeClr val="tx1"/>
+                </a:solidFill>
+                <a:latin typeface="Arial" panose="020B0604020202020204" pitchFamily="34" charset="0"/>
+                <a:cs typeface="Arial" panose="020B0604020202020204" pitchFamily="34" charset="0"/>
+              </a:rPr>
+              <a:t>getLabelName</a:t>
+            </a:r>
+            <a:r>
+              <a:rPr lang="de-CH" sz="1000" b="1" dirty="0">
+                <a:solidFill>
+                  <a:schemeClr val="tx1"/>
+                </a:solidFill>
+                <a:latin typeface="Arial" panose="020B0604020202020204" pitchFamily="34" charset="0"/>
+                <a:cs typeface="Arial" panose="020B0604020202020204" pitchFamily="34" charset="0"/>
+              </a:rPr>
+              <a:t>, </a:t>
+            </a:r>
+            <a:r>
+              <a:rPr lang="de-CH" sz="1000" b="1" dirty="0" err="1">
+                <a:solidFill>
+                  <a:schemeClr val="tx1"/>
+                </a:solidFill>
+                <a:latin typeface="Arial" panose="020B0604020202020204" pitchFamily="34" charset="0"/>
+                <a:cs typeface="Arial" panose="020B0604020202020204" pitchFamily="34" charset="0"/>
+              </a:rPr>
+              <a:t>setLabelName</a:t>
+            </a:r>
+            <a:r>
+              <a:rPr lang="de-CH" sz="1000" b="1" dirty="0">
+                <a:solidFill>
+                  <a:schemeClr val="tx1"/>
+                </a:solidFill>
+                <a:latin typeface="Arial" panose="020B0604020202020204" pitchFamily="34" charset="0"/>
+                <a:cs typeface="Arial" panose="020B0604020202020204" pitchFamily="34" charset="0"/>
+              </a:rPr>
+              <a:t>, </a:t>
+            </a:r>
+            <a:r>
+              <a:rPr lang="de-CH" sz="1000" b="1" dirty="0" err="1">
+                <a:solidFill>
+                  <a:schemeClr val="tx1"/>
+                </a:solidFill>
+                <a:latin typeface="Arial" panose="020B0604020202020204" pitchFamily="34" charset="0"/>
+                <a:cs typeface="Arial" panose="020B0604020202020204" pitchFamily="34" charset="0"/>
+              </a:rPr>
+              <a:t>getLabelEmail</a:t>
+            </a:r>
+            <a:r>
+              <a:rPr lang="de-CH" sz="1000" b="1" dirty="0">
+                <a:solidFill>
+                  <a:schemeClr val="tx1"/>
+                </a:solidFill>
+                <a:latin typeface="Arial" panose="020B0604020202020204" pitchFamily="34" charset="0"/>
+                <a:cs typeface="Arial" panose="020B0604020202020204" pitchFamily="34" charset="0"/>
+              </a:rPr>
+              <a:t>, </a:t>
+            </a:r>
+            <a:r>
+              <a:rPr lang="de-CH" sz="1000" b="1" dirty="0" err="1">
+                <a:solidFill>
+                  <a:schemeClr val="tx1"/>
+                </a:solidFill>
+                <a:latin typeface="Arial" panose="020B0604020202020204" pitchFamily="34" charset="0"/>
+                <a:cs typeface="Arial" panose="020B0604020202020204" pitchFamily="34" charset="0"/>
+              </a:rPr>
+              <a:t>setLabelRemark</a:t>
+            </a:r>
+            <a:endParaRPr lang="de-CH" sz="1000" b="1" dirty="0">
+              <a:solidFill>
+                <a:schemeClr val="tx1"/>
+              </a:solidFill>
+              <a:latin typeface="Arial" panose="020B0604020202020204" pitchFamily="34" charset="0"/>
+              <a:cs typeface="Arial" panose="020B0604020202020204" pitchFamily="34" charset="0"/>
+            </a:endParaRPr>
+          </a:p>
+          <a:p>
+            <a:endParaRPr lang="en-US" sz="1000" b="1" dirty="0">
+              <a:solidFill>
+                <a:schemeClr val="tx1"/>
+              </a:solidFill>
+              <a:latin typeface="Arial" panose="020B0604020202020204" pitchFamily="34" charset="0"/>
+              <a:cs typeface="Arial" panose="020B0604020202020204" pitchFamily="34" charset="0"/>
+            </a:endParaRPr>
+          </a:p>
+          <a:p>
+            <a:endParaRPr lang="en-US" sz="1000" b="1" dirty="0">
+              <a:solidFill>
+                <a:schemeClr val="tx1"/>
+              </a:solidFill>
+              <a:latin typeface="Arial" panose="020B0604020202020204" pitchFamily="34" charset="0"/>
+              <a:cs typeface="Arial" panose="020B0604020202020204" pitchFamily="34" charset="0"/>
+            </a:endParaRPr>
+          </a:p>
+        </p:txBody>
+      </p:sp>
+    </p:spTree>
+    <p:extLst>
+      <p:ext uri="{BB962C8B-B14F-4D97-AF65-F5344CB8AC3E}">
+        <p14:creationId xmlns:p14="http://schemas.microsoft.com/office/powerpoint/2010/main" val="2376034629"/>
+      </p:ext>
+    </p:extLst>
+  </p:cSld>
+  <p:clrMapOvr>
+    <a:masterClrMapping/>
+  </p:clrMapOvr>
+</p:sld>
+</file>
+
+<file path=ppt/slides/slide5.xml><?xml version="1.0" encoding="utf-8"?>
+<p:sld xmlns:a="http://schemas.openxmlformats.org/drawingml/2006/main" xmlns:r="http://schemas.openxmlformats.org/officeDocument/2006/relationships" xmlns:p="http://schemas.openxmlformats.org/presentationml/2006/main">
+  <p:cSld>
+    <p:spTree>
+      <p:nvGrpSpPr>
+        <p:cNvPr id="1" name=""/>
+        <p:cNvGrpSpPr/>
+        <p:nvPr/>
+      </p:nvGrpSpPr>
+      <p:grpSpPr>
+        <a:xfrm>
+          <a:off x="0" y="0"/>
+          <a:ext cx="0" cy="0"/>
+          <a:chOff x="0" y="0"/>
+          <a:chExt cx="0" cy="0"/>
+        </a:xfrm>
+      </p:grpSpPr>
+      <p:sp>
+        <p:nvSpPr>
+          <p:cNvPr id="2" name="Rechteck 1">
+            <a:extLst>
+              <a:ext uri="{FF2B5EF4-FFF2-40B4-BE49-F238E27FC236}">
+                <a16:creationId xmlns:a16="http://schemas.microsoft.com/office/drawing/2014/main" id="{0ED71BF6-995B-5D43-7873-F2B206C817B3}"/>
+              </a:ext>
+            </a:extLst>
+          </p:cNvPr>
+          <p:cNvSpPr/>
+          <p:nvPr/>
+        </p:nvSpPr>
+        <p:spPr>
+          <a:xfrm>
+            <a:off x="582001" y="1109648"/>
+            <a:ext cx="3467701" cy="570469"/>
+          </a:xfrm>
+          <a:prstGeom prst="rect">
+            <a:avLst/>
+          </a:prstGeom>
+          <a:noFill/>
+          <a:ln w="19050">
+            <a:solidFill>
+              <a:schemeClr val="tx1"/>
+            </a:solidFill>
+          </a:ln>
+        </p:spPr>
+        <p:style>
+          <a:lnRef idx="2">
+            <a:schemeClr val="accent1">
+              <a:shade val="50000"/>
+            </a:schemeClr>
+          </a:lnRef>
+          <a:fillRef idx="1">
+            <a:schemeClr val="accent1"/>
+          </a:fillRef>
+          <a:effectRef idx="0">
+            <a:schemeClr val="accent1"/>
+          </a:effectRef>
+          <a:fontRef idx="minor">
+            <a:schemeClr val="lt1"/>
+          </a:fontRef>
+        </p:style>
+        <p:txBody>
+          <a:bodyPr rtlCol="0" anchor="ctr"/>
+          <a:lstStyle/>
+          <a:p>
+            <a:pPr algn="ctr"/>
+            <a:r>
+              <a:rPr lang="de-CH" dirty="0" err="1">
+                <a:solidFill>
+                  <a:schemeClr val="tx1"/>
+                </a:solidFill>
+                <a:latin typeface="Arial" panose="020B0604020202020204" pitchFamily="34" charset="0"/>
+                <a:cs typeface="Arial" panose="020B0604020202020204" pitchFamily="34" charset="0"/>
+              </a:rPr>
+              <a:t>EventProgramXml</a:t>
+            </a:r>
+            <a:endParaRPr lang="de-CH" dirty="0">
+              <a:solidFill>
+                <a:schemeClr val="tx1"/>
+              </a:solidFill>
+              <a:latin typeface="Arial" panose="020B0604020202020204" pitchFamily="34" charset="0"/>
+              <a:cs typeface="Arial" panose="020B0604020202020204" pitchFamily="34" charset="0"/>
+            </a:endParaRPr>
+          </a:p>
+          <a:p>
+            <a:pPr algn="ctr"/>
+            <a:r>
+              <a:rPr lang="de-CH" sz="1200" dirty="0">
+                <a:solidFill>
+                  <a:schemeClr val="tx1"/>
+                </a:solidFill>
+                <a:latin typeface="Arial" panose="020B0604020202020204" pitchFamily="34" charset="0"/>
+                <a:cs typeface="Arial" panose="020B0604020202020204" pitchFamily="34" charset="0"/>
+              </a:rPr>
+              <a:t>Holds all </a:t>
+            </a:r>
+            <a:r>
+              <a:rPr lang="de-CH" sz="1200" dirty="0" err="1">
+                <a:solidFill>
+                  <a:schemeClr val="tx1"/>
+                </a:solidFill>
+                <a:latin typeface="Arial" panose="020B0604020202020204" pitchFamily="34" charset="0"/>
+                <a:cs typeface="Arial" panose="020B0604020202020204" pitchFamily="34" charset="0"/>
+              </a:rPr>
+              <a:t>data</a:t>
+            </a:r>
+            <a:r>
+              <a:rPr lang="de-CH" sz="1200" dirty="0">
+                <a:solidFill>
+                  <a:schemeClr val="tx1"/>
+                </a:solidFill>
+                <a:latin typeface="Arial" panose="020B0604020202020204" pitchFamily="34" charset="0"/>
+                <a:cs typeface="Arial" panose="020B0604020202020204" pitchFamily="34" charset="0"/>
+              </a:rPr>
+              <a:t> </a:t>
+            </a:r>
+            <a:r>
+              <a:rPr lang="de-CH" sz="1200" dirty="0" err="1">
+                <a:solidFill>
+                  <a:schemeClr val="tx1"/>
+                </a:solidFill>
+                <a:latin typeface="Arial" panose="020B0604020202020204" pitchFamily="34" charset="0"/>
+                <a:cs typeface="Arial" panose="020B0604020202020204" pitchFamily="34" charset="0"/>
+              </a:rPr>
+              <a:t>for</a:t>
+            </a:r>
+            <a:r>
+              <a:rPr lang="de-CH" sz="1200" dirty="0">
+                <a:solidFill>
+                  <a:schemeClr val="tx1"/>
+                </a:solidFill>
+                <a:latin typeface="Arial" panose="020B0604020202020204" pitchFamily="34" charset="0"/>
+                <a:cs typeface="Arial" panose="020B0604020202020204" pitchFamily="34" charset="0"/>
+              </a:rPr>
+              <a:t> an </a:t>
+            </a:r>
+            <a:r>
+              <a:rPr lang="de-CH" sz="1200" dirty="0" err="1">
+                <a:solidFill>
+                  <a:schemeClr val="tx1"/>
+                </a:solidFill>
+                <a:latin typeface="Arial" panose="020B0604020202020204" pitchFamily="34" charset="0"/>
+                <a:cs typeface="Arial" panose="020B0604020202020204" pitchFamily="34" charset="0"/>
+              </a:rPr>
+              <a:t>event</a:t>
+            </a:r>
+            <a:r>
+              <a:rPr lang="de-CH" sz="1200" dirty="0">
+                <a:solidFill>
+                  <a:schemeClr val="tx1"/>
+                </a:solidFill>
+                <a:latin typeface="Arial" panose="020B0604020202020204" pitchFamily="34" charset="0"/>
+                <a:cs typeface="Arial" panose="020B0604020202020204" pitchFamily="34" charset="0"/>
+              </a:rPr>
+              <a:t> </a:t>
+            </a:r>
+            <a:r>
+              <a:rPr lang="de-CH" sz="1200" dirty="0" err="1">
+                <a:solidFill>
+                  <a:schemeClr val="tx1"/>
+                </a:solidFill>
+                <a:latin typeface="Arial" panose="020B0604020202020204" pitchFamily="34" charset="0"/>
+                <a:cs typeface="Arial" panose="020B0604020202020204" pitchFamily="34" charset="0"/>
+              </a:rPr>
+              <a:t>program</a:t>
+            </a:r>
+            <a:endParaRPr lang="de-CH" sz="1200" dirty="0">
+              <a:solidFill>
+                <a:schemeClr val="tx1"/>
+              </a:solidFill>
+              <a:latin typeface="Arial" panose="020B0604020202020204" pitchFamily="34" charset="0"/>
+              <a:cs typeface="Arial" panose="020B0604020202020204" pitchFamily="34" charset="0"/>
+            </a:endParaRPr>
+          </a:p>
+        </p:txBody>
+      </p:sp>
+      <p:sp>
+        <p:nvSpPr>
+          <p:cNvPr id="16" name="Rechteck 15">
+            <a:extLst>
+              <a:ext uri="{FF2B5EF4-FFF2-40B4-BE49-F238E27FC236}">
+                <a16:creationId xmlns:a16="http://schemas.microsoft.com/office/drawing/2014/main" id="{8AB47BD6-0FDF-D3EB-1745-D4F1FEDC01B4}"/>
+              </a:ext>
+            </a:extLst>
+          </p:cNvPr>
+          <p:cNvSpPr/>
+          <p:nvPr/>
+        </p:nvSpPr>
+        <p:spPr>
+          <a:xfrm>
+            <a:off x="582000" y="1680117"/>
+            <a:ext cx="3467703" cy="3099273"/>
+          </a:xfrm>
+          <a:prstGeom prst="rect">
+            <a:avLst/>
+          </a:prstGeom>
+          <a:noFill/>
+          <a:ln w="19050">
+            <a:solidFill>
+              <a:schemeClr val="tx1"/>
+            </a:solidFill>
+          </a:ln>
+        </p:spPr>
+        <p:style>
+          <a:lnRef idx="2">
+            <a:schemeClr val="accent1">
+              <a:shade val="50000"/>
+            </a:schemeClr>
+          </a:lnRef>
+          <a:fillRef idx="1">
+            <a:schemeClr val="accent1"/>
+          </a:fillRef>
+          <a:effectRef idx="0">
+            <a:schemeClr val="accent1"/>
+          </a:effectRef>
+          <a:fontRef idx="minor">
+            <a:schemeClr val="lt1"/>
+          </a:fontRef>
+        </p:style>
+        <p:txBody>
+          <a:bodyPr rtlCol="0" anchor="ctr"/>
+          <a:lstStyle/>
+          <a:p>
+            <a:r>
+              <a:rPr lang="en-US" sz="1200" dirty="0">
+                <a:solidFill>
+                  <a:schemeClr val="tx1"/>
+                </a:solidFill>
+                <a:latin typeface="Arial" panose="020B0604020202020204" pitchFamily="34" charset="0"/>
+                <a:cs typeface="Arial" panose="020B0604020202020204" pitchFamily="34" charset="0"/>
+              </a:rPr>
+              <a:t>Member variables</a:t>
+            </a:r>
+          </a:p>
+          <a:p>
+            <a:r>
+              <a:rPr lang="en-US" sz="1000" b="1" dirty="0" err="1">
+                <a:solidFill>
+                  <a:schemeClr val="tx1"/>
+                </a:solidFill>
+                <a:latin typeface="Arial" panose="020B0604020202020204" pitchFamily="34" charset="0"/>
+                <a:cs typeface="Arial" panose="020B0604020202020204" pitchFamily="34" charset="0"/>
+              </a:rPr>
+              <a:t>m_subdir_xml</a:t>
+            </a:r>
+            <a:endParaRPr lang="en-US" sz="1000" b="1" dirty="0">
+              <a:solidFill>
+                <a:schemeClr val="tx1"/>
+              </a:solidFill>
+              <a:latin typeface="Arial" panose="020B0604020202020204" pitchFamily="34" charset="0"/>
+              <a:cs typeface="Arial" panose="020B0604020202020204" pitchFamily="34" charset="0"/>
+            </a:endParaRPr>
+          </a:p>
+          <a:p>
+            <a:r>
+              <a:rPr lang="en-US" sz="1000" b="1" dirty="0" err="1">
+                <a:solidFill>
+                  <a:schemeClr val="tx1"/>
+                </a:solidFill>
+                <a:latin typeface="Arial" panose="020B0604020202020204" pitchFamily="34" charset="0"/>
+                <a:cs typeface="Arial" panose="020B0604020202020204" pitchFamily="34" charset="0"/>
+              </a:rPr>
+              <a:t>m_event_program_file_name</a:t>
+            </a:r>
+            <a:endParaRPr lang="en-US" sz="1000" b="1" dirty="0">
+              <a:solidFill>
+                <a:schemeClr val="tx1"/>
+              </a:solidFill>
+              <a:latin typeface="Arial" panose="020B0604020202020204" pitchFamily="34" charset="0"/>
+              <a:cs typeface="Arial" panose="020B0604020202020204" pitchFamily="34" charset="0"/>
+            </a:endParaRPr>
+          </a:p>
+          <a:p>
+            <a:r>
+              <a:rPr lang="en-US" sz="1000" b="1" dirty="0" err="1">
+                <a:solidFill>
+                  <a:schemeClr val="tx1"/>
+                </a:solidFill>
+                <a:latin typeface="Arial" panose="020B0604020202020204" pitchFamily="34" charset="0"/>
+                <a:cs typeface="Arial" panose="020B0604020202020204" pitchFamily="34" charset="0"/>
+              </a:rPr>
+              <a:t>m_callback_function_name</a:t>
+            </a:r>
+            <a:endParaRPr lang="en-US" sz="1000" b="1" dirty="0">
+              <a:solidFill>
+                <a:schemeClr val="tx1"/>
+              </a:solidFill>
+              <a:latin typeface="Arial" panose="020B0604020202020204" pitchFamily="34" charset="0"/>
+              <a:cs typeface="Arial" panose="020B0604020202020204" pitchFamily="34" charset="0"/>
+            </a:endParaRPr>
+          </a:p>
+          <a:p>
+            <a:r>
+              <a:rPr lang="en-US" sz="1000" b="1" dirty="0" err="1">
+                <a:solidFill>
+                  <a:schemeClr val="tx1"/>
+                </a:solidFill>
+                <a:latin typeface="Arial" panose="020B0604020202020204" pitchFamily="34" charset="0"/>
+                <a:cs typeface="Arial" panose="020B0604020202020204" pitchFamily="34" charset="0"/>
+              </a:rPr>
+              <a:t>m_tags</a:t>
+            </a:r>
+            <a:r>
+              <a:rPr lang="en-US" sz="1000" b="1" dirty="0">
+                <a:solidFill>
+                  <a:schemeClr val="tx1"/>
+                </a:solidFill>
+                <a:latin typeface="Arial" panose="020B0604020202020204" pitchFamily="34" charset="0"/>
+                <a:cs typeface="Arial" panose="020B0604020202020204" pitchFamily="34" charset="0"/>
+              </a:rPr>
+              <a:t> = new </a:t>
+            </a:r>
+            <a:r>
+              <a:rPr lang="en-US" sz="1000" b="1" dirty="0" err="1">
+                <a:solidFill>
+                  <a:schemeClr val="tx1"/>
+                </a:solidFill>
+                <a:latin typeface="Arial" panose="020B0604020202020204" pitchFamily="34" charset="0"/>
+                <a:cs typeface="Arial" panose="020B0604020202020204" pitchFamily="34" charset="0"/>
+              </a:rPr>
+              <a:t>EventProgramXmlTags</a:t>
+            </a:r>
+            <a:endParaRPr lang="en-US" sz="1000" b="1" dirty="0">
+              <a:solidFill>
+                <a:schemeClr val="tx1"/>
+              </a:solidFill>
+              <a:latin typeface="Arial" panose="020B0604020202020204" pitchFamily="34" charset="0"/>
+              <a:cs typeface="Arial" panose="020B0604020202020204" pitchFamily="34" charset="0"/>
+            </a:endParaRPr>
+          </a:p>
+          <a:p>
+            <a:endParaRPr lang="en-US" sz="1000" b="1" dirty="0">
+              <a:solidFill>
+                <a:schemeClr val="tx1"/>
+              </a:solidFill>
+              <a:latin typeface="Arial" panose="020B0604020202020204" pitchFamily="34" charset="0"/>
+              <a:cs typeface="Arial" panose="020B0604020202020204" pitchFamily="34" charset="0"/>
+            </a:endParaRPr>
+          </a:p>
+          <a:p>
+            <a:r>
+              <a:rPr lang="en-US" sz="1200" dirty="0">
+                <a:solidFill>
+                  <a:schemeClr val="tx1"/>
+                </a:solidFill>
+                <a:latin typeface="Arial" panose="020B0604020202020204" pitchFamily="34" charset="0"/>
+                <a:cs typeface="Arial" panose="020B0604020202020204" pitchFamily="34" charset="0"/>
+              </a:rPr>
+              <a:t>Member functions</a:t>
+            </a:r>
+          </a:p>
+          <a:p>
+            <a:r>
+              <a:rPr lang="de-CH" sz="1000" b="1" dirty="0" err="1">
+                <a:solidFill>
+                  <a:schemeClr val="tx1"/>
+                </a:solidFill>
+                <a:latin typeface="Arial" panose="020B0604020202020204" pitchFamily="34" charset="0"/>
+                <a:cs typeface="Arial" panose="020B0604020202020204" pitchFamily="34" charset="0"/>
+              </a:rPr>
+              <a:t>loadOneXmlFile</a:t>
+            </a:r>
+            <a:endParaRPr lang="de-CH" sz="1000" b="1" dirty="0">
+              <a:solidFill>
+                <a:schemeClr val="tx1"/>
+              </a:solidFill>
+              <a:latin typeface="Arial" panose="020B0604020202020204" pitchFamily="34" charset="0"/>
+              <a:cs typeface="Arial" panose="020B0604020202020204" pitchFamily="34" charset="0"/>
+            </a:endParaRPr>
+          </a:p>
+          <a:p>
+            <a:r>
+              <a:rPr lang="de-CH" sz="1000" b="1" dirty="0" err="1">
+                <a:solidFill>
+                  <a:schemeClr val="tx1"/>
+                </a:solidFill>
+                <a:latin typeface="Arial" panose="020B0604020202020204" pitchFamily="34" charset="0"/>
+                <a:cs typeface="Arial" panose="020B0604020202020204" pitchFamily="34" charset="0"/>
+              </a:rPr>
+              <a:t>getXmlEventProgramFileName</a:t>
+            </a:r>
+            <a:r>
+              <a:rPr lang="de-CH" sz="1000" b="1" dirty="0">
+                <a:solidFill>
+                  <a:schemeClr val="tx1"/>
+                </a:solidFill>
+                <a:latin typeface="Arial" panose="020B0604020202020204" pitchFamily="34" charset="0"/>
+                <a:cs typeface="Arial" panose="020B0604020202020204" pitchFamily="34" charset="0"/>
+              </a:rPr>
+              <a:t> </a:t>
+            </a:r>
+            <a:endParaRPr lang="en-US" sz="1000" b="1" dirty="0">
+              <a:solidFill>
+                <a:schemeClr val="tx1"/>
+              </a:solidFill>
+              <a:latin typeface="Arial" panose="020B0604020202020204" pitchFamily="34" charset="0"/>
+              <a:cs typeface="Arial" panose="020B0604020202020204" pitchFamily="34" charset="0"/>
+            </a:endParaRPr>
+          </a:p>
+          <a:p>
+            <a:r>
+              <a:rPr lang="en-US" sz="1000" b="1" dirty="0" err="1">
+                <a:solidFill>
+                  <a:schemeClr val="tx1"/>
+                </a:solidFill>
+                <a:latin typeface="Arial" panose="020B0604020202020204" pitchFamily="34" charset="0"/>
+                <a:cs typeface="Arial" panose="020B0604020202020204" pitchFamily="34" charset="0"/>
+              </a:rPr>
+              <a:t>getNumberOfEvents</a:t>
+            </a:r>
+            <a:endParaRPr lang="en-US" sz="1000" b="1" dirty="0">
+              <a:solidFill>
+                <a:schemeClr val="tx1"/>
+              </a:solidFill>
+              <a:latin typeface="Arial" panose="020B0604020202020204" pitchFamily="34" charset="0"/>
+              <a:cs typeface="Arial" panose="020B0604020202020204" pitchFamily="34" charset="0"/>
+            </a:endParaRPr>
+          </a:p>
+          <a:p>
+            <a:r>
+              <a:rPr lang="en-US" sz="1000" b="1" dirty="0" err="1">
+                <a:solidFill>
+                  <a:schemeClr val="tx1"/>
+                </a:solidFill>
+                <a:latin typeface="Arial" panose="020B0604020202020204" pitchFamily="34" charset="0"/>
+                <a:cs typeface="Arial" panose="020B0604020202020204" pitchFamily="34" charset="0"/>
+              </a:rPr>
+              <a:t>getEventNameArray</a:t>
+            </a:r>
+            <a:endParaRPr lang="en-US" sz="1000" b="1" dirty="0">
+              <a:solidFill>
+                <a:schemeClr val="tx1"/>
+              </a:solidFill>
+              <a:latin typeface="Arial" panose="020B0604020202020204" pitchFamily="34" charset="0"/>
+              <a:cs typeface="Arial" panose="020B0604020202020204" pitchFamily="34" charset="0"/>
+            </a:endParaRPr>
+          </a:p>
+          <a:p>
+            <a:r>
+              <a:rPr lang="en-US" sz="1000" b="1" dirty="0" err="1">
+                <a:solidFill>
+                  <a:schemeClr val="tx1"/>
+                </a:solidFill>
+                <a:latin typeface="Arial" panose="020B0604020202020204" pitchFamily="34" charset="0"/>
+                <a:cs typeface="Arial" panose="020B0604020202020204" pitchFamily="34" charset="0"/>
+              </a:rPr>
+              <a:t>getEventDateArray</a:t>
+            </a:r>
+            <a:endParaRPr lang="en-US" sz="1000" b="1" dirty="0">
+              <a:solidFill>
+                <a:schemeClr val="tx1"/>
+              </a:solidFill>
+              <a:latin typeface="Arial" panose="020B0604020202020204" pitchFamily="34" charset="0"/>
+              <a:cs typeface="Arial" panose="020B0604020202020204" pitchFamily="34" charset="0"/>
+            </a:endParaRPr>
+          </a:p>
+          <a:p>
+            <a:endParaRPr lang="en-US" sz="1000" b="1" dirty="0">
+              <a:solidFill>
+                <a:schemeClr val="tx1"/>
+              </a:solidFill>
+              <a:latin typeface="Arial" panose="020B0604020202020204" pitchFamily="34" charset="0"/>
+              <a:cs typeface="Arial" panose="020B0604020202020204" pitchFamily="34" charset="0"/>
+            </a:endParaRPr>
+          </a:p>
+          <a:p>
+            <a:endParaRPr lang="en-US" sz="1000" b="1" dirty="0">
+              <a:solidFill>
+                <a:schemeClr val="tx1"/>
+              </a:solidFill>
+              <a:latin typeface="Arial" panose="020B0604020202020204" pitchFamily="34" charset="0"/>
+              <a:cs typeface="Arial" panose="020B0604020202020204" pitchFamily="34" charset="0"/>
+            </a:endParaRPr>
+          </a:p>
+          <a:p>
+            <a:r>
+              <a:rPr lang="de-CH" sz="1000" b="1" dirty="0">
+                <a:solidFill>
+                  <a:schemeClr val="tx1"/>
+                </a:solidFill>
+                <a:latin typeface="Arial" panose="020B0604020202020204" pitchFamily="34" charset="0"/>
+                <a:cs typeface="Arial" panose="020B0604020202020204" pitchFamily="34" charset="0"/>
+              </a:rPr>
+              <a:t>Set and </a:t>
+            </a:r>
+            <a:r>
+              <a:rPr lang="de-CH" sz="1000" b="1" dirty="0" err="1">
+                <a:solidFill>
+                  <a:schemeClr val="tx1"/>
+                </a:solidFill>
+                <a:latin typeface="Arial" panose="020B0604020202020204" pitchFamily="34" charset="0"/>
+                <a:cs typeface="Arial" panose="020B0604020202020204" pitchFamily="34" charset="0"/>
+              </a:rPr>
+              <a:t>get</a:t>
+            </a:r>
+            <a:r>
+              <a:rPr lang="de-CH" sz="1000" b="1" dirty="0">
+                <a:solidFill>
+                  <a:schemeClr val="tx1"/>
+                </a:solidFill>
+                <a:latin typeface="Arial" panose="020B0604020202020204" pitchFamily="34" charset="0"/>
+                <a:cs typeface="Arial" panose="020B0604020202020204" pitchFamily="34" charset="0"/>
+              </a:rPr>
+              <a:t> </a:t>
+            </a:r>
+            <a:r>
+              <a:rPr lang="de-CH" sz="1000" b="1" dirty="0" err="1">
+                <a:solidFill>
+                  <a:schemeClr val="tx1"/>
+                </a:solidFill>
+                <a:latin typeface="Arial" panose="020B0604020202020204" pitchFamily="34" charset="0"/>
+                <a:cs typeface="Arial" panose="020B0604020202020204" pitchFamily="34" charset="0"/>
+              </a:rPr>
+              <a:t>functions</a:t>
+            </a:r>
+            <a:r>
+              <a:rPr lang="de-CH" sz="1000" b="1" dirty="0">
+                <a:solidFill>
+                  <a:schemeClr val="tx1"/>
+                </a:solidFill>
+                <a:latin typeface="Arial" panose="020B0604020202020204" pitchFamily="34" charset="0"/>
+                <a:cs typeface="Arial" panose="020B0604020202020204" pitchFamily="34" charset="0"/>
+              </a:rPr>
+              <a:t> </a:t>
+            </a:r>
+            <a:r>
+              <a:rPr lang="de-CH" sz="1000" b="1" dirty="0" err="1">
+                <a:solidFill>
+                  <a:schemeClr val="tx1"/>
+                </a:solidFill>
+                <a:latin typeface="Arial" panose="020B0604020202020204" pitchFamily="34" charset="0"/>
+                <a:cs typeface="Arial" panose="020B0604020202020204" pitchFamily="34" charset="0"/>
+              </a:rPr>
+              <a:t>for</a:t>
+            </a:r>
+            <a:r>
+              <a:rPr lang="de-CH" sz="1000" b="1" dirty="0">
+                <a:solidFill>
+                  <a:schemeClr val="tx1"/>
+                </a:solidFill>
+                <a:latin typeface="Arial" panose="020B0604020202020204" pitchFamily="34" charset="0"/>
+                <a:cs typeface="Arial" panose="020B0604020202020204" pitchFamily="34" charset="0"/>
+              </a:rPr>
+              <a:t> </a:t>
+            </a:r>
+            <a:r>
+              <a:rPr lang="de-CH" sz="1000" b="1" dirty="0" err="1">
+                <a:solidFill>
+                  <a:schemeClr val="tx1"/>
+                </a:solidFill>
+                <a:latin typeface="Arial" panose="020B0604020202020204" pitchFamily="34" charset="0"/>
+                <a:cs typeface="Arial" panose="020B0604020202020204" pitchFamily="34" charset="0"/>
+              </a:rPr>
+              <a:t>the</a:t>
+            </a:r>
+            <a:r>
+              <a:rPr lang="de-CH" sz="1000" b="1" dirty="0">
+                <a:solidFill>
+                  <a:schemeClr val="tx1"/>
+                </a:solidFill>
+                <a:latin typeface="Arial" panose="020B0604020202020204" pitchFamily="34" charset="0"/>
+                <a:cs typeface="Arial" panose="020B0604020202020204" pitchFamily="34" charset="0"/>
+              </a:rPr>
+              <a:t> tag </a:t>
+            </a:r>
+            <a:r>
+              <a:rPr lang="de-CH" sz="1000" b="1" dirty="0" err="1">
+                <a:solidFill>
+                  <a:schemeClr val="tx1"/>
+                </a:solidFill>
+                <a:latin typeface="Arial" panose="020B0604020202020204" pitchFamily="34" charset="0"/>
+                <a:cs typeface="Arial" panose="020B0604020202020204" pitchFamily="34" charset="0"/>
+              </a:rPr>
+              <a:t>names</a:t>
+            </a:r>
+            <a:r>
+              <a:rPr lang="de-CH" sz="1000" b="1" dirty="0">
+                <a:solidFill>
+                  <a:schemeClr val="tx1"/>
+                </a:solidFill>
+                <a:latin typeface="Arial" panose="020B0604020202020204" pitchFamily="34" charset="0"/>
+                <a:cs typeface="Arial" panose="020B0604020202020204" pitchFamily="34" charset="0"/>
+              </a:rPr>
+              <a:t> </a:t>
+            </a:r>
+            <a:r>
+              <a:rPr lang="de-CH" sz="1000" b="1" dirty="0" err="1">
+                <a:solidFill>
+                  <a:schemeClr val="tx1"/>
+                </a:solidFill>
+                <a:latin typeface="Arial" panose="020B0604020202020204" pitchFamily="34" charset="0"/>
+                <a:cs typeface="Arial" panose="020B0604020202020204" pitchFamily="34" charset="0"/>
+              </a:rPr>
+              <a:t>defined</a:t>
+            </a:r>
+            <a:r>
+              <a:rPr lang="de-CH" sz="1000" b="1" dirty="0">
+                <a:solidFill>
+                  <a:schemeClr val="tx1"/>
+                </a:solidFill>
+                <a:latin typeface="Arial" panose="020B0604020202020204" pitchFamily="34" charset="0"/>
+                <a:cs typeface="Arial" panose="020B0604020202020204" pitchFamily="34" charset="0"/>
+              </a:rPr>
+              <a:t> in </a:t>
+            </a:r>
+            <a:r>
+              <a:rPr lang="de-CH" sz="1000" b="1" dirty="0" err="1">
+                <a:solidFill>
+                  <a:schemeClr val="tx1"/>
+                </a:solidFill>
+                <a:latin typeface="Arial" panose="020B0604020202020204" pitchFamily="34" charset="0"/>
+                <a:cs typeface="Arial" panose="020B0604020202020204" pitchFamily="34" charset="0"/>
+              </a:rPr>
+              <a:t>the</a:t>
+            </a:r>
+            <a:r>
+              <a:rPr lang="de-CH" sz="1000" b="1" dirty="0">
+                <a:solidFill>
+                  <a:schemeClr val="tx1"/>
+                </a:solidFill>
+                <a:latin typeface="Arial" panose="020B0604020202020204" pitchFamily="34" charset="0"/>
+                <a:cs typeface="Arial" panose="020B0604020202020204" pitchFamily="34" charset="0"/>
+              </a:rPr>
+              <a:t> </a:t>
+            </a:r>
+            <a:r>
+              <a:rPr lang="de-CH" sz="1000" b="1" dirty="0" err="1">
+                <a:solidFill>
+                  <a:schemeClr val="tx1"/>
+                </a:solidFill>
+                <a:latin typeface="Arial" panose="020B0604020202020204" pitchFamily="34" charset="0"/>
+                <a:cs typeface="Arial" panose="020B0604020202020204" pitchFamily="34" charset="0"/>
+              </a:rPr>
+              <a:t>class</a:t>
+            </a:r>
+            <a:r>
+              <a:rPr lang="de-CH" sz="1000" b="1" dirty="0">
+                <a:solidFill>
+                  <a:schemeClr val="tx1"/>
+                </a:solidFill>
+                <a:latin typeface="Arial" panose="020B0604020202020204" pitchFamily="34" charset="0"/>
+                <a:cs typeface="Arial" panose="020B0604020202020204" pitchFamily="34" charset="0"/>
+              </a:rPr>
+              <a:t> </a:t>
+            </a:r>
+            <a:r>
+              <a:rPr lang="de-CH" sz="1000" b="1" dirty="0" err="1">
+                <a:solidFill>
+                  <a:schemeClr val="tx1"/>
+                </a:solidFill>
+                <a:latin typeface="Arial" panose="020B0604020202020204" pitchFamily="34" charset="0"/>
+                <a:cs typeface="Arial" panose="020B0604020202020204" pitchFamily="34" charset="0"/>
+              </a:rPr>
+              <a:t>EventProgramXmlTags</a:t>
+            </a:r>
+            <a:r>
+              <a:rPr lang="de-CH" sz="1000" b="1" dirty="0">
+                <a:solidFill>
+                  <a:schemeClr val="tx1"/>
+                </a:solidFill>
+                <a:latin typeface="Arial" panose="020B0604020202020204" pitchFamily="34" charset="0"/>
+                <a:cs typeface="Arial" panose="020B0604020202020204" pitchFamily="34" charset="0"/>
+              </a:rPr>
+              <a:t> like </a:t>
+            </a:r>
+            <a:r>
+              <a:rPr lang="de-CH" sz="1000" b="1" dirty="0" err="1">
+                <a:solidFill>
+                  <a:schemeClr val="tx1"/>
+                </a:solidFill>
+                <a:latin typeface="Arial" panose="020B0604020202020204" pitchFamily="34" charset="0"/>
+                <a:cs typeface="Arial" panose="020B0604020202020204" pitchFamily="34" charset="0"/>
+              </a:rPr>
+              <a:t>for</a:t>
+            </a:r>
+            <a:r>
+              <a:rPr lang="de-CH" sz="1000" b="1" dirty="0">
+                <a:solidFill>
+                  <a:schemeClr val="tx1"/>
+                </a:solidFill>
+                <a:latin typeface="Arial" panose="020B0604020202020204" pitchFamily="34" charset="0"/>
+                <a:cs typeface="Arial" panose="020B0604020202020204" pitchFamily="34" charset="0"/>
+              </a:rPr>
+              <a:t> </a:t>
+            </a:r>
+            <a:r>
+              <a:rPr lang="de-CH" sz="1000" b="1" dirty="0" err="1">
+                <a:solidFill>
+                  <a:schemeClr val="tx1"/>
+                </a:solidFill>
+                <a:latin typeface="Arial" panose="020B0604020202020204" pitchFamily="34" charset="0"/>
+                <a:cs typeface="Arial" panose="020B0604020202020204" pitchFamily="34" charset="0"/>
+              </a:rPr>
+              <a:t>instance</a:t>
+            </a:r>
+            <a:r>
+              <a:rPr lang="de-CH" sz="1000" b="1" dirty="0">
+                <a:solidFill>
+                  <a:schemeClr val="tx1"/>
+                </a:solidFill>
+                <a:latin typeface="Arial" panose="020B0604020202020204" pitchFamily="34" charset="0"/>
+                <a:cs typeface="Arial" panose="020B0604020202020204" pitchFamily="34" charset="0"/>
+              </a:rPr>
+              <a:t> </a:t>
+            </a:r>
+            <a:r>
+              <a:rPr lang="en-US" sz="1000" b="1" dirty="0" err="1">
+                <a:solidFill>
+                  <a:schemeClr val="tx1"/>
+                </a:solidFill>
+                <a:latin typeface="Arial" panose="020B0604020202020204" pitchFamily="34" charset="0"/>
+                <a:cs typeface="Arial" panose="020B0604020202020204" pitchFamily="34" charset="0"/>
+              </a:rPr>
+              <a:t>getEntName</a:t>
+            </a:r>
+            <a:r>
+              <a:rPr lang="en-US" sz="1000" b="1" dirty="0">
+                <a:solidFill>
+                  <a:schemeClr val="tx1"/>
+                </a:solidFill>
+                <a:latin typeface="Arial" panose="020B0604020202020204" pitchFamily="34" charset="0"/>
+                <a:cs typeface="Arial" panose="020B0604020202020204" pitchFamily="34" charset="0"/>
+              </a:rPr>
+              <a:t> and </a:t>
+            </a:r>
+            <a:r>
+              <a:rPr lang="en-US" sz="1000" b="1" dirty="0" err="1">
+                <a:solidFill>
+                  <a:schemeClr val="tx1"/>
+                </a:solidFill>
+                <a:latin typeface="Arial" panose="020B0604020202020204" pitchFamily="34" charset="0"/>
+                <a:cs typeface="Arial" panose="020B0604020202020204" pitchFamily="34" charset="0"/>
+              </a:rPr>
+              <a:t>setEventName</a:t>
+            </a:r>
+            <a:endParaRPr lang="en-US" sz="1000" b="1" dirty="0">
+              <a:solidFill>
+                <a:schemeClr val="tx1"/>
+              </a:solidFill>
+              <a:latin typeface="Arial" panose="020B0604020202020204" pitchFamily="34" charset="0"/>
+              <a:cs typeface="Arial" panose="020B0604020202020204" pitchFamily="34" charset="0"/>
+            </a:endParaRPr>
+          </a:p>
+          <a:p>
+            <a:endParaRPr lang="de-CH" sz="1000" b="1" dirty="0">
+              <a:solidFill>
+                <a:schemeClr val="tx1"/>
+              </a:solidFill>
+              <a:latin typeface="Arial" panose="020B0604020202020204" pitchFamily="34" charset="0"/>
+              <a:cs typeface="Arial" panose="020B0604020202020204" pitchFamily="34" charset="0"/>
+            </a:endParaRPr>
+          </a:p>
+        </p:txBody>
+      </p:sp>
+      <p:sp>
+        <p:nvSpPr>
+          <p:cNvPr id="17" name="Rechteck 16">
+            <a:extLst>
+              <a:ext uri="{FF2B5EF4-FFF2-40B4-BE49-F238E27FC236}">
+                <a16:creationId xmlns:a16="http://schemas.microsoft.com/office/drawing/2014/main" id="{DDB30624-FE31-4DD5-3D4E-4CFF5F8ECFB5}"/>
+              </a:ext>
+            </a:extLst>
+          </p:cNvPr>
+          <p:cNvSpPr/>
+          <p:nvPr/>
+        </p:nvSpPr>
+        <p:spPr>
+          <a:xfrm>
+            <a:off x="4362150" y="1109648"/>
+            <a:ext cx="3467701" cy="570469"/>
+          </a:xfrm>
+          <a:prstGeom prst="rect">
+            <a:avLst/>
+          </a:prstGeom>
+          <a:noFill/>
+          <a:ln w="19050">
+            <a:solidFill>
+              <a:schemeClr val="tx1"/>
+            </a:solidFill>
+          </a:ln>
+        </p:spPr>
+        <p:style>
+          <a:lnRef idx="2">
+            <a:schemeClr val="accent1">
+              <a:shade val="50000"/>
+            </a:schemeClr>
+          </a:lnRef>
+          <a:fillRef idx="1">
+            <a:schemeClr val="accent1"/>
+          </a:fillRef>
+          <a:effectRef idx="0">
+            <a:schemeClr val="accent1"/>
+          </a:effectRef>
+          <a:fontRef idx="minor">
+            <a:schemeClr val="lt1"/>
+          </a:fontRef>
+        </p:style>
+        <p:txBody>
+          <a:bodyPr rtlCol="0" anchor="ctr"/>
+          <a:lstStyle/>
+          <a:p>
+            <a:pPr algn="ctr"/>
+            <a:r>
+              <a:rPr lang="de-CH" dirty="0" err="1">
+                <a:solidFill>
+                  <a:schemeClr val="tx1"/>
+                </a:solidFill>
+                <a:latin typeface="Arial" panose="020B0604020202020204" pitchFamily="34" charset="0"/>
+                <a:cs typeface="Arial" panose="020B0604020202020204" pitchFamily="34" charset="0"/>
+              </a:rPr>
+              <a:t>EventProgramXmlTags</a:t>
+            </a:r>
+            <a:endParaRPr lang="de-CH" dirty="0">
+              <a:solidFill>
+                <a:schemeClr val="tx1"/>
+              </a:solidFill>
+              <a:latin typeface="Arial" panose="020B0604020202020204" pitchFamily="34" charset="0"/>
+              <a:cs typeface="Arial" panose="020B0604020202020204" pitchFamily="34" charset="0"/>
+            </a:endParaRPr>
+          </a:p>
+          <a:p>
+            <a:pPr algn="ctr"/>
+            <a:r>
+              <a:rPr lang="de-CH" sz="1200" dirty="0">
+                <a:solidFill>
+                  <a:schemeClr val="tx1"/>
+                </a:solidFill>
+                <a:latin typeface="Arial" panose="020B0604020202020204" pitchFamily="34" charset="0"/>
+                <a:cs typeface="Arial" panose="020B0604020202020204" pitchFamily="34" charset="0"/>
+              </a:rPr>
+              <a:t>Holds all tag </a:t>
+            </a:r>
+            <a:r>
+              <a:rPr lang="de-CH" sz="1200" dirty="0" err="1">
+                <a:solidFill>
+                  <a:schemeClr val="tx1"/>
+                </a:solidFill>
+                <a:latin typeface="Arial" panose="020B0604020202020204" pitchFamily="34" charset="0"/>
+                <a:cs typeface="Arial" panose="020B0604020202020204" pitchFamily="34" charset="0"/>
+              </a:rPr>
+              <a:t>names</a:t>
+            </a:r>
+            <a:r>
+              <a:rPr lang="de-CH" sz="1200" dirty="0">
+                <a:solidFill>
+                  <a:schemeClr val="tx1"/>
+                </a:solidFill>
+                <a:latin typeface="Arial" panose="020B0604020202020204" pitchFamily="34" charset="0"/>
+                <a:cs typeface="Arial" panose="020B0604020202020204" pitchFamily="34" charset="0"/>
+              </a:rPr>
+              <a:t> </a:t>
+            </a:r>
+            <a:r>
+              <a:rPr lang="de-CH" sz="1200" dirty="0" err="1">
+                <a:solidFill>
+                  <a:schemeClr val="tx1"/>
+                </a:solidFill>
+                <a:latin typeface="Arial" panose="020B0604020202020204" pitchFamily="34" charset="0"/>
+                <a:cs typeface="Arial" panose="020B0604020202020204" pitchFamily="34" charset="0"/>
+              </a:rPr>
+              <a:t>of</a:t>
+            </a:r>
+            <a:r>
+              <a:rPr lang="de-CH" sz="1200" dirty="0">
+                <a:solidFill>
+                  <a:schemeClr val="tx1"/>
+                </a:solidFill>
+                <a:latin typeface="Arial" panose="020B0604020202020204" pitchFamily="34" charset="0"/>
+                <a:cs typeface="Arial" panose="020B0604020202020204" pitchFamily="34" charset="0"/>
+              </a:rPr>
+              <a:t> </a:t>
+            </a:r>
+            <a:r>
+              <a:rPr lang="de-CH" sz="1200" dirty="0" err="1">
+                <a:solidFill>
+                  <a:schemeClr val="tx1"/>
+                </a:solidFill>
+                <a:latin typeface="Arial" panose="020B0604020202020204" pitchFamily="34" charset="0"/>
+                <a:cs typeface="Arial" panose="020B0604020202020204" pitchFamily="34" charset="0"/>
+              </a:rPr>
+              <a:t>the</a:t>
+            </a:r>
+            <a:r>
+              <a:rPr lang="de-CH" sz="1200" dirty="0">
+                <a:solidFill>
+                  <a:schemeClr val="tx1"/>
+                </a:solidFill>
+                <a:latin typeface="Arial" panose="020B0604020202020204" pitchFamily="34" charset="0"/>
+                <a:cs typeface="Arial" panose="020B0604020202020204" pitchFamily="34" charset="0"/>
+              </a:rPr>
+              <a:t> XML </a:t>
+            </a:r>
+            <a:r>
+              <a:rPr lang="de-CH" sz="1200" dirty="0" err="1">
+                <a:solidFill>
+                  <a:schemeClr val="tx1"/>
+                </a:solidFill>
+                <a:latin typeface="Arial" panose="020B0604020202020204" pitchFamily="34" charset="0"/>
+                <a:cs typeface="Arial" panose="020B0604020202020204" pitchFamily="34" charset="0"/>
+              </a:rPr>
+              <a:t>file</a:t>
+            </a:r>
+            <a:endParaRPr lang="de-CH" sz="1200" dirty="0">
+              <a:solidFill>
+                <a:schemeClr val="tx1"/>
+              </a:solidFill>
+              <a:latin typeface="Arial" panose="020B0604020202020204" pitchFamily="34" charset="0"/>
+              <a:cs typeface="Arial" panose="020B0604020202020204" pitchFamily="34" charset="0"/>
+            </a:endParaRPr>
+          </a:p>
+        </p:txBody>
+      </p:sp>
+      <p:sp>
+        <p:nvSpPr>
+          <p:cNvPr id="18" name="Rechteck 17">
+            <a:extLst>
+              <a:ext uri="{FF2B5EF4-FFF2-40B4-BE49-F238E27FC236}">
+                <a16:creationId xmlns:a16="http://schemas.microsoft.com/office/drawing/2014/main" id="{FD04E92B-074E-A1D8-2DD7-1A866F9D7FCF}"/>
+              </a:ext>
+            </a:extLst>
+          </p:cNvPr>
+          <p:cNvSpPr/>
+          <p:nvPr/>
+        </p:nvSpPr>
+        <p:spPr>
+          <a:xfrm>
+            <a:off x="4362149" y="1680117"/>
+            <a:ext cx="3467701" cy="2693920"/>
+          </a:xfrm>
+          <a:prstGeom prst="rect">
+            <a:avLst/>
+          </a:prstGeom>
+          <a:noFill/>
+          <a:ln w="19050">
+            <a:solidFill>
+              <a:schemeClr val="tx1"/>
+            </a:solidFill>
+          </a:ln>
+        </p:spPr>
+        <p:style>
+          <a:lnRef idx="2">
+            <a:schemeClr val="accent1">
+              <a:shade val="50000"/>
+            </a:schemeClr>
+          </a:lnRef>
+          <a:fillRef idx="1">
+            <a:schemeClr val="accent1"/>
+          </a:fillRef>
+          <a:effectRef idx="0">
+            <a:schemeClr val="accent1"/>
+          </a:effectRef>
+          <a:fontRef idx="minor">
+            <a:schemeClr val="lt1"/>
+          </a:fontRef>
+        </p:style>
+        <p:txBody>
+          <a:bodyPr rtlCol="0" anchor="ctr"/>
+          <a:lstStyle/>
+          <a:p>
+            <a:r>
+              <a:rPr lang="en-US" sz="1200" dirty="0">
+                <a:solidFill>
+                  <a:schemeClr val="tx1"/>
+                </a:solidFill>
+                <a:latin typeface="Arial" panose="020B0604020202020204" pitchFamily="34" charset="0"/>
+                <a:cs typeface="Arial" panose="020B0604020202020204" pitchFamily="34" charset="0"/>
+              </a:rPr>
+              <a:t>Member functions</a:t>
+            </a:r>
+          </a:p>
+          <a:p>
+            <a:r>
+              <a:rPr lang="en-US" sz="1000" b="1" dirty="0" err="1">
+                <a:solidFill>
+                  <a:schemeClr val="tx1"/>
+                </a:solidFill>
+                <a:latin typeface="Arial" panose="020B0604020202020204" pitchFamily="34" charset="0"/>
+                <a:cs typeface="Arial" panose="020B0604020202020204" pitchFamily="34" charset="0"/>
+              </a:rPr>
+              <a:t>getEvent</a:t>
+            </a:r>
+            <a:endParaRPr lang="en-US" sz="1000" b="1" dirty="0">
+              <a:solidFill>
+                <a:schemeClr val="tx1"/>
+              </a:solidFill>
+              <a:latin typeface="Arial" panose="020B0604020202020204" pitchFamily="34" charset="0"/>
+              <a:cs typeface="Arial" panose="020B0604020202020204" pitchFamily="34" charset="0"/>
+            </a:endParaRPr>
+          </a:p>
+          <a:p>
+            <a:r>
+              <a:rPr lang="en-US" sz="1000" b="1" dirty="0" err="1">
+                <a:solidFill>
+                  <a:schemeClr val="tx1"/>
+                </a:solidFill>
+                <a:latin typeface="Arial" panose="020B0604020202020204" pitchFamily="34" charset="0"/>
+                <a:cs typeface="Arial" panose="020B0604020202020204" pitchFamily="34" charset="0"/>
+              </a:rPr>
+              <a:t>getDay</a:t>
+            </a:r>
+            <a:endParaRPr lang="en-US" sz="1000" b="1" dirty="0">
+              <a:solidFill>
+                <a:schemeClr val="tx1"/>
+              </a:solidFill>
+              <a:latin typeface="Arial" panose="020B0604020202020204" pitchFamily="34" charset="0"/>
+              <a:cs typeface="Arial" panose="020B0604020202020204" pitchFamily="34" charset="0"/>
+            </a:endParaRPr>
+          </a:p>
+          <a:p>
+            <a:r>
+              <a:rPr lang="en-US" sz="1000" b="1" dirty="0" err="1">
+                <a:solidFill>
+                  <a:schemeClr val="tx1"/>
+                </a:solidFill>
+                <a:latin typeface="Arial" panose="020B0604020202020204" pitchFamily="34" charset="0"/>
+                <a:cs typeface="Arial" panose="020B0604020202020204" pitchFamily="34" charset="0"/>
+              </a:rPr>
+              <a:t>getMonth</a:t>
+            </a:r>
+            <a:endParaRPr lang="en-US" sz="1000" b="1" dirty="0">
+              <a:solidFill>
+                <a:schemeClr val="tx1"/>
+              </a:solidFill>
+              <a:latin typeface="Arial" panose="020B0604020202020204" pitchFamily="34" charset="0"/>
+              <a:cs typeface="Arial" panose="020B0604020202020204" pitchFamily="34" charset="0"/>
+            </a:endParaRPr>
+          </a:p>
+          <a:p>
+            <a:r>
+              <a:rPr lang="en-US" sz="1000" b="1" dirty="0" err="1">
+                <a:solidFill>
+                  <a:schemeClr val="tx1"/>
+                </a:solidFill>
+                <a:latin typeface="Arial" panose="020B0604020202020204" pitchFamily="34" charset="0"/>
+                <a:cs typeface="Arial" panose="020B0604020202020204" pitchFamily="34" charset="0"/>
+              </a:rPr>
+              <a:t>getYear</a:t>
+            </a:r>
+            <a:endParaRPr lang="en-US" sz="1000" b="1" dirty="0">
+              <a:solidFill>
+                <a:schemeClr val="tx1"/>
+              </a:solidFill>
+              <a:latin typeface="Arial" panose="020B0604020202020204" pitchFamily="34" charset="0"/>
+              <a:cs typeface="Arial" panose="020B0604020202020204" pitchFamily="34" charset="0"/>
+            </a:endParaRPr>
+          </a:p>
+          <a:p>
+            <a:r>
+              <a:rPr lang="en-US" sz="1000" b="1" dirty="0" err="1">
+                <a:solidFill>
+                  <a:schemeClr val="tx1"/>
+                </a:solidFill>
+                <a:latin typeface="Arial" panose="020B0604020202020204" pitchFamily="34" charset="0"/>
+                <a:cs typeface="Arial" panose="020B0604020202020204" pitchFamily="34" charset="0"/>
+              </a:rPr>
+              <a:t>getStartHour</a:t>
+            </a:r>
+            <a:endParaRPr lang="en-US" sz="1000" b="1" dirty="0">
+              <a:solidFill>
+                <a:schemeClr val="tx1"/>
+              </a:solidFill>
+              <a:latin typeface="Arial" panose="020B0604020202020204" pitchFamily="34" charset="0"/>
+              <a:cs typeface="Arial" panose="020B0604020202020204" pitchFamily="34" charset="0"/>
+            </a:endParaRPr>
+          </a:p>
+          <a:p>
+            <a:r>
+              <a:rPr lang="en-US" sz="1000" b="1" dirty="0" err="1">
+                <a:solidFill>
+                  <a:schemeClr val="tx1"/>
+                </a:solidFill>
+                <a:latin typeface="Arial" panose="020B0604020202020204" pitchFamily="34" charset="0"/>
+                <a:cs typeface="Arial" panose="020B0604020202020204" pitchFamily="34" charset="0"/>
+              </a:rPr>
+              <a:t>getStartMinute</a:t>
+            </a:r>
+            <a:endParaRPr lang="en-US" sz="1000" b="1" dirty="0">
+              <a:solidFill>
+                <a:schemeClr val="tx1"/>
+              </a:solidFill>
+              <a:latin typeface="Arial" panose="020B0604020202020204" pitchFamily="34" charset="0"/>
+              <a:cs typeface="Arial" panose="020B0604020202020204" pitchFamily="34" charset="0"/>
+            </a:endParaRPr>
+          </a:p>
+          <a:p>
+            <a:r>
+              <a:rPr lang="en-US" sz="1000" b="1" dirty="0" err="1">
+                <a:solidFill>
+                  <a:schemeClr val="tx1"/>
+                </a:solidFill>
+                <a:latin typeface="Arial" panose="020B0604020202020204" pitchFamily="34" charset="0"/>
+                <a:cs typeface="Arial" panose="020B0604020202020204" pitchFamily="34" charset="0"/>
+              </a:rPr>
+              <a:t>getEndHour</a:t>
+            </a:r>
+            <a:endParaRPr lang="en-US" sz="1000" b="1" dirty="0">
+              <a:solidFill>
+                <a:schemeClr val="tx1"/>
+              </a:solidFill>
+              <a:latin typeface="Arial" panose="020B0604020202020204" pitchFamily="34" charset="0"/>
+              <a:cs typeface="Arial" panose="020B0604020202020204" pitchFamily="34" charset="0"/>
+            </a:endParaRPr>
+          </a:p>
+          <a:p>
+            <a:r>
+              <a:rPr lang="en-US" sz="1000" b="1" dirty="0" err="1">
+                <a:solidFill>
+                  <a:schemeClr val="tx1"/>
+                </a:solidFill>
+                <a:latin typeface="Arial" panose="020B0604020202020204" pitchFamily="34" charset="0"/>
+                <a:cs typeface="Arial" panose="020B0604020202020204" pitchFamily="34" charset="0"/>
+              </a:rPr>
+              <a:t>getEndMinute</a:t>
+            </a:r>
+            <a:endParaRPr lang="en-US" sz="1000" b="1" dirty="0">
+              <a:solidFill>
+                <a:schemeClr val="tx1"/>
+              </a:solidFill>
+              <a:latin typeface="Arial" panose="020B0604020202020204" pitchFamily="34" charset="0"/>
+              <a:cs typeface="Arial" panose="020B0604020202020204" pitchFamily="34" charset="0"/>
+            </a:endParaRPr>
+          </a:p>
+          <a:p>
+            <a:r>
+              <a:rPr lang="en-US" sz="1000" b="1" dirty="0" err="1">
+                <a:solidFill>
+                  <a:schemeClr val="tx1"/>
+                </a:solidFill>
+                <a:latin typeface="Arial" panose="020B0604020202020204" pitchFamily="34" charset="0"/>
+                <a:cs typeface="Arial" panose="020B0604020202020204" pitchFamily="34" charset="0"/>
+              </a:rPr>
+              <a:t>getPlace</a:t>
+            </a:r>
+            <a:endParaRPr lang="en-US" sz="1000" b="1" dirty="0">
+              <a:solidFill>
+                <a:schemeClr val="tx1"/>
+              </a:solidFill>
+              <a:latin typeface="Arial" panose="020B0604020202020204" pitchFamily="34" charset="0"/>
+              <a:cs typeface="Arial" panose="020B0604020202020204" pitchFamily="34" charset="0"/>
+            </a:endParaRPr>
+          </a:p>
+          <a:p>
+            <a:r>
+              <a:rPr lang="en-US" sz="1000" b="1" dirty="0" err="1">
+                <a:solidFill>
+                  <a:schemeClr val="tx1"/>
+                </a:solidFill>
+                <a:latin typeface="Arial" panose="020B0604020202020204" pitchFamily="34" charset="0"/>
+                <a:cs typeface="Arial" panose="020B0604020202020204" pitchFamily="34" charset="0"/>
+              </a:rPr>
+              <a:t>getCancelled</a:t>
+            </a:r>
+            <a:endParaRPr lang="en-US" sz="1000" b="1" dirty="0">
+              <a:solidFill>
+                <a:schemeClr val="tx1"/>
+              </a:solidFill>
+              <a:latin typeface="Arial" panose="020B0604020202020204" pitchFamily="34" charset="0"/>
+              <a:cs typeface="Arial" panose="020B0604020202020204" pitchFamily="34" charset="0"/>
+            </a:endParaRPr>
+          </a:p>
+          <a:p>
+            <a:r>
+              <a:rPr lang="en-US" sz="1000" b="1" dirty="0" err="1">
+                <a:solidFill>
+                  <a:schemeClr val="tx1"/>
+                </a:solidFill>
+                <a:latin typeface="Arial" panose="020B0604020202020204" pitchFamily="34" charset="0"/>
+                <a:cs typeface="Arial" panose="020B0604020202020204" pitchFamily="34" charset="0"/>
+              </a:rPr>
+              <a:t>getEventName</a:t>
+            </a:r>
+            <a:endParaRPr lang="en-US" sz="1000" b="1" dirty="0">
+              <a:solidFill>
+                <a:schemeClr val="tx1"/>
+              </a:solidFill>
+              <a:latin typeface="Arial" panose="020B0604020202020204" pitchFamily="34" charset="0"/>
+              <a:cs typeface="Arial" panose="020B0604020202020204" pitchFamily="34" charset="0"/>
+            </a:endParaRPr>
+          </a:p>
+          <a:p>
+            <a:r>
+              <a:rPr lang="en-US" sz="1000" b="1" dirty="0" err="1">
+                <a:solidFill>
+                  <a:schemeClr val="tx1"/>
+                </a:solidFill>
+                <a:latin typeface="Arial" panose="020B0604020202020204" pitchFamily="34" charset="0"/>
+                <a:cs typeface="Arial" panose="020B0604020202020204" pitchFamily="34" charset="0"/>
+              </a:rPr>
+              <a:t>getShortText</a:t>
+            </a:r>
+            <a:endParaRPr lang="en-US" sz="1000" b="1" dirty="0">
+              <a:solidFill>
+                <a:schemeClr val="tx1"/>
+              </a:solidFill>
+              <a:latin typeface="Arial" panose="020B0604020202020204" pitchFamily="34" charset="0"/>
+              <a:cs typeface="Arial" panose="020B0604020202020204" pitchFamily="34" charset="0"/>
+            </a:endParaRPr>
+          </a:p>
+          <a:p>
+            <a:r>
+              <a:rPr lang="de-CH" sz="1000" b="1" dirty="0">
+                <a:solidFill>
+                  <a:schemeClr val="tx1"/>
+                </a:solidFill>
+                <a:latin typeface="Arial" panose="020B0604020202020204" pitchFamily="34" charset="0"/>
+                <a:cs typeface="Arial" panose="020B0604020202020204" pitchFamily="34" charset="0"/>
+              </a:rPr>
+              <a:t> </a:t>
+            </a:r>
+          </a:p>
+        </p:txBody>
+      </p:sp>
+      <p:sp>
+        <p:nvSpPr>
+          <p:cNvPr id="21" name="Rechteck 20">
+            <a:extLst>
+              <a:ext uri="{FF2B5EF4-FFF2-40B4-BE49-F238E27FC236}">
+                <a16:creationId xmlns:a16="http://schemas.microsoft.com/office/drawing/2014/main" id="{31B051E8-7A61-0E61-A0BE-55451B8C2231}"/>
+              </a:ext>
+            </a:extLst>
+          </p:cNvPr>
+          <p:cNvSpPr/>
+          <p:nvPr/>
+        </p:nvSpPr>
+        <p:spPr>
+          <a:xfrm>
+            <a:off x="8142298" y="1109647"/>
+            <a:ext cx="3467701" cy="570469"/>
+          </a:xfrm>
+          <a:prstGeom prst="rect">
+            <a:avLst/>
+          </a:prstGeom>
+          <a:noFill/>
+          <a:ln w="19050">
+            <a:solidFill>
+              <a:schemeClr val="tx1"/>
+            </a:solidFill>
+          </a:ln>
+        </p:spPr>
+        <p:style>
+          <a:lnRef idx="2">
+            <a:schemeClr val="accent1">
+              <a:shade val="50000"/>
+            </a:schemeClr>
+          </a:lnRef>
+          <a:fillRef idx="1">
+            <a:schemeClr val="accent1"/>
+          </a:fillRef>
+          <a:effectRef idx="0">
+            <a:schemeClr val="accent1"/>
+          </a:effectRef>
+          <a:fontRef idx="minor">
+            <a:schemeClr val="lt1"/>
+          </a:fontRef>
+        </p:style>
+        <p:txBody>
+          <a:bodyPr rtlCol="0" anchor="ctr"/>
+          <a:lstStyle/>
+          <a:p>
+            <a:pPr algn="ctr"/>
+            <a:r>
+              <a:rPr lang="de-CH" dirty="0">
+                <a:solidFill>
+                  <a:schemeClr val="tx1"/>
+                </a:solidFill>
+                <a:latin typeface="Arial" panose="020B0604020202020204" pitchFamily="34" charset="0"/>
+                <a:cs typeface="Arial" panose="020B0604020202020204" pitchFamily="34" charset="0"/>
+              </a:rPr>
+              <a:t>EventProgramSample.xml</a:t>
+            </a:r>
+          </a:p>
+        </p:txBody>
+      </p:sp>
+      <p:sp>
+        <p:nvSpPr>
+          <p:cNvPr id="23" name="Textfeld 22">
+            <a:extLst>
+              <a:ext uri="{FF2B5EF4-FFF2-40B4-BE49-F238E27FC236}">
+                <a16:creationId xmlns:a16="http://schemas.microsoft.com/office/drawing/2014/main" id="{8A9CC578-FF69-F36D-7C74-DC65F2D0ECFA}"/>
+              </a:ext>
+            </a:extLst>
+          </p:cNvPr>
+          <p:cNvSpPr txBox="1"/>
+          <p:nvPr/>
+        </p:nvSpPr>
+        <p:spPr>
+          <a:xfrm>
+            <a:off x="0" y="270415"/>
+            <a:ext cx="12192000" cy="369332"/>
+          </a:xfrm>
+          <a:prstGeom prst="rect">
+            <a:avLst/>
+          </a:prstGeom>
+          <a:noFill/>
+        </p:spPr>
+        <p:txBody>
+          <a:bodyPr wrap="square">
+            <a:spAutoFit/>
+          </a:bodyPr>
+          <a:lstStyle/>
+          <a:p>
+            <a:pPr algn="ctr"/>
+            <a:r>
+              <a:rPr lang="de-CH" b="1" dirty="0">
+                <a:latin typeface="Arial" panose="020B0604020202020204" pitchFamily="34" charset="0"/>
+                <a:cs typeface="Arial" panose="020B0604020202020204" pitchFamily="34" charset="0"/>
+              </a:rPr>
+              <a:t>EventProgramXml.js</a:t>
+            </a:r>
+          </a:p>
+        </p:txBody>
+      </p:sp>
+      <p:pic>
+        <p:nvPicPr>
+          <p:cNvPr id="4" name="Grafik 3">
+            <a:extLst>
+              <a:ext uri="{FF2B5EF4-FFF2-40B4-BE49-F238E27FC236}">
+                <a16:creationId xmlns:a16="http://schemas.microsoft.com/office/drawing/2014/main" id="{F85B488F-7645-0E3B-9A1C-BCBD89DC1F32}"/>
+              </a:ext>
+            </a:extLst>
+          </p:cNvPr>
+          <p:cNvPicPr>
+            <a:picLocks noChangeAspect="1"/>
+          </p:cNvPicPr>
+          <p:nvPr/>
+        </p:nvPicPr>
+        <p:blipFill>
+          <a:blip r:embed="rId2"/>
+          <a:stretch>
+            <a:fillRect/>
+          </a:stretch>
+        </p:blipFill>
+        <p:spPr>
+          <a:xfrm>
+            <a:off x="7982444" y="1760975"/>
+            <a:ext cx="3995635" cy="2613062"/>
+          </a:xfrm>
+          <a:prstGeom prst="rect">
+            <a:avLst/>
+          </a:prstGeom>
+        </p:spPr>
+      </p:pic>
+    </p:spTree>
+    <p:extLst>
+      <p:ext uri="{BB962C8B-B14F-4D97-AF65-F5344CB8AC3E}">
+        <p14:creationId xmlns:p14="http://schemas.microsoft.com/office/powerpoint/2010/main" val="2987062777"/>
+      </p:ext>
+    </p:extLst>
+  </p:cSld>
+  <p:clrMapOvr>
+    <a:masterClrMapping/>
+  </p:clrMapOvr>
+</p:sld>
+</file>
+
+<file path=ppt/slides/slide6.xml><?xml version="1.0" encoding="utf-8"?>
 <p:sld xmlns:a="http://schemas.openxmlformats.org/drawingml/2006/main" xmlns:r="http://schemas.openxmlformats.org/officeDocument/2006/relationships" xmlns:p="http://schemas.openxmlformats.org/presentationml/2006/main">
   <p:cSld>
     <p:spTree>

--- a/Description/InputEventReservation.pptx
+++ b/Description/InputEventReservation.pptx
@@ -271,7 +271,7 @@
           <a:p>
             <a:fld id="{DDCE6D58-9B57-4731-A47B-3CD41B48F0A9}" type="datetimeFigureOut">
               <a:rPr lang="de-CH" smtClean="0"/>
-              <a:t>20.12.2024</a:t>
+              <a:t>21.12.2024</a:t>
             </a:fld>
             <a:endParaRPr lang="de-CH"/>
           </a:p>
@@ -441,7 +441,7 @@
           <a:p>
             <a:fld id="{DDCE6D58-9B57-4731-A47B-3CD41B48F0A9}" type="datetimeFigureOut">
               <a:rPr lang="de-CH" smtClean="0"/>
-              <a:t>20.12.2024</a:t>
+              <a:t>21.12.2024</a:t>
             </a:fld>
             <a:endParaRPr lang="de-CH"/>
           </a:p>
@@ -621,7 +621,7 @@
           <a:p>
             <a:fld id="{DDCE6D58-9B57-4731-A47B-3CD41B48F0A9}" type="datetimeFigureOut">
               <a:rPr lang="de-CH" smtClean="0"/>
-              <a:t>20.12.2024</a:t>
+              <a:t>21.12.2024</a:t>
             </a:fld>
             <a:endParaRPr lang="de-CH"/>
           </a:p>
@@ -791,7 +791,7 @@
           <a:p>
             <a:fld id="{DDCE6D58-9B57-4731-A47B-3CD41B48F0A9}" type="datetimeFigureOut">
               <a:rPr lang="de-CH" smtClean="0"/>
-              <a:t>20.12.2024</a:t>
+              <a:t>21.12.2024</a:t>
             </a:fld>
             <a:endParaRPr lang="de-CH"/>
           </a:p>
@@ -1037,7 +1037,7 @@
           <a:p>
             <a:fld id="{DDCE6D58-9B57-4731-A47B-3CD41B48F0A9}" type="datetimeFigureOut">
               <a:rPr lang="de-CH" smtClean="0"/>
-              <a:t>20.12.2024</a:t>
+              <a:t>21.12.2024</a:t>
             </a:fld>
             <a:endParaRPr lang="de-CH"/>
           </a:p>
@@ -1269,7 +1269,7 @@
           <a:p>
             <a:fld id="{DDCE6D58-9B57-4731-A47B-3CD41B48F0A9}" type="datetimeFigureOut">
               <a:rPr lang="de-CH" smtClean="0"/>
-              <a:t>20.12.2024</a:t>
+              <a:t>21.12.2024</a:t>
             </a:fld>
             <a:endParaRPr lang="de-CH"/>
           </a:p>
@@ -1636,7 +1636,7 @@
           <a:p>
             <a:fld id="{DDCE6D58-9B57-4731-A47B-3CD41B48F0A9}" type="datetimeFigureOut">
               <a:rPr lang="de-CH" smtClean="0"/>
-              <a:t>20.12.2024</a:t>
+              <a:t>21.12.2024</a:t>
             </a:fld>
             <a:endParaRPr lang="de-CH"/>
           </a:p>
@@ -1754,7 +1754,7 @@
           <a:p>
             <a:fld id="{DDCE6D58-9B57-4731-A47B-3CD41B48F0A9}" type="datetimeFigureOut">
               <a:rPr lang="de-CH" smtClean="0"/>
-              <a:t>20.12.2024</a:t>
+              <a:t>21.12.2024</a:t>
             </a:fld>
             <a:endParaRPr lang="de-CH"/>
           </a:p>
@@ -1849,7 +1849,7 @@
           <a:p>
             <a:fld id="{DDCE6D58-9B57-4731-A47B-3CD41B48F0A9}" type="datetimeFigureOut">
               <a:rPr lang="de-CH" smtClean="0"/>
-              <a:t>20.12.2024</a:t>
+              <a:t>21.12.2024</a:t>
             </a:fld>
             <a:endParaRPr lang="de-CH"/>
           </a:p>
@@ -2126,7 +2126,7 @@
           <a:p>
             <a:fld id="{DDCE6D58-9B57-4731-A47B-3CD41B48F0A9}" type="datetimeFigureOut">
               <a:rPr lang="de-CH" smtClean="0"/>
-              <a:t>20.12.2024</a:t>
+              <a:t>21.12.2024</a:t>
             </a:fld>
             <a:endParaRPr lang="de-CH"/>
           </a:p>
@@ -2379,7 +2379,7 @@
           <a:p>
             <a:fld id="{DDCE6D58-9B57-4731-A47B-3CD41B48F0A9}" type="datetimeFigureOut">
               <a:rPr lang="de-CH" smtClean="0"/>
-              <a:t>20.12.2024</a:t>
+              <a:t>21.12.2024</a:t>
             </a:fld>
             <a:endParaRPr lang="de-CH"/>
           </a:p>
@@ -2592,7 +2592,7 @@
           <a:p>
             <a:fld id="{DDCE6D58-9B57-4731-A47B-3CD41B48F0A9}" type="datetimeFigureOut">
               <a:rPr lang="de-CH" smtClean="0"/>
-              <a:t>20.12.2024</a:t>
+              <a:t>21.12.2024</a:t>
             </a:fld>
             <a:endParaRPr lang="de-CH"/>
           </a:p>
@@ -6389,7 +6389,19 @@
                 <a:latin typeface="Arial" panose="020B0604020202020204" pitchFamily="34" charset="0"/>
                 <a:cs typeface="Arial" panose="020B0604020202020204" pitchFamily="34" charset="0"/>
               </a:rPr>
-              <a:t>        Sets </a:t>
+              <a:t>        Creates (displays) the reservation input form</a:t>
+            </a:r>
+          </a:p>
+          <a:p>
+            <a:r>
+              <a:rPr lang="en-US" sz="1200" b="1" i="1" dirty="0">
+                <a:solidFill>
+                  <a:schemeClr val="tx1"/>
+                </a:solidFill>
+                <a:latin typeface="Arial" panose="020B0604020202020204" pitchFamily="34" charset="0"/>
+                <a:cs typeface="Arial" panose="020B0604020202020204" pitchFamily="34" charset="0"/>
+              </a:rPr>
+              <a:t>        Optionally set </a:t>
             </a:r>
             <a:r>
               <a:rPr lang="en-US" sz="1200" b="1" i="1" dirty="0" err="1">
@@ -6410,18 +6422,6 @@
                 <a:cs typeface="Arial" panose="020B0604020202020204" pitchFamily="34" charset="0"/>
               </a:rPr>
               <a:t> parameters</a:t>
-            </a:r>
-          </a:p>
-          <a:p>
-            <a:r>
-              <a:rPr lang="en-US" sz="1200" b="1" i="1" dirty="0">
-                <a:solidFill>
-                  <a:schemeClr val="tx1"/>
-                </a:solidFill>
-                <a:latin typeface="Arial" panose="020B0604020202020204" pitchFamily="34" charset="0"/>
-                <a:cs typeface="Arial" panose="020B0604020202020204" pitchFamily="34" charset="0"/>
-              </a:rPr>
-              <a:t>        Creates (displays) the reservation input form</a:t>
             </a:r>
           </a:p>
         </p:txBody>
@@ -7084,15 +7084,16 @@
               </a:rPr>
               <a:t>contentHeader</a:t>
             </a:r>
-            <a:endParaRPr lang="de-CH" sz="1000" b="1" dirty="0">
-              <a:solidFill>
-                <a:schemeClr val="tx1"/>
-              </a:solidFill>
-              <a:latin typeface="Arial" panose="020B0604020202020204" pitchFamily="34" charset="0"/>
-              <a:cs typeface="Arial" panose="020B0604020202020204" pitchFamily="34" charset="0"/>
-            </a:endParaRPr>
-          </a:p>
-          <a:p>
+            <a:r>
+              <a:rPr lang="de-CH" sz="1000" b="1" dirty="0">
+                <a:solidFill>
+                  <a:schemeClr val="tx1"/>
+                </a:solidFill>
+                <a:latin typeface="Arial" panose="020B0604020202020204" pitchFamily="34" charset="0"/>
+                <a:cs typeface="Arial" panose="020B0604020202020204" pitchFamily="34" charset="0"/>
+              </a:rPr>
+              <a:t>, </a:t>
+            </a:r>
             <a:r>
               <a:rPr lang="de-CH" sz="1000" b="1" dirty="0" err="1">
                 <a:solidFill>
@@ -7103,6 +7104,266 @@
               </a:rPr>
               <a:t>contentLabelName</a:t>
             </a:r>
+            <a:r>
+              <a:rPr lang="en-US" sz="1000" b="1" dirty="0">
+                <a:solidFill>
+                  <a:schemeClr val="tx1"/>
+                </a:solidFill>
+                <a:latin typeface="Arial" panose="020B0604020202020204" pitchFamily="34" charset="0"/>
+                <a:cs typeface="Arial" panose="020B0604020202020204" pitchFamily="34" charset="0"/>
+              </a:rPr>
+              <a:t>, </a:t>
+            </a:r>
+            <a:r>
+              <a:rPr lang="en-US" sz="1000" b="1" dirty="0" err="1">
+                <a:solidFill>
+                  <a:schemeClr val="tx1"/>
+                </a:solidFill>
+                <a:latin typeface="Arial" panose="020B0604020202020204" pitchFamily="34" charset="0"/>
+                <a:cs typeface="Arial" panose="020B0604020202020204" pitchFamily="34" charset="0"/>
+              </a:rPr>
+              <a:t>contentLabelEmail</a:t>
+            </a:r>
+            <a:r>
+              <a:rPr lang="en-US" sz="1000" b="1" dirty="0">
+                <a:solidFill>
+                  <a:schemeClr val="tx1"/>
+                </a:solidFill>
+                <a:latin typeface="Arial" panose="020B0604020202020204" pitchFamily="34" charset="0"/>
+                <a:cs typeface="Arial" panose="020B0604020202020204" pitchFamily="34" charset="0"/>
+              </a:rPr>
+              <a:t>, </a:t>
+            </a:r>
+            <a:r>
+              <a:rPr lang="en-US" sz="1000" b="1" dirty="0" err="1">
+                <a:solidFill>
+                  <a:schemeClr val="tx1"/>
+                </a:solidFill>
+                <a:latin typeface="Arial" panose="020B0604020202020204" pitchFamily="34" charset="0"/>
+                <a:cs typeface="Arial" panose="020B0604020202020204" pitchFamily="34" charset="0"/>
+              </a:rPr>
+              <a:t>contentLabelRemark</a:t>
+            </a:r>
+            <a:r>
+              <a:rPr lang="en-US" sz="1000" b="1" dirty="0">
+                <a:solidFill>
+                  <a:schemeClr val="tx1"/>
+                </a:solidFill>
+                <a:latin typeface="Arial" panose="020B0604020202020204" pitchFamily="34" charset="0"/>
+                <a:cs typeface="Arial" panose="020B0604020202020204" pitchFamily="34" charset="0"/>
+              </a:rPr>
+              <a:t>, </a:t>
+            </a:r>
+            <a:r>
+              <a:rPr lang="en-US" sz="1000" b="1" dirty="0" err="1">
+                <a:solidFill>
+                  <a:schemeClr val="tx1"/>
+                </a:solidFill>
+                <a:latin typeface="Arial" panose="020B0604020202020204" pitchFamily="34" charset="0"/>
+                <a:cs typeface="Arial" panose="020B0604020202020204" pitchFamily="34" charset="0"/>
+              </a:rPr>
+              <a:t>contentDropdown</a:t>
+            </a:r>
+            <a:r>
+              <a:rPr lang="en-US" sz="1000" b="1" dirty="0">
+                <a:solidFill>
+                  <a:schemeClr val="tx1"/>
+                </a:solidFill>
+                <a:latin typeface="Arial" panose="020B0604020202020204" pitchFamily="34" charset="0"/>
+                <a:cs typeface="Arial" panose="020B0604020202020204" pitchFamily="34" charset="0"/>
+              </a:rPr>
+              <a:t>, </a:t>
+            </a:r>
+            <a:r>
+              <a:rPr lang="en-US" sz="1000" b="1" dirty="0" err="1">
+                <a:solidFill>
+                  <a:schemeClr val="tx1"/>
+                </a:solidFill>
+                <a:latin typeface="Arial" panose="020B0604020202020204" pitchFamily="34" charset="0"/>
+                <a:cs typeface="Arial" panose="020B0604020202020204" pitchFamily="34" charset="0"/>
+              </a:rPr>
+              <a:t>contentNameInfo</a:t>
+            </a:r>
+            <a:r>
+              <a:rPr lang="en-US" sz="1000" b="1" dirty="0">
+                <a:solidFill>
+                  <a:schemeClr val="tx1"/>
+                </a:solidFill>
+                <a:latin typeface="Arial" panose="020B0604020202020204" pitchFamily="34" charset="0"/>
+                <a:cs typeface="Arial" panose="020B0604020202020204" pitchFamily="34" charset="0"/>
+              </a:rPr>
+              <a:t>, </a:t>
+            </a:r>
+            <a:r>
+              <a:rPr lang="en-US" sz="1000" b="1" dirty="0" err="1">
+                <a:solidFill>
+                  <a:schemeClr val="tx1"/>
+                </a:solidFill>
+                <a:latin typeface="Arial" panose="020B0604020202020204" pitchFamily="34" charset="0"/>
+                <a:cs typeface="Arial" panose="020B0604020202020204" pitchFamily="34" charset="0"/>
+              </a:rPr>
+              <a:t>contentName</a:t>
+            </a:r>
+            <a:r>
+              <a:rPr lang="en-US" sz="1000" b="1" dirty="0">
+                <a:solidFill>
+                  <a:schemeClr val="tx1"/>
+                </a:solidFill>
+                <a:latin typeface="Arial" panose="020B0604020202020204" pitchFamily="34" charset="0"/>
+                <a:cs typeface="Arial" panose="020B0604020202020204" pitchFamily="34" charset="0"/>
+              </a:rPr>
+              <a:t>, </a:t>
+            </a:r>
+            <a:r>
+              <a:rPr lang="en-US" sz="1000" b="1" dirty="0" err="1">
+                <a:solidFill>
+                  <a:schemeClr val="tx1"/>
+                </a:solidFill>
+                <a:latin typeface="Arial" panose="020B0604020202020204" pitchFamily="34" charset="0"/>
+                <a:cs typeface="Arial" panose="020B0604020202020204" pitchFamily="34" charset="0"/>
+              </a:rPr>
+              <a:t>contentInfoName</a:t>
+            </a:r>
+            <a:r>
+              <a:rPr lang="en-US" sz="1000" b="1" dirty="0">
+                <a:solidFill>
+                  <a:schemeClr val="tx1"/>
+                </a:solidFill>
+                <a:latin typeface="Arial" panose="020B0604020202020204" pitchFamily="34" charset="0"/>
+                <a:cs typeface="Arial" panose="020B0604020202020204" pitchFamily="34" charset="0"/>
+              </a:rPr>
+              <a:t>, </a:t>
+            </a:r>
+            <a:r>
+              <a:rPr lang="en-US" sz="1000" b="1" dirty="0" err="1">
+                <a:solidFill>
+                  <a:schemeClr val="tx1"/>
+                </a:solidFill>
+                <a:latin typeface="Arial" panose="020B0604020202020204" pitchFamily="34" charset="0"/>
+                <a:cs typeface="Arial" panose="020B0604020202020204" pitchFamily="34" charset="0"/>
+              </a:rPr>
+              <a:t>contentEmailInfo</a:t>
+            </a:r>
+            <a:r>
+              <a:rPr lang="en-US" sz="1000" b="1" dirty="0">
+                <a:solidFill>
+                  <a:schemeClr val="tx1"/>
+                </a:solidFill>
+                <a:latin typeface="Arial" panose="020B0604020202020204" pitchFamily="34" charset="0"/>
+                <a:cs typeface="Arial" panose="020B0604020202020204" pitchFamily="34" charset="0"/>
+              </a:rPr>
+              <a:t>, </a:t>
+            </a:r>
+            <a:r>
+              <a:rPr lang="en-US" sz="1000" b="1" dirty="0" err="1">
+                <a:solidFill>
+                  <a:schemeClr val="tx1"/>
+                </a:solidFill>
+                <a:latin typeface="Arial" panose="020B0604020202020204" pitchFamily="34" charset="0"/>
+                <a:cs typeface="Arial" panose="020B0604020202020204" pitchFamily="34" charset="0"/>
+              </a:rPr>
+              <a:t>contentInfoEmail</a:t>
+            </a:r>
+            <a:r>
+              <a:rPr lang="en-US" sz="1000" b="1" dirty="0">
+                <a:solidFill>
+                  <a:schemeClr val="tx1"/>
+                </a:solidFill>
+                <a:latin typeface="Arial" panose="020B0604020202020204" pitchFamily="34" charset="0"/>
+                <a:cs typeface="Arial" panose="020B0604020202020204" pitchFamily="34" charset="0"/>
+              </a:rPr>
+              <a:t>, </a:t>
+            </a:r>
+            <a:r>
+              <a:rPr lang="en-US" sz="1000" b="1" dirty="0" err="1">
+                <a:solidFill>
+                  <a:schemeClr val="tx1"/>
+                </a:solidFill>
+                <a:latin typeface="Arial" panose="020B0604020202020204" pitchFamily="34" charset="0"/>
+                <a:cs typeface="Arial" panose="020B0604020202020204" pitchFamily="34" charset="0"/>
+              </a:rPr>
+              <a:t>contentRemarkInfo</a:t>
+            </a:r>
+            <a:r>
+              <a:rPr lang="en-US" sz="1000" b="1" dirty="0">
+                <a:solidFill>
+                  <a:schemeClr val="tx1"/>
+                </a:solidFill>
+                <a:latin typeface="Arial" panose="020B0604020202020204" pitchFamily="34" charset="0"/>
+                <a:cs typeface="Arial" panose="020B0604020202020204" pitchFamily="34" charset="0"/>
+              </a:rPr>
+              <a:t>, </a:t>
+            </a:r>
+            <a:r>
+              <a:rPr lang="en-US" sz="1000" b="1" dirty="0" err="1">
+                <a:solidFill>
+                  <a:schemeClr val="tx1"/>
+                </a:solidFill>
+                <a:latin typeface="Arial" panose="020B0604020202020204" pitchFamily="34" charset="0"/>
+                <a:cs typeface="Arial" panose="020B0604020202020204" pitchFamily="34" charset="0"/>
+              </a:rPr>
+              <a:t>contentRemark</a:t>
+            </a:r>
+            <a:r>
+              <a:rPr lang="en-US" sz="1000" b="1" dirty="0">
+                <a:solidFill>
+                  <a:schemeClr val="tx1"/>
+                </a:solidFill>
+                <a:latin typeface="Arial" panose="020B0604020202020204" pitchFamily="34" charset="0"/>
+                <a:cs typeface="Arial" panose="020B0604020202020204" pitchFamily="34" charset="0"/>
+              </a:rPr>
+              <a:t>, </a:t>
+            </a:r>
+            <a:r>
+              <a:rPr lang="en-US" sz="1000" b="1" dirty="0" err="1">
+                <a:solidFill>
+                  <a:schemeClr val="tx1"/>
+                </a:solidFill>
+                <a:latin typeface="Arial" panose="020B0604020202020204" pitchFamily="34" charset="0"/>
+                <a:cs typeface="Arial" panose="020B0604020202020204" pitchFamily="34" charset="0"/>
+              </a:rPr>
+              <a:t>contentInfoRemark</a:t>
+            </a:r>
+            <a:r>
+              <a:rPr lang="en-US" sz="1000" b="1" dirty="0">
+                <a:solidFill>
+                  <a:schemeClr val="tx1"/>
+                </a:solidFill>
+                <a:latin typeface="Arial" panose="020B0604020202020204" pitchFamily="34" charset="0"/>
+                <a:cs typeface="Arial" panose="020B0604020202020204" pitchFamily="34" charset="0"/>
+              </a:rPr>
+              <a:t>, </a:t>
+            </a:r>
+            <a:r>
+              <a:rPr lang="en-US" sz="1000" b="1" dirty="0" err="1">
+                <a:solidFill>
+                  <a:schemeClr val="tx1"/>
+                </a:solidFill>
+                <a:latin typeface="Arial" panose="020B0604020202020204" pitchFamily="34" charset="0"/>
+                <a:cs typeface="Arial" panose="020B0604020202020204" pitchFamily="34" charset="0"/>
+              </a:rPr>
+              <a:t>contentPrices</a:t>
+            </a:r>
+            <a:r>
+              <a:rPr lang="en-US" sz="1000" b="1" dirty="0">
+                <a:solidFill>
+                  <a:schemeClr val="tx1"/>
+                </a:solidFill>
+                <a:latin typeface="Arial" panose="020B0604020202020204" pitchFamily="34" charset="0"/>
+                <a:cs typeface="Arial" panose="020B0604020202020204" pitchFamily="34" charset="0"/>
+              </a:rPr>
+              <a:t>, </a:t>
+            </a:r>
+            <a:r>
+              <a:rPr lang="en-US" sz="1000" b="1" dirty="0" err="1">
+                <a:solidFill>
+                  <a:schemeClr val="tx1"/>
+                </a:solidFill>
+                <a:latin typeface="Arial" panose="020B0604020202020204" pitchFamily="34" charset="0"/>
+                <a:cs typeface="Arial" panose="020B0604020202020204" pitchFamily="34" charset="0"/>
+              </a:rPr>
+              <a:t>contentInstructions</a:t>
+            </a:r>
             <a:endParaRPr lang="en-US" sz="1000" b="1" dirty="0">
               <a:solidFill>
                 <a:schemeClr val="tx1"/>
@@ -7112,6 +7373,15 @@
             </a:endParaRPr>
           </a:p>
           <a:p>
+            <a:endParaRPr lang="en-US" sz="1000" b="1" dirty="0">
+              <a:solidFill>
+                <a:schemeClr val="tx1"/>
+              </a:solidFill>
+              <a:latin typeface="Arial" panose="020B0604020202020204" pitchFamily="34" charset="0"/>
+              <a:cs typeface="Arial" panose="020B0604020202020204" pitchFamily="34" charset="0"/>
+            </a:endParaRPr>
+          </a:p>
+          <a:p>
             <a:r>
               <a:rPr lang="en-US" sz="1000" b="1" dirty="0" err="1">
                 <a:solidFill>
@@ -7120,8 +7390,180 @@
                 <a:latin typeface="Arial" panose="020B0604020202020204" pitchFamily="34" charset="0"/>
                 <a:cs typeface="Arial" panose="020B0604020202020204" pitchFamily="34" charset="0"/>
               </a:rPr>
-              <a:t>contentLabelEmail</a:t>
-            </a:r>
+              <a:t>dropdownGetEventNumber</a:t>
+            </a:r>
+            <a:r>
+              <a:rPr lang="en-US" sz="1000" b="1" dirty="0">
+                <a:solidFill>
+                  <a:schemeClr val="tx1"/>
+                </a:solidFill>
+                <a:latin typeface="Arial" panose="020B0604020202020204" pitchFamily="34" charset="0"/>
+                <a:cs typeface="Arial" panose="020B0604020202020204" pitchFamily="34" charset="0"/>
+              </a:rPr>
+              <a:t>, </a:t>
+            </a:r>
+            <a:r>
+              <a:rPr lang="en-US" sz="1000" b="1" dirty="0" err="1">
+                <a:solidFill>
+                  <a:schemeClr val="tx1"/>
+                </a:solidFill>
+                <a:latin typeface="Arial" panose="020B0604020202020204" pitchFamily="34" charset="0"/>
+                <a:cs typeface="Arial" panose="020B0604020202020204" pitchFamily="34" charset="0"/>
+              </a:rPr>
+              <a:t>dropdownSetEventNumber</a:t>
+            </a:r>
+            <a:r>
+              <a:rPr lang="en-US" sz="1000" b="1" dirty="0">
+                <a:solidFill>
+                  <a:schemeClr val="tx1"/>
+                </a:solidFill>
+                <a:latin typeface="Arial" panose="020B0604020202020204" pitchFamily="34" charset="0"/>
+                <a:cs typeface="Arial" panose="020B0604020202020204" pitchFamily="34" charset="0"/>
+              </a:rPr>
+              <a:t>, </a:t>
+            </a:r>
+            <a:r>
+              <a:rPr lang="en-US" sz="1000" b="1" dirty="0" err="1">
+                <a:solidFill>
+                  <a:schemeClr val="tx1"/>
+                </a:solidFill>
+                <a:latin typeface="Arial" panose="020B0604020202020204" pitchFamily="34" charset="0"/>
+                <a:cs typeface="Arial" panose="020B0604020202020204" pitchFamily="34" charset="0"/>
+              </a:rPr>
+              <a:t>dropdownSetTitle</a:t>
+            </a:r>
+            <a:r>
+              <a:rPr lang="en-US" sz="1000" b="1" dirty="0">
+                <a:solidFill>
+                  <a:schemeClr val="tx1"/>
+                </a:solidFill>
+                <a:latin typeface="Arial" panose="020B0604020202020204" pitchFamily="34" charset="0"/>
+                <a:cs typeface="Arial" panose="020B0604020202020204" pitchFamily="34" charset="0"/>
+              </a:rPr>
+              <a:t>, </a:t>
+            </a:r>
+            <a:r>
+              <a:rPr lang="en-US" sz="1000" b="1" dirty="0" err="1">
+                <a:solidFill>
+                  <a:schemeClr val="tx1"/>
+                </a:solidFill>
+                <a:latin typeface="Arial" panose="020B0604020202020204" pitchFamily="34" charset="0"/>
+                <a:cs typeface="Arial" panose="020B0604020202020204" pitchFamily="34" charset="0"/>
+              </a:rPr>
+              <a:t>dropdownGetDateFormat</a:t>
+            </a:r>
+            <a:r>
+              <a:rPr lang="en-US" sz="1000" b="1" dirty="0">
+                <a:solidFill>
+                  <a:schemeClr val="tx1"/>
+                </a:solidFill>
+                <a:latin typeface="Arial" panose="020B0604020202020204" pitchFamily="34" charset="0"/>
+                <a:cs typeface="Arial" panose="020B0604020202020204" pitchFamily="34" charset="0"/>
+              </a:rPr>
+              <a:t>, </a:t>
+            </a:r>
+            <a:r>
+              <a:rPr lang="en-US" sz="1000" b="1" dirty="0" err="1">
+                <a:solidFill>
+                  <a:schemeClr val="tx1"/>
+                </a:solidFill>
+                <a:latin typeface="Arial" panose="020B0604020202020204" pitchFamily="34" charset="0"/>
+                <a:cs typeface="Arial" panose="020B0604020202020204" pitchFamily="34" charset="0"/>
+              </a:rPr>
+              <a:t>dropdownSetDateFormatToIso</a:t>
+            </a:r>
+            <a:r>
+              <a:rPr lang="en-US" sz="1000" b="1" dirty="0">
+                <a:solidFill>
+                  <a:schemeClr val="tx1"/>
+                </a:solidFill>
+                <a:latin typeface="Arial" panose="020B0604020202020204" pitchFamily="34" charset="0"/>
+                <a:cs typeface="Arial" panose="020B0604020202020204" pitchFamily="34" charset="0"/>
+              </a:rPr>
+              <a:t>, </a:t>
+            </a:r>
+            <a:r>
+              <a:rPr lang="en-US" sz="1000" b="1" dirty="0" err="1">
+                <a:solidFill>
+                  <a:schemeClr val="tx1"/>
+                </a:solidFill>
+                <a:latin typeface="Arial" panose="020B0604020202020204" pitchFamily="34" charset="0"/>
+                <a:cs typeface="Arial" panose="020B0604020202020204" pitchFamily="34" charset="0"/>
+              </a:rPr>
+              <a:t>dropdownSetDateFormatToIsoReverse</a:t>
+            </a:r>
+            <a:r>
+              <a:rPr lang="en-US" sz="1000" b="1" dirty="0">
+                <a:solidFill>
+                  <a:schemeClr val="tx1"/>
+                </a:solidFill>
+                <a:latin typeface="Arial" panose="020B0604020202020204" pitchFamily="34" charset="0"/>
+                <a:cs typeface="Arial" panose="020B0604020202020204" pitchFamily="34" charset="0"/>
+              </a:rPr>
+              <a:t>, </a:t>
+            </a:r>
+            <a:r>
+              <a:rPr lang="en-US" sz="1000" b="1" dirty="0" err="1">
+                <a:solidFill>
+                  <a:schemeClr val="tx1"/>
+                </a:solidFill>
+                <a:latin typeface="Arial" panose="020B0604020202020204" pitchFamily="34" charset="0"/>
+                <a:cs typeface="Arial" panose="020B0604020202020204" pitchFamily="34" charset="0"/>
+              </a:rPr>
+              <a:t>dropdownSetDateFormatToSwiss</a:t>
+            </a:r>
+            <a:r>
+              <a:rPr lang="en-US" sz="1000" b="1" dirty="0">
+                <a:solidFill>
+                  <a:schemeClr val="tx1"/>
+                </a:solidFill>
+                <a:latin typeface="Arial" panose="020B0604020202020204" pitchFamily="34" charset="0"/>
+                <a:cs typeface="Arial" panose="020B0604020202020204" pitchFamily="34" charset="0"/>
+              </a:rPr>
+              <a:t>, </a:t>
+            </a:r>
+            <a:r>
+              <a:rPr lang="en-US" sz="1000" b="1" dirty="0" err="1">
+                <a:solidFill>
+                  <a:schemeClr val="tx1"/>
+                </a:solidFill>
+                <a:latin typeface="Arial" panose="020B0604020202020204" pitchFamily="34" charset="0"/>
+                <a:cs typeface="Arial" panose="020B0604020202020204" pitchFamily="34" charset="0"/>
+              </a:rPr>
+              <a:t>dropdownDisplayDateAndNameInDropdown</a:t>
+            </a:r>
+            <a:r>
+              <a:rPr lang="en-US" sz="1000" b="1" dirty="0">
+                <a:solidFill>
+                  <a:schemeClr val="tx1"/>
+                </a:solidFill>
+                <a:latin typeface="Arial" panose="020B0604020202020204" pitchFamily="34" charset="0"/>
+                <a:cs typeface="Arial" panose="020B0604020202020204" pitchFamily="34" charset="0"/>
+              </a:rPr>
+              <a:t>, </a:t>
+            </a:r>
+            <a:r>
+              <a:rPr lang="en-US" sz="1000" b="1" dirty="0" err="1">
+                <a:solidFill>
+                  <a:schemeClr val="tx1"/>
+                </a:solidFill>
+                <a:latin typeface="Arial" panose="020B0604020202020204" pitchFamily="34" charset="0"/>
+                <a:cs typeface="Arial" panose="020B0604020202020204" pitchFamily="34" charset="0"/>
+              </a:rPr>
+              <a:t>dropdownDisplayOnlyNameInDropdown</a:t>
+            </a:r>
+            <a:r>
+              <a:rPr lang="en-US" sz="1000" b="1" dirty="0">
+                <a:solidFill>
+                  <a:schemeClr val="tx1"/>
+                </a:solidFill>
+                <a:latin typeface="Arial" panose="020B0604020202020204" pitchFamily="34" charset="0"/>
+                <a:cs typeface="Arial" panose="020B0604020202020204" pitchFamily="34" charset="0"/>
+              </a:rPr>
+              <a:t> </a:t>
+            </a:r>
+          </a:p>
+          <a:p>
             <a:endParaRPr lang="en-US" sz="1000" b="1" dirty="0">
               <a:solidFill>
                 <a:schemeClr val="tx1"/>
@@ -7139,254 +7581,18 @@
                 <a:latin typeface="Arial" panose="020B0604020202020204" pitchFamily="34" charset="0"/>
                 <a:cs typeface="Arial" panose="020B0604020202020204" pitchFamily="34" charset="0"/>
               </a:rPr>
-              <a:t>contentLabelRemark</a:t>
-            </a:r>
-            <a:endParaRPr lang="en-US" sz="1000" b="1" dirty="0">
-              <a:solidFill>
-                <a:schemeClr val="tx1"/>
-              </a:solidFill>
-              <a:latin typeface="Arial" panose="020B0604020202020204" pitchFamily="34" charset="0"/>
-              <a:cs typeface="Arial" panose="020B0604020202020204" pitchFamily="34" charset="0"/>
-            </a:endParaRPr>
-          </a:p>
-          <a:p>
-            <a:r>
-              <a:rPr lang="en-US" sz="1000" b="1" dirty="0" err="1">
-                <a:solidFill>
-                  <a:schemeClr val="tx1"/>
-                </a:solidFill>
-                <a:latin typeface="Arial" panose="020B0604020202020204" pitchFamily="34" charset="0"/>
-                <a:cs typeface="Arial" panose="020B0604020202020204" pitchFamily="34" charset="0"/>
-              </a:rPr>
-              <a:t>contentDropdown</a:t>
-            </a:r>
-            <a:endParaRPr lang="en-US" sz="1000" b="1" dirty="0">
-              <a:solidFill>
-                <a:schemeClr val="tx1"/>
-              </a:solidFill>
-              <a:latin typeface="Arial" panose="020B0604020202020204" pitchFamily="34" charset="0"/>
-              <a:cs typeface="Arial" panose="020B0604020202020204" pitchFamily="34" charset="0"/>
-            </a:endParaRPr>
-          </a:p>
-          <a:p>
-            <a:r>
-              <a:rPr lang="en-US" sz="1000" b="1" dirty="0" err="1">
-                <a:solidFill>
-                  <a:schemeClr val="tx1"/>
-                </a:solidFill>
-                <a:latin typeface="Arial" panose="020B0604020202020204" pitchFamily="34" charset="0"/>
-                <a:cs typeface="Arial" panose="020B0604020202020204" pitchFamily="34" charset="0"/>
-              </a:rPr>
-              <a:t>contentNameInfo</a:t>
-            </a:r>
-            <a:endParaRPr lang="en-US" sz="1000" b="1" dirty="0">
-              <a:solidFill>
-                <a:schemeClr val="tx1"/>
-              </a:solidFill>
-              <a:latin typeface="Arial" panose="020B0604020202020204" pitchFamily="34" charset="0"/>
-              <a:cs typeface="Arial" panose="020B0604020202020204" pitchFamily="34" charset="0"/>
-            </a:endParaRPr>
-          </a:p>
-          <a:p>
-            <a:r>
-              <a:rPr lang="en-US" sz="1000" b="1" dirty="0" err="1">
-                <a:solidFill>
-                  <a:schemeClr val="tx1"/>
-                </a:solidFill>
-                <a:latin typeface="Arial" panose="020B0604020202020204" pitchFamily="34" charset="0"/>
-                <a:cs typeface="Arial" panose="020B0604020202020204" pitchFamily="34" charset="0"/>
-              </a:rPr>
-              <a:t>contentName</a:t>
-            </a:r>
-            <a:endParaRPr lang="en-US" sz="1000" b="1" dirty="0">
-              <a:solidFill>
-                <a:schemeClr val="tx1"/>
-              </a:solidFill>
-              <a:latin typeface="Arial" panose="020B0604020202020204" pitchFamily="34" charset="0"/>
-              <a:cs typeface="Arial" panose="020B0604020202020204" pitchFamily="34" charset="0"/>
-            </a:endParaRPr>
-          </a:p>
-          <a:p>
-            <a:r>
-              <a:rPr lang="en-US" sz="1000" b="1" dirty="0" err="1">
-                <a:solidFill>
-                  <a:schemeClr val="tx1"/>
-                </a:solidFill>
-                <a:latin typeface="Arial" panose="020B0604020202020204" pitchFamily="34" charset="0"/>
-                <a:cs typeface="Arial" panose="020B0604020202020204" pitchFamily="34" charset="0"/>
-              </a:rPr>
-              <a:t>contentInfoName</a:t>
-            </a:r>
-            <a:endParaRPr lang="en-US" sz="1000" b="1" dirty="0">
-              <a:solidFill>
-                <a:schemeClr val="tx1"/>
-              </a:solidFill>
-              <a:latin typeface="Arial" panose="020B0604020202020204" pitchFamily="34" charset="0"/>
-              <a:cs typeface="Arial" panose="020B0604020202020204" pitchFamily="34" charset="0"/>
-            </a:endParaRPr>
-          </a:p>
-          <a:p>
-            <a:r>
-              <a:rPr lang="en-US" sz="1000" b="1" dirty="0" err="1">
-                <a:solidFill>
-                  <a:schemeClr val="tx1"/>
-                </a:solidFill>
-                <a:latin typeface="Arial" panose="020B0604020202020204" pitchFamily="34" charset="0"/>
-                <a:cs typeface="Arial" panose="020B0604020202020204" pitchFamily="34" charset="0"/>
-              </a:rPr>
-              <a:t>contentEmailInfo</a:t>
-            </a:r>
-            <a:endParaRPr lang="en-US" sz="1000" b="1" dirty="0">
-              <a:solidFill>
-                <a:schemeClr val="tx1"/>
-              </a:solidFill>
-              <a:latin typeface="Arial" panose="020B0604020202020204" pitchFamily="34" charset="0"/>
-              <a:cs typeface="Arial" panose="020B0604020202020204" pitchFamily="34" charset="0"/>
-            </a:endParaRPr>
-          </a:p>
-          <a:p>
-            <a:r>
-              <a:rPr lang="en-US" sz="1000" b="1" dirty="0" err="1">
-                <a:solidFill>
-                  <a:schemeClr val="tx1"/>
-                </a:solidFill>
-                <a:latin typeface="Arial" panose="020B0604020202020204" pitchFamily="34" charset="0"/>
-                <a:cs typeface="Arial" panose="020B0604020202020204" pitchFamily="34" charset="0"/>
-              </a:rPr>
-              <a:t>contentInfoEmail</a:t>
-            </a:r>
-            <a:endParaRPr lang="en-US" sz="1000" b="1" dirty="0">
-              <a:solidFill>
-                <a:schemeClr val="tx1"/>
-              </a:solidFill>
-              <a:latin typeface="Arial" panose="020B0604020202020204" pitchFamily="34" charset="0"/>
-              <a:cs typeface="Arial" panose="020B0604020202020204" pitchFamily="34" charset="0"/>
-            </a:endParaRPr>
-          </a:p>
-          <a:p>
-            <a:r>
-              <a:rPr lang="en-US" sz="1000" b="1" dirty="0" err="1">
-                <a:solidFill>
-                  <a:schemeClr val="tx1"/>
-                </a:solidFill>
-                <a:latin typeface="Arial" panose="020B0604020202020204" pitchFamily="34" charset="0"/>
-                <a:cs typeface="Arial" panose="020B0604020202020204" pitchFamily="34" charset="0"/>
-              </a:rPr>
-              <a:t>contentRemarkInfo</a:t>
-            </a:r>
-            <a:endParaRPr lang="en-US" sz="1000" b="1" dirty="0">
-              <a:solidFill>
-                <a:schemeClr val="tx1"/>
-              </a:solidFill>
-              <a:latin typeface="Arial" panose="020B0604020202020204" pitchFamily="34" charset="0"/>
-              <a:cs typeface="Arial" panose="020B0604020202020204" pitchFamily="34" charset="0"/>
-            </a:endParaRPr>
-          </a:p>
-          <a:p>
-            <a:r>
-              <a:rPr lang="en-US" sz="1000" b="1" dirty="0" err="1">
-                <a:solidFill>
-                  <a:schemeClr val="tx1"/>
-                </a:solidFill>
-                <a:latin typeface="Arial" panose="020B0604020202020204" pitchFamily="34" charset="0"/>
-                <a:cs typeface="Arial" panose="020B0604020202020204" pitchFamily="34" charset="0"/>
-              </a:rPr>
-              <a:t>contentRemark</a:t>
-            </a:r>
-            <a:endParaRPr lang="en-US" sz="1000" b="1" dirty="0">
-              <a:solidFill>
-                <a:schemeClr val="tx1"/>
-              </a:solidFill>
-              <a:latin typeface="Arial" panose="020B0604020202020204" pitchFamily="34" charset="0"/>
-              <a:cs typeface="Arial" panose="020B0604020202020204" pitchFamily="34" charset="0"/>
-            </a:endParaRPr>
-          </a:p>
-          <a:p>
-            <a:r>
-              <a:rPr lang="en-US" sz="1000" b="1" dirty="0" err="1">
-                <a:solidFill>
-                  <a:schemeClr val="tx1"/>
-                </a:solidFill>
-                <a:latin typeface="Arial" panose="020B0604020202020204" pitchFamily="34" charset="0"/>
-                <a:cs typeface="Arial" panose="020B0604020202020204" pitchFamily="34" charset="0"/>
-              </a:rPr>
-              <a:t>contentInfoRemark</a:t>
-            </a:r>
-            <a:endParaRPr lang="en-US" sz="1000" b="1" dirty="0">
-              <a:solidFill>
-                <a:schemeClr val="tx1"/>
-              </a:solidFill>
-              <a:latin typeface="Arial" panose="020B0604020202020204" pitchFamily="34" charset="0"/>
-              <a:cs typeface="Arial" panose="020B0604020202020204" pitchFamily="34" charset="0"/>
-            </a:endParaRPr>
-          </a:p>
-          <a:p>
-            <a:r>
-              <a:rPr lang="en-US" sz="1000" b="1" dirty="0" err="1">
-                <a:solidFill>
-                  <a:schemeClr val="tx1"/>
-                </a:solidFill>
-                <a:latin typeface="Arial" panose="020B0604020202020204" pitchFamily="34" charset="0"/>
-                <a:cs typeface="Arial" panose="020B0604020202020204" pitchFamily="34" charset="0"/>
-              </a:rPr>
-              <a:t>contentPrices</a:t>
-            </a:r>
-            <a:endParaRPr lang="en-US" sz="1000" b="1" dirty="0">
-              <a:solidFill>
-                <a:schemeClr val="tx1"/>
-              </a:solidFill>
-              <a:latin typeface="Arial" panose="020B0604020202020204" pitchFamily="34" charset="0"/>
-              <a:cs typeface="Arial" panose="020B0604020202020204" pitchFamily="34" charset="0"/>
-            </a:endParaRPr>
-          </a:p>
-          <a:p>
-            <a:r>
-              <a:rPr lang="en-US" sz="1000" b="1" dirty="0" err="1">
-                <a:solidFill>
-                  <a:schemeClr val="tx1"/>
-                </a:solidFill>
-                <a:latin typeface="Arial" panose="020B0604020202020204" pitchFamily="34" charset="0"/>
-                <a:cs typeface="Arial" panose="020B0604020202020204" pitchFamily="34" charset="0"/>
-              </a:rPr>
-              <a:t>contentInstructions</a:t>
-            </a:r>
-            <a:endParaRPr lang="en-US" sz="1000" b="1" dirty="0">
-              <a:solidFill>
-                <a:schemeClr val="tx1"/>
-              </a:solidFill>
-              <a:latin typeface="Arial" panose="020B0604020202020204" pitchFamily="34" charset="0"/>
-              <a:cs typeface="Arial" panose="020B0604020202020204" pitchFamily="34" charset="0"/>
-            </a:endParaRPr>
-          </a:p>
-          <a:p>
-            <a:endParaRPr lang="en-US" sz="1000" b="1" dirty="0">
-              <a:solidFill>
-                <a:schemeClr val="tx1"/>
-              </a:solidFill>
-              <a:latin typeface="Arial" panose="020B0604020202020204" pitchFamily="34" charset="0"/>
-              <a:cs typeface="Arial" panose="020B0604020202020204" pitchFamily="34" charset="0"/>
-            </a:endParaRPr>
-          </a:p>
-          <a:p>
-            <a:r>
-              <a:rPr lang="en-US" sz="1000" b="1" dirty="0" err="1">
-                <a:solidFill>
-                  <a:schemeClr val="tx1"/>
-                </a:solidFill>
-                <a:latin typeface="Arial" panose="020B0604020202020204" pitchFamily="34" charset="0"/>
-                <a:cs typeface="Arial" panose="020B0604020202020204" pitchFamily="34" charset="0"/>
-              </a:rPr>
               <a:t>displayDropdown</a:t>
             </a:r>
-            <a:endParaRPr lang="en-US" sz="1000" b="1" dirty="0">
-              <a:solidFill>
-                <a:schemeClr val="tx1"/>
-              </a:solidFill>
-              <a:latin typeface="Arial" panose="020B0604020202020204" pitchFamily="34" charset="0"/>
-              <a:cs typeface="Arial" panose="020B0604020202020204" pitchFamily="34" charset="0"/>
-            </a:endParaRPr>
-          </a:p>
-          <a:p>
+            <a:r>
+              <a:rPr lang="en-US" sz="1000" b="1" dirty="0">
+                <a:solidFill>
+                  <a:schemeClr val="tx1"/>
+                </a:solidFill>
+                <a:latin typeface="Arial" panose="020B0604020202020204" pitchFamily="34" charset="0"/>
+                <a:cs typeface="Arial" panose="020B0604020202020204" pitchFamily="34" charset="0"/>
+              </a:rPr>
+              <a:t>, </a:t>
+            </a:r>
             <a:r>
               <a:rPr lang="en-US" sz="1000" b="1" dirty="0" err="1">
                 <a:solidFill>

--- a/Description/InputEventReservation.pptx
+++ b/Description/InputEventReservation.pptx
@@ -271,7 +271,7 @@
           <a:p>
             <a:fld id="{DDCE6D58-9B57-4731-A47B-3CD41B48F0A9}" type="datetimeFigureOut">
               <a:rPr lang="de-CH" smtClean="0"/>
-              <a:t>21.12.2024</a:t>
+              <a:t>02.01.2025</a:t>
             </a:fld>
             <a:endParaRPr lang="de-CH"/>
           </a:p>
@@ -441,7 +441,7 @@
           <a:p>
             <a:fld id="{DDCE6D58-9B57-4731-A47B-3CD41B48F0A9}" type="datetimeFigureOut">
               <a:rPr lang="de-CH" smtClean="0"/>
-              <a:t>21.12.2024</a:t>
+              <a:t>02.01.2025</a:t>
             </a:fld>
             <a:endParaRPr lang="de-CH"/>
           </a:p>
@@ -621,7 +621,7 @@
           <a:p>
             <a:fld id="{DDCE6D58-9B57-4731-A47B-3CD41B48F0A9}" type="datetimeFigureOut">
               <a:rPr lang="de-CH" smtClean="0"/>
-              <a:t>21.12.2024</a:t>
+              <a:t>02.01.2025</a:t>
             </a:fld>
             <a:endParaRPr lang="de-CH"/>
           </a:p>
@@ -791,7 +791,7 @@
           <a:p>
             <a:fld id="{DDCE6D58-9B57-4731-A47B-3CD41B48F0A9}" type="datetimeFigureOut">
               <a:rPr lang="de-CH" smtClean="0"/>
-              <a:t>21.12.2024</a:t>
+              <a:t>02.01.2025</a:t>
             </a:fld>
             <a:endParaRPr lang="de-CH"/>
           </a:p>
@@ -1037,7 +1037,7 @@
           <a:p>
             <a:fld id="{DDCE6D58-9B57-4731-A47B-3CD41B48F0A9}" type="datetimeFigureOut">
               <a:rPr lang="de-CH" smtClean="0"/>
-              <a:t>21.12.2024</a:t>
+              <a:t>02.01.2025</a:t>
             </a:fld>
             <a:endParaRPr lang="de-CH"/>
           </a:p>
@@ -1269,7 +1269,7 @@
           <a:p>
             <a:fld id="{DDCE6D58-9B57-4731-A47B-3CD41B48F0A9}" type="datetimeFigureOut">
               <a:rPr lang="de-CH" smtClean="0"/>
-              <a:t>21.12.2024</a:t>
+              <a:t>02.01.2025</a:t>
             </a:fld>
             <a:endParaRPr lang="de-CH"/>
           </a:p>
@@ -1636,7 +1636,7 @@
           <a:p>
             <a:fld id="{DDCE6D58-9B57-4731-A47B-3CD41B48F0A9}" type="datetimeFigureOut">
               <a:rPr lang="de-CH" smtClean="0"/>
-              <a:t>21.12.2024</a:t>
+              <a:t>02.01.2025</a:t>
             </a:fld>
             <a:endParaRPr lang="de-CH"/>
           </a:p>
@@ -1754,7 +1754,7 @@
           <a:p>
             <a:fld id="{DDCE6D58-9B57-4731-A47B-3CD41B48F0A9}" type="datetimeFigureOut">
               <a:rPr lang="de-CH" smtClean="0"/>
-              <a:t>21.12.2024</a:t>
+              <a:t>02.01.2025</a:t>
             </a:fld>
             <a:endParaRPr lang="de-CH"/>
           </a:p>
@@ -1849,7 +1849,7 @@
           <a:p>
             <a:fld id="{DDCE6D58-9B57-4731-A47B-3CD41B48F0A9}" type="datetimeFigureOut">
               <a:rPr lang="de-CH" smtClean="0"/>
-              <a:t>21.12.2024</a:t>
+              <a:t>02.01.2025</a:t>
             </a:fld>
             <a:endParaRPr lang="de-CH"/>
           </a:p>
@@ -2126,7 +2126,7 @@
           <a:p>
             <a:fld id="{DDCE6D58-9B57-4731-A47B-3CD41B48F0A9}" type="datetimeFigureOut">
               <a:rPr lang="de-CH" smtClean="0"/>
-              <a:t>21.12.2024</a:t>
+              <a:t>02.01.2025</a:t>
             </a:fld>
             <a:endParaRPr lang="de-CH"/>
           </a:p>
@@ -2379,7 +2379,7 @@
           <a:p>
             <a:fld id="{DDCE6D58-9B57-4731-A47B-3CD41B48F0A9}" type="datetimeFigureOut">
               <a:rPr lang="de-CH" smtClean="0"/>
-              <a:t>21.12.2024</a:t>
+              <a:t>02.01.2025</a:t>
             </a:fld>
             <a:endParaRPr lang="de-CH"/>
           </a:p>
@@ -2592,7 +2592,7 @@
           <a:p>
             <a:fld id="{DDCE6D58-9B57-4731-A47B-3CD41B48F0A9}" type="datetimeFigureOut">
               <a:rPr lang="de-CH" smtClean="0"/>
-              <a:t>21.12.2024</a:t>
+              <a:t>02.01.2025</a:t>
             </a:fld>
             <a:endParaRPr lang="de-CH"/>
           </a:p>

--- a/Description/InputEventReservation.pptx
+++ b/Description/InputEventReservation.pptx
@@ -5,12 +5,16 @@
     <p:sldMasterId id="2147483648" r:id="rId1"/>
   </p:sldMasterIdLst>
   <p:sldIdLst>
-    <p:sldId id="267" r:id="rId2"/>
-    <p:sldId id="283" r:id="rId3"/>
-    <p:sldId id="270" r:id="rId4"/>
-    <p:sldId id="286" r:id="rId5"/>
-    <p:sldId id="284" r:id="rId6"/>
-    <p:sldId id="285" r:id="rId7"/>
+    <p:sldId id="287" r:id="rId2"/>
+    <p:sldId id="288" r:id="rId3"/>
+    <p:sldId id="289" r:id="rId4"/>
+    <p:sldId id="290" r:id="rId5"/>
+    <p:sldId id="267" r:id="rId6"/>
+    <p:sldId id="283" r:id="rId7"/>
+    <p:sldId id="270" r:id="rId8"/>
+    <p:sldId id="286" r:id="rId9"/>
+    <p:sldId id="284" r:id="rId10"/>
+    <p:sldId id="285" r:id="rId11"/>
   </p:sldIdLst>
   <p:sldSz cx="12192000" cy="6858000"/>
   <p:notesSz cx="6661150" cy="9866313"/>
@@ -271,7 +275,7 @@
           <a:p>
             <a:fld id="{DDCE6D58-9B57-4731-A47B-3CD41B48F0A9}" type="datetimeFigureOut">
               <a:rPr lang="de-CH" smtClean="0"/>
-              <a:t>02.01.2025</a:t>
+              <a:t>04.01.2025</a:t>
             </a:fld>
             <a:endParaRPr lang="de-CH"/>
           </a:p>
@@ -441,7 +445,7 @@
           <a:p>
             <a:fld id="{DDCE6D58-9B57-4731-A47B-3CD41B48F0A9}" type="datetimeFigureOut">
               <a:rPr lang="de-CH" smtClean="0"/>
-              <a:t>02.01.2025</a:t>
+              <a:t>04.01.2025</a:t>
             </a:fld>
             <a:endParaRPr lang="de-CH"/>
           </a:p>
@@ -621,7 +625,7 @@
           <a:p>
             <a:fld id="{DDCE6D58-9B57-4731-A47B-3CD41B48F0A9}" type="datetimeFigureOut">
               <a:rPr lang="de-CH" smtClean="0"/>
-              <a:t>02.01.2025</a:t>
+              <a:t>04.01.2025</a:t>
             </a:fld>
             <a:endParaRPr lang="de-CH"/>
           </a:p>
@@ -791,7 +795,7 @@
           <a:p>
             <a:fld id="{DDCE6D58-9B57-4731-A47B-3CD41B48F0A9}" type="datetimeFigureOut">
               <a:rPr lang="de-CH" smtClean="0"/>
-              <a:t>02.01.2025</a:t>
+              <a:t>04.01.2025</a:t>
             </a:fld>
             <a:endParaRPr lang="de-CH"/>
           </a:p>
@@ -1037,7 +1041,7 @@
           <a:p>
             <a:fld id="{DDCE6D58-9B57-4731-A47B-3CD41B48F0A9}" type="datetimeFigureOut">
               <a:rPr lang="de-CH" smtClean="0"/>
-              <a:t>02.01.2025</a:t>
+              <a:t>04.01.2025</a:t>
             </a:fld>
             <a:endParaRPr lang="de-CH"/>
           </a:p>
@@ -1269,7 +1273,7 @@
           <a:p>
             <a:fld id="{DDCE6D58-9B57-4731-A47B-3CD41B48F0A9}" type="datetimeFigureOut">
               <a:rPr lang="de-CH" smtClean="0"/>
-              <a:t>02.01.2025</a:t>
+              <a:t>04.01.2025</a:t>
             </a:fld>
             <a:endParaRPr lang="de-CH"/>
           </a:p>
@@ -1636,7 +1640,7 @@
           <a:p>
             <a:fld id="{DDCE6D58-9B57-4731-A47B-3CD41B48F0A9}" type="datetimeFigureOut">
               <a:rPr lang="de-CH" smtClean="0"/>
-              <a:t>02.01.2025</a:t>
+              <a:t>04.01.2025</a:t>
             </a:fld>
             <a:endParaRPr lang="de-CH"/>
           </a:p>
@@ -1754,7 +1758,7 @@
           <a:p>
             <a:fld id="{DDCE6D58-9B57-4731-A47B-3CD41B48F0A9}" type="datetimeFigureOut">
               <a:rPr lang="de-CH" smtClean="0"/>
-              <a:t>02.01.2025</a:t>
+              <a:t>04.01.2025</a:t>
             </a:fld>
             <a:endParaRPr lang="de-CH"/>
           </a:p>
@@ -1849,7 +1853,7 @@
           <a:p>
             <a:fld id="{DDCE6D58-9B57-4731-A47B-3CD41B48F0A9}" type="datetimeFigureOut">
               <a:rPr lang="de-CH" smtClean="0"/>
-              <a:t>02.01.2025</a:t>
+              <a:t>04.01.2025</a:t>
             </a:fld>
             <a:endParaRPr lang="de-CH"/>
           </a:p>
@@ -2126,7 +2130,7 @@
           <a:p>
             <a:fld id="{DDCE6D58-9B57-4731-A47B-3CD41B48F0A9}" type="datetimeFigureOut">
               <a:rPr lang="de-CH" smtClean="0"/>
-              <a:t>02.01.2025</a:t>
+              <a:t>04.01.2025</a:t>
             </a:fld>
             <a:endParaRPr lang="de-CH"/>
           </a:p>
@@ -2379,7 +2383,7 @@
           <a:p>
             <a:fld id="{DDCE6D58-9B57-4731-A47B-3CD41B48F0A9}" type="datetimeFigureOut">
               <a:rPr lang="de-CH" smtClean="0"/>
-              <a:t>02.01.2025</a:t>
+              <a:t>04.01.2025</a:t>
             </a:fld>
             <a:endParaRPr lang="de-CH"/>
           </a:p>
@@ -2592,7 +2596,7 @@
           <a:p>
             <a:fld id="{DDCE6D58-9B57-4731-A47B-3CD41B48F0A9}" type="datetimeFigureOut">
               <a:rPr lang="de-CH" smtClean="0"/>
-              <a:t>02.01.2025</a:t>
+              <a:t>04.01.2025</a:t>
             </a:fld>
             <a:endParaRPr lang="de-CH"/>
           </a:p>
@@ -2997,12 +3001,79 @@
           <a:chExt cx="0" cy="0"/>
         </a:xfrm>
       </p:grpSpPr>
+      <p:sp>
+        <p:nvSpPr>
+          <p:cNvPr id="2" name="Textfeld 1">
+            <a:extLst>
+              <a:ext uri="{FF2B5EF4-FFF2-40B4-BE49-F238E27FC236}">
+                <a16:creationId xmlns:a16="http://schemas.microsoft.com/office/drawing/2014/main" id="{82FC172D-CD1F-ADB2-E464-AE13D060F8AA}"/>
+              </a:ext>
+            </a:extLst>
+          </p:cNvPr>
+          <p:cNvSpPr txBox="1"/>
+          <p:nvPr/>
+        </p:nvSpPr>
+        <p:spPr>
+          <a:xfrm>
+            <a:off x="0" y="203243"/>
+            <a:ext cx="12192000" cy="800219"/>
+          </a:xfrm>
+          <a:prstGeom prst="rect">
+            <a:avLst/>
+          </a:prstGeom>
+          <a:noFill/>
+        </p:spPr>
+        <p:txBody>
+          <a:bodyPr wrap="square">
+            <a:spAutoFit/>
+          </a:bodyPr>
+          <a:lstStyle/>
+          <a:p>
+            <a:pPr algn="ctr"/>
+            <a:r>
+              <a:rPr lang="de-CH" b="1" dirty="0">
+                <a:latin typeface="Arial" panose="020B0604020202020204" pitchFamily="34" charset="0"/>
+                <a:cs typeface="Arial" panose="020B0604020202020204" pitchFamily="34" charset="0"/>
+              </a:rPr>
+              <a:t>GUI Control </a:t>
+            </a:r>
+            <a:r>
+              <a:rPr lang="de-CH" b="1" dirty="0" err="1">
+                <a:latin typeface="Arial" panose="020B0604020202020204" pitchFamily="34" charset="0"/>
+                <a:cs typeface="Arial" panose="020B0604020202020204" pitchFamily="34" charset="0"/>
+              </a:rPr>
+              <a:t>InputEventReservation</a:t>
+            </a:r>
+            <a:endParaRPr lang="de-CH" b="1" dirty="0">
+              <a:latin typeface="Arial" panose="020B0604020202020204" pitchFamily="34" charset="0"/>
+              <a:cs typeface="Arial" panose="020B0604020202020204" pitchFamily="34" charset="0"/>
+            </a:endParaRPr>
+          </a:p>
+          <a:p>
+            <a:pPr algn="ctr"/>
+            <a:endParaRPr lang="de-CH" sz="1400" b="1" dirty="0">
+              <a:latin typeface="Arial" panose="020B0604020202020204" pitchFamily="34" charset="0"/>
+              <a:cs typeface="Arial" panose="020B0604020202020204" pitchFamily="34" charset="0"/>
+            </a:endParaRPr>
+          </a:p>
+          <a:p>
+            <a:pPr algn="ctr"/>
+            <a:r>
+              <a:rPr lang="de-CH" sz="1400" b="1" dirty="0">
+                <a:latin typeface="Arial" panose="020B0604020202020204" pitchFamily="34" charset="0"/>
+                <a:cs typeface="Arial" panose="020B0604020202020204" pitchFamily="34" charset="0"/>
+              </a:rPr>
+              <a:t>Ein Fenster zur Eingabe von Person-Daten für eine Reservation</a:t>
+            </a:r>
+          </a:p>
+        </p:txBody>
+      </p:sp>
       <p:pic>
         <p:nvPicPr>
-          <p:cNvPr id="82" name="Grafik 81">
+          <p:cNvPr id="4" name="Grafik 3">
             <a:extLst>
               <a:ext uri="{FF2B5EF4-FFF2-40B4-BE49-F238E27FC236}">
-                <a16:creationId xmlns:a16="http://schemas.microsoft.com/office/drawing/2014/main" id="{6FC719DF-F0C4-C9D9-F106-51BA21A686D6}"/>
+                <a16:creationId xmlns:a16="http://schemas.microsoft.com/office/drawing/2014/main" id="{D78C40B5-DF19-EC1B-6FBE-B1B21B9900D4}"/>
               </a:ext>
             </a:extLst>
           </p:cNvPr>
@@ -3019,14 +3090,2113 @@
         </p:blipFill>
         <p:spPr>
           <a:xfrm>
-            <a:off x="221933" y="245719"/>
-            <a:ext cx="4113186" cy="6373296"/>
+            <a:off x="2874592" y="1115122"/>
+            <a:ext cx="3385109" cy="4516271"/>
           </a:xfrm>
           <a:prstGeom prst="rect">
             <a:avLst/>
           </a:prstGeom>
         </p:spPr>
       </p:pic>
+      <p:pic>
+        <p:nvPicPr>
+          <p:cNvPr id="6" name="Grafik 5">
+            <a:extLst>
+              <a:ext uri="{FF2B5EF4-FFF2-40B4-BE49-F238E27FC236}">
+                <a16:creationId xmlns:a16="http://schemas.microsoft.com/office/drawing/2014/main" id="{FBF03D1E-1A93-01B6-5B55-51F439A22DD9}"/>
+              </a:ext>
+            </a:extLst>
+          </p:cNvPr>
+          <p:cNvPicPr>
+            <a:picLocks noChangeAspect="1"/>
+          </p:cNvPicPr>
+          <p:nvPr/>
+        </p:nvPicPr>
+        <p:blipFill>
+          <a:blip r:embed="rId3"/>
+          <a:stretch>
+            <a:fillRect/>
+          </a:stretch>
+        </p:blipFill>
+        <p:spPr>
+          <a:xfrm>
+            <a:off x="6669602" y="1115122"/>
+            <a:ext cx="2645343" cy="4516271"/>
+          </a:xfrm>
+          <a:prstGeom prst="rect">
+            <a:avLst/>
+          </a:prstGeom>
+        </p:spPr>
+      </p:pic>
+      <p:sp>
+        <p:nvSpPr>
+          <p:cNvPr id="7" name="Pfeil: nach rechts 6">
+            <a:extLst>
+              <a:ext uri="{FF2B5EF4-FFF2-40B4-BE49-F238E27FC236}">
+                <a16:creationId xmlns:a16="http://schemas.microsoft.com/office/drawing/2014/main" id="{E38168D3-44F2-B91E-DAA5-8299F0D3229B}"/>
+              </a:ext>
+            </a:extLst>
+          </p:cNvPr>
+          <p:cNvSpPr/>
+          <p:nvPr/>
+        </p:nvSpPr>
+        <p:spPr>
+          <a:xfrm rot="233965">
+            <a:off x="5537461" y="3749369"/>
+            <a:ext cx="1114615" cy="304820"/>
+          </a:xfrm>
+          <a:prstGeom prst="rightArrow">
+            <a:avLst/>
+          </a:prstGeom>
+          <a:solidFill>
+            <a:srgbClr val="FF0000"/>
+          </a:solidFill>
+        </p:spPr>
+        <p:style>
+          <a:lnRef idx="2">
+            <a:schemeClr val="accent1">
+              <a:shade val="15000"/>
+            </a:schemeClr>
+          </a:lnRef>
+          <a:fillRef idx="1">
+            <a:schemeClr val="accent1"/>
+          </a:fillRef>
+          <a:effectRef idx="0">
+            <a:schemeClr val="accent1"/>
+          </a:effectRef>
+          <a:fontRef idx="minor">
+            <a:schemeClr val="lt1"/>
+          </a:fontRef>
+        </p:style>
+        <p:txBody>
+          <a:bodyPr rtlCol="0" anchor="ctr"/>
+          <a:lstStyle/>
+          <a:p>
+            <a:pPr algn="ctr"/>
+            <a:endParaRPr lang="de-CH"/>
+          </a:p>
+        </p:txBody>
+      </p:sp>
+    </p:spTree>
+    <p:extLst>
+      <p:ext uri="{BB962C8B-B14F-4D97-AF65-F5344CB8AC3E}">
+        <p14:creationId xmlns:p14="http://schemas.microsoft.com/office/powerpoint/2010/main" val="489193019"/>
+      </p:ext>
+    </p:extLst>
+  </p:cSld>
+  <p:clrMapOvr>
+    <a:masterClrMapping/>
+  </p:clrMapOvr>
+</p:sld>
+</file>
+
+<file path=ppt/slides/slide10.xml><?xml version="1.0" encoding="utf-8"?>
+<p:sld xmlns:a="http://schemas.openxmlformats.org/drawingml/2006/main" xmlns:r="http://schemas.openxmlformats.org/officeDocument/2006/relationships" xmlns:p="http://schemas.openxmlformats.org/presentationml/2006/main">
+  <p:cSld>
+    <p:spTree>
+      <p:nvGrpSpPr>
+        <p:cNvPr id="1" name=""/>
+        <p:cNvGrpSpPr/>
+        <p:nvPr/>
+      </p:nvGrpSpPr>
+      <p:grpSpPr>
+        <a:xfrm>
+          <a:off x="0" y="0"/>
+          <a:ext cx="0" cy="0"/>
+          <a:chOff x="0" y="0"/>
+          <a:chExt cx="0" cy="0"/>
+        </a:xfrm>
+      </p:grpSpPr>
+    </p:spTree>
+    <p:extLst>
+      <p:ext uri="{BB962C8B-B14F-4D97-AF65-F5344CB8AC3E}">
+        <p14:creationId xmlns:p14="http://schemas.microsoft.com/office/powerpoint/2010/main" val="2699061922"/>
+      </p:ext>
+    </p:extLst>
+  </p:cSld>
+  <p:clrMapOvr>
+    <a:masterClrMapping/>
+  </p:clrMapOvr>
+</p:sld>
+</file>
+
+<file path=ppt/slides/slide2.xml><?xml version="1.0" encoding="utf-8"?>
+<p:sld xmlns:a="http://schemas.openxmlformats.org/drawingml/2006/main" xmlns:r="http://schemas.openxmlformats.org/officeDocument/2006/relationships" xmlns:p="http://schemas.openxmlformats.org/presentationml/2006/main">
+  <p:cSld>
+    <p:spTree>
+      <p:nvGrpSpPr>
+        <p:cNvPr id="1" name=""/>
+        <p:cNvGrpSpPr/>
+        <p:nvPr/>
+      </p:nvGrpSpPr>
+      <p:grpSpPr>
+        <a:xfrm>
+          <a:off x="0" y="0"/>
+          <a:ext cx="0" cy="0"/>
+          <a:chOff x="0" y="0"/>
+          <a:chExt cx="0" cy="0"/>
+        </a:xfrm>
+      </p:grpSpPr>
+      <p:sp>
+        <p:nvSpPr>
+          <p:cNvPr id="2" name="Textfeld 1">
+            <a:extLst>
+              <a:ext uri="{FF2B5EF4-FFF2-40B4-BE49-F238E27FC236}">
+                <a16:creationId xmlns:a16="http://schemas.microsoft.com/office/drawing/2014/main" id="{7B25BFB7-45D9-98A9-BD49-673B9AEEF2C8}"/>
+              </a:ext>
+            </a:extLst>
+          </p:cNvPr>
+          <p:cNvSpPr txBox="1"/>
+          <p:nvPr/>
+        </p:nvSpPr>
+        <p:spPr>
+          <a:xfrm>
+            <a:off x="0" y="203243"/>
+            <a:ext cx="12192000" cy="1508105"/>
+          </a:xfrm>
+          <a:prstGeom prst="rect">
+            <a:avLst/>
+          </a:prstGeom>
+          <a:noFill/>
+        </p:spPr>
+        <p:txBody>
+          <a:bodyPr wrap="square">
+            <a:spAutoFit/>
+          </a:bodyPr>
+          <a:lstStyle/>
+          <a:p>
+            <a:pPr algn="ctr"/>
+            <a:r>
+              <a:rPr lang="de-CH" b="1" dirty="0">
+                <a:latin typeface="Arial" panose="020B0604020202020204" pitchFamily="34" charset="0"/>
+                <a:cs typeface="Arial" panose="020B0604020202020204" pitchFamily="34" charset="0"/>
+              </a:rPr>
+              <a:t>GUI Control </a:t>
+            </a:r>
+            <a:r>
+              <a:rPr lang="de-CH" b="1" dirty="0" err="1">
+                <a:latin typeface="Arial" panose="020B0604020202020204" pitchFamily="34" charset="0"/>
+                <a:cs typeface="Arial" panose="020B0604020202020204" pitchFamily="34" charset="0"/>
+              </a:rPr>
+              <a:t>InputEventReservation</a:t>
+            </a:r>
+            <a:endParaRPr lang="de-CH" b="1" dirty="0">
+              <a:latin typeface="Arial" panose="020B0604020202020204" pitchFamily="34" charset="0"/>
+              <a:cs typeface="Arial" panose="020B0604020202020204" pitchFamily="34" charset="0"/>
+            </a:endParaRPr>
+          </a:p>
+          <a:p>
+            <a:pPr algn="ctr"/>
+            <a:endParaRPr lang="de-CH" sz="1400" b="1" dirty="0">
+              <a:latin typeface="Arial" panose="020B0604020202020204" pitchFamily="34" charset="0"/>
+              <a:cs typeface="Arial" panose="020B0604020202020204" pitchFamily="34" charset="0"/>
+            </a:endParaRPr>
+          </a:p>
+          <a:p>
+            <a:pPr algn="ctr"/>
+            <a:r>
+              <a:rPr lang="de-CH" sz="1200" b="1" dirty="0">
+                <a:latin typeface="Arial" panose="020B0604020202020204" pitchFamily="34" charset="0"/>
+                <a:cs typeface="Arial" panose="020B0604020202020204" pitchFamily="34" charset="0"/>
+              </a:rPr>
+              <a:t>Kann angepasst werden (Texte, Farben, …)</a:t>
+            </a:r>
+          </a:p>
+          <a:p>
+            <a:pPr algn="ctr"/>
+            <a:r>
+              <a:rPr lang="de-CH" sz="1200" b="1" dirty="0">
+                <a:latin typeface="Arial" panose="020B0604020202020204" pitchFamily="34" charset="0"/>
+                <a:cs typeface="Arial" panose="020B0604020202020204" pitchFamily="34" charset="0"/>
+              </a:rPr>
+              <a:t>Elemente wie Dropdown, Preise, Info, … können weggenommen werden</a:t>
+            </a:r>
+          </a:p>
+          <a:p>
+            <a:pPr algn="ctr"/>
+            <a:r>
+              <a:rPr lang="de-CH" sz="1200" b="1" dirty="0">
+                <a:latin typeface="Arial" panose="020B0604020202020204" pitchFamily="34" charset="0"/>
+                <a:cs typeface="Arial" panose="020B0604020202020204" pitchFamily="34" charset="0"/>
+              </a:rPr>
+              <a:t>Hat vorprogrammierte Texte in drei Sprachen (Deutsch, English, Schwedisch)</a:t>
+            </a:r>
+          </a:p>
+          <a:p>
+            <a:pPr algn="ctr"/>
+            <a:r>
+              <a:rPr lang="de-CH" sz="1200" b="1" dirty="0">
+                <a:latin typeface="Arial" panose="020B0604020202020204" pitchFamily="34" charset="0"/>
+                <a:cs typeface="Arial" panose="020B0604020202020204" pitchFamily="34" charset="0"/>
+              </a:rPr>
+              <a:t>Kann implementiert auf  jede Homepage werden</a:t>
+            </a:r>
+          </a:p>
+          <a:p>
+            <a:pPr algn="ctr"/>
+            <a:r>
+              <a:rPr lang="de-CH" sz="1200" b="1" dirty="0">
+                <a:latin typeface="Arial" panose="020B0604020202020204" pitchFamily="34" charset="0"/>
+                <a:cs typeface="Arial" panose="020B0604020202020204" pitchFamily="34" charset="0"/>
+              </a:rPr>
+              <a:t>Es gibt eine Web Applikation mit der GUI Control (EventReservation.htm)</a:t>
+            </a:r>
+          </a:p>
+        </p:txBody>
+      </p:sp>
+      <p:pic>
+        <p:nvPicPr>
+          <p:cNvPr id="6" name="Grafik 5">
+            <a:extLst>
+              <a:ext uri="{FF2B5EF4-FFF2-40B4-BE49-F238E27FC236}">
+                <a16:creationId xmlns:a16="http://schemas.microsoft.com/office/drawing/2014/main" id="{67855645-9DD2-3B0D-E788-DCA25DAF94FF}"/>
+              </a:ext>
+            </a:extLst>
+          </p:cNvPr>
+          <p:cNvPicPr>
+            <a:picLocks noChangeAspect="1"/>
+          </p:cNvPicPr>
+          <p:nvPr/>
+        </p:nvPicPr>
+        <p:blipFill>
+          <a:blip r:embed="rId2"/>
+          <a:stretch>
+            <a:fillRect/>
+          </a:stretch>
+        </p:blipFill>
+        <p:spPr>
+          <a:xfrm>
+            <a:off x="3147871" y="4095930"/>
+            <a:ext cx="1612299" cy="1017387"/>
+          </a:xfrm>
+          <a:prstGeom prst="rect">
+            <a:avLst/>
+          </a:prstGeom>
+        </p:spPr>
+      </p:pic>
+      <p:pic>
+        <p:nvPicPr>
+          <p:cNvPr id="8" name="Grafik 7">
+            <a:extLst>
+              <a:ext uri="{FF2B5EF4-FFF2-40B4-BE49-F238E27FC236}">
+                <a16:creationId xmlns:a16="http://schemas.microsoft.com/office/drawing/2014/main" id="{95B4A5FA-60FB-4F47-E0DE-652AD98540DE}"/>
+              </a:ext>
+            </a:extLst>
+          </p:cNvPr>
+          <p:cNvPicPr>
+            <a:picLocks noChangeAspect="1"/>
+          </p:cNvPicPr>
+          <p:nvPr/>
+        </p:nvPicPr>
+        <p:blipFill>
+          <a:blip r:embed="rId3"/>
+          <a:stretch>
+            <a:fillRect/>
+          </a:stretch>
+        </p:blipFill>
+        <p:spPr>
+          <a:xfrm>
+            <a:off x="3147871" y="1908591"/>
+            <a:ext cx="1577813" cy="995833"/>
+          </a:xfrm>
+          <a:prstGeom prst="rect">
+            <a:avLst/>
+          </a:prstGeom>
+        </p:spPr>
+      </p:pic>
+      <p:pic>
+        <p:nvPicPr>
+          <p:cNvPr id="10" name="Grafik 9">
+            <a:extLst>
+              <a:ext uri="{FF2B5EF4-FFF2-40B4-BE49-F238E27FC236}">
+                <a16:creationId xmlns:a16="http://schemas.microsoft.com/office/drawing/2014/main" id="{E560E03C-86A8-27B4-67A5-FF9886E15CB2}"/>
+              </a:ext>
+            </a:extLst>
+          </p:cNvPr>
+          <p:cNvPicPr>
+            <a:picLocks noChangeAspect="1"/>
+          </p:cNvPicPr>
+          <p:nvPr/>
+        </p:nvPicPr>
+        <p:blipFill>
+          <a:blip r:embed="rId4"/>
+          <a:stretch>
+            <a:fillRect/>
+          </a:stretch>
+        </p:blipFill>
+        <p:spPr>
+          <a:xfrm>
+            <a:off x="3173516" y="2995795"/>
+            <a:ext cx="1560567" cy="1008764"/>
+          </a:xfrm>
+          <a:prstGeom prst="rect">
+            <a:avLst/>
+          </a:prstGeom>
+        </p:spPr>
+      </p:pic>
+      <p:pic>
+        <p:nvPicPr>
+          <p:cNvPr id="16" name="Grafik 15">
+            <a:extLst>
+              <a:ext uri="{FF2B5EF4-FFF2-40B4-BE49-F238E27FC236}">
+                <a16:creationId xmlns:a16="http://schemas.microsoft.com/office/drawing/2014/main" id="{068B657C-6E39-735F-C82E-FFCDFE98F4FB}"/>
+              </a:ext>
+            </a:extLst>
+          </p:cNvPr>
+          <p:cNvPicPr>
+            <a:picLocks noChangeAspect="1"/>
+          </p:cNvPicPr>
+          <p:nvPr/>
+        </p:nvPicPr>
+        <p:blipFill>
+          <a:blip r:embed="rId5"/>
+          <a:stretch>
+            <a:fillRect/>
+          </a:stretch>
+        </p:blipFill>
+        <p:spPr>
+          <a:xfrm>
+            <a:off x="7276109" y="1908592"/>
+            <a:ext cx="1718635" cy="1967016"/>
+          </a:xfrm>
+          <a:prstGeom prst="rect">
+            <a:avLst/>
+          </a:prstGeom>
+        </p:spPr>
+      </p:pic>
+      <p:pic>
+        <p:nvPicPr>
+          <p:cNvPr id="20" name="Grafik 19">
+            <a:extLst>
+              <a:ext uri="{FF2B5EF4-FFF2-40B4-BE49-F238E27FC236}">
+                <a16:creationId xmlns:a16="http://schemas.microsoft.com/office/drawing/2014/main" id="{F0019765-5EFC-E237-89F8-EF949DCBC985}"/>
+              </a:ext>
+            </a:extLst>
+          </p:cNvPr>
+          <p:cNvPicPr>
+            <a:picLocks noChangeAspect="1"/>
+          </p:cNvPicPr>
+          <p:nvPr/>
+        </p:nvPicPr>
+        <p:blipFill>
+          <a:blip r:embed="rId6"/>
+          <a:stretch>
+            <a:fillRect/>
+          </a:stretch>
+        </p:blipFill>
+        <p:spPr>
+          <a:xfrm>
+            <a:off x="4793987" y="1908591"/>
+            <a:ext cx="2413819" cy="3234399"/>
+          </a:xfrm>
+          <a:prstGeom prst="rect">
+            <a:avLst/>
+          </a:prstGeom>
+        </p:spPr>
+      </p:pic>
+    </p:spTree>
+    <p:extLst>
+      <p:ext uri="{BB962C8B-B14F-4D97-AF65-F5344CB8AC3E}">
+        <p14:creationId xmlns:p14="http://schemas.microsoft.com/office/powerpoint/2010/main" val="1337667926"/>
+      </p:ext>
+    </p:extLst>
+  </p:cSld>
+  <p:clrMapOvr>
+    <a:masterClrMapping/>
+  </p:clrMapOvr>
+</p:sld>
+</file>
+
+<file path=ppt/slides/slide3.xml><?xml version="1.0" encoding="utf-8"?>
+<p:sld xmlns:a="http://schemas.openxmlformats.org/drawingml/2006/main" xmlns:r="http://schemas.openxmlformats.org/officeDocument/2006/relationships" xmlns:p="http://schemas.openxmlformats.org/presentationml/2006/main">
+  <p:cSld>
+    <p:spTree>
+      <p:nvGrpSpPr>
+        <p:cNvPr id="1" name=""/>
+        <p:cNvGrpSpPr/>
+        <p:nvPr/>
+      </p:nvGrpSpPr>
+      <p:grpSpPr>
+        <a:xfrm>
+          <a:off x="0" y="0"/>
+          <a:ext cx="0" cy="0"/>
+          <a:chOff x="0" y="0"/>
+          <a:chExt cx="0" cy="0"/>
+        </a:xfrm>
+      </p:grpSpPr>
+      <p:sp>
+        <p:nvSpPr>
+          <p:cNvPr id="2" name="Textfeld 1">
+            <a:extLst>
+              <a:ext uri="{FF2B5EF4-FFF2-40B4-BE49-F238E27FC236}">
+                <a16:creationId xmlns:a16="http://schemas.microsoft.com/office/drawing/2014/main" id="{223E6028-BDF8-E52F-5F9D-9AE11A96A5C9}"/>
+              </a:ext>
+            </a:extLst>
+          </p:cNvPr>
+          <p:cNvSpPr txBox="1"/>
+          <p:nvPr/>
+        </p:nvSpPr>
+        <p:spPr>
+          <a:xfrm>
+            <a:off x="0" y="203243"/>
+            <a:ext cx="12192000" cy="800219"/>
+          </a:xfrm>
+          <a:prstGeom prst="rect">
+            <a:avLst/>
+          </a:prstGeom>
+          <a:noFill/>
+        </p:spPr>
+        <p:txBody>
+          <a:bodyPr wrap="square">
+            <a:spAutoFit/>
+          </a:bodyPr>
+          <a:lstStyle/>
+          <a:p>
+            <a:pPr algn="ctr"/>
+            <a:r>
+              <a:rPr lang="de-CH" b="1" dirty="0">
+                <a:latin typeface="Arial" panose="020B0604020202020204" pitchFamily="34" charset="0"/>
+                <a:cs typeface="Arial" panose="020B0604020202020204" pitchFamily="34" charset="0"/>
+              </a:rPr>
+              <a:t>GUI Control </a:t>
+            </a:r>
+            <a:r>
+              <a:rPr lang="de-CH" b="1" dirty="0" err="1">
+                <a:latin typeface="Arial" panose="020B0604020202020204" pitchFamily="34" charset="0"/>
+                <a:cs typeface="Arial" panose="020B0604020202020204" pitchFamily="34" charset="0"/>
+              </a:rPr>
+              <a:t>InputEventReservation</a:t>
+            </a:r>
+            <a:endParaRPr lang="de-CH" b="1" dirty="0">
+              <a:latin typeface="Arial" panose="020B0604020202020204" pitchFamily="34" charset="0"/>
+              <a:cs typeface="Arial" panose="020B0604020202020204" pitchFamily="34" charset="0"/>
+            </a:endParaRPr>
+          </a:p>
+          <a:p>
+            <a:pPr algn="ctr"/>
+            <a:endParaRPr lang="de-CH" sz="1400" b="1" dirty="0">
+              <a:latin typeface="Arial" panose="020B0604020202020204" pitchFamily="34" charset="0"/>
+              <a:cs typeface="Arial" panose="020B0604020202020204" pitchFamily="34" charset="0"/>
+            </a:endParaRPr>
+          </a:p>
+          <a:p>
+            <a:pPr algn="ctr"/>
+            <a:r>
+              <a:rPr lang="de-CH" sz="1400" b="1" dirty="0">
+                <a:latin typeface="Arial" panose="020B0604020202020204" pitchFamily="34" charset="0"/>
+                <a:cs typeface="Arial" panose="020B0604020202020204" pitchFamily="34" charset="0"/>
+              </a:rPr>
+              <a:t>Textquellen</a:t>
+            </a:r>
+          </a:p>
+        </p:txBody>
+      </p:sp>
+      <p:pic>
+        <p:nvPicPr>
+          <p:cNvPr id="4" name="Grafik 3">
+            <a:extLst>
+              <a:ext uri="{FF2B5EF4-FFF2-40B4-BE49-F238E27FC236}">
+                <a16:creationId xmlns:a16="http://schemas.microsoft.com/office/drawing/2014/main" id="{33A52F0C-EC9B-DF56-E524-1C19CCB2909B}"/>
+              </a:ext>
+            </a:extLst>
+          </p:cNvPr>
+          <p:cNvPicPr>
+            <a:picLocks noChangeAspect="1"/>
+          </p:cNvPicPr>
+          <p:nvPr/>
+        </p:nvPicPr>
+        <p:blipFill>
+          <a:blip r:embed="rId2"/>
+          <a:stretch>
+            <a:fillRect/>
+          </a:stretch>
+        </p:blipFill>
+        <p:spPr>
+          <a:xfrm>
+            <a:off x="2620653" y="1231411"/>
+            <a:ext cx="3014042" cy="4061421"/>
+          </a:xfrm>
+          <a:prstGeom prst="rect">
+            <a:avLst/>
+          </a:prstGeom>
+        </p:spPr>
+      </p:pic>
+      <p:sp>
+        <p:nvSpPr>
+          <p:cNvPr id="5" name="Textfeld 4">
+            <a:extLst>
+              <a:ext uri="{FF2B5EF4-FFF2-40B4-BE49-F238E27FC236}">
+                <a16:creationId xmlns:a16="http://schemas.microsoft.com/office/drawing/2014/main" id="{F632CF03-544B-A5D6-A07A-EDBFA0A385DC}"/>
+              </a:ext>
+            </a:extLst>
+          </p:cNvPr>
+          <p:cNvSpPr txBox="1"/>
+          <p:nvPr/>
+        </p:nvSpPr>
+        <p:spPr>
+          <a:xfrm>
+            <a:off x="5784308" y="1174804"/>
+            <a:ext cx="3544479" cy="2092881"/>
+          </a:xfrm>
+          <a:prstGeom prst="rect">
+            <a:avLst/>
+          </a:prstGeom>
+          <a:noFill/>
+        </p:spPr>
+        <p:txBody>
+          <a:bodyPr wrap="square">
+            <a:spAutoFit/>
+          </a:bodyPr>
+          <a:lstStyle/>
+          <a:p>
+            <a:r>
+              <a:rPr lang="de-CH" sz="1600" b="1" dirty="0">
+                <a:latin typeface="Arial" panose="020B0604020202020204" pitchFamily="34" charset="0"/>
+                <a:cs typeface="Arial" panose="020B0604020202020204" pitchFamily="34" charset="0"/>
+              </a:rPr>
+              <a:t>OrganisationEventProgram.xml</a:t>
+            </a:r>
+          </a:p>
+          <a:p>
+            <a:r>
+              <a:rPr lang="de-CH" sz="1000" b="1" dirty="0">
+                <a:latin typeface="Arial" panose="020B0604020202020204" pitchFamily="34" charset="0"/>
+                <a:cs typeface="Arial" panose="020B0604020202020204" pitchFamily="34" charset="0"/>
+              </a:rPr>
+              <a:t>&lt;</a:t>
+            </a:r>
+            <a:r>
+              <a:rPr lang="de-CH" sz="1000" b="1" dirty="0" err="1">
+                <a:latin typeface="Arial" panose="020B0604020202020204" pitchFamily="34" charset="0"/>
+                <a:cs typeface="Arial" panose="020B0604020202020204" pitchFamily="34" charset="0"/>
+              </a:rPr>
+              <a:t>event</a:t>
+            </a:r>
+            <a:r>
+              <a:rPr lang="de-CH" sz="1000" b="1" dirty="0">
+                <a:latin typeface="Arial" panose="020B0604020202020204" pitchFamily="34" charset="0"/>
+                <a:cs typeface="Arial" panose="020B0604020202020204" pitchFamily="34" charset="0"/>
+              </a:rPr>
+              <a:t>&gt;</a:t>
+            </a:r>
+          </a:p>
+          <a:p>
+            <a:r>
+              <a:rPr lang="de-CH" sz="1000" b="1" dirty="0">
+                <a:latin typeface="Arial" panose="020B0604020202020204" pitchFamily="34" charset="0"/>
+                <a:cs typeface="Arial" panose="020B0604020202020204" pitchFamily="34" charset="0"/>
+              </a:rPr>
+              <a:t>   &lt;Year&gt;2025&lt;/Year&gt;</a:t>
+            </a:r>
+          </a:p>
+          <a:p>
+            <a:r>
+              <a:rPr lang="en-US" sz="1000" b="1" dirty="0">
+                <a:latin typeface="Arial" panose="020B0604020202020204" pitchFamily="34" charset="0"/>
+                <a:cs typeface="Arial" panose="020B0604020202020204" pitchFamily="34" charset="0"/>
+              </a:rPr>
+              <a:t>   &lt;Month&gt;1&lt;/Month&gt;</a:t>
+            </a:r>
+          </a:p>
+          <a:p>
+            <a:r>
+              <a:rPr lang="en-US" sz="1000" b="1" dirty="0">
+                <a:latin typeface="Arial" panose="020B0604020202020204" pitchFamily="34" charset="0"/>
+                <a:cs typeface="Arial" panose="020B0604020202020204" pitchFamily="34" charset="0"/>
+              </a:rPr>
+              <a:t>   &lt;Day&gt;11&lt;/Day&gt;</a:t>
+            </a:r>
+          </a:p>
+          <a:p>
+            <a:r>
+              <a:rPr lang="en-US" sz="1000" b="1" dirty="0">
+                <a:latin typeface="Arial" panose="020B0604020202020204" pitchFamily="34" charset="0"/>
+                <a:cs typeface="Arial" panose="020B0604020202020204" pitchFamily="34" charset="0"/>
+              </a:rPr>
+              <a:t>   &lt;Place&gt;</a:t>
+            </a:r>
+            <a:r>
+              <a:rPr lang="en-US" sz="1000" b="1" dirty="0" err="1">
+                <a:latin typeface="Arial" panose="020B0604020202020204" pitchFamily="34" charset="0"/>
+                <a:cs typeface="Arial" panose="020B0604020202020204" pitchFamily="34" charset="0"/>
+              </a:rPr>
+              <a:t>Spagi</a:t>
+            </a:r>
+            <a:r>
+              <a:rPr lang="en-US" sz="1000" b="1" dirty="0">
+                <a:latin typeface="Arial" panose="020B0604020202020204" pitchFamily="34" charset="0"/>
+                <a:cs typeface="Arial" panose="020B0604020202020204" pitchFamily="34" charset="0"/>
+              </a:rPr>
+              <a:t> by Marcello&lt;/Place&gt;</a:t>
+            </a:r>
+          </a:p>
+          <a:p>
+            <a:r>
+              <a:rPr lang="en-US" sz="1000" b="1" dirty="0">
+                <a:latin typeface="Arial" panose="020B0604020202020204" pitchFamily="34" charset="0"/>
+                <a:cs typeface="Arial" panose="020B0604020202020204" pitchFamily="34" charset="0"/>
+              </a:rPr>
+              <a:t>   &lt;Street&gt;</a:t>
+            </a:r>
+            <a:r>
+              <a:rPr lang="en-US" sz="1000" b="1" dirty="0" err="1">
+                <a:latin typeface="Arial" panose="020B0604020202020204" pitchFamily="34" charset="0"/>
+                <a:cs typeface="Arial" panose="020B0604020202020204" pitchFamily="34" charset="0"/>
+              </a:rPr>
+              <a:t>Metzgergasse</a:t>
+            </a:r>
+            <a:r>
+              <a:rPr lang="en-US" sz="1000" b="1" dirty="0">
+                <a:latin typeface="Arial" panose="020B0604020202020204" pitchFamily="34" charset="0"/>
+                <a:cs typeface="Arial" panose="020B0604020202020204" pitchFamily="34" charset="0"/>
+              </a:rPr>
+              <a:t> 8&lt;/Street&gt;</a:t>
+            </a:r>
+          </a:p>
+          <a:p>
+            <a:r>
+              <a:rPr lang="en-US" sz="1000" b="1" dirty="0">
+                <a:latin typeface="Arial" panose="020B0604020202020204" pitchFamily="34" charset="0"/>
+                <a:cs typeface="Arial" panose="020B0604020202020204" pitchFamily="34" charset="0"/>
+              </a:rPr>
+              <a:t>   &lt;City&gt;5000 Aarau&lt;/City&gt;</a:t>
+            </a:r>
+          </a:p>
+          <a:p>
+            <a:r>
+              <a:rPr lang="en-US" sz="1000" b="1" dirty="0">
+                <a:latin typeface="Arial" panose="020B0604020202020204" pitchFamily="34" charset="0"/>
+                <a:cs typeface="Arial" panose="020B0604020202020204" pitchFamily="34" charset="0"/>
+              </a:rPr>
+              <a:t>   &lt;</a:t>
+            </a:r>
+            <a:r>
+              <a:rPr lang="en-US" sz="1000" b="1" dirty="0" err="1">
+                <a:latin typeface="Arial" panose="020B0604020202020204" pitchFamily="34" charset="0"/>
+                <a:cs typeface="Arial" panose="020B0604020202020204" pitchFamily="34" charset="0"/>
+              </a:rPr>
+              <a:t>EventName</a:t>
+            </a:r>
+            <a:r>
+              <a:rPr lang="en-US" sz="1000" b="1" dirty="0">
+                <a:latin typeface="Arial" panose="020B0604020202020204" pitchFamily="34" charset="0"/>
+                <a:cs typeface="Arial" panose="020B0604020202020204" pitchFamily="34" charset="0"/>
+              </a:rPr>
+              <a:t>&gt;Oliver …&lt;/</a:t>
+            </a:r>
+            <a:r>
+              <a:rPr lang="en-US" sz="1000" b="1" dirty="0" err="1">
+                <a:latin typeface="Arial" panose="020B0604020202020204" pitchFamily="34" charset="0"/>
+                <a:cs typeface="Arial" panose="020B0604020202020204" pitchFamily="34" charset="0"/>
+              </a:rPr>
+              <a:t>EventName</a:t>
+            </a:r>
+            <a:r>
+              <a:rPr lang="en-US" sz="1000" b="1" dirty="0">
+                <a:latin typeface="Arial" panose="020B0604020202020204" pitchFamily="34" charset="0"/>
+                <a:cs typeface="Arial" panose="020B0604020202020204" pitchFamily="34" charset="0"/>
+              </a:rPr>
+              <a:t>&gt;</a:t>
+            </a:r>
+          </a:p>
+          <a:p>
+            <a:r>
+              <a:rPr lang="de-CH" sz="1000" b="1" dirty="0">
+                <a:latin typeface="Arial" panose="020B0604020202020204" pitchFamily="34" charset="0"/>
+                <a:cs typeface="Arial" panose="020B0604020202020204" pitchFamily="34" charset="0"/>
+              </a:rPr>
+              <a:t>   &lt;Prices&gt;Eintritt: ..&lt;/Prices&gt;</a:t>
+            </a:r>
+          </a:p>
+          <a:p>
+            <a:r>
+              <a:rPr lang="de-CH" sz="1000" b="1" dirty="0">
+                <a:latin typeface="Arial" panose="020B0604020202020204" pitchFamily="34" charset="0"/>
+                <a:cs typeface="Arial" panose="020B0604020202020204" pitchFamily="34" charset="0"/>
+              </a:rPr>
+              <a:t>   &lt;</a:t>
+            </a:r>
+            <a:r>
+              <a:rPr lang="de-CH" sz="1000" b="1" dirty="0" err="1">
+                <a:latin typeface="Arial" panose="020B0604020202020204" pitchFamily="34" charset="0"/>
+                <a:cs typeface="Arial" panose="020B0604020202020204" pitchFamily="34" charset="0"/>
+              </a:rPr>
+              <a:t>Instructions</a:t>
+            </a:r>
+            <a:r>
+              <a:rPr lang="de-CH" sz="1000" b="1" dirty="0">
+                <a:latin typeface="Arial" panose="020B0604020202020204" pitchFamily="34" charset="0"/>
+                <a:cs typeface="Arial" panose="020B0604020202020204" pitchFamily="34" charset="0"/>
+              </a:rPr>
+              <a:t>&gt;Für </a:t>
+            </a:r>
+            <a:r>
+              <a:rPr lang="de-CH" sz="1000" b="1" dirty="0" err="1">
+                <a:latin typeface="Arial" panose="020B0604020202020204" pitchFamily="34" charset="0"/>
+                <a:cs typeface="Arial" panose="020B0604020202020204" pitchFamily="34" charset="0"/>
+              </a:rPr>
+              <a:t>Reserv</a:t>
+            </a:r>
+            <a:r>
+              <a:rPr lang="de-CH" sz="1000" b="1" dirty="0">
+                <a:latin typeface="Arial" panose="020B0604020202020204" pitchFamily="34" charset="0"/>
+                <a:cs typeface="Arial" panose="020B0604020202020204" pitchFamily="34" charset="0"/>
+              </a:rPr>
+              <a:t>…&lt;/</a:t>
+            </a:r>
+            <a:r>
+              <a:rPr lang="de-CH" sz="1000" b="1" dirty="0" err="1">
+                <a:latin typeface="Arial" panose="020B0604020202020204" pitchFamily="34" charset="0"/>
+                <a:cs typeface="Arial" panose="020B0604020202020204" pitchFamily="34" charset="0"/>
+              </a:rPr>
+              <a:t>Instructions</a:t>
+            </a:r>
+            <a:r>
+              <a:rPr lang="de-CH" sz="1000" b="1" dirty="0">
+                <a:latin typeface="Arial" panose="020B0604020202020204" pitchFamily="34" charset="0"/>
+                <a:cs typeface="Arial" panose="020B0604020202020204" pitchFamily="34" charset="0"/>
+              </a:rPr>
+              <a:t>&gt;</a:t>
+            </a:r>
+          </a:p>
+          <a:p>
+            <a:r>
+              <a:rPr lang="de-CH" sz="1000" b="1" dirty="0">
+                <a:latin typeface="Arial" panose="020B0604020202020204" pitchFamily="34" charset="0"/>
+                <a:cs typeface="Arial" panose="020B0604020202020204" pitchFamily="34" charset="0"/>
+              </a:rPr>
+              <a:t>&lt;/</a:t>
+            </a:r>
+            <a:r>
+              <a:rPr lang="de-CH" sz="1000" b="1" dirty="0" err="1">
+                <a:latin typeface="Arial" panose="020B0604020202020204" pitchFamily="34" charset="0"/>
+                <a:cs typeface="Arial" panose="020B0604020202020204" pitchFamily="34" charset="0"/>
+              </a:rPr>
+              <a:t>event</a:t>
+            </a:r>
+            <a:r>
+              <a:rPr lang="de-CH" sz="1000" b="1" dirty="0">
+                <a:latin typeface="Arial" panose="020B0604020202020204" pitchFamily="34" charset="0"/>
+                <a:cs typeface="Arial" panose="020B0604020202020204" pitchFamily="34" charset="0"/>
+              </a:rPr>
+              <a:t>&gt;</a:t>
+            </a:r>
+          </a:p>
+        </p:txBody>
+      </p:sp>
+      <p:sp>
+        <p:nvSpPr>
+          <p:cNvPr id="6" name="Textfeld 5">
+            <a:extLst>
+              <a:ext uri="{FF2B5EF4-FFF2-40B4-BE49-F238E27FC236}">
+                <a16:creationId xmlns:a16="http://schemas.microsoft.com/office/drawing/2014/main" id="{A0F22FCF-7E71-F585-2A5A-0C3E09CF2364}"/>
+              </a:ext>
+            </a:extLst>
+          </p:cNvPr>
+          <p:cNvSpPr txBox="1"/>
+          <p:nvPr/>
+        </p:nvSpPr>
+        <p:spPr>
+          <a:xfrm>
+            <a:off x="5784308" y="3141448"/>
+            <a:ext cx="3139126" cy="2185214"/>
+          </a:xfrm>
+          <a:prstGeom prst="rect">
+            <a:avLst/>
+          </a:prstGeom>
+          <a:noFill/>
+        </p:spPr>
+        <p:txBody>
+          <a:bodyPr wrap="square">
+            <a:spAutoFit/>
+          </a:bodyPr>
+          <a:lstStyle/>
+          <a:p>
+            <a:r>
+              <a:rPr lang="de-CH" sz="1600" b="1" dirty="0">
+                <a:latin typeface="Arial" panose="020B0604020202020204" pitchFamily="34" charset="0"/>
+                <a:cs typeface="Arial" panose="020B0604020202020204" pitchFamily="34" charset="0"/>
+              </a:rPr>
+              <a:t>InputEventReservationText.js</a:t>
+            </a:r>
+          </a:p>
+          <a:p>
+            <a:r>
+              <a:rPr lang="de-CH" sz="1000" b="1" dirty="0" err="1">
+                <a:latin typeface="Arial" panose="020B0604020202020204" pitchFamily="34" charset="0"/>
+                <a:cs typeface="Arial" panose="020B0604020202020204" pitchFamily="34" charset="0"/>
+              </a:rPr>
+              <a:t>defaultLabelName</a:t>
+            </a:r>
+            <a:r>
+              <a:rPr lang="de-CH" sz="1000" b="1" dirty="0">
+                <a:latin typeface="Arial" panose="020B0604020202020204" pitchFamily="34" charset="0"/>
+                <a:cs typeface="Arial" panose="020B0604020202020204" pitchFamily="34" charset="0"/>
+              </a:rPr>
+              <a:t>()</a:t>
+            </a:r>
+          </a:p>
+          <a:p>
+            <a:r>
+              <a:rPr lang="de-CH" sz="1000" b="1" dirty="0">
+                <a:latin typeface="Arial" panose="020B0604020202020204" pitchFamily="34" charset="0"/>
+                <a:cs typeface="Arial" panose="020B0604020202020204" pitchFamily="34" charset="0"/>
+              </a:rPr>
+              <a:t>{</a:t>
+            </a:r>
+          </a:p>
+          <a:p>
+            <a:r>
+              <a:rPr lang="de-CH" sz="1000" b="1" dirty="0">
+                <a:latin typeface="Arial" panose="020B0604020202020204" pitchFamily="34" charset="0"/>
+                <a:cs typeface="Arial" panose="020B0604020202020204" pitchFamily="34" charset="0"/>
+              </a:rPr>
+              <a:t>       </a:t>
+            </a:r>
+            <a:r>
+              <a:rPr lang="de-CH" sz="1000" b="1" dirty="0" err="1">
+                <a:latin typeface="Arial" panose="020B0604020202020204" pitchFamily="34" charset="0"/>
+                <a:cs typeface="Arial" panose="020B0604020202020204" pitchFamily="34" charset="0"/>
+              </a:rPr>
+              <a:t>setGerman</a:t>
+            </a:r>
+            <a:r>
+              <a:rPr lang="de-CH" sz="1000" b="1" dirty="0">
+                <a:latin typeface="Arial" panose="020B0604020202020204" pitchFamily="34" charset="0"/>
+                <a:cs typeface="Arial" panose="020B0604020202020204" pitchFamily="34" charset="0"/>
+              </a:rPr>
+              <a:t>("Vorname und Nachname: *");</a:t>
+            </a:r>
+          </a:p>
+          <a:p>
+            <a:r>
+              <a:rPr lang="de-CH" sz="1000" b="1" dirty="0">
+                <a:latin typeface="Arial" panose="020B0604020202020204" pitchFamily="34" charset="0"/>
+                <a:cs typeface="Arial" panose="020B0604020202020204" pitchFamily="34" charset="0"/>
+              </a:rPr>
+              <a:t>       </a:t>
+            </a:r>
+            <a:r>
+              <a:rPr lang="de-CH" sz="1000" b="1" dirty="0" err="1">
+                <a:latin typeface="Arial" panose="020B0604020202020204" pitchFamily="34" charset="0"/>
+                <a:cs typeface="Arial" panose="020B0604020202020204" pitchFamily="34" charset="0"/>
+              </a:rPr>
+              <a:t>setEnglish</a:t>
+            </a:r>
+            <a:r>
+              <a:rPr lang="de-CH" sz="1000" b="1" dirty="0">
+                <a:latin typeface="Arial" panose="020B0604020202020204" pitchFamily="34" charset="0"/>
+                <a:cs typeface="Arial" panose="020B0604020202020204" pitchFamily="34" charset="0"/>
+              </a:rPr>
+              <a:t>("First </a:t>
+            </a:r>
+            <a:r>
+              <a:rPr lang="de-CH" sz="1000" b="1" dirty="0" err="1">
+                <a:latin typeface="Arial" panose="020B0604020202020204" pitchFamily="34" charset="0"/>
+                <a:cs typeface="Arial" panose="020B0604020202020204" pitchFamily="34" charset="0"/>
+              </a:rPr>
+              <a:t>name</a:t>
+            </a:r>
+            <a:r>
+              <a:rPr lang="de-CH" sz="1000" b="1" dirty="0">
+                <a:latin typeface="Arial" panose="020B0604020202020204" pitchFamily="34" charset="0"/>
+                <a:cs typeface="Arial" panose="020B0604020202020204" pitchFamily="34" charset="0"/>
+              </a:rPr>
+              <a:t> and </a:t>
+            </a:r>
+            <a:r>
+              <a:rPr lang="de-CH" sz="1000" b="1" dirty="0" err="1">
+                <a:latin typeface="Arial" panose="020B0604020202020204" pitchFamily="34" charset="0"/>
+                <a:cs typeface="Arial" panose="020B0604020202020204" pitchFamily="34" charset="0"/>
+              </a:rPr>
+              <a:t>family</a:t>
+            </a:r>
+            <a:r>
+              <a:rPr lang="de-CH" sz="1000" b="1" dirty="0">
+                <a:latin typeface="Arial" panose="020B0604020202020204" pitchFamily="34" charset="0"/>
+                <a:cs typeface="Arial" panose="020B0604020202020204" pitchFamily="34" charset="0"/>
+              </a:rPr>
+              <a:t> </a:t>
+            </a:r>
+            <a:r>
+              <a:rPr lang="de-CH" sz="1000" b="1" dirty="0" err="1">
+                <a:latin typeface="Arial" panose="020B0604020202020204" pitchFamily="34" charset="0"/>
+                <a:cs typeface="Arial" panose="020B0604020202020204" pitchFamily="34" charset="0"/>
+              </a:rPr>
+              <a:t>name</a:t>
+            </a:r>
+            <a:r>
+              <a:rPr lang="de-CH" sz="1000" b="1" dirty="0">
+                <a:latin typeface="Arial" panose="020B0604020202020204" pitchFamily="34" charset="0"/>
+                <a:cs typeface="Arial" panose="020B0604020202020204" pitchFamily="34" charset="0"/>
+              </a:rPr>
+              <a:t>: *");</a:t>
+            </a:r>
+          </a:p>
+          <a:p>
+            <a:r>
+              <a:rPr lang="de-CH" sz="1000" b="1" dirty="0">
+                <a:latin typeface="Arial" panose="020B0604020202020204" pitchFamily="34" charset="0"/>
+                <a:cs typeface="Arial" panose="020B0604020202020204" pitchFamily="34" charset="0"/>
+              </a:rPr>
+              <a:t>       </a:t>
+            </a:r>
+            <a:r>
+              <a:rPr lang="de-CH" sz="1000" b="1" dirty="0" err="1">
+                <a:latin typeface="Arial" panose="020B0604020202020204" pitchFamily="34" charset="0"/>
+                <a:cs typeface="Arial" panose="020B0604020202020204" pitchFamily="34" charset="0"/>
+              </a:rPr>
+              <a:t>setSwedish</a:t>
+            </a:r>
+            <a:r>
+              <a:rPr lang="de-CH" sz="1000" b="1" dirty="0">
+                <a:latin typeface="Arial" panose="020B0604020202020204" pitchFamily="34" charset="0"/>
+                <a:cs typeface="Arial" panose="020B0604020202020204" pitchFamily="34" charset="0"/>
+              </a:rPr>
+              <a:t>("</a:t>
+            </a:r>
+            <a:r>
+              <a:rPr lang="de-CH" sz="1000" b="1" dirty="0" err="1">
+                <a:latin typeface="Arial" panose="020B0604020202020204" pitchFamily="34" charset="0"/>
+                <a:cs typeface="Arial" panose="020B0604020202020204" pitchFamily="34" charset="0"/>
+              </a:rPr>
+              <a:t>Förnamn</a:t>
+            </a:r>
+            <a:r>
+              <a:rPr lang="de-CH" sz="1000" b="1" dirty="0">
+                <a:latin typeface="Arial" panose="020B0604020202020204" pitchFamily="34" charset="0"/>
+                <a:cs typeface="Arial" panose="020B0604020202020204" pitchFamily="34" charset="0"/>
+              </a:rPr>
+              <a:t> och </a:t>
+            </a:r>
+            <a:r>
+              <a:rPr lang="de-CH" sz="1000" b="1" dirty="0" err="1">
+                <a:latin typeface="Arial" panose="020B0604020202020204" pitchFamily="34" charset="0"/>
+                <a:cs typeface="Arial" panose="020B0604020202020204" pitchFamily="34" charset="0"/>
+              </a:rPr>
+              <a:t>efternamn</a:t>
+            </a:r>
+            <a:r>
+              <a:rPr lang="de-CH" sz="1000" b="1" dirty="0">
+                <a:latin typeface="Arial" panose="020B0604020202020204" pitchFamily="34" charset="0"/>
+                <a:cs typeface="Arial" panose="020B0604020202020204" pitchFamily="34" charset="0"/>
+              </a:rPr>
+              <a:t>: *");</a:t>
+            </a:r>
+          </a:p>
+          <a:p>
+            <a:r>
+              <a:rPr lang="de-CH" sz="1000" b="1" dirty="0">
+                <a:latin typeface="Arial" panose="020B0604020202020204" pitchFamily="34" charset="0"/>
+                <a:cs typeface="Arial" panose="020B0604020202020204" pitchFamily="34" charset="0"/>
+              </a:rPr>
+              <a:t>} </a:t>
+            </a:r>
+          </a:p>
+          <a:p>
+            <a:r>
+              <a:rPr lang="de-CH" sz="1000" b="1" dirty="0" err="1">
+                <a:latin typeface="Arial" panose="020B0604020202020204" pitchFamily="34" charset="0"/>
+                <a:cs typeface="Arial" panose="020B0604020202020204" pitchFamily="34" charset="0"/>
+              </a:rPr>
+              <a:t>defaultInfoOpenReservation</a:t>
+            </a:r>
+            <a:r>
+              <a:rPr lang="de-CH" sz="1000" b="1" dirty="0">
+                <a:latin typeface="Arial" panose="020B0604020202020204" pitchFamily="34" charset="0"/>
+                <a:cs typeface="Arial" panose="020B0604020202020204" pitchFamily="34" charset="0"/>
+              </a:rPr>
+              <a:t>()</a:t>
+            </a:r>
+          </a:p>
+          <a:p>
+            <a:r>
+              <a:rPr lang="de-CH" sz="1000" b="1" dirty="0">
+                <a:latin typeface="Arial" panose="020B0604020202020204" pitchFamily="34" charset="0"/>
+                <a:cs typeface="Arial" panose="020B0604020202020204" pitchFamily="34" charset="0"/>
+              </a:rPr>
+              <a:t>{</a:t>
+            </a:r>
+          </a:p>
+          <a:p>
+            <a:r>
+              <a:rPr lang="de-CH" sz="1000" b="1" dirty="0">
+                <a:latin typeface="Arial" panose="020B0604020202020204" pitchFamily="34" charset="0"/>
+                <a:cs typeface="Arial" panose="020B0604020202020204" pitchFamily="34" charset="0"/>
+              </a:rPr>
+              <a:t>     </a:t>
+            </a:r>
+            <a:r>
+              <a:rPr lang="de-CH" sz="1000" b="1" dirty="0" err="1">
+                <a:latin typeface="Arial" panose="020B0604020202020204" pitchFamily="34" charset="0"/>
+                <a:cs typeface="Arial" panose="020B0604020202020204" pitchFamily="34" charset="0"/>
+              </a:rPr>
+              <a:t>setGerman</a:t>
+            </a:r>
+            <a:r>
+              <a:rPr lang="de-CH" sz="1000" b="1" dirty="0">
+                <a:latin typeface="Arial" panose="020B0604020202020204" pitchFamily="34" charset="0"/>
+                <a:cs typeface="Arial" panose="020B0604020202020204" pitchFamily="34" charset="0"/>
+              </a:rPr>
+              <a:t>("Ein Tischplan ...");</a:t>
+            </a:r>
+          </a:p>
+          <a:p>
+            <a:r>
+              <a:rPr lang="de-CH" sz="1000" b="1" dirty="0">
+                <a:latin typeface="Arial" panose="020B0604020202020204" pitchFamily="34" charset="0"/>
+                <a:cs typeface="Arial" panose="020B0604020202020204" pitchFamily="34" charset="0"/>
+              </a:rPr>
+              <a:t>     </a:t>
+            </a:r>
+            <a:r>
+              <a:rPr lang="de-CH" sz="1000" b="1" dirty="0" err="1">
+                <a:latin typeface="Arial" panose="020B0604020202020204" pitchFamily="34" charset="0"/>
+                <a:cs typeface="Arial" panose="020B0604020202020204" pitchFamily="34" charset="0"/>
+              </a:rPr>
+              <a:t>setEnglish</a:t>
+            </a:r>
+            <a:r>
+              <a:rPr lang="de-CH" sz="1000" b="1" dirty="0">
+                <a:latin typeface="Arial" panose="020B0604020202020204" pitchFamily="34" charset="0"/>
+                <a:cs typeface="Arial" panose="020B0604020202020204" pitchFamily="34" charset="0"/>
+              </a:rPr>
+              <a:t>("A </a:t>
+            </a:r>
+            <a:r>
+              <a:rPr lang="de-CH" sz="1000" b="1" dirty="0" err="1">
+                <a:latin typeface="Arial" panose="020B0604020202020204" pitchFamily="34" charset="0"/>
+                <a:cs typeface="Arial" panose="020B0604020202020204" pitchFamily="34" charset="0"/>
+              </a:rPr>
+              <a:t>seating</a:t>
+            </a:r>
+            <a:r>
+              <a:rPr lang="de-CH" sz="1000" b="1" dirty="0">
+                <a:latin typeface="Arial" panose="020B0604020202020204" pitchFamily="34" charset="0"/>
+                <a:cs typeface="Arial" panose="020B0604020202020204" pitchFamily="34" charset="0"/>
+              </a:rPr>
+              <a:t> plan ...");</a:t>
+            </a:r>
+          </a:p>
+          <a:p>
+            <a:r>
+              <a:rPr lang="de-CH" sz="1000" b="1" dirty="0">
+                <a:latin typeface="Arial" panose="020B0604020202020204" pitchFamily="34" charset="0"/>
+                <a:cs typeface="Arial" panose="020B0604020202020204" pitchFamily="34" charset="0"/>
+              </a:rPr>
+              <a:t>     </a:t>
+            </a:r>
+            <a:r>
+              <a:rPr lang="de-CH" sz="1000" b="1" dirty="0" err="1">
+                <a:latin typeface="Arial" panose="020B0604020202020204" pitchFamily="34" charset="0"/>
+                <a:cs typeface="Arial" panose="020B0604020202020204" pitchFamily="34" charset="0"/>
+              </a:rPr>
+              <a:t>setSwedish</a:t>
+            </a:r>
+            <a:r>
+              <a:rPr lang="de-CH" sz="1000" b="1" dirty="0">
+                <a:latin typeface="Arial" panose="020B0604020202020204" pitchFamily="34" charset="0"/>
+                <a:cs typeface="Arial" panose="020B0604020202020204" pitchFamily="34" charset="0"/>
+              </a:rPr>
+              <a:t>("En </a:t>
+            </a:r>
+            <a:r>
+              <a:rPr lang="de-CH" sz="1000" b="1" dirty="0" err="1">
+                <a:latin typeface="Arial" panose="020B0604020202020204" pitchFamily="34" charset="0"/>
+                <a:cs typeface="Arial" panose="020B0604020202020204" pitchFamily="34" charset="0"/>
+              </a:rPr>
+              <a:t>bordsplan</a:t>
+            </a:r>
+            <a:r>
+              <a:rPr lang="de-CH" sz="1000" b="1" dirty="0">
+                <a:latin typeface="Arial" panose="020B0604020202020204" pitchFamily="34" charset="0"/>
+                <a:cs typeface="Arial" panose="020B0604020202020204" pitchFamily="34" charset="0"/>
+              </a:rPr>
+              <a:t> ...");</a:t>
+            </a:r>
+          </a:p>
+          <a:p>
+            <a:r>
+              <a:rPr lang="de-CH" sz="1000" b="1" dirty="0">
+                <a:latin typeface="Arial" panose="020B0604020202020204" pitchFamily="34" charset="0"/>
+                <a:cs typeface="Arial" panose="020B0604020202020204" pitchFamily="34" charset="0"/>
+              </a:rPr>
+              <a:t>}</a:t>
+            </a:r>
+          </a:p>
+        </p:txBody>
+      </p:sp>
+    </p:spTree>
+    <p:extLst>
+      <p:ext uri="{BB962C8B-B14F-4D97-AF65-F5344CB8AC3E}">
+        <p14:creationId xmlns:p14="http://schemas.microsoft.com/office/powerpoint/2010/main" val="2519525821"/>
+      </p:ext>
+    </p:extLst>
+  </p:cSld>
+  <p:clrMapOvr>
+    <a:masterClrMapping/>
+  </p:clrMapOvr>
+</p:sld>
+</file>
+
+<file path=ppt/slides/slide4.xml><?xml version="1.0" encoding="utf-8"?>
+<p:sld xmlns:a="http://schemas.openxmlformats.org/drawingml/2006/main" xmlns:r="http://schemas.openxmlformats.org/officeDocument/2006/relationships" xmlns:p="http://schemas.openxmlformats.org/presentationml/2006/main">
+  <p:cSld>
+    <p:spTree>
+      <p:nvGrpSpPr>
+        <p:cNvPr id="1" name=""/>
+        <p:cNvGrpSpPr/>
+        <p:nvPr/>
+      </p:nvGrpSpPr>
+      <p:grpSpPr>
+        <a:xfrm>
+          <a:off x="0" y="0"/>
+          <a:ext cx="0" cy="0"/>
+          <a:chOff x="0" y="0"/>
+          <a:chExt cx="0" cy="0"/>
+        </a:xfrm>
+      </p:grpSpPr>
+      <p:sp>
+        <p:nvSpPr>
+          <p:cNvPr id="2" name="Textfeld 1">
+            <a:extLst>
+              <a:ext uri="{FF2B5EF4-FFF2-40B4-BE49-F238E27FC236}">
+                <a16:creationId xmlns:a16="http://schemas.microsoft.com/office/drawing/2014/main" id="{FD177E42-13A7-3329-A0A7-0AB733436168}"/>
+              </a:ext>
+            </a:extLst>
+          </p:cNvPr>
+          <p:cNvSpPr txBox="1"/>
+          <p:nvPr/>
+        </p:nvSpPr>
+        <p:spPr>
+          <a:xfrm>
+            <a:off x="0" y="203243"/>
+            <a:ext cx="12192000" cy="800219"/>
+          </a:xfrm>
+          <a:prstGeom prst="rect">
+            <a:avLst/>
+          </a:prstGeom>
+          <a:noFill/>
+        </p:spPr>
+        <p:txBody>
+          <a:bodyPr wrap="square">
+            <a:spAutoFit/>
+          </a:bodyPr>
+          <a:lstStyle/>
+          <a:p>
+            <a:pPr algn="ctr"/>
+            <a:r>
+              <a:rPr lang="de-CH" b="1" dirty="0">
+                <a:latin typeface="Arial" panose="020B0604020202020204" pitchFamily="34" charset="0"/>
+                <a:cs typeface="Arial" panose="020B0604020202020204" pitchFamily="34" charset="0"/>
+              </a:rPr>
+              <a:t>GUI Control </a:t>
+            </a:r>
+            <a:r>
+              <a:rPr lang="de-CH" b="1" dirty="0" err="1">
+                <a:latin typeface="Arial" panose="020B0604020202020204" pitchFamily="34" charset="0"/>
+                <a:cs typeface="Arial" panose="020B0604020202020204" pitchFamily="34" charset="0"/>
+              </a:rPr>
+              <a:t>InputEventReservation</a:t>
+            </a:r>
+            <a:endParaRPr lang="de-CH" b="1" dirty="0">
+              <a:latin typeface="Arial" panose="020B0604020202020204" pitchFamily="34" charset="0"/>
+              <a:cs typeface="Arial" panose="020B0604020202020204" pitchFamily="34" charset="0"/>
+            </a:endParaRPr>
+          </a:p>
+          <a:p>
+            <a:pPr algn="ctr"/>
+            <a:endParaRPr lang="de-CH" sz="1400" b="1" dirty="0">
+              <a:latin typeface="Arial" panose="020B0604020202020204" pitchFamily="34" charset="0"/>
+              <a:cs typeface="Arial" panose="020B0604020202020204" pitchFamily="34" charset="0"/>
+            </a:endParaRPr>
+          </a:p>
+          <a:p>
+            <a:pPr algn="ctr"/>
+            <a:r>
+              <a:rPr lang="de-CH" sz="1400" b="1" dirty="0">
+                <a:latin typeface="Arial" panose="020B0604020202020204" pitchFamily="34" charset="0"/>
+                <a:cs typeface="Arial" panose="020B0604020202020204" pitchFamily="34" charset="0"/>
+              </a:rPr>
+              <a:t>Klassen für die Implementation</a:t>
+            </a:r>
+          </a:p>
+        </p:txBody>
+      </p:sp>
+      <p:sp>
+        <p:nvSpPr>
+          <p:cNvPr id="3" name="Rechteck 2">
+            <a:extLst>
+              <a:ext uri="{FF2B5EF4-FFF2-40B4-BE49-F238E27FC236}">
+                <a16:creationId xmlns:a16="http://schemas.microsoft.com/office/drawing/2014/main" id="{36CC7CE7-E0DB-0FC2-DFAD-B628E4D8A060}"/>
+              </a:ext>
+            </a:extLst>
+          </p:cNvPr>
+          <p:cNvSpPr/>
+          <p:nvPr/>
+        </p:nvSpPr>
+        <p:spPr>
+          <a:xfrm>
+            <a:off x="3032289" y="1269907"/>
+            <a:ext cx="2981334" cy="653162"/>
+          </a:xfrm>
+          <a:prstGeom prst="rect">
+            <a:avLst/>
+          </a:prstGeom>
+          <a:noFill/>
+          <a:ln w="19050">
+            <a:solidFill>
+              <a:schemeClr val="tx1"/>
+            </a:solidFill>
+          </a:ln>
+        </p:spPr>
+        <p:style>
+          <a:lnRef idx="2">
+            <a:schemeClr val="accent1">
+              <a:shade val="50000"/>
+            </a:schemeClr>
+          </a:lnRef>
+          <a:fillRef idx="1">
+            <a:schemeClr val="accent1"/>
+          </a:fillRef>
+          <a:effectRef idx="0">
+            <a:schemeClr val="accent1"/>
+          </a:effectRef>
+          <a:fontRef idx="minor">
+            <a:schemeClr val="lt1"/>
+          </a:fontRef>
+        </p:style>
+        <p:txBody>
+          <a:bodyPr rtlCol="0" anchor="ctr"/>
+          <a:lstStyle/>
+          <a:p>
+            <a:pPr algn="ctr"/>
+            <a:r>
+              <a:rPr lang="de-CH" sz="1400" b="1" dirty="0" err="1">
+                <a:solidFill>
+                  <a:schemeClr val="tx1"/>
+                </a:solidFill>
+                <a:latin typeface="Arial" panose="020B0604020202020204" pitchFamily="34" charset="0"/>
+                <a:cs typeface="Arial" panose="020B0604020202020204" pitchFamily="34" charset="0"/>
+              </a:rPr>
+              <a:t>InputEventReservation</a:t>
+            </a:r>
+            <a:endParaRPr lang="de-CH" sz="1400" b="1" dirty="0">
+              <a:solidFill>
+                <a:schemeClr val="tx1"/>
+              </a:solidFill>
+              <a:latin typeface="Arial" panose="020B0604020202020204" pitchFamily="34" charset="0"/>
+              <a:cs typeface="Arial" panose="020B0604020202020204" pitchFamily="34" charset="0"/>
+            </a:endParaRPr>
+          </a:p>
+          <a:p>
+            <a:pPr algn="ctr"/>
+            <a:endParaRPr lang="de-CH" sz="800" b="1" dirty="0">
+              <a:solidFill>
+                <a:schemeClr val="tx1"/>
+              </a:solidFill>
+              <a:latin typeface="Arial" panose="020B0604020202020204" pitchFamily="34" charset="0"/>
+              <a:cs typeface="Arial" panose="020B0604020202020204" pitchFamily="34" charset="0"/>
+            </a:endParaRPr>
+          </a:p>
+          <a:p>
+            <a:pPr algn="ctr"/>
+            <a:r>
+              <a:rPr lang="de-CH" sz="1000" b="1" dirty="0">
+                <a:solidFill>
+                  <a:schemeClr val="tx1"/>
+                </a:solidFill>
+                <a:latin typeface="Arial" panose="020B0604020202020204" pitchFamily="34" charset="0"/>
+                <a:cs typeface="Arial" panose="020B0604020202020204" pitchFamily="34" charset="0"/>
+              </a:rPr>
+              <a:t>Form Input </a:t>
+            </a:r>
+            <a:r>
+              <a:rPr lang="de-CH" sz="1000" b="1" dirty="0" err="1">
+                <a:solidFill>
+                  <a:schemeClr val="tx1"/>
+                </a:solidFill>
+                <a:latin typeface="Arial" panose="020B0604020202020204" pitchFamily="34" charset="0"/>
+                <a:cs typeface="Arial" panose="020B0604020202020204" pitchFamily="34" charset="0"/>
+              </a:rPr>
+              <a:t>data</a:t>
+            </a:r>
+            <a:r>
+              <a:rPr lang="de-CH" sz="1000" b="1" dirty="0">
+                <a:solidFill>
+                  <a:schemeClr val="tx1"/>
+                </a:solidFill>
+                <a:latin typeface="Arial" panose="020B0604020202020204" pitchFamily="34" charset="0"/>
+                <a:cs typeface="Arial" panose="020B0604020202020204" pitchFamily="34" charset="0"/>
+              </a:rPr>
+              <a:t> </a:t>
+            </a:r>
+            <a:r>
+              <a:rPr lang="de-CH" sz="1000" b="1" dirty="0" err="1">
+                <a:solidFill>
+                  <a:schemeClr val="tx1"/>
+                </a:solidFill>
+                <a:latin typeface="Arial" panose="020B0604020202020204" pitchFamily="34" charset="0"/>
+                <a:cs typeface="Arial" panose="020B0604020202020204" pitchFamily="34" charset="0"/>
+              </a:rPr>
+              <a:t>for</a:t>
+            </a:r>
+            <a:r>
+              <a:rPr lang="de-CH" sz="1000" b="1" dirty="0">
+                <a:solidFill>
+                  <a:schemeClr val="tx1"/>
+                </a:solidFill>
+                <a:latin typeface="Arial" panose="020B0604020202020204" pitchFamily="34" charset="0"/>
+                <a:cs typeface="Arial" panose="020B0604020202020204" pitchFamily="34" charset="0"/>
+              </a:rPr>
+              <a:t> a </a:t>
+            </a:r>
+            <a:r>
+              <a:rPr lang="de-CH" sz="1000" b="1" dirty="0" err="1">
+                <a:solidFill>
+                  <a:schemeClr val="tx1"/>
+                </a:solidFill>
+                <a:latin typeface="Arial" panose="020B0604020202020204" pitchFamily="34" charset="0"/>
+                <a:cs typeface="Arial" panose="020B0604020202020204" pitchFamily="34" charset="0"/>
+              </a:rPr>
+              <a:t>reservation</a:t>
+            </a:r>
+            <a:endParaRPr lang="de-CH" sz="1000" b="1" dirty="0">
+              <a:solidFill>
+                <a:schemeClr val="tx1"/>
+              </a:solidFill>
+              <a:latin typeface="Arial" panose="020B0604020202020204" pitchFamily="34" charset="0"/>
+              <a:cs typeface="Arial" panose="020B0604020202020204" pitchFamily="34" charset="0"/>
+            </a:endParaRPr>
+          </a:p>
+        </p:txBody>
+      </p:sp>
+      <p:sp>
+        <p:nvSpPr>
+          <p:cNvPr id="4" name="Rechteck 3">
+            <a:extLst>
+              <a:ext uri="{FF2B5EF4-FFF2-40B4-BE49-F238E27FC236}">
+                <a16:creationId xmlns:a16="http://schemas.microsoft.com/office/drawing/2014/main" id="{03676E59-E866-7432-0DD7-581B72FB66C4}"/>
+              </a:ext>
+            </a:extLst>
+          </p:cNvPr>
+          <p:cNvSpPr/>
+          <p:nvPr/>
+        </p:nvSpPr>
+        <p:spPr>
+          <a:xfrm>
+            <a:off x="6096000" y="1958063"/>
+            <a:ext cx="2981334" cy="653162"/>
+          </a:xfrm>
+          <a:prstGeom prst="rect">
+            <a:avLst/>
+          </a:prstGeom>
+          <a:noFill/>
+          <a:ln w="19050">
+            <a:solidFill>
+              <a:schemeClr val="tx1"/>
+            </a:solidFill>
+          </a:ln>
+        </p:spPr>
+        <p:style>
+          <a:lnRef idx="2">
+            <a:schemeClr val="accent1">
+              <a:shade val="50000"/>
+            </a:schemeClr>
+          </a:lnRef>
+          <a:fillRef idx="1">
+            <a:schemeClr val="accent1"/>
+          </a:fillRef>
+          <a:effectRef idx="0">
+            <a:schemeClr val="accent1"/>
+          </a:effectRef>
+          <a:fontRef idx="minor">
+            <a:schemeClr val="lt1"/>
+          </a:fontRef>
+        </p:style>
+        <p:txBody>
+          <a:bodyPr rtlCol="0" anchor="ctr"/>
+          <a:lstStyle/>
+          <a:p>
+            <a:pPr algn="ctr"/>
+            <a:r>
+              <a:rPr lang="de-CH" sz="1400" b="1" dirty="0" err="1">
+                <a:solidFill>
+                  <a:schemeClr val="tx1"/>
+                </a:solidFill>
+                <a:latin typeface="Arial" panose="020B0604020202020204" pitchFamily="34" charset="0"/>
+                <a:cs typeface="Arial" panose="020B0604020202020204" pitchFamily="34" charset="0"/>
+              </a:rPr>
+              <a:t>EventProgramDropdown</a:t>
+            </a:r>
+            <a:endParaRPr lang="de-CH" sz="1400" b="1" dirty="0">
+              <a:solidFill>
+                <a:schemeClr val="tx1"/>
+              </a:solidFill>
+              <a:latin typeface="Arial" panose="020B0604020202020204" pitchFamily="34" charset="0"/>
+              <a:cs typeface="Arial" panose="020B0604020202020204" pitchFamily="34" charset="0"/>
+            </a:endParaRPr>
+          </a:p>
+          <a:p>
+            <a:pPr algn="ctr"/>
+            <a:endParaRPr lang="de-CH" sz="800" b="1" dirty="0">
+              <a:solidFill>
+                <a:schemeClr val="tx1"/>
+              </a:solidFill>
+              <a:latin typeface="Arial" panose="020B0604020202020204" pitchFamily="34" charset="0"/>
+              <a:cs typeface="Arial" panose="020B0604020202020204" pitchFamily="34" charset="0"/>
+            </a:endParaRPr>
+          </a:p>
+          <a:p>
+            <a:pPr algn="ctr"/>
+            <a:r>
+              <a:rPr lang="de-CH" sz="1000" b="1" dirty="0">
+                <a:solidFill>
+                  <a:schemeClr val="tx1"/>
+                </a:solidFill>
+                <a:latin typeface="Arial" panose="020B0604020202020204" pitchFamily="34" charset="0"/>
+                <a:cs typeface="Arial" panose="020B0604020202020204" pitchFamily="34" charset="0"/>
+              </a:rPr>
+              <a:t>Event </a:t>
+            </a:r>
+            <a:r>
+              <a:rPr lang="de-CH" sz="1000" b="1" dirty="0" err="1">
+                <a:solidFill>
+                  <a:schemeClr val="tx1"/>
+                </a:solidFill>
+                <a:latin typeface="Arial" panose="020B0604020202020204" pitchFamily="34" charset="0"/>
+                <a:cs typeface="Arial" panose="020B0604020202020204" pitchFamily="34" charset="0"/>
+              </a:rPr>
+              <a:t>program</a:t>
+            </a:r>
+            <a:r>
+              <a:rPr lang="de-CH" sz="1000" b="1" dirty="0">
+                <a:solidFill>
+                  <a:schemeClr val="tx1"/>
+                </a:solidFill>
+                <a:latin typeface="Arial" panose="020B0604020202020204" pitchFamily="34" charset="0"/>
+                <a:cs typeface="Arial" panose="020B0604020202020204" pitchFamily="34" charset="0"/>
+              </a:rPr>
+              <a:t> </a:t>
+            </a:r>
+            <a:r>
+              <a:rPr lang="de-CH" sz="1000" b="1" dirty="0" err="1">
+                <a:solidFill>
+                  <a:schemeClr val="tx1"/>
+                </a:solidFill>
+                <a:latin typeface="Arial" panose="020B0604020202020204" pitchFamily="34" charset="0"/>
+                <a:cs typeface="Arial" panose="020B0604020202020204" pitchFamily="34" charset="0"/>
+              </a:rPr>
+              <a:t>dropdown</a:t>
+            </a:r>
+            <a:endParaRPr lang="de-CH" sz="1000" b="1" dirty="0">
+              <a:solidFill>
+                <a:schemeClr val="tx1"/>
+              </a:solidFill>
+              <a:latin typeface="Arial" panose="020B0604020202020204" pitchFamily="34" charset="0"/>
+              <a:cs typeface="Arial" panose="020B0604020202020204" pitchFamily="34" charset="0"/>
+            </a:endParaRPr>
+          </a:p>
+        </p:txBody>
+      </p:sp>
+      <p:sp>
+        <p:nvSpPr>
+          <p:cNvPr id="5" name="Rechteck 4">
+            <a:extLst>
+              <a:ext uri="{FF2B5EF4-FFF2-40B4-BE49-F238E27FC236}">
+                <a16:creationId xmlns:a16="http://schemas.microsoft.com/office/drawing/2014/main" id="{B5196614-B590-81DF-E6E6-52117D15C1E3}"/>
+              </a:ext>
+            </a:extLst>
+          </p:cNvPr>
+          <p:cNvSpPr/>
+          <p:nvPr/>
+        </p:nvSpPr>
+        <p:spPr>
+          <a:xfrm>
+            <a:off x="3032289" y="1958063"/>
+            <a:ext cx="2981334" cy="653162"/>
+          </a:xfrm>
+          <a:prstGeom prst="rect">
+            <a:avLst/>
+          </a:prstGeom>
+          <a:noFill/>
+          <a:ln w="19050">
+            <a:solidFill>
+              <a:schemeClr val="tx1"/>
+            </a:solidFill>
+          </a:ln>
+        </p:spPr>
+        <p:style>
+          <a:lnRef idx="2">
+            <a:schemeClr val="accent1">
+              <a:shade val="50000"/>
+            </a:schemeClr>
+          </a:lnRef>
+          <a:fillRef idx="1">
+            <a:schemeClr val="accent1"/>
+          </a:fillRef>
+          <a:effectRef idx="0">
+            <a:schemeClr val="accent1"/>
+          </a:effectRef>
+          <a:fontRef idx="minor">
+            <a:schemeClr val="lt1"/>
+          </a:fontRef>
+        </p:style>
+        <p:txBody>
+          <a:bodyPr rtlCol="0" anchor="ctr"/>
+          <a:lstStyle/>
+          <a:p>
+            <a:pPr algn="ctr"/>
+            <a:r>
+              <a:rPr lang="de-CH" sz="1400" b="1" dirty="0" err="1">
+                <a:solidFill>
+                  <a:schemeClr val="tx1"/>
+                </a:solidFill>
+                <a:latin typeface="Arial" panose="020B0604020202020204" pitchFamily="34" charset="0"/>
+                <a:cs typeface="Arial" panose="020B0604020202020204" pitchFamily="34" charset="0"/>
+              </a:rPr>
+              <a:t>InputEventReservationIdElement</a:t>
+            </a:r>
+            <a:r>
+              <a:rPr lang="de-CH" sz="1400" b="1" dirty="0">
+                <a:solidFill>
+                  <a:schemeClr val="tx1"/>
+                </a:solidFill>
+                <a:latin typeface="Arial" panose="020B0604020202020204" pitchFamily="34" charset="0"/>
+                <a:cs typeface="Arial" panose="020B0604020202020204" pitchFamily="34" charset="0"/>
+              </a:rPr>
+              <a:t> </a:t>
+            </a:r>
+          </a:p>
+          <a:p>
+            <a:pPr algn="ctr"/>
+            <a:endParaRPr lang="de-CH" sz="800" b="1" dirty="0">
+              <a:solidFill>
+                <a:schemeClr val="tx1"/>
+              </a:solidFill>
+              <a:latin typeface="Arial" panose="020B0604020202020204" pitchFamily="34" charset="0"/>
+              <a:cs typeface="Arial" panose="020B0604020202020204" pitchFamily="34" charset="0"/>
+            </a:endParaRPr>
+          </a:p>
+          <a:p>
+            <a:pPr algn="ctr"/>
+            <a:r>
+              <a:rPr lang="en-US" sz="1000" b="1" dirty="0">
+                <a:solidFill>
+                  <a:schemeClr val="tx1"/>
+                </a:solidFill>
+                <a:latin typeface="Arial" panose="020B0604020202020204" pitchFamily="34" charset="0"/>
+                <a:cs typeface="Arial" panose="020B0604020202020204" pitchFamily="34" charset="0"/>
+              </a:rPr>
+              <a:t>Identities and objects of the form</a:t>
+            </a:r>
+          </a:p>
+        </p:txBody>
+      </p:sp>
+      <p:sp>
+        <p:nvSpPr>
+          <p:cNvPr id="6" name="Rechteck 5">
+            <a:extLst>
+              <a:ext uri="{FF2B5EF4-FFF2-40B4-BE49-F238E27FC236}">
+                <a16:creationId xmlns:a16="http://schemas.microsoft.com/office/drawing/2014/main" id="{EA36E616-832B-6E7F-B90D-0884BFECD37F}"/>
+              </a:ext>
+            </a:extLst>
+          </p:cNvPr>
+          <p:cNvSpPr/>
+          <p:nvPr/>
+        </p:nvSpPr>
+        <p:spPr>
+          <a:xfrm>
+            <a:off x="6096000" y="2646219"/>
+            <a:ext cx="2981334" cy="653162"/>
+          </a:xfrm>
+          <a:prstGeom prst="rect">
+            <a:avLst/>
+          </a:prstGeom>
+          <a:noFill/>
+          <a:ln w="19050">
+            <a:solidFill>
+              <a:schemeClr val="tx1"/>
+            </a:solidFill>
+          </a:ln>
+        </p:spPr>
+        <p:style>
+          <a:lnRef idx="2">
+            <a:schemeClr val="accent1">
+              <a:shade val="50000"/>
+            </a:schemeClr>
+          </a:lnRef>
+          <a:fillRef idx="1">
+            <a:schemeClr val="accent1"/>
+          </a:fillRef>
+          <a:effectRef idx="0">
+            <a:schemeClr val="accent1"/>
+          </a:effectRef>
+          <a:fontRef idx="minor">
+            <a:schemeClr val="lt1"/>
+          </a:fontRef>
+        </p:style>
+        <p:txBody>
+          <a:bodyPr rtlCol="0" anchor="ctr"/>
+          <a:lstStyle/>
+          <a:p>
+            <a:pPr algn="ctr"/>
+            <a:r>
+              <a:rPr lang="de-CH" sz="1400" b="1" dirty="0" err="1">
+                <a:solidFill>
+                  <a:schemeClr val="tx1"/>
+                </a:solidFill>
+                <a:latin typeface="Arial" panose="020B0604020202020204" pitchFamily="34" charset="0"/>
+                <a:cs typeface="Arial" panose="020B0604020202020204" pitchFamily="34" charset="0"/>
+              </a:rPr>
+              <a:t>ReservationEventXml</a:t>
+            </a:r>
+            <a:endParaRPr lang="de-CH" sz="1400" b="1" dirty="0">
+              <a:solidFill>
+                <a:schemeClr val="tx1"/>
+              </a:solidFill>
+              <a:latin typeface="Arial" panose="020B0604020202020204" pitchFamily="34" charset="0"/>
+              <a:cs typeface="Arial" panose="020B0604020202020204" pitchFamily="34" charset="0"/>
+            </a:endParaRPr>
+          </a:p>
+          <a:p>
+            <a:pPr algn="ctr"/>
+            <a:endParaRPr lang="de-CH" sz="800" b="1" dirty="0">
+              <a:solidFill>
+                <a:schemeClr val="tx1"/>
+              </a:solidFill>
+              <a:latin typeface="Arial" panose="020B0604020202020204" pitchFamily="34" charset="0"/>
+              <a:cs typeface="Arial" panose="020B0604020202020204" pitchFamily="34" charset="0"/>
+            </a:endParaRPr>
+          </a:p>
+          <a:p>
+            <a:pPr algn="ctr"/>
+            <a:r>
+              <a:rPr lang="de-CH" sz="1000" b="1" dirty="0">
+                <a:solidFill>
+                  <a:schemeClr val="tx1"/>
+                </a:solidFill>
+                <a:latin typeface="Arial" panose="020B0604020202020204" pitchFamily="34" charset="0"/>
+                <a:cs typeface="Arial" panose="020B0604020202020204" pitchFamily="34" charset="0"/>
+              </a:rPr>
+              <a:t>Organizers </a:t>
+            </a:r>
+            <a:r>
+              <a:rPr lang="de-CH" sz="1000" b="1" dirty="0" err="1">
+                <a:solidFill>
+                  <a:schemeClr val="tx1"/>
+                </a:solidFill>
+                <a:latin typeface="Arial" panose="020B0604020202020204" pitchFamily="34" charset="0"/>
+                <a:cs typeface="Arial" panose="020B0604020202020204" pitchFamily="34" charset="0"/>
+              </a:rPr>
+              <a:t>event</a:t>
+            </a:r>
+            <a:r>
+              <a:rPr lang="de-CH" sz="1000" b="1" dirty="0">
+                <a:solidFill>
+                  <a:schemeClr val="tx1"/>
+                </a:solidFill>
+                <a:latin typeface="Arial" panose="020B0604020202020204" pitchFamily="34" charset="0"/>
+                <a:cs typeface="Arial" panose="020B0604020202020204" pitchFamily="34" charset="0"/>
+              </a:rPr>
+              <a:t> </a:t>
+            </a:r>
+            <a:r>
+              <a:rPr lang="de-CH" sz="1000" b="1" dirty="0" err="1">
+                <a:solidFill>
+                  <a:schemeClr val="tx1"/>
+                </a:solidFill>
+                <a:latin typeface="Arial" panose="020B0604020202020204" pitchFamily="34" charset="0"/>
+                <a:cs typeface="Arial" panose="020B0604020202020204" pitchFamily="34" charset="0"/>
+              </a:rPr>
+              <a:t>program</a:t>
+            </a:r>
+            <a:r>
+              <a:rPr lang="de-CH" sz="1000" b="1" dirty="0">
+                <a:solidFill>
+                  <a:schemeClr val="tx1"/>
+                </a:solidFill>
+                <a:latin typeface="Arial" panose="020B0604020202020204" pitchFamily="34" charset="0"/>
+                <a:cs typeface="Arial" panose="020B0604020202020204" pitchFamily="34" charset="0"/>
+              </a:rPr>
+              <a:t> </a:t>
+            </a:r>
+          </a:p>
+        </p:txBody>
+      </p:sp>
+      <p:sp>
+        <p:nvSpPr>
+          <p:cNvPr id="7" name="Rechteck 6">
+            <a:extLst>
+              <a:ext uri="{FF2B5EF4-FFF2-40B4-BE49-F238E27FC236}">
+                <a16:creationId xmlns:a16="http://schemas.microsoft.com/office/drawing/2014/main" id="{4FD0000B-E767-0DEE-1533-EF9FEEBE56C5}"/>
+              </a:ext>
+            </a:extLst>
+          </p:cNvPr>
+          <p:cNvSpPr/>
+          <p:nvPr/>
+        </p:nvSpPr>
+        <p:spPr>
+          <a:xfrm>
+            <a:off x="3032289" y="2646219"/>
+            <a:ext cx="2981334" cy="653162"/>
+          </a:xfrm>
+          <a:prstGeom prst="rect">
+            <a:avLst/>
+          </a:prstGeom>
+          <a:noFill/>
+          <a:ln w="19050">
+            <a:solidFill>
+              <a:schemeClr val="tx1"/>
+            </a:solidFill>
+          </a:ln>
+        </p:spPr>
+        <p:style>
+          <a:lnRef idx="2">
+            <a:schemeClr val="accent1">
+              <a:shade val="50000"/>
+            </a:schemeClr>
+          </a:lnRef>
+          <a:fillRef idx="1">
+            <a:schemeClr val="accent1"/>
+          </a:fillRef>
+          <a:effectRef idx="0">
+            <a:schemeClr val="accent1"/>
+          </a:effectRef>
+          <a:fontRef idx="minor">
+            <a:schemeClr val="lt1"/>
+          </a:fontRef>
+        </p:style>
+        <p:txBody>
+          <a:bodyPr rtlCol="0" anchor="ctr"/>
+          <a:lstStyle/>
+          <a:p>
+            <a:pPr algn="ctr"/>
+            <a:r>
+              <a:rPr lang="de-CH" sz="1400" b="1" dirty="0" err="1">
+                <a:solidFill>
+                  <a:schemeClr val="tx1"/>
+                </a:solidFill>
+                <a:latin typeface="Arial" panose="020B0604020202020204" pitchFamily="34" charset="0"/>
+                <a:cs typeface="Arial" panose="020B0604020202020204" pitchFamily="34" charset="0"/>
+              </a:rPr>
+              <a:t>InputEventReservationStyle</a:t>
+            </a:r>
+            <a:endParaRPr lang="de-CH" sz="1400" b="1" dirty="0">
+              <a:solidFill>
+                <a:schemeClr val="tx1"/>
+              </a:solidFill>
+              <a:latin typeface="Arial" panose="020B0604020202020204" pitchFamily="34" charset="0"/>
+              <a:cs typeface="Arial" panose="020B0604020202020204" pitchFamily="34" charset="0"/>
+            </a:endParaRPr>
+          </a:p>
+          <a:p>
+            <a:pPr algn="ctr"/>
+            <a:endParaRPr lang="de-CH" sz="800" b="1" dirty="0">
+              <a:solidFill>
+                <a:schemeClr val="tx1"/>
+              </a:solidFill>
+              <a:latin typeface="Arial" panose="020B0604020202020204" pitchFamily="34" charset="0"/>
+              <a:cs typeface="Arial" panose="020B0604020202020204" pitchFamily="34" charset="0"/>
+            </a:endParaRPr>
+          </a:p>
+          <a:p>
+            <a:pPr algn="ctr"/>
+            <a:r>
+              <a:rPr lang="en-US" sz="1000" b="1" dirty="0">
+                <a:solidFill>
+                  <a:schemeClr val="tx1"/>
+                </a:solidFill>
+                <a:latin typeface="Arial" panose="020B0604020202020204" pitchFamily="34" charset="0"/>
+                <a:cs typeface="Arial" panose="020B0604020202020204" pitchFamily="34" charset="0"/>
+              </a:rPr>
+              <a:t>Style strings for the form</a:t>
+            </a:r>
+          </a:p>
+        </p:txBody>
+      </p:sp>
+      <p:sp>
+        <p:nvSpPr>
+          <p:cNvPr id="8" name="Rechteck 7">
+            <a:extLst>
+              <a:ext uri="{FF2B5EF4-FFF2-40B4-BE49-F238E27FC236}">
+                <a16:creationId xmlns:a16="http://schemas.microsoft.com/office/drawing/2014/main" id="{476D166B-2608-F796-E759-64153226683D}"/>
+              </a:ext>
+            </a:extLst>
+          </p:cNvPr>
+          <p:cNvSpPr/>
+          <p:nvPr/>
+        </p:nvSpPr>
+        <p:spPr>
+          <a:xfrm>
+            <a:off x="3032289" y="3334375"/>
+            <a:ext cx="2981334" cy="653162"/>
+          </a:xfrm>
+          <a:prstGeom prst="rect">
+            <a:avLst/>
+          </a:prstGeom>
+          <a:noFill/>
+          <a:ln w="19050">
+            <a:solidFill>
+              <a:schemeClr val="tx1"/>
+            </a:solidFill>
+          </a:ln>
+        </p:spPr>
+        <p:style>
+          <a:lnRef idx="2">
+            <a:schemeClr val="accent1">
+              <a:shade val="50000"/>
+            </a:schemeClr>
+          </a:lnRef>
+          <a:fillRef idx="1">
+            <a:schemeClr val="accent1"/>
+          </a:fillRef>
+          <a:effectRef idx="0">
+            <a:schemeClr val="accent1"/>
+          </a:effectRef>
+          <a:fontRef idx="minor">
+            <a:schemeClr val="lt1"/>
+          </a:fontRef>
+        </p:style>
+        <p:txBody>
+          <a:bodyPr rtlCol="0" anchor="ctr"/>
+          <a:lstStyle/>
+          <a:p>
+            <a:pPr algn="ctr"/>
+            <a:r>
+              <a:rPr lang="de-CH" sz="1400" b="1" dirty="0" err="1">
+                <a:solidFill>
+                  <a:schemeClr val="tx1"/>
+                </a:solidFill>
+                <a:latin typeface="Arial" panose="020B0604020202020204" pitchFamily="34" charset="0"/>
+                <a:cs typeface="Arial" panose="020B0604020202020204" pitchFamily="34" charset="0"/>
+              </a:rPr>
+              <a:t>InputEventReservationText</a:t>
+            </a:r>
+            <a:endParaRPr lang="de-CH" sz="1400" b="1" dirty="0">
+              <a:solidFill>
+                <a:schemeClr val="tx1"/>
+              </a:solidFill>
+              <a:latin typeface="Arial" panose="020B0604020202020204" pitchFamily="34" charset="0"/>
+              <a:cs typeface="Arial" panose="020B0604020202020204" pitchFamily="34" charset="0"/>
+            </a:endParaRPr>
+          </a:p>
+          <a:p>
+            <a:pPr algn="ctr"/>
+            <a:endParaRPr lang="de-CH" sz="800" b="1" dirty="0">
+              <a:solidFill>
+                <a:schemeClr val="tx1"/>
+              </a:solidFill>
+              <a:latin typeface="Arial" panose="020B0604020202020204" pitchFamily="34" charset="0"/>
+              <a:cs typeface="Arial" panose="020B0604020202020204" pitchFamily="34" charset="0"/>
+            </a:endParaRPr>
+          </a:p>
+          <a:p>
+            <a:pPr algn="ctr"/>
+            <a:r>
+              <a:rPr lang="en-US" sz="1000" b="1" dirty="0">
+                <a:solidFill>
+                  <a:schemeClr val="tx1"/>
+                </a:solidFill>
+                <a:latin typeface="Arial" panose="020B0604020202020204" pitchFamily="34" charset="0"/>
+                <a:cs typeface="Arial" panose="020B0604020202020204" pitchFamily="34" charset="0"/>
+              </a:rPr>
+              <a:t>Text strings for the form</a:t>
+            </a:r>
+          </a:p>
+        </p:txBody>
+      </p:sp>
+      <p:sp>
+        <p:nvSpPr>
+          <p:cNvPr id="9" name="Rechteck 8">
+            <a:extLst>
+              <a:ext uri="{FF2B5EF4-FFF2-40B4-BE49-F238E27FC236}">
+                <a16:creationId xmlns:a16="http://schemas.microsoft.com/office/drawing/2014/main" id="{596C8195-D2E0-1456-1BB7-C480968DA60E}"/>
+              </a:ext>
+            </a:extLst>
+          </p:cNvPr>
+          <p:cNvSpPr/>
+          <p:nvPr/>
+        </p:nvSpPr>
+        <p:spPr>
+          <a:xfrm>
+            <a:off x="6096000" y="1269907"/>
+            <a:ext cx="2981334" cy="653162"/>
+          </a:xfrm>
+          <a:prstGeom prst="rect">
+            <a:avLst/>
+          </a:prstGeom>
+          <a:noFill/>
+          <a:ln w="19050">
+            <a:solidFill>
+              <a:schemeClr val="tx1"/>
+            </a:solidFill>
+          </a:ln>
+        </p:spPr>
+        <p:style>
+          <a:lnRef idx="2">
+            <a:schemeClr val="accent1">
+              <a:shade val="50000"/>
+            </a:schemeClr>
+          </a:lnRef>
+          <a:fillRef idx="1">
+            <a:schemeClr val="accent1"/>
+          </a:fillRef>
+          <a:effectRef idx="0">
+            <a:schemeClr val="accent1"/>
+          </a:effectRef>
+          <a:fontRef idx="minor">
+            <a:schemeClr val="lt1"/>
+          </a:fontRef>
+        </p:style>
+        <p:txBody>
+          <a:bodyPr rtlCol="0" anchor="ctr"/>
+          <a:lstStyle/>
+          <a:p>
+            <a:pPr algn="ctr"/>
+            <a:r>
+              <a:rPr lang="de-CH" sz="1400" b="1" dirty="0" err="1">
+                <a:solidFill>
+                  <a:schemeClr val="tx1"/>
+                </a:solidFill>
+                <a:latin typeface="Arial" panose="020B0604020202020204" pitchFamily="34" charset="0"/>
+                <a:cs typeface="Arial" panose="020B0604020202020204" pitchFamily="34" charset="0"/>
+              </a:rPr>
+              <a:t>Object</a:t>
+            </a:r>
+            <a:r>
+              <a:rPr lang="de-CH" sz="1400" b="1" dirty="0">
+                <a:solidFill>
+                  <a:schemeClr val="tx1"/>
+                </a:solidFill>
+                <a:latin typeface="Arial" panose="020B0604020202020204" pitchFamily="34" charset="0"/>
+                <a:cs typeface="Arial" panose="020B0604020202020204" pitchFamily="34" charset="0"/>
+              </a:rPr>
+              <a:t> global variable </a:t>
+            </a:r>
+          </a:p>
+          <a:p>
+            <a:pPr algn="ctr"/>
+            <a:endParaRPr lang="de-CH" sz="800" b="1" dirty="0">
+              <a:solidFill>
+                <a:schemeClr val="tx1"/>
+              </a:solidFill>
+              <a:latin typeface="Arial" panose="020B0604020202020204" pitchFamily="34" charset="0"/>
+              <a:cs typeface="Arial" panose="020B0604020202020204" pitchFamily="34" charset="0"/>
+            </a:endParaRPr>
+          </a:p>
+          <a:p>
+            <a:pPr algn="ctr"/>
+            <a:r>
+              <a:rPr lang="de-CH" sz="1000" b="1" dirty="0" err="1">
+                <a:solidFill>
+                  <a:schemeClr val="tx1"/>
+                </a:solidFill>
+                <a:latin typeface="Arial" panose="020B0604020202020204" pitchFamily="34" charset="0"/>
+                <a:cs typeface="Arial" panose="020B0604020202020204" pitchFamily="34" charset="0"/>
+              </a:rPr>
+              <a:t>var</a:t>
+            </a:r>
+            <a:r>
+              <a:rPr lang="de-CH" sz="1000" b="1" dirty="0">
+                <a:solidFill>
+                  <a:schemeClr val="tx1"/>
+                </a:solidFill>
+                <a:latin typeface="Arial" panose="020B0604020202020204" pitchFamily="34" charset="0"/>
+                <a:cs typeface="Arial" panose="020B0604020202020204" pitchFamily="34" charset="0"/>
+              </a:rPr>
+              <a:t> </a:t>
+            </a:r>
+            <a:r>
+              <a:rPr lang="de-CH" sz="1000" b="1" dirty="0" err="1">
+                <a:solidFill>
+                  <a:schemeClr val="tx1"/>
+                </a:solidFill>
+                <a:latin typeface="Arial" panose="020B0604020202020204" pitchFamily="34" charset="0"/>
+                <a:cs typeface="Arial" panose="020B0604020202020204" pitchFamily="34" charset="0"/>
+              </a:rPr>
+              <a:t>g_input_xyz</a:t>
+            </a:r>
+            <a:r>
+              <a:rPr lang="de-CH" sz="1000" b="1" dirty="0">
+                <a:solidFill>
+                  <a:schemeClr val="tx1"/>
+                </a:solidFill>
+                <a:latin typeface="Arial" panose="020B0604020202020204" pitchFamily="34" charset="0"/>
+                <a:cs typeface="Arial" panose="020B0604020202020204" pitchFamily="34" charset="0"/>
+              </a:rPr>
+              <a:t> = </a:t>
+            </a:r>
+            <a:r>
+              <a:rPr lang="de-CH" sz="1000" b="1" dirty="0" err="1">
+                <a:solidFill>
+                  <a:schemeClr val="tx1"/>
+                </a:solidFill>
+                <a:latin typeface="Arial" panose="020B0604020202020204" pitchFamily="34" charset="0"/>
+                <a:cs typeface="Arial" panose="020B0604020202020204" pitchFamily="34" charset="0"/>
+              </a:rPr>
+              <a:t>new</a:t>
+            </a:r>
+            <a:r>
+              <a:rPr lang="de-CH" sz="1000" b="1" dirty="0">
+                <a:solidFill>
+                  <a:schemeClr val="tx1"/>
+                </a:solidFill>
+                <a:latin typeface="Arial" panose="020B0604020202020204" pitchFamily="34" charset="0"/>
+                <a:cs typeface="Arial" panose="020B0604020202020204" pitchFamily="34" charset="0"/>
+              </a:rPr>
+              <a:t> </a:t>
+            </a:r>
+            <a:r>
+              <a:rPr lang="de-CH" sz="1000" b="1" dirty="0" err="1">
+                <a:solidFill>
+                  <a:schemeClr val="tx1"/>
+                </a:solidFill>
+                <a:latin typeface="Arial" panose="020B0604020202020204" pitchFamily="34" charset="0"/>
+                <a:cs typeface="Arial" panose="020B0604020202020204" pitchFamily="34" charset="0"/>
+              </a:rPr>
+              <a:t>InputEventReservation</a:t>
+            </a:r>
+            <a:endParaRPr lang="de-CH" sz="1000" b="1" dirty="0">
+              <a:solidFill>
+                <a:schemeClr val="tx1"/>
+              </a:solidFill>
+              <a:latin typeface="Arial" panose="020B0604020202020204" pitchFamily="34" charset="0"/>
+              <a:cs typeface="Arial" panose="020B0604020202020204" pitchFamily="34" charset="0"/>
+            </a:endParaRPr>
+          </a:p>
+        </p:txBody>
+      </p:sp>
+    </p:spTree>
+    <p:extLst>
+      <p:ext uri="{BB962C8B-B14F-4D97-AF65-F5344CB8AC3E}">
+        <p14:creationId xmlns:p14="http://schemas.microsoft.com/office/powerpoint/2010/main" val="2613703659"/>
+      </p:ext>
+    </p:extLst>
+  </p:cSld>
+  <p:clrMapOvr>
+    <a:masterClrMapping/>
+  </p:clrMapOvr>
+</p:sld>
+</file>
+
+<file path=ppt/slides/slide5.xml><?xml version="1.0" encoding="utf-8"?>
+<p:sld xmlns:a="http://schemas.openxmlformats.org/drawingml/2006/main" xmlns:r="http://schemas.openxmlformats.org/officeDocument/2006/relationships" xmlns:p="http://schemas.openxmlformats.org/presentationml/2006/main">
+  <p:cSld>
+    <p:spTree>
+      <p:nvGrpSpPr>
+        <p:cNvPr id="1" name=""/>
+        <p:cNvGrpSpPr/>
+        <p:nvPr/>
+      </p:nvGrpSpPr>
+      <p:grpSpPr>
+        <a:xfrm>
+          <a:off x="0" y="0"/>
+          <a:ext cx="0" cy="0"/>
+          <a:chOff x="0" y="0"/>
+          <a:chExt cx="0" cy="0"/>
+        </a:xfrm>
+      </p:grpSpPr>
       <p:sp>
         <p:nvSpPr>
           <p:cNvPr id="7" name="Rechteck 6">
@@ -3502,7 +5672,7 @@
         <p:spPr>
           <a:xfrm>
             <a:off x="5781499" y="2087405"/>
-            <a:ext cx="4333462" cy="579685"/>
+            <a:ext cx="4333462" cy="668317"/>
           </a:xfrm>
           <a:prstGeom prst="rect">
             <a:avLst/>
@@ -3593,8 +5763,8 @@
         </p:nvSpPr>
         <p:spPr>
           <a:xfrm>
-            <a:off x="5820418" y="2305215"/>
-            <a:ext cx="2098098" cy="237439"/>
+            <a:off x="5820418" y="2288985"/>
+            <a:ext cx="2098098" cy="409474"/>
           </a:xfrm>
           <a:prstGeom prst="rect">
             <a:avLst/>
@@ -3645,8 +5815,8 @@
         </p:nvSpPr>
         <p:spPr>
           <a:xfrm>
-            <a:off x="5820419" y="2281044"/>
-            <a:ext cx="1753386" cy="261610"/>
+            <a:off x="6096000" y="2238375"/>
+            <a:ext cx="1423928" cy="261610"/>
           </a:xfrm>
           <a:prstGeom prst="rect">
             <a:avLst/>
@@ -3685,8 +5855,8 @@
         </p:nvSpPr>
         <p:spPr>
           <a:xfrm>
-            <a:off x="8187216" y="2305214"/>
-            <a:ext cx="1753386" cy="237439"/>
+            <a:off x="8016233" y="2305214"/>
+            <a:ext cx="2025191" cy="237439"/>
           </a:xfrm>
           <a:prstGeom prst="rect">
             <a:avLst/>
@@ -3737,7 +5907,7 @@
         </p:nvSpPr>
         <p:spPr>
           <a:xfrm>
-            <a:off x="8144762" y="2295009"/>
+            <a:off x="7993260" y="2281043"/>
             <a:ext cx="1941904" cy="261610"/>
           </a:xfrm>
           <a:prstGeom prst="rect">
@@ -3870,7 +6040,7 @@
         <p:spPr>
           <a:xfrm>
             <a:off x="5781499" y="3159873"/>
-            <a:ext cx="4333462" cy="579685"/>
+            <a:ext cx="4333462" cy="694152"/>
           </a:xfrm>
           <a:prstGeom prst="rect">
             <a:avLst/>
@@ -3961,8 +6131,8 @@
         </p:nvSpPr>
         <p:spPr>
           <a:xfrm>
-            <a:off x="5820418" y="3377683"/>
-            <a:ext cx="2098098" cy="237439"/>
+            <a:off x="5820418" y="3340654"/>
+            <a:ext cx="2098098" cy="436508"/>
           </a:xfrm>
           <a:prstGeom prst="rect">
             <a:avLst/>
@@ -4013,8 +6183,8 @@
         </p:nvSpPr>
         <p:spPr>
           <a:xfrm>
-            <a:off x="5820419" y="3353512"/>
-            <a:ext cx="1753386" cy="261610"/>
+            <a:off x="6139152" y="3317510"/>
+            <a:ext cx="1458747" cy="261610"/>
           </a:xfrm>
           <a:prstGeom prst="rect">
             <a:avLst/>
@@ -4053,8 +6223,8 @@
         </p:nvSpPr>
         <p:spPr>
           <a:xfrm>
-            <a:off x="8187216" y="3377682"/>
-            <a:ext cx="1753386" cy="237439"/>
+            <a:off x="8016233" y="3377682"/>
+            <a:ext cx="2025191" cy="237439"/>
           </a:xfrm>
           <a:prstGeom prst="rect">
             <a:avLst/>
@@ -4105,7 +6275,7 @@
         </p:nvSpPr>
         <p:spPr>
           <a:xfrm>
-            <a:off x="8134099" y="3346380"/>
+            <a:off x="7986206" y="3361453"/>
             <a:ext cx="1805562" cy="261610"/>
           </a:xfrm>
           <a:prstGeom prst="rect">
@@ -4238,7 +6408,7 @@
         <p:spPr>
           <a:xfrm>
             <a:off x="5789973" y="4233473"/>
-            <a:ext cx="4333462" cy="579685"/>
+            <a:ext cx="4333462" cy="694152"/>
           </a:xfrm>
           <a:prstGeom prst="rect">
             <a:avLst/>
@@ -4329,8 +6499,8 @@
         </p:nvSpPr>
         <p:spPr>
           <a:xfrm>
-            <a:off x="5828892" y="4451283"/>
-            <a:ext cx="2098098" cy="237439"/>
+            <a:off x="5828892" y="4414254"/>
+            <a:ext cx="2098098" cy="436508"/>
           </a:xfrm>
           <a:prstGeom prst="rect">
             <a:avLst/>
@@ -4381,8 +6551,8 @@
         </p:nvSpPr>
         <p:spPr>
           <a:xfrm>
-            <a:off x="5828893" y="4427112"/>
-            <a:ext cx="1753386" cy="261610"/>
+            <a:off x="6126187" y="4393405"/>
+            <a:ext cx="1537305" cy="261610"/>
           </a:xfrm>
           <a:prstGeom prst="rect">
             <a:avLst/>
@@ -4421,8 +6591,8 @@
         </p:nvSpPr>
         <p:spPr>
           <a:xfrm>
-            <a:off x="8195690" y="4451282"/>
-            <a:ext cx="1753386" cy="237439"/>
+            <a:off x="8024707" y="4451282"/>
+            <a:ext cx="2025191" cy="237439"/>
           </a:xfrm>
           <a:prstGeom prst="rect">
             <a:avLst/>
@@ -4473,7 +6643,7 @@
         </p:nvSpPr>
         <p:spPr>
           <a:xfrm>
-            <a:off x="8158655" y="4420742"/>
+            <a:off x="7973440" y="4443722"/>
             <a:ext cx="1840047" cy="261610"/>
           </a:xfrm>
           <a:prstGeom prst="rect">
@@ -4514,7 +6684,7 @@
         <p:spPr>
           <a:xfrm>
             <a:off x="5780558" y="5056871"/>
-            <a:ext cx="4333462" cy="579685"/>
+            <a:ext cx="4333462" cy="694152"/>
           </a:xfrm>
           <a:prstGeom prst="rect">
             <a:avLst/>
@@ -4605,8 +6775,8 @@
         </p:nvSpPr>
         <p:spPr>
           <a:xfrm>
-            <a:off x="5819477" y="5274681"/>
-            <a:ext cx="2098098" cy="237439"/>
+            <a:off x="5819477" y="5237652"/>
+            <a:ext cx="2098098" cy="436508"/>
           </a:xfrm>
           <a:prstGeom prst="rect">
             <a:avLst/>
@@ -4657,8 +6827,8 @@
         </p:nvSpPr>
         <p:spPr>
           <a:xfrm>
-            <a:off x="5819478" y="5250510"/>
-            <a:ext cx="1753386" cy="261610"/>
+            <a:off x="6202591" y="5214508"/>
+            <a:ext cx="1395308" cy="261610"/>
           </a:xfrm>
           <a:prstGeom prst="rect">
             <a:avLst/>
@@ -4697,8 +6867,8 @@
         </p:nvSpPr>
         <p:spPr>
           <a:xfrm>
-            <a:off x="8186275" y="5274680"/>
-            <a:ext cx="1753386" cy="237439"/>
+            <a:off x="8015292" y="5274680"/>
+            <a:ext cx="2025191" cy="237439"/>
           </a:xfrm>
           <a:prstGeom prst="rect">
             <a:avLst/>
@@ -4749,7 +6919,7 @@
         </p:nvSpPr>
         <p:spPr>
           <a:xfrm>
-            <a:off x="8144762" y="5254163"/>
+            <a:off x="7973440" y="5263571"/>
             <a:ext cx="1853940" cy="261610"/>
           </a:xfrm>
           <a:prstGeom prst="rect">
@@ -4765,19 +6935,11 @@
           <a:p>
             <a:r>
               <a:rPr lang="de-CH" sz="1100" b="1" i="1" dirty="0" err="1"/>
-              <a:t>id_</a:t>
-            </a:r>
-            <a:r>
-              <a:rPr lang="de-CH" sz="1100" b="1" i="1" err="1"/>
-              <a:t>unique</a:t>
-            </a:r>
-            <a:r>
-              <a:rPr lang="de-CH" sz="1100" b="1"/>
-              <a:t>_div_info</a:t>
+              <a:t>id_unique</a:t>
             </a:r>
             <a:r>
               <a:rPr lang="de-CH" sz="1100" b="1" dirty="0" err="1"/>
-              <a:t>_button</a:t>
+              <a:t>_div_info_button</a:t>
             </a:r>
             <a:endParaRPr lang="de-CH" b="1" dirty="0"/>
           </a:p>
@@ -4967,470 +7129,516 @@
           </a:p>
         </p:txBody>
       </p:sp>
-      <p:cxnSp>
-        <p:nvCxnSpPr>
-          <p:cNvPr id="72" name="Gerader Verbinder 71">
+      <p:pic>
+        <p:nvPicPr>
+          <p:cNvPr id="41" name="Grafik 40">
             <a:extLst>
               <a:ext uri="{FF2B5EF4-FFF2-40B4-BE49-F238E27FC236}">
-                <a16:creationId xmlns:a16="http://schemas.microsoft.com/office/drawing/2014/main" id="{6CBD7880-CE23-3BF1-DA56-EBBBD5C8876E}"/>
+                <a16:creationId xmlns:a16="http://schemas.microsoft.com/office/drawing/2014/main" id="{11E3D67F-A3E5-B3D2-4C17-F31D53FFEB2B}"/>
               </a:ext>
             </a:extLst>
           </p:cNvPr>
-          <p:cNvCxnSpPr>
-            <a:endCxn id="12" idx="1"/>
-          </p:cNvCxnSpPr>
+          <p:cNvPicPr>
+            <a:picLocks noChangeAspect="1"/>
+          </p:cNvPicPr>
           <p:nvPr/>
-        </p:nvCxnSpPr>
+        </p:nvPicPr>
+        <p:blipFill>
+          <a:blip r:embed="rId2"/>
+          <a:stretch>
+            <a:fillRect/>
+          </a:stretch>
+        </p:blipFill>
         <p:spPr>
           <a:xfrm>
-            <a:off x="4336330" y="424206"/>
-            <a:ext cx="1461142" cy="249583"/>
+            <a:off x="7804824" y="593432"/>
+            <a:ext cx="658549" cy="167427"/>
           </a:xfrm>
-          <a:prstGeom prst="line">
+          <a:prstGeom prst="rect">
             <a:avLst/>
           </a:prstGeom>
         </p:spPr>
-        <p:style>
-          <a:lnRef idx="1">
-            <a:schemeClr val="accent1"/>
-          </a:lnRef>
-          <a:fillRef idx="0">
-            <a:schemeClr val="accent1"/>
-          </a:fillRef>
-          <a:effectRef idx="0">
-            <a:schemeClr val="accent1"/>
-          </a:effectRef>
-          <a:fontRef idx="minor">
-            <a:schemeClr val="tx1"/>
-          </a:fontRef>
-        </p:style>
-      </p:cxnSp>
-      <p:cxnSp>
-        <p:nvCxnSpPr>
-          <p:cNvPr id="73" name="Gerader Verbinder 72">
+      </p:pic>
+      <p:pic>
+        <p:nvPicPr>
+          <p:cNvPr id="46" name="Grafik 45">
             <a:extLst>
               <a:ext uri="{FF2B5EF4-FFF2-40B4-BE49-F238E27FC236}">
-                <a16:creationId xmlns:a16="http://schemas.microsoft.com/office/drawing/2014/main" id="{A775C452-EFAE-7EFA-411D-0725FDC61846}"/>
+                <a16:creationId xmlns:a16="http://schemas.microsoft.com/office/drawing/2014/main" id="{B4B002E9-4271-EA73-8AC6-46EF6909AA62}"/>
               </a:ext>
             </a:extLst>
           </p:cNvPr>
-          <p:cNvCxnSpPr>
-            <a:cxnSpLocks/>
-          </p:cNvCxnSpPr>
+          <p:cNvPicPr>
+            <a:picLocks noChangeAspect="1"/>
+          </p:cNvPicPr>
           <p:nvPr/>
-        </p:nvCxnSpPr>
+        </p:nvPicPr>
+        <p:blipFill>
+          <a:blip r:embed="rId3"/>
+          <a:stretch>
+            <a:fillRect/>
+          </a:stretch>
+        </p:blipFill>
         <p:spPr>
           <a:xfrm>
-            <a:off x="3552414" y="1057761"/>
-            <a:ext cx="2153130" cy="0"/>
+            <a:off x="7560313" y="981128"/>
+            <a:ext cx="1694473" cy="165476"/>
           </a:xfrm>
-          <a:prstGeom prst="line">
+          <a:prstGeom prst="rect">
             <a:avLst/>
           </a:prstGeom>
         </p:spPr>
-        <p:style>
-          <a:lnRef idx="1">
-            <a:schemeClr val="accent1"/>
-          </a:lnRef>
-          <a:fillRef idx="0">
-            <a:schemeClr val="accent1"/>
-          </a:fillRef>
-          <a:effectRef idx="0">
-            <a:schemeClr val="accent1"/>
-          </a:effectRef>
-          <a:fontRef idx="minor">
-            <a:schemeClr val="tx1"/>
-          </a:fontRef>
-        </p:style>
-      </p:cxnSp>
-      <p:cxnSp>
-        <p:nvCxnSpPr>
-          <p:cNvPr id="75" name="Gerader Verbinder 74">
+      </p:pic>
+      <p:pic>
+        <p:nvPicPr>
+          <p:cNvPr id="51" name="Grafik 50">
             <a:extLst>
               <a:ext uri="{FF2B5EF4-FFF2-40B4-BE49-F238E27FC236}">
-                <a16:creationId xmlns:a16="http://schemas.microsoft.com/office/drawing/2014/main" id="{B9E7B766-1475-C957-8E97-A621B4A5E5C2}"/>
+                <a16:creationId xmlns:a16="http://schemas.microsoft.com/office/drawing/2014/main" id="{3486F069-BEF6-56AC-FB37-D751F3BD0E35}"/>
               </a:ext>
             </a:extLst>
           </p:cNvPr>
-          <p:cNvCxnSpPr>
-            <a:cxnSpLocks/>
-          </p:cNvCxnSpPr>
+          <p:cNvPicPr>
+            <a:picLocks noChangeAspect="1"/>
+          </p:cNvPicPr>
           <p:nvPr/>
-        </p:nvCxnSpPr>
+        </p:nvPicPr>
+        <p:blipFill>
+          <a:blip r:embed="rId4"/>
+          <a:stretch>
+            <a:fillRect/>
+          </a:stretch>
+        </p:blipFill>
         <p:spPr>
           <a:xfrm>
-            <a:off x="3942870" y="1403822"/>
-            <a:ext cx="1886021" cy="0"/>
+            <a:off x="7854225" y="1323306"/>
+            <a:ext cx="738673" cy="159713"/>
           </a:xfrm>
-          <a:prstGeom prst="line">
+          <a:prstGeom prst="rect">
             <a:avLst/>
           </a:prstGeom>
         </p:spPr>
-        <p:style>
-          <a:lnRef idx="1">
-            <a:schemeClr val="accent1"/>
-          </a:lnRef>
-          <a:fillRef idx="0">
-            <a:schemeClr val="accent1"/>
-          </a:fillRef>
-          <a:effectRef idx="0">
-            <a:schemeClr val="accent1"/>
-          </a:effectRef>
-          <a:fontRef idx="minor">
-            <a:schemeClr val="tx1"/>
-          </a:fontRef>
-        </p:style>
-      </p:cxnSp>
-      <p:cxnSp>
-        <p:nvCxnSpPr>
-          <p:cNvPr id="77" name="Gerader Verbinder 76">
+      </p:pic>
+      <p:pic>
+        <p:nvPicPr>
+          <p:cNvPr id="53" name="Grafik 52">
             <a:extLst>
               <a:ext uri="{FF2B5EF4-FFF2-40B4-BE49-F238E27FC236}">
-                <a16:creationId xmlns:a16="http://schemas.microsoft.com/office/drawing/2014/main" id="{6FEE46FD-F782-CAC8-30B8-01EA7C125A58}"/>
+                <a16:creationId xmlns:a16="http://schemas.microsoft.com/office/drawing/2014/main" id="{29E2F5DB-90EA-68BA-D3D2-3C58EDCE9FD5}"/>
               </a:ext>
             </a:extLst>
           </p:cNvPr>
-          <p:cNvCxnSpPr>
-            <a:cxnSpLocks/>
-            <a:endCxn id="20" idx="1"/>
-          </p:cNvCxnSpPr>
+          <p:cNvPicPr>
+            <a:picLocks noChangeAspect="1"/>
+          </p:cNvPicPr>
           <p:nvPr/>
-        </p:nvCxnSpPr>
+        </p:nvPicPr>
+        <p:blipFill>
+          <a:blip r:embed="rId5"/>
+          <a:stretch>
+            <a:fillRect/>
+          </a:stretch>
+        </p:blipFill>
         <p:spPr>
           <a:xfrm>
-            <a:off x="2846895" y="1868620"/>
-            <a:ext cx="2897837" cy="50446"/>
+            <a:off x="7582279" y="1857736"/>
+            <a:ext cx="1358525" cy="127596"/>
           </a:xfrm>
-          <a:prstGeom prst="line">
+          <a:prstGeom prst="rect">
             <a:avLst/>
           </a:prstGeom>
         </p:spPr>
-        <p:style>
-          <a:lnRef idx="1">
-            <a:schemeClr val="accent1"/>
-          </a:lnRef>
-          <a:fillRef idx="0">
-            <a:schemeClr val="accent1"/>
-          </a:fillRef>
-          <a:effectRef idx="0">
-            <a:schemeClr val="accent1"/>
-          </a:effectRef>
-          <a:fontRef idx="minor">
-            <a:schemeClr val="tx1"/>
-          </a:fontRef>
-        </p:style>
-      </p:cxnSp>
-      <p:cxnSp>
-        <p:nvCxnSpPr>
-          <p:cNvPr id="84" name="Gerader Verbinder 83">
+      </p:pic>
+      <p:pic>
+        <p:nvPicPr>
+          <p:cNvPr id="55" name="Grafik 54">
             <a:extLst>
               <a:ext uri="{FF2B5EF4-FFF2-40B4-BE49-F238E27FC236}">
-                <a16:creationId xmlns:a16="http://schemas.microsoft.com/office/drawing/2014/main" id="{6DD356CF-F9D0-DF94-7D97-0E04CB4665B4}"/>
+                <a16:creationId xmlns:a16="http://schemas.microsoft.com/office/drawing/2014/main" id="{631F03B9-5B00-0645-DC8A-D7A5103D5448}"/>
               </a:ext>
             </a:extLst>
           </p:cNvPr>
-          <p:cNvCxnSpPr>
-            <a:cxnSpLocks/>
-            <a:endCxn id="22" idx="1"/>
-          </p:cNvCxnSpPr>
+          <p:cNvPicPr>
+            <a:picLocks noChangeAspect="1"/>
+          </p:cNvPicPr>
           <p:nvPr/>
-        </p:nvCxnSpPr>
+        </p:nvPicPr>
+        <p:blipFill>
+          <a:blip r:embed="rId6"/>
+          <a:stretch>
+            <a:fillRect/>
+          </a:stretch>
+        </p:blipFill>
         <p:spPr>
-          <a:xfrm flipV="1">
-            <a:off x="4100660" y="2177543"/>
-            <a:ext cx="1644071" cy="103501"/>
+          <a:xfrm>
+            <a:off x="529223" y="221362"/>
+            <a:ext cx="4808482" cy="6415276"/>
           </a:xfrm>
-          <a:prstGeom prst="line">
+          <a:prstGeom prst="rect">
             <a:avLst/>
           </a:prstGeom>
         </p:spPr>
-        <p:style>
-          <a:lnRef idx="1">
-            <a:schemeClr val="accent1"/>
-          </a:lnRef>
-          <a:fillRef idx="0">
-            <a:schemeClr val="accent1"/>
-          </a:fillRef>
-          <a:effectRef idx="0">
-            <a:schemeClr val="accent1"/>
-          </a:effectRef>
-          <a:fontRef idx="minor">
-            <a:schemeClr val="tx1"/>
-          </a:fontRef>
-        </p:style>
-      </p:cxnSp>
-      <p:cxnSp>
-        <p:nvCxnSpPr>
-          <p:cNvPr id="87" name="Gerader Verbinder 86">
+      </p:pic>
+      <p:pic>
+        <p:nvPicPr>
+          <p:cNvPr id="59" name="Grafik 58">
             <a:extLst>
               <a:ext uri="{FF2B5EF4-FFF2-40B4-BE49-F238E27FC236}">
-                <a16:creationId xmlns:a16="http://schemas.microsoft.com/office/drawing/2014/main" id="{48D9558A-9649-7FCE-01C2-0D5E4DBC11FC}"/>
+                <a16:creationId xmlns:a16="http://schemas.microsoft.com/office/drawing/2014/main" id="{A4996E98-D410-09F6-9FC5-6B2E6AF8165C}"/>
               </a:ext>
             </a:extLst>
           </p:cNvPr>
-          <p:cNvCxnSpPr>
-            <a:cxnSpLocks/>
-          </p:cNvCxnSpPr>
+          <p:cNvPicPr>
+            <a:picLocks noChangeAspect="1"/>
+          </p:cNvPicPr>
           <p:nvPr/>
-        </p:nvCxnSpPr>
+        </p:nvPicPr>
+        <p:blipFill>
+          <a:blip r:embed="rId7"/>
+          <a:stretch>
+            <a:fillRect/>
+          </a:stretch>
+        </p:blipFill>
         <p:spPr>
           <a:xfrm>
-            <a:off x="2648932" y="2693150"/>
-            <a:ext cx="3113578" cy="221032"/>
+            <a:off x="5916675" y="3542336"/>
+            <a:ext cx="1937550" cy="239552"/>
           </a:xfrm>
-          <a:prstGeom prst="line">
+          <a:prstGeom prst="rect">
             <a:avLst/>
           </a:prstGeom>
         </p:spPr>
-        <p:style>
-          <a:lnRef idx="1">
-            <a:schemeClr val="accent1"/>
-          </a:lnRef>
-          <a:fillRef idx="0">
-            <a:schemeClr val="accent1"/>
-          </a:fillRef>
-          <a:effectRef idx="0">
-            <a:schemeClr val="accent1"/>
-          </a:effectRef>
-          <a:fontRef idx="minor">
-            <a:schemeClr val="tx1"/>
-          </a:fontRef>
-        </p:style>
-      </p:cxnSp>
-      <p:cxnSp>
-        <p:nvCxnSpPr>
-          <p:cNvPr id="89" name="Gerader Verbinder 88">
+      </p:pic>
+      <p:pic>
+        <p:nvPicPr>
+          <p:cNvPr id="71" name="Grafik 70">
             <a:extLst>
               <a:ext uri="{FF2B5EF4-FFF2-40B4-BE49-F238E27FC236}">
-                <a16:creationId xmlns:a16="http://schemas.microsoft.com/office/drawing/2014/main" id="{79E3A185-BED8-4764-D90E-CB262E44D033}"/>
+                <a16:creationId xmlns:a16="http://schemas.microsoft.com/office/drawing/2014/main" id="{F70EC39C-7BE4-A306-CB1A-DF27EFA95313}"/>
               </a:ext>
             </a:extLst>
           </p:cNvPr>
-          <p:cNvCxnSpPr>
-            <a:cxnSpLocks/>
-            <a:endCxn id="32" idx="1"/>
-          </p:cNvCxnSpPr>
+          <p:cNvPicPr>
+            <a:picLocks noChangeAspect="1"/>
+          </p:cNvPicPr>
           <p:nvPr/>
-        </p:nvCxnSpPr>
+        </p:nvPicPr>
+        <p:blipFill>
+          <a:blip r:embed="rId8"/>
+          <a:stretch>
+            <a:fillRect/>
+          </a:stretch>
+        </p:blipFill>
         <p:spPr>
           <a:xfrm>
-            <a:off x="4053189" y="3119206"/>
-            <a:ext cx="1691542" cy="130805"/>
+            <a:off x="7980404" y="3995186"/>
+            <a:ext cx="700848" cy="150720"/>
           </a:xfrm>
-          <a:prstGeom prst="line">
+          <a:prstGeom prst="rect">
             <a:avLst/>
           </a:prstGeom>
         </p:spPr>
-        <p:style>
-          <a:lnRef idx="1">
-            <a:schemeClr val="accent1"/>
-          </a:lnRef>
-          <a:fillRef idx="0">
-            <a:schemeClr val="accent1"/>
-          </a:fillRef>
-          <a:effectRef idx="0">
-            <a:schemeClr val="accent1"/>
-          </a:effectRef>
-          <a:fontRef idx="minor">
-            <a:schemeClr val="tx1"/>
-          </a:fontRef>
-        </p:style>
-      </p:cxnSp>
-      <p:cxnSp>
-        <p:nvCxnSpPr>
-          <p:cNvPr id="91" name="Gerader Verbinder 90">
+      </p:pic>
+      <p:pic>
+        <p:nvPicPr>
+          <p:cNvPr id="76" name="Grafik 75">
             <a:extLst>
               <a:ext uri="{FF2B5EF4-FFF2-40B4-BE49-F238E27FC236}">
-                <a16:creationId xmlns:a16="http://schemas.microsoft.com/office/drawing/2014/main" id="{A4CD5650-48A6-8C25-5D1F-E38AEFCA1571}"/>
+                <a16:creationId xmlns:a16="http://schemas.microsoft.com/office/drawing/2014/main" id="{E4497476-FBB9-F2BE-92DB-E97F6217B9D9}"/>
               </a:ext>
             </a:extLst>
           </p:cNvPr>
-          <p:cNvCxnSpPr>
-            <a:cxnSpLocks/>
-            <a:endCxn id="44" idx="1"/>
-          </p:cNvCxnSpPr>
+          <p:cNvPicPr>
+            <a:picLocks noChangeAspect="1"/>
+          </p:cNvPicPr>
           <p:nvPr/>
-        </p:nvCxnSpPr>
+        </p:nvPicPr>
+        <p:blipFill>
+          <a:blip r:embed="rId9"/>
+          <a:stretch>
+            <a:fillRect/>
+          </a:stretch>
+        </p:blipFill>
         <p:spPr>
           <a:xfrm>
-            <a:off x="2830618" y="3406988"/>
-            <a:ext cx="2922588" cy="658146"/>
+            <a:off x="5894104" y="4595114"/>
+            <a:ext cx="2001469" cy="241053"/>
           </a:xfrm>
-          <a:prstGeom prst="line">
+          <a:prstGeom prst="rect">
             <a:avLst/>
           </a:prstGeom>
         </p:spPr>
-        <p:style>
-          <a:lnRef idx="1">
-            <a:schemeClr val="accent1"/>
-          </a:lnRef>
-          <a:fillRef idx="0">
-            <a:schemeClr val="accent1"/>
-          </a:fillRef>
-          <a:effectRef idx="0">
-            <a:schemeClr val="accent1"/>
-          </a:effectRef>
-          <a:fontRef idx="minor">
-            <a:schemeClr val="tx1"/>
-          </a:fontRef>
-        </p:style>
-      </p:cxnSp>
-      <p:cxnSp>
-        <p:nvCxnSpPr>
-          <p:cNvPr id="93" name="Gerader Verbinder 92">
+      </p:pic>
+      <p:pic>
+        <p:nvPicPr>
+          <p:cNvPr id="79" name="Grafik 78">
             <a:extLst>
               <a:ext uri="{FF2B5EF4-FFF2-40B4-BE49-F238E27FC236}">
-                <a16:creationId xmlns:a16="http://schemas.microsoft.com/office/drawing/2014/main" id="{6E2A9F95-6CF3-E020-9CE0-3F0E1C5FD7EE}"/>
+                <a16:creationId xmlns:a16="http://schemas.microsoft.com/office/drawing/2014/main" id="{5E26D13D-240F-A229-2C5E-D73F3B58D945}"/>
               </a:ext>
             </a:extLst>
           </p:cNvPr>
-          <p:cNvCxnSpPr>
-            <a:cxnSpLocks/>
-            <a:endCxn id="48" idx="1"/>
-          </p:cNvCxnSpPr>
+          <p:cNvPicPr>
+            <a:picLocks noChangeAspect="1"/>
+          </p:cNvPicPr>
           <p:nvPr/>
-        </p:nvCxnSpPr>
+        </p:nvPicPr>
+        <p:blipFill>
+          <a:blip r:embed="rId10"/>
+          <a:stretch>
+            <a:fillRect/>
+          </a:stretch>
+        </p:blipFill>
         <p:spPr>
           <a:xfrm>
-            <a:off x="3783208" y="3720449"/>
-            <a:ext cx="1969997" cy="603162"/>
+            <a:off x="7764512" y="2920100"/>
+            <a:ext cx="964659" cy="132549"/>
           </a:xfrm>
-          <a:prstGeom prst="line">
+          <a:prstGeom prst="rect">
             <a:avLst/>
           </a:prstGeom>
         </p:spPr>
-        <p:style>
-          <a:lnRef idx="1">
-            <a:schemeClr val="accent1"/>
-          </a:lnRef>
-          <a:fillRef idx="0">
-            <a:schemeClr val="accent1"/>
-          </a:fillRef>
-          <a:effectRef idx="0">
-            <a:schemeClr val="accent1"/>
-          </a:effectRef>
-          <a:fontRef idx="minor">
-            <a:schemeClr val="tx1"/>
-          </a:fontRef>
-        </p:style>
-      </p:cxnSp>
-      <p:cxnSp>
-        <p:nvCxnSpPr>
-          <p:cNvPr id="95" name="Gerader Verbinder 94">
+      </p:pic>
+      <p:pic>
+        <p:nvPicPr>
+          <p:cNvPr id="81" name="Grafik 80">
             <a:extLst>
               <a:ext uri="{FF2B5EF4-FFF2-40B4-BE49-F238E27FC236}">
-                <a16:creationId xmlns:a16="http://schemas.microsoft.com/office/drawing/2014/main" id="{49567E4B-7F9F-02FD-0168-F03276F786F0}"/>
+                <a16:creationId xmlns:a16="http://schemas.microsoft.com/office/drawing/2014/main" id="{2F724F35-3AE0-D06B-1FC9-B073F230039A}"/>
               </a:ext>
             </a:extLst>
           </p:cNvPr>
-          <p:cNvCxnSpPr>
-            <a:cxnSpLocks/>
-            <a:endCxn id="62" idx="1"/>
-          </p:cNvCxnSpPr>
+          <p:cNvPicPr>
+            <a:picLocks noChangeAspect="1"/>
+          </p:cNvPicPr>
           <p:nvPr/>
-        </p:nvCxnSpPr>
+        </p:nvPicPr>
+        <p:blipFill>
+          <a:blip r:embed="rId11"/>
+          <a:stretch>
+            <a:fillRect/>
+          </a:stretch>
+        </p:blipFill>
         <p:spPr>
           <a:xfrm>
-            <a:off x="2588779" y="4240928"/>
-            <a:ext cx="3155011" cy="906081"/>
+            <a:off x="5875331" y="2463083"/>
+            <a:ext cx="1967253" cy="234366"/>
           </a:xfrm>
-          <a:prstGeom prst="line">
+          <a:prstGeom prst="rect">
             <a:avLst/>
           </a:prstGeom>
         </p:spPr>
-        <p:style>
-          <a:lnRef idx="1">
-            <a:schemeClr val="accent1"/>
-          </a:lnRef>
-          <a:fillRef idx="0">
-            <a:schemeClr val="accent1"/>
-          </a:fillRef>
-          <a:effectRef idx="0">
-            <a:schemeClr val="accent1"/>
-          </a:effectRef>
-          <a:fontRef idx="minor">
-            <a:schemeClr val="tx1"/>
-          </a:fontRef>
-        </p:style>
-      </p:cxnSp>
-      <p:cxnSp>
-        <p:nvCxnSpPr>
-          <p:cNvPr id="97" name="Gerader Verbinder 96">
+      </p:pic>
+      <p:pic>
+        <p:nvPicPr>
+          <p:cNvPr id="85" name="Grafik 84">
             <a:extLst>
               <a:ext uri="{FF2B5EF4-FFF2-40B4-BE49-F238E27FC236}">
-                <a16:creationId xmlns:a16="http://schemas.microsoft.com/office/drawing/2014/main" id="{E0E95EF4-FF4C-24D4-E028-DD5EC9F99C48}"/>
+                <a16:creationId xmlns:a16="http://schemas.microsoft.com/office/drawing/2014/main" id="{149EB857-CC1A-FD2D-1688-CFB499A1F26D}"/>
               </a:ext>
             </a:extLst>
           </p:cNvPr>
-          <p:cNvCxnSpPr>
-            <a:cxnSpLocks/>
-            <a:endCxn id="68" idx="1"/>
-          </p:cNvCxnSpPr>
+          <p:cNvPicPr>
+            <a:picLocks noChangeAspect="1"/>
+          </p:cNvPicPr>
           <p:nvPr/>
-        </p:nvCxnSpPr>
+        </p:nvPicPr>
+        <p:blipFill>
+          <a:blip r:embed="rId12"/>
+          <a:stretch>
+            <a:fillRect/>
+          </a:stretch>
+        </p:blipFill>
         <p:spPr>
           <a:xfrm>
-            <a:off x="2356701" y="4749452"/>
-            <a:ext cx="3417569" cy="1192429"/>
+            <a:off x="6497443" y="5442727"/>
+            <a:ext cx="691375" cy="201371"/>
           </a:xfrm>
-          <a:prstGeom prst="line">
+          <a:prstGeom prst="rect">
             <a:avLst/>
           </a:prstGeom>
         </p:spPr>
-        <p:style>
-          <a:lnRef idx="1">
-            <a:schemeClr val="accent1"/>
-          </a:lnRef>
-          <a:fillRef idx="0">
-            <a:schemeClr val="accent1"/>
-          </a:fillRef>
-          <a:effectRef idx="0">
-            <a:schemeClr val="accent1"/>
-          </a:effectRef>
-          <a:fontRef idx="minor">
-            <a:schemeClr val="tx1"/>
-          </a:fontRef>
-        </p:style>
-      </p:cxnSp>
-      <p:cxnSp>
-        <p:nvCxnSpPr>
-          <p:cNvPr id="100" name="Gerader Verbinder 99">
+      </p:pic>
+      <p:pic>
+        <p:nvPicPr>
+          <p:cNvPr id="88" name="Grafik 87">
             <a:extLst>
               <a:ext uri="{FF2B5EF4-FFF2-40B4-BE49-F238E27FC236}">
-                <a16:creationId xmlns:a16="http://schemas.microsoft.com/office/drawing/2014/main" id="{C8240E0F-4A19-5B44-FD33-8CC80F8B84A8}"/>
+                <a16:creationId xmlns:a16="http://schemas.microsoft.com/office/drawing/2014/main" id="{A4281EDF-8D84-E106-BC00-109487057700}"/>
               </a:ext>
             </a:extLst>
           </p:cNvPr>
-          <p:cNvCxnSpPr>
-            <a:cxnSpLocks/>
-            <a:endCxn id="70" idx="1"/>
-          </p:cNvCxnSpPr>
+          <p:cNvPicPr>
+            <a:picLocks noChangeAspect="1"/>
+          </p:cNvPicPr>
           <p:nvPr/>
-        </p:nvCxnSpPr>
+        </p:nvPicPr>
+        <p:blipFill>
+          <a:blip r:embed="rId13"/>
+          <a:stretch>
+            <a:fillRect/>
+          </a:stretch>
+        </p:blipFill>
         <p:spPr>
           <a:xfrm>
-            <a:off x="4134281" y="6008117"/>
-            <a:ext cx="1648427" cy="306817"/>
+            <a:off x="9752080" y="3429162"/>
+            <a:ext cx="228863" cy="170013"/>
           </a:xfrm>
-          <a:prstGeom prst="line">
+          <a:prstGeom prst="rect">
             <a:avLst/>
           </a:prstGeom>
         </p:spPr>
-        <p:style>
-          <a:lnRef idx="1">
-            <a:schemeClr val="accent1"/>
-          </a:lnRef>
-          <a:fillRef idx="0">
-            <a:schemeClr val="accent1"/>
-          </a:fillRef>
-          <a:effectRef idx="0">
-            <a:schemeClr val="accent1"/>
-          </a:effectRef>
-          <a:fontRef idx="minor">
-            <a:schemeClr val="tx1"/>
-          </a:fontRef>
-        </p:style>
-      </p:cxnSp>
+      </p:pic>
+      <p:pic>
+        <p:nvPicPr>
+          <p:cNvPr id="90" name="Grafik 89">
+            <a:extLst>
+              <a:ext uri="{FF2B5EF4-FFF2-40B4-BE49-F238E27FC236}">
+                <a16:creationId xmlns:a16="http://schemas.microsoft.com/office/drawing/2014/main" id="{D5806BD4-E446-7CF0-A883-7D88099B0AAD}"/>
+              </a:ext>
+            </a:extLst>
+          </p:cNvPr>
+          <p:cNvPicPr>
+            <a:picLocks noChangeAspect="1"/>
+          </p:cNvPicPr>
+          <p:nvPr/>
+        </p:nvPicPr>
+        <p:blipFill>
+          <a:blip r:embed="rId13"/>
+          <a:stretch>
+            <a:fillRect/>
+          </a:stretch>
+        </p:blipFill>
+        <p:spPr>
+          <a:xfrm>
+            <a:off x="9741836" y="5325883"/>
+            <a:ext cx="228863" cy="170013"/>
+          </a:xfrm>
+          <a:prstGeom prst="rect">
+            <a:avLst/>
+          </a:prstGeom>
+        </p:spPr>
+      </p:pic>
+      <p:pic>
+        <p:nvPicPr>
+          <p:cNvPr id="92" name="Grafik 91">
+            <a:extLst>
+              <a:ext uri="{FF2B5EF4-FFF2-40B4-BE49-F238E27FC236}">
+                <a16:creationId xmlns:a16="http://schemas.microsoft.com/office/drawing/2014/main" id="{0A28F243-C5A5-7343-78BF-76542A13F645}"/>
+              </a:ext>
+            </a:extLst>
+          </p:cNvPr>
+          <p:cNvPicPr>
+            <a:picLocks noChangeAspect="1"/>
+          </p:cNvPicPr>
+          <p:nvPr/>
+        </p:nvPicPr>
+        <p:blipFill>
+          <a:blip r:embed="rId13"/>
+          <a:stretch>
+            <a:fillRect/>
+          </a:stretch>
+        </p:blipFill>
+        <p:spPr>
+          <a:xfrm>
+            <a:off x="9746009" y="4502212"/>
+            <a:ext cx="228863" cy="170013"/>
+          </a:xfrm>
+          <a:prstGeom prst="rect">
+            <a:avLst/>
+          </a:prstGeom>
+        </p:spPr>
+      </p:pic>
+      <p:pic>
+        <p:nvPicPr>
+          <p:cNvPr id="94" name="Grafik 93">
+            <a:extLst>
+              <a:ext uri="{FF2B5EF4-FFF2-40B4-BE49-F238E27FC236}">
+                <a16:creationId xmlns:a16="http://schemas.microsoft.com/office/drawing/2014/main" id="{4B71E3D0-ACA2-5C42-2BBB-951A024AC57C}"/>
+              </a:ext>
+            </a:extLst>
+          </p:cNvPr>
+          <p:cNvPicPr>
+            <a:picLocks noChangeAspect="1"/>
+          </p:cNvPicPr>
+          <p:nvPr/>
+        </p:nvPicPr>
+        <p:blipFill>
+          <a:blip r:embed="rId13"/>
+          <a:stretch>
+            <a:fillRect/>
+          </a:stretch>
+        </p:blipFill>
+        <p:spPr>
+          <a:xfrm>
+            <a:off x="9777815" y="2348281"/>
+            <a:ext cx="228863" cy="170013"/>
+          </a:xfrm>
+          <a:prstGeom prst="rect">
+            <a:avLst/>
+          </a:prstGeom>
+        </p:spPr>
+      </p:pic>
+      <p:pic>
+        <p:nvPicPr>
+          <p:cNvPr id="98" name="Grafik 97">
+            <a:extLst>
+              <a:ext uri="{FF2B5EF4-FFF2-40B4-BE49-F238E27FC236}">
+                <a16:creationId xmlns:a16="http://schemas.microsoft.com/office/drawing/2014/main" id="{E53AFB54-6F06-1872-8CE2-0B1774C74702}"/>
+              </a:ext>
+            </a:extLst>
+          </p:cNvPr>
+          <p:cNvPicPr>
+            <a:picLocks noChangeAspect="1"/>
+          </p:cNvPicPr>
+          <p:nvPr/>
+        </p:nvPicPr>
+        <p:blipFill>
+          <a:blip r:embed="rId14"/>
+          <a:stretch>
+            <a:fillRect/>
+          </a:stretch>
+        </p:blipFill>
+        <p:spPr>
+          <a:xfrm>
+            <a:off x="7639391" y="5860114"/>
+            <a:ext cx="1244300" cy="168718"/>
+          </a:xfrm>
+          <a:prstGeom prst="rect">
+            <a:avLst/>
+          </a:prstGeom>
+        </p:spPr>
+      </p:pic>
+      <p:pic>
+        <p:nvPicPr>
+          <p:cNvPr id="101" name="Grafik 100">
+            <a:extLst>
+              <a:ext uri="{FF2B5EF4-FFF2-40B4-BE49-F238E27FC236}">
+                <a16:creationId xmlns:a16="http://schemas.microsoft.com/office/drawing/2014/main" id="{A3354BF7-2365-D9EB-F878-77D3CCDB6A9B}"/>
+              </a:ext>
+            </a:extLst>
+          </p:cNvPr>
+          <p:cNvPicPr>
+            <a:picLocks noChangeAspect="1"/>
+          </p:cNvPicPr>
+          <p:nvPr/>
+        </p:nvPicPr>
+        <p:blipFill>
+          <a:blip r:embed="rId15"/>
+          <a:stretch>
+            <a:fillRect/>
+          </a:stretch>
+        </p:blipFill>
+        <p:spPr>
+          <a:xfrm>
+            <a:off x="7673198" y="6242627"/>
+            <a:ext cx="1716129" cy="132577"/>
+          </a:xfrm>
+          <a:prstGeom prst="rect">
+            <a:avLst/>
+          </a:prstGeom>
+        </p:spPr>
+      </p:pic>
     </p:spTree>
     <p:extLst>
       <p:ext uri="{BB962C8B-B14F-4D97-AF65-F5344CB8AC3E}">
@@ -5444,7 +7652,7 @@
 </p:sld>
 </file>
 
-<file path=ppt/slides/slide2.xml><?xml version="1.0" encoding="utf-8"?>
+<file path=ppt/slides/slide6.xml><?xml version="1.0" encoding="utf-8"?>
 <p:sld xmlns:a="http://schemas.openxmlformats.org/drawingml/2006/main" xmlns:r="http://schemas.openxmlformats.org/officeDocument/2006/relationships" xmlns:p="http://schemas.openxmlformats.org/presentationml/2006/main">
   <p:cSld>
     <p:spTree>
@@ -6560,7 +8768,7 @@
 </p:sld>
 </file>
 
-<file path=ppt/slides/slide3.xml><?xml version="1.0" encoding="utf-8"?>
+<file path=ppt/slides/slide7.xml><?xml version="1.0" encoding="utf-8"?>
 <p:sld xmlns:a="http://schemas.openxmlformats.org/drawingml/2006/main" xmlns:r="http://schemas.openxmlformats.org/officeDocument/2006/relationships" xmlns:p="http://schemas.openxmlformats.org/presentationml/2006/main">
   <p:cSld>
     <p:spTree>
@@ -8302,7 +10510,7 @@
 </p:sld>
 </file>
 
-<file path=ppt/slides/slide4.xml><?xml version="1.0" encoding="utf-8"?>
+<file path=ppt/slides/slide8.xml><?xml version="1.0" encoding="utf-8"?>
 <p:sld xmlns:a="http://schemas.openxmlformats.org/drawingml/2006/main" xmlns:r="http://schemas.openxmlformats.org/officeDocument/2006/relationships" xmlns:p="http://schemas.openxmlformats.org/presentationml/2006/main">
   <p:cSld>
     <p:spTree>
@@ -10960,7 +13168,7 @@
 </p:sld>
 </file>
 
-<file path=ppt/slides/slide5.xml><?xml version="1.0" encoding="utf-8"?>
+<file path=ppt/slides/slide9.xml><?xml version="1.0" encoding="utf-8"?>
 <p:sld xmlns:a="http://schemas.openxmlformats.org/drawingml/2006/main" xmlns:r="http://schemas.openxmlformats.org/officeDocument/2006/relationships" xmlns:p="http://schemas.openxmlformats.org/presentationml/2006/main">
   <p:cSld>
     <p:spTree>
@@ -12305,36 +14513,6 @@
     <p:extLst>
       <p:ext uri="{BB962C8B-B14F-4D97-AF65-F5344CB8AC3E}">
         <p14:creationId xmlns:p14="http://schemas.microsoft.com/office/powerpoint/2010/main" val="2987062777"/>
-      </p:ext>
-    </p:extLst>
-  </p:cSld>
-  <p:clrMapOvr>
-    <a:masterClrMapping/>
-  </p:clrMapOvr>
-</p:sld>
-</file>
-
-<file path=ppt/slides/slide6.xml><?xml version="1.0" encoding="utf-8"?>
-<p:sld xmlns:a="http://schemas.openxmlformats.org/drawingml/2006/main" xmlns:r="http://schemas.openxmlformats.org/officeDocument/2006/relationships" xmlns:p="http://schemas.openxmlformats.org/presentationml/2006/main">
-  <p:cSld>
-    <p:spTree>
-      <p:nvGrpSpPr>
-        <p:cNvPr id="1" name=""/>
-        <p:cNvGrpSpPr/>
-        <p:nvPr/>
-      </p:nvGrpSpPr>
-      <p:grpSpPr>
-        <a:xfrm>
-          <a:off x="0" y="0"/>
-          <a:ext cx="0" cy="0"/>
-          <a:chOff x="0" y="0"/>
-          <a:chExt cx="0" cy="0"/>
-        </a:xfrm>
-      </p:grpSpPr>
-    </p:spTree>
-    <p:extLst>
-      <p:ext uri="{BB962C8B-B14F-4D97-AF65-F5344CB8AC3E}">
-        <p14:creationId xmlns:p14="http://schemas.microsoft.com/office/powerpoint/2010/main" val="2699061922"/>
       </p:ext>
     </p:extLst>
   </p:cSld>
